--- a/Project Presentaion - Group 2- v1.2.0.pptx
+++ b/Project Presentaion - Group 2- v1.2.0.pptx
@@ -21,6 +21,7 @@
     <p:sldId id="268" r:id="rId16"/>
     <p:sldId id="269" r:id="rId17"/>
     <p:sldId id="270" r:id="rId18"/>
+    <p:sldId id="271" r:id="rId19"/>
   </p:sldIdLst>
   <p:sldSz cx="9144000" cy="6858000"/>
   <p:notesSz cx="7772400" cy="10058400"/>
@@ -3023,14 +3024,14 @@
                 <a:spcPct val="100000"/>
               </a:lnSpc>
             </a:pPr>
-            <a:fld id="{75541D4C-E5D2-4996-9C57-0E7C860B606A}" type="datetime">
+            <a:fld id="{6F9AEA72-C141-4495-94D2-DAE4810AE8C0}" type="datetime">
               <a:rPr b="0" lang="en-US" sz="1200" spc="-1" strike="noStrike">
                 <a:solidFill>
                   <a:srgbClr val="8b8b8b"/>
                 </a:solidFill>
                 <a:latin typeface="Calibri"/>
               </a:rPr>
-              <a:t>11/29/20</a:t>
+              <a:t>11/30/20</a:t>
             </a:fld>
             <a:endParaRPr b="0" lang="en-US" sz="1200" spc="-1" strike="noStrike">
               <a:latin typeface="Times New Roman"/>
@@ -3097,7 +3098,7 @@
                 <a:spcPct val="100000"/>
               </a:lnSpc>
             </a:pPr>
-            <a:fld id="{5985F483-EB02-4B18-A477-3C522D566CB2}" type="slidenum">
+            <a:fld id="{D28DD425-A53E-486D-B588-6DBCDC9F5623}" type="slidenum">
               <a:rPr b="0" lang="en-US" sz="1200" spc="-1" strike="noStrike">
                 <a:solidFill>
                   <a:srgbClr val="8b8b8b"/>
@@ -3628,14 +3629,14 @@
                 <a:spcPct val="100000"/>
               </a:lnSpc>
             </a:pPr>
-            <a:fld id="{B12F5006-3F0B-4BDE-BD5B-E26B04061AF1}" type="datetime">
+            <a:fld id="{56037A57-4341-4207-ADB4-5CC6C5D688E5}" type="datetime">
               <a:rPr b="0" lang="en-US" sz="1200" spc="-1" strike="noStrike">
                 <a:solidFill>
                   <a:srgbClr val="8b8b8b"/>
                 </a:solidFill>
                 <a:latin typeface="Calibri"/>
               </a:rPr>
-              <a:t>11/29/20</a:t>
+              <a:t>11/30/20</a:t>
             </a:fld>
             <a:endParaRPr b="0" lang="en-US" sz="1200" spc="-1" strike="noStrike">
               <a:latin typeface="Times New Roman"/>
@@ -3702,7 +3703,7 @@
                 <a:spcPct val="100000"/>
               </a:lnSpc>
             </a:pPr>
-            <a:fld id="{786DA294-1558-43BD-BE00-0D697D7E6E59}" type="slidenum">
+            <a:fld id="{D2940BE0-9C93-448A-BC63-5D9F042D30F2}" type="slidenum">
               <a:rPr b="0" lang="en-US" sz="1200" spc="-1" strike="noStrike">
                 <a:solidFill>
                   <a:srgbClr val="8b8b8b"/>
@@ -4123,8 +4124,8 @@
         </p:nvSpPr>
         <p:spPr>
           <a:xfrm>
-            <a:off x="678240" y="1600200"/>
-            <a:ext cx="3721320" cy="1461960"/>
+            <a:off x="621720" y="4210920"/>
+            <a:ext cx="3777840" cy="1265760"/>
           </a:xfrm>
           <a:prstGeom prst="rect">
             <a:avLst/>
@@ -4141,75 +4142,367 @@
           <a:fontRef idx="minor"/>
         </p:style>
       </p:sp>
-      <p:pic>
-        <p:nvPicPr>
-          <p:cNvPr id="110" name="" descr=""/>
-          <p:cNvPicPr/>
+      <p:sp>
+        <p:nvSpPr>
+          <p:cNvPr id="110" name="CustomShape 3"/>
+          <p:cNvSpPr/>
           <p:nvPr/>
-        </p:nvPicPr>
-        <p:blipFill>
-          <a:blip r:embed="rId2"/>
-          <a:stretch/>
-        </p:blipFill>
-        <p:spPr>
-          <a:xfrm>
-            <a:off x="365760" y="1097280"/>
-            <a:ext cx="4114800" cy="2468880"/>
-          </a:xfrm>
-          <a:prstGeom prst="rect">
-            <a:avLst/>
-          </a:prstGeom>
+        </p:nvSpPr>
+        <p:spPr>
+          <a:xfrm>
+            <a:off x="678240" y="1600200"/>
+            <a:ext cx="3721320" cy="1461960"/>
+          </a:xfrm>
+          <a:prstGeom prst="rect">
+            <a:avLst/>
+          </a:prstGeom>
+          <a:noFill/>
           <a:ln>
             <a:noFill/>
           </a:ln>
         </p:spPr>
-      </p:pic>
-      <p:pic>
-        <p:nvPicPr>
-          <p:cNvPr id="111" name="" descr=""/>
-          <p:cNvPicPr/>
+        <p:style>
+          <a:lnRef idx="0"/>
+          <a:fillRef idx="0"/>
+          <a:effectRef idx="0"/>
+          <a:fontRef idx="minor"/>
+        </p:style>
+      </p:sp>
+      <p:sp>
+        <p:nvSpPr>
+          <p:cNvPr id="111" name="CustomShape 4"/>
+          <p:cNvSpPr/>
           <p:nvPr/>
-        </p:nvPicPr>
-        <p:blipFill>
-          <a:blip r:embed="rId3"/>
-          <a:stretch/>
-        </p:blipFill>
-        <p:spPr>
-          <a:xfrm>
-            <a:off x="4480560" y="1097280"/>
-            <a:ext cx="4352400" cy="2468880"/>
-          </a:xfrm>
-          <a:prstGeom prst="rect">
-            <a:avLst/>
-          </a:prstGeom>
+        </p:nvSpPr>
+        <p:spPr>
+          <a:xfrm>
+            <a:off x="678240" y="1600200"/>
+            <a:ext cx="3710880" cy="2832840"/>
+          </a:xfrm>
+          <a:prstGeom prst="rect">
+            <a:avLst/>
+          </a:prstGeom>
+          <a:noFill/>
           <a:ln>
             <a:noFill/>
           </a:ln>
         </p:spPr>
-      </p:pic>
-      <p:pic>
-        <p:nvPicPr>
-          <p:cNvPr id="112" name="" descr=""/>
-          <p:cNvPicPr/>
+        <p:style>
+          <a:lnRef idx="0"/>
+          <a:fillRef idx="0"/>
+          <a:effectRef idx="0"/>
+          <a:fontRef idx="minor"/>
+        </p:style>
+        <p:txBody>
+          <a:bodyPr lIns="90000" rIns="90000" tIns="45000" bIns="45000">
+            <a:spAutoFit/>
+          </a:bodyPr>
+          <a:p>
+            <a:pPr marL="285840" indent="-285480">
+              <a:lnSpc>
+                <a:spcPct val="100000"/>
+              </a:lnSpc>
+              <a:buClr>
+                <a:srgbClr val="17375e"/>
+              </a:buClr>
+              <a:buFont typeface="Arial"/>
+              <a:buChar char="•"/>
+            </a:pPr>
+            <a:r>
+              <a:rPr b="0" lang="en-US" sz="1800" spc="-1" strike="noStrike">
+                <a:solidFill>
+                  <a:srgbClr val="17375e"/>
+                </a:solidFill>
+                <a:latin typeface="Calibri"/>
+              </a:rPr>
+              <a:t>Model Prediction Accuracy:</a:t>
+            </a:r>
+            <a:endParaRPr b="0" lang="en-US" sz="1800" spc="-1" strike="noStrike">
+              <a:latin typeface="Arial"/>
+            </a:endParaRPr>
+          </a:p>
+          <a:p>
+            <a:pPr lvl="1" marL="432000" indent="-216000">
+              <a:lnSpc>
+                <a:spcPct val="100000"/>
+              </a:lnSpc>
+              <a:buClr>
+                <a:srgbClr val="000000"/>
+              </a:buClr>
+              <a:buSzPct val="45000"/>
+              <a:buFont typeface="Wingdings" charset="2"/>
+              <a:buChar char=""/>
+            </a:pPr>
+            <a:r>
+              <a:rPr b="0" lang="en-US" sz="1800" spc="-1" strike="noStrike">
+                <a:solidFill>
+                  <a:srgbClr val="17375e"/>
+                </a:solidFill>
+                <a:latin typeface="Calibri"/>
+              </a:rPr>
+              <a:t>Race Accuracy of 76%</a:t>
+            </a:r>
+            <a:endParaRPr b="0" lang="en-US" sz="1800" spc="-1" strike="noStrike">
+              <a:latin typeface="Arial"/>
+            </a:endParaRPr>
+          </a:p>
+          <a:p>
+            <a:pPr lvl="2" marL="648000" indent="-216000">
+              <a:lnSpc>
+                <a:spcPct val="100000"/>
+              </a:lnSpc>
+              <a:buClr>
+                <a:srgbClr val="000000"/>
+              </a:buClr>
+              <a:buSzPct val="45000"/>
+              <a:buFont typeface="Wingdings" charset="2"/>
+              <a:buChar char=""/>
+            </a:pPr>
+            <a:r>
+              <a:rPr b="0" lang="en-US" sz="1800" spc="-1" strike="noStrike">
+                <a:solidFill>
+                  <a:srgbClr val="17375e"/>
+                </a:solidFill>
+                <a:latin typeface="Calibri"/>
+              </a:rPr>
+              <a:t>Category 0 ……………..82%</a:t>
+            </a:r>
+            <a:endParaRPr b="0" lang="en-US" sz="1800" spc="-1" strike="noStrike">
+              <a:latin typeface="Arial"/>
+            </a:endParaRPr>
+          </a:p>
+          <a:p>
+            <a:pPr lvl="2" marL="648000" indent="-216000">
+              <a:lnSpc>
+                <a:spcPct val="100000"/>
+              </a:lnSpc>
+              <a:buClr>
+                <a:srgbClr val="000000"/>
+              </a:buClr>
+              <a:buSzPct val="45000"/>
+              <a:buFont typeface="Wingdings" charset="2"/>
+              <a:buChar char=""/>
+            </a:pPr>
+            <a:r>
+              <a:rPr b="0" lang="en-US" sz="1800" spc="-1" strike="noStrike">
+                <a:solidFill>
+                  <a:srgbClr val="17375e"/>
+                </a:solidFill>
+                <a:latin typeface="Calibri"/>
+              </a:rPr>
+              <a:t>Category 1 ……………..81%</a:t>
+            </a:r>
+            <a:endParaRPr b="0" lang="en-US" sz="1800" spc="-1" strike="noStrike">
+              <a:latin typeface="Arial"/>
+            </a:endParaRPr>
+          </a:p>
+          <a:p>
+            <a:pPr lvl="2" marL="648000" indent="-216000">
+              <a:lnSpc>
+                <a:spcPct val="100000"/>
+              </a:lnSpc>
+              <a:buClr>
+                <a:srgbClr val="000000"/>
+              </a:buClr>
+              <a:buSzPct val="45000"/>
+              <a:buFont typeface="Wingdings" charset="2"/>
+              <a:buChar char=""/>
+            </a:pPr>
+            <a:r>
+              <a:rPr b="0" lang="en-US" sz="1800" spc="-1" strike="noStrike">
+                <a:solidFill>
+                  <a:srgbClr val="17375e"/>
+                </a:solidFill>
+                <a:latin typeface="Calibri"/>
+              </a:rPr>
+              <a:t>Category 2 ……………..78%</a:t>
+            </a:r>
+            <a:endParaRPr b="0" lang="en-US" sz="1800" spc="-1" strike="noStrike">
+              <a:latin typeface="Arial"/>
+            </a:endParaRPr>
+          </a:p>
+          <a:p>
+            <a:pPr lvl="2" marL="648000" indent="-216000">
+              <a:lnSpc>
+                <a:spcPct val="100000"/>
+              </a:lnSpc>
+              <a:buClr>
+                <a:srgbClr val="000000"/>
+              </a:buClr>
+              <a:buSzPct val="45000"/>
+              <a:buFont typeface="Wingdings" charset="2"/>
+              <a:buChar char=""/>
+            </a:pPr>
+            <a:r>
+              <a:rPr b="0" lang="en-US" sz="1800" spc="-1" strike="noStrike">
+                <a:solidFill>
+                  <a:srgbClr val="17375e"/>
+                </a:solidFill>
+                <a:latin typeface="Calibri"/>
+              </a:rPr>
+              <a:t>Category 3 ……………..69%</a:t>
+            </a:r>
+            <a:endParaRPr b="0" lang="en-US" sz="1800" spc="-1" strike="noStrike">
+              <a:latin typeface="Arial"/>
+            </a:endParaRPr>
+          </a:p>
+          <a:p>
+            <a:pPr lvl="2" marL="648000" indent="-216000">
+              <a:lnSpc>
+                <a:spcPct val="100000"/>
+              </a:lnSpc>
+              <a:buClr>
+                <a:srgbClr val="000000"/>
+              </a:buClr>
+              <a:buSzPct val="45000"/>
+              <a:buFont typeface="Wingdings" charset="2"/>
+              <a:buChar char=""/>
+            </a:pPr>
+            <a:r>
+              <a:rPr b="0" lang="en-US" sz="1800" spc="-1" strike="noStrike">
+                <a:solidFill>
+                  <a:srgbClr val="17375e"/>
+                </a:solidFill>
+                <a:latin typeface="Calibri"/>
+              </a:rPr>
+              <a:t>Category 4 ……………..11%</a:t>
+            </a:r>
+            <a:endParaRPr b="0" lang="en-US" sz="1800" spc="-1" strike="noStrike">
+              <a:latin typeface="Arial"/>
+            </a:endParaRPr>
+          </a:p>
+          <a:p>
+            <a:pPr lvl="1" marL="432000" indent="-216000">
+              <a:lnSpc>
+                <a:spcPct val="100000"/>
+              </a:lnSpc>
+              <a:buClr>
+                <a:srgbClr val="000000"/>
+              </a:buClr>
+              <a:buSzPct val="45000"/>
+              <a:buFont typeface="Wingdings" charset="2"/>
+              <a:buChar char=""/>
+            </a:pPr>
+            <a:r>
+              <a:rPr b="0" lang="en-US" sz="1800" spc="-1" strike="noStrike">
+                <a:solidFill>
+                  <a:srgbClr val="17375e"/>
+                </a:solidFill>
+                <a:latin typeface="Calibri"/>
+              </a:rPr>
+              <a:t>Gender Accuracy of 89%</a:t>
+            </a:r>
+            <a:endParaRPr b="0" lang="en-US" sz="1800" spc="-1" strike="noStrike">
+              <a:latin typeface="Arial"/>
+            </a:endParaRPr>
+          </a:p>
+          <a:p>
+            <a:pPr lvl="2" marL="648000" indent="-216000">
+              <a:lnSpc>
+                <a:spcPct val="100000"/>
+              </a:lnSpc>
+              <a:buClr>
+                <a:srgbClr val="000000"/>
+              </a:buClr>
+              <a:buSzPct val="45000"/>
+              <a:buFont typeface="Wingdings" charset="2"/>
+              <a:buChar char=""/>
+            </a:pPr>
+            <a:r>
+              <a:rPr b="0" lang="en-US" sz="1800" spc="-1" strike="noStrike">
+                <a:solidFill>
+                  <a:srgbClr val="17375e"/>
+                </a:solidFill>
+                <a:latin typeface="Calibri"/>
+              </a:rPr>
+              <a:t>Male ……………………...89 % </a:t>
+            </a:r>
+            <a:endParaRPr b="0" lang="en-US" sz="1800" spc="-1" strike="noStrike">
+              <a:latin typeface="Arial"/>
+            </a:endParaRPr>
+          </a:p>
+          <a:p>
+            <a:pPr lvl="2" marL="648000" indent="-216000">
+              <a:lnSpc>
+                <a:spcPct val="100000"/>
+              </a:lnSpc>
+              <a:buClr>
+                <a:srgbClr val="000000"/>
+              </a:buClr>
+              <a:buSzPct val="45000"/>
+              <a:buFont typeface="Wingdings" charset="2"/>
+              <a:buChar char=""/>
+            </a:pPr>
+            <a:r>
+              <a:rPr b="0" lang="en-US" sz="1800" spc="-1" strike="noStrike">
+                <a:solidFill>
+                  <a:srgbClr val="17375e"/>
+                </a:solidFill>
+                <a:latin typeface="Calibri"/>
+              </a:rPr>
+              <a:t>Female …………………..88 %</a:t>
+            </a:r>
+            <a:endParaRPr b="0" lang="en-US" sz="1800" spc="-1" strike="noStrike">
+              <a:latin typeface="Arial"/>
+            </a:endParaRPr>
+          </a:p>
+        </p:txBody>
+      </p:sp>
+      <p:sp>
+        <p:nvSpPr>
+          <p:cNvPr id="112" name="CustomShape 5"/>
+          <p:cNvSpPr/>
           <p:nvPr/>
-        </p:nvPicPr>
-        <p:blipFill>
-          <a:blip r:embed="rId4"/>
-          <a:stretch/>
-        </p:blipFill>
-        <p:spPr>
-          <a:xfrm>
-            <a:off x="2286000" y="3566160"/>
-            <a:ext cx="4581000" cy="2286000"/>
-          </a:xfrm>
-          <a:prstGeom prst="rect">
-            <a:avLst/>
-          </a:prstGeom>
+        </p:nvSpPr>
+        <p:spPr>
+          <a:xfrm>
+            <a:off x="4975920" y="1645920"/>
+            <a:ext cx="3710880" cy="364680"/>
+          </a:xfrm>
+          <a:prstGeom prst="rect">
+            <a:avLst/>
+          </a:prstGeom>
+          <a:noFill/>
           <a:ln>
             <a:noFill/>
           </a:ln>
         </p:spPr>
-      </p:pic>
+        <p:style>
+          <a:lnRef idx="0"/>
+          <a:fillRef idx="0"/>
+          <a:effectRef idx="0"/>
+          <a:fontRef idx="minor"/>
+        </p:style>
+        <p:txBody>
+          <a:bodyPr lIns="90000" rIns="90000" tIns="45000" bIns="45000">
+            <a:spAutoFit/>
+          </a:bodyPr>
+          <a:p>
+            <a:pPr marL="285840" indent="-285480">
+              <a:lnSpc>
+                <a:spcPct val="100000"/>
+              </a:lnSpc>
+              <a:buClr>
+                <a:srgbClr val="17375e"/>
+              </a:buClr>
+              <a:buFont typeface="Arial"/>
+              <a:buChar char="•"/>
+            </a:pPr>
+            <a:r>
+              <a:rPr b="0" lang="en-US" sz="1800" spc="-1" strike="noStrike">
+                <a:solidFill>
+                  <a:srgbClr val="17375e"/>
+                </a:solidFill>
+                <a:latin typeface="Calibri"/>
+              </a:rPr>
+              <a:t>Stats for Age Model</a:t>
+            </a:r>
+            <a:endParaRPr b="0" lang="en-US" sz="1800" spc="-1" strike="noStrike">
+              <a:latin typeface="Arial"/>
+            </a:endParaRPr>
+          </a:p>
+        </p:txBody>
+      </p:sp>
     </p:spTree>
   </p:cSld>
   <mc:AlternateContent>
@@ -4292,7 +4585,7 @@
                 </a:solidFill>
                 <a:latin typeface="Calibri"/>
               </a:rPr>
-              <a:t>Discussions</a:t>
+              <a:t>Results</a:t>
             </a:r>
             <a:endParaRPr b="0" lang="en-US" sz="4400" spc="-1" strike="noStrike">
               <a:latin typeface="Arial"/>
@@ -4308,8 +4601,8 @@
         </p:nvSpPr>
         <p:spPr>
           <a:xfrm>
-            <a:off x="621720" y="4210920"/>
-            <a:ext cx="3777840" cy="1265760"/>
+            <a:off x="678240" y="1600200"/>
+            <a:ext cx="3721320" cy="1461960"/>
           </a:xfrm>
           <a:prstGeom prst="rect">
             <a:avLst/>
@@ -4326,32 +4619,75 @@
           <a:fontRef idx="minor"/>
         </p:style>
       </p:sp>
-      <p:sp>
-        <p:nvSpPr>
-          <p:cNvPr id="115" name="CustomShape 3"/>
-          <p:cNvSpPr/>
+      <p:pic>
+        <p:nvPicPr>
+          <p:cNvPr id="115" name="" descr=""/>
+          <p:cNvPicPr/>
           <p:nvPr/>
-        </p:nvSpPr>
-        <p:spPr>
-          <a:xfrm>
-            <a:off x="678240" y="1600200"/>
-            <a:ext cx="3721320" cy="1461960"/>
-          </a:xfrm>
-          <a:prstGeom prst="rect">
-            <a:avLst/>
-          </a:prstGeom>
-          <a:noFill/>
+        </p:nvPicPr>
+        <p:blipFill>
+          <a:blip r:embed="rId2"/>
+          <a:stretch/>
+        </p:blipFill>
+        <p:spPr>
+          <a:xfrm>
+            <a:off x="365760" y="1097280"/>
+            <a:ext cx="4114800" cy="2468880"/>
+          </a:xfrm>
+          <a:prstGeom prst="rect">
+            <a:avLst/>
+          </a:prstGeom>
           <a:ln>
             <a:noFill/>
           </a:ln>
         </p:spPr>
-        <p:style>
-          <a:lnRef idx="0"/>
-          <a:fillRef idx="0"/>
-          <a:effectRef idx="0"/>
-          <a:fontRef idx="minor"/>
-        </p:style>
-      </p:sp>
+      </p:pic>
+      <p:pic>
+        <p:nvPicPr>
+          <p:cNvPr id="116" name="" descr=""/>
+          <p:cNvPicPr/>
+          <p:nvPr/>
+        </p:nvPicPr>
+        <p:blipFill>
+          <a:blip r:embed="rId3"/>
+          <a:stretch/>
+        </p:blipFill>
+        <p:spPr>
+          <a:xfrm>
+            <a:off x="4480560" y="1097280"/>
+            <a:ext cx="4352400" cy="2468880"/>
+          </a:xfrm>
+          <a:prstGeom prst="rect">
+            <a:avLst/>
+          </a:prstGeom>
+          <a:ln>
+            <a:noFill/>
+          </a:ln>
+        </p:spPr>
+      </p:pic>
+      <p:pic>
+        <p:nvPicPr>
+          <p:cNvPr id="117" name="" descr=""/>
+          <p:cNvPicPr/>
+          <p:nvPr/>
+        </p:nvPicPr>
+        <p:blipFill>
+          <a:blip r:embed="rId4"/>
+          <a:stretch/>
+        </p:blipFill>
+        <p:spPr>
+          <a:xfrm>
+            <a:off x="2286000" y="3566160"/>
+            <a:ext cx="4581000" cy="2286000"/>
+          </a:xfrm>
+          <a:prstGeom prst="rect">
+            <a:avLst/>
+          </a:prstGeom>
+          <a:ln>
+            <a:noFill/>
+          </a:ln>
+        </p:spPr>
+      </p:pic>
     </p:spTree>
   </p:cSld>
   <mc:AlternateContent>
@@ -4394,7 +4730,7 @@
       </p:grpSpPr>
       <p:sp>
         <p:nvSpPr>
-          <p:cNvPr id="116" name="CustomShape 1"/>
+          <p:cNvPr id="118" name="CustomShape 1"/>
           <p:cNvSpPr/>
           <p:nvPr/>
         </p:nvSpPr>
@@ -4434,7 +4770,7 @@
                 </a:solidFill>
                 <a:latin typeface="Calibri"/>
               </a:rPr>
-              <a:t>Conclusions</a:t>
+              <a:t>Discussions</a:t>
             </a:r>
             <a:endParaRPr b="0" lang="en-US" sz="4400" spc="-1" strike="noStrike">
               <a:latin typeface="Arial"/>
@@ -4444,7 +4780,7 @@
       </p:sp>
       <p:sp>
         <p:nvSpPr>
-          <p:cNvPr id="117" name="CustomShape 2"/>
+          <p:cNvPr id="119" name="CustomShape 2"/>
           <p:cNvSpPr/>
           <p:nvPr/>
         </p:nvSpPr>
@@ -4470,7 +4806,7 @@
       </p:sp>
       <p:sp>
         <p:nvSpPr>
-          <p:cNvPr id="118" name="CustomShape 3"/>
+          <p:cNvPr id="120" name="CustomShape 3"/>
           <p:cNvSpPr/>
           <p:nvPr/>
         </p:nvSpPr>
@@ -4536,7 +4872,7 @@
       </p:grpSpPr>
       <p:sp>
         <p:nvSpPr>
-          <p:cNvPr id="119" name="CustomShape 1"/>
+          <p:cNvPr id="121" name="CustomShape 1"/>
           <p:cNvSpPr/>
           <p:nvPr/>
         </p:nvSpPr>
@@ -4576,7 +4912,7 @@
                 </a:solidFill>
                 <a:latin typeface="Calibri"/>
               </a:rPr>
-              <a:t>Future Outlook</a:t>
+              <a:t>Conclusions</a:t>
             </a:r>
             <a:endParaRPr b="0" lang="en-US" sz="4400" spc="-1" strike="noStrike">
               <a:latin typeface="Arial"/>
@@ -4586,7 +4922,7 @@
       </p:sp>
       <p:sp>
         <p:nvSpPr>
-          <p:cNvPr id="120" name="CustomShape 2"/>
+          <p:cNvPr id="122" name="CustomShape 2"/>
           <p:cNvSpPr/>
           <p:nvPr/>
         </p:nvSpPr>
@@ -4612,7 +4948,7 @@
       </p:sp>
       <p:sp>
         <p:nvSpPr>
-          <p:cNvPr id="121" name="CustomShape 3"/>
+          <p:cNvPr id="123" name="CustomShape 3"/>
           <p:cNvSpPr/>
           <p:nvPr/>
         </p:nvSpPr>
@@ -4678,14 +5014,14 @@
       </p:grpSpPr>
       <p:sp>
         <p:nvSpPr>
-          <p:cNvPr id="122" name="TextShape 1"/>
-          <p:cNvSpPr txBox="1"/>
+          <p:cNvPr id="124" name="CustomShape 1"/>
+          <p:cNvSpPr/>
           <p:nvPr/>
         </p:nvSpPr>
         <p:spPr>
           <a:xfrm>
-            <a:off x="2747880" y="1853280"/>
-            <a:ext cx="4749840" cy="2044800"/>
+            <a:off x="457200" y="186840"/>
+            <a:ext cx="8228880" cy="1142280"/>
           </a:xfrm>
           <a:prstGeom prst="rect">
             <a:avLst/>
@@ -4695,33 +5031,88 @@
             <a:noFill/>
           </a:ln>
         </p:spPr>
-        <p:txBody>
-          <a:bodyPr anchor="ctr">
+        <p:style>
+          <a:lnRef idx="0"/>
+          <a:fillRef idx="0"/>
+          <a:effectRef idx="0"/>
+          <a:fontRef idx="minor"/>
+        </p:style>
+        <p:txBody>
+          <a:bodyPr lIns="90000" rIns="90000" tIns="45000" bIns="45000" anchor="ctr">
             <a:noAutofit/>
           </a:bodyPr>
           <a:p>
-            <a:pPr>
-              <a:lnSpc>
-                <a:spcPct val="100000"/>
-              </a:lnSpc>
-            </a:pPr>
-            <a:r>
-              <a:rPr b="0" lang="en-US" sz="8000" spc="-1" strike="noStrike">
-                <a:solidFill>
-                  <a:srgbClr val="1f497d"/>
-                </a:solidFill>
-                <a:latin typeface="Arial"/>
-              </a:rPr>
-              <a:t>Q &amp; A </a:t>
-            </a:r>
-            <a:endParaRPr b="0" lang="en-US" sz="8000" spc="-1" strike="noStrike">
-              <a:solidFill>
-                <a:srgbClr val="000000"/>
-              </a:solidFill>
-              <a:latin typeface="Calibri"/>
-            </a:endParaRPr>
-          </a:p>
-        </p:txBody>
+            <a:pPr algn="ctr">
+              <a:lnSpc>
+                <a:spcPct val="100000"/>
+              </a:lnSpc>
+            </a:pPr>
+            <a:r>
+              <a:rPr b="0" lang="en-US" sz="4400" spc="-1" strike="noStrike">
+                <a:solidFill>
+                  <a:srgbClr val="17375e"/>
+                </a:solidFill>
+                <a:latin typeface="Calibri"/>
+              </a:rPr>
+              <a:t>Future Outlook</a:t>
+            </a:r>
+            <a:endParaRPr b="0" lang="en-US" sz="4400" spc="-1" strike="noStrike">
+              <a:latin typeface="Arial"/>
+            </a:endParaRPr>
+          </a:p>
+        </p:txBody>
+      </p:sp>
+      <p:sp>
+        <p:nvSpPr>
+          <p:cNvPr id="125" name="CustomShape 2"/>
+          <p:cNvSpPr/>
+          <p:nvPr/>
+        </p:nvSpPr>
+        <p:spPr>
+          <a:xfrm>
+            <a:off x="621720" y="4210920"/>
+            <a:ext cx="3777840" cy="1265760"/>
+          </a:xfrm>
+          <a:prstGeom prst="rect">
+            <a:avLst/>
+          </a:prstGeom>
+          <a:noFill/>
+          <a:ln>
+            <a:noFill/>
+          </a:ln>
+        </p:spPr>
+        <p:style>
+          <a:lnRef idx="0"/>
+          <a:fillRef idx="0"/>
+          <a:effectRef idx="0"/>
+          <a:fontRef idx="minor"/>
+        </p:style>
+      </p:sp>
+      <p:sp>
+        <p:nvSpPr>
+          <p:cNvPr id="126" name="CustomShape 3"/>
+          <p:cNvSpPr/>
+          <p:nvPr/>
+        </p:nvSpPr>
+        <p:spPr>
+          <a:xfrm>
+            <a:off x="678240" y="1600200"/>
+            <a:ext cx="3721320" cy="1461960"/>
+          </a:xfrm>
+          <a:prstGeom prst="rect">
+            <a:avLst/>
+          </a:prstGeom>
+          <a:noFill/>
+          <a:ln>
+            <a:noFill/>
+          </a:ln>
+        </p:spPr>
+        <p:style>
+          <a:lnRef idx="0"/>
+          <a:fillRef idx="0"/>
+          <a:effectRef idx="0"/>
+          <a:fontRef idx="minor"/>
+        </p:style>
       </p:sp>
     </p:spTree>
   </p:cSld>
@@ -4765,7 +5156,94 @@
       </p:grpSpPr>
       <p:sp>
         <p:nvSpPr>
-          <p:cNvPr id="123" name="TextShape 1"/>
+          <p:cNvPr id="127" name="TextShape 1"/>
+          <p:cNvSpPr txBox="1"/>
+          <p:nvPr/>
+        </p:nvSpPr>
+        <p:spPr>
+          <a:xfrm>
+            <a:off x="2747880" y="1853280"/>
+            <a:ext cx="4749840" cy="2044800"/>
+          </a:xfrm>
+          <a:prstGeom prst="rect">
+            <a:avLst/>
+          </a:prstGeom>
+          <a:noFill/>
+          <a:ln>
+            <a:noFill/>
+          </a:ln>
+        </p:spPr>
+        <p:txBody>
+          <a:bodyPr anchor="ctr">
+            <a:noAutofit/>
+          </a:bodyPr>
+          <a:p>
+            <a:pPr>
+              <a:lnSpc>
+                <a:spcPct val="100000"/>
+              </a:lnSpc>
+            </a:pPr>
+            <a:r>
+              <a:rPr b="0" lang="en-US" sz="8000" spc="-1" strike="noStrike">
+                <a:solidFill>
+                  <a:srgbClr val="1f497d"/>
+                </a:solidFill>
+                <a:latin typeface="Arial"/>
+              </a:rPr>
+              <a:t>Q &amp; A </a:t>
+            </a:r>
+            <a:endParaRPr b="0" lang="en-US" sz="8000" spc="-1" strike="noStrike">
+              <a:solidFill>
+                <a:srgbClr val="000000"/>
+              </a:solidFill>
+              <a:latin typeface="Calibri"/>
+            </a:endParaRPr>
+          </a:p>
+        </p:txBody>
+      </p:sp>
+    </p:spTree>
+  </p:cSld>
+  <mc:AlternateContent>
+    <mc:Choice Requires="p14">
+      <p:transition spd="slow" p14:dur="2000"/>
+    </mc:Choice>
+    <mc:Fallback>
+      <p:transition spd="slow"/>
+    </mc:Fallback>
+  </mc:AlternateContent>
+</p:sld>
+</file>
+
+<file path=ppt/slides/slide16.xml><?xml version="1.0" encoding="utf-8"?>
+<p:sld xmlns:a="http://schemas.openxmlformats.org/drawingml/2006/main" xmlns:p="http://schemas.openxmlformats.org/presentationml/2006/main" xmlns:r="http://schemas.openxmlformats.org/officeDocument/2006/relationships" xmlns:p14="http://schemas.microsoft.com/office/powerpoint/2010/main" xmlns:p15="http://schemas.microsoft.com/office/powerpoint/2012/main" xmlns:mc="http://schemas.openxmlformats.org/markup-compatibility/2006">
+  <p:cSld>
+    <p:bg>
+      <p:bgPr>
+        <a:blipFill rotWithShape="0">
+          <a:blip r:embed="rId1"/>
+          <a:stretch>
+            <a:fillRect/>
+          </a:stretch>
+        </a:blipFill>
+      </p:bgPr>
+    </p:bg>
+    <p:spTree>
+      <p:nvGrpSpPr>
+        <p:cNvPr id="1" name=""/>
+        <p:cNvGrpSpPr/>
+        <p:nvPr/>
+      </p:nvGrpSpPr>
+      <p:grpSpPr>
+        <a:xfrm>
+          <a:off x="0" y="0"/>
+          <a:ext cx="0" cy="0"/>
+          <a:chOff x="0" y="0"/>
+          <a:chExt cx="0" cy="0"/>
+        </a:xfrm>
+      </p:grpSpPr>
+      <p:sp>
+        <p:nvSpPr>
+          <p:cNvPr id="128" name="TextShape 1"/>
           <p:cNvSpPr txBox="1"/>
           <p:nvPr/>
         </p:nvSpPr>
@@ -5667,6 +6145,139 @@
           </a:p>
         </p:txBody>
       </p:sp>
+      <p:sp>
+        <p:nvSpPr>
+          <p:cNvPr id="93" name="CustomShape 3"/>
+          <p:cNvSpPr/>
+          <p:nvPr/>
+        </p:nvSpPr>
+        <p:spPr>
+          <a:xfrm>
+            <a:off x="678240" y="1600200"/>
+            <a:ext cx="7368480" cy="2010600"/>
+          </a:xfrm>
+          <a:prstGeom prst="rect">
+            <a:avLst/>
+          </a:prstGeom>
+          <a:noFill/>
+          <a:ln>
+            <a:noFill/>
+          </a:ln>
+        </p:spPr>
+        <p:style>
+          <a:lnRef idx="0"/>
+          <a:fillRef idx="0"/>
+          <a:effectRef idx="0"/>
+          <a:fontRef idx="minor"/>
+        </p:style>
+        <p:txBody>
+          <a:bodyPr lIns="90000" rIns="90000" tIns="45000" bIns="45000">
+            <a:spAutoFit/>
+          </a:bodyPr>
+          <a:p>
+            <a:pPr marL="285840" indent="-285480">
+              <a:lnSpc>
+                <a:spcPct val="100000"/>
+              </a:lnSpc>
+              <a:buClr>
+                <a:srgbClr val="17375e"/>
+              </a:buClr>
+              <a:buFont typeface="Arial"/>
+              <a:buChar char="•"/>
+            </a:pPr>
+            <a:r>
+              <a:rPr b="0" lang="en-US" sz="1800" spc="-1" strike="noStrike">
+                <a:solidFill>
+                  <a:srgbClr val="17375e"/>
+                </a:solidFill>
+                <a:latin typeface="Calibri"/>
+              </a:rPr>
+              <a:t>The structure of a CNN architecture is divided into multiple learning stages composed of convolutional layers, non-linear processing units, and subsampling layers</a:t>
+            </a:r>
+            <a:endParaRPr b="0" lang="en-US" sz="1800" spc="-1" strike="noStrike">
+              <a:latin typeface="Arial"/>
+            </a:endParaRPr>
+          </a:p>
+          <a:p>
+            <a:pPr marL="285840" indent="-285480">
+              <a:lnSpc>
+                <a:spcPct val="100000"/>
+              </a:lnSpc>
+              <a:buClr>
+                <a:srgbClr val="17375e"/>
+              </a:buClr>
+              <a:buFont typeface="Arial"/>
+              <a:buChar char="•"/>
+            </a:pPr>
+            <a:endParaRPr b="0" lang="en-US" sz="1800" spc="-1" strike="noStrike">
+              <a:latin typeface="Arial"/>
+            </a:endParaRPr>
+          </a:p>
+          <a:p>
+            <a:pPr marL="285840" indent="-285480">
+              <a:lnSpc>
+                <a:spcPct val="100000"/>
+              </a:lnSpc>
+              <a:buClr>
+                <a:srgbClr val="17375e"/>
+              </a:buClr>
+              <a:buFont typeface="Arial"/>
+              <a:buChar char="•"/>
+            </a:pPr>
+            <a:r>
+              <a:rPr b="0" lang="en-US" sz="1800" spc="-1" strike="noStrike">
+                <a:solidFill>
+                  <a:srgbClr val="17375e"/>
+                </a:solidFill>
+                <a:latin typeface="Calibri"/>
+              </a:rPr>
+              <a:t>tbd</a:t>
+            </a:r>
+            <a:endParaRPr b="0" lang="en-US" sz="1800" spc="-1" strike="noStrike">
+              <a:latin typeface="Arial"/>
+            </a:endParaRPr>
+          </a:p>
+          <a:p>
+            <a:pPr marL="285840" indent="-285480">
+              <a:lnSpc>
+                <a:spcPct val="100000"/>
+              </a:lnSpc>
+              <a:buClr>
+                <a:srgbClr val="17375e"/>
+              </a:buClr>
+              <a:buFont typeface="Arial"/>
+              <a:buChar char="•"/>
+            </a:pPr>
+            <a:endParaRPr b="0" lang="en-US" sz="1800" spc="-1" strike="noStrike">
+              <a:latin typeface="Arial"/>
+            </a:endParaRPr>
+          </a:p>
+          <a:p>
+            <a:pPr marL="285840" indent="-285480">
+              <a:lnSpc>
+                <a:spcPct val="100000"/>
+              </a:lnSpc>
+              <a:buClr>
+                <a:srgbClr val="17375e"/>
+              </a:buClr>
+              <a:buFont typeface="Arial"/>
+              <a:buChar char="•"/>
+            </a:pPr>
+            <a:r>
+              <a:rPr b="0" lang="en-US" sz="1800" spc="-1" strike="noStrike">
+                <a:solidFill>
+                  <a:srgbClr val="17375e"/>
+                </a:solidFill>
+                <a:latin typeface="Calibri"/>
+              </a:rPr>
+              <a:t>tbd</a:t>
+            </a:r>
+            <a:endParaRPr b="0" lang="en-US" sz="1800" spc="-1" strike="noStrike">
+              <a:latin typeface="Arial"/>
+            </a:endParaRPr>
+          </a:p>
+        </p:txBody>
+      </p:sp>
     </p:spTree>
   </p:cSld>
   <mc:AlternateContent>
@@ -5709,13 +6320,13 @@
       </p:grpSpPr>
       <p:sp>
         <p:nvSpPr>
-          <p:cNvPr id="93" name="CustomShape 1"/>
+          <p:cNvPr id="94" name="CustomShape 1"/>
           <p:cNvSpPr/>
           <p:nvPr/>
         </p:nvSpPr>
         <p:spPr>
           <a:xfrm>
-            <a:off x="457200" y="274680"/>
+            <a:off x="457200" y="257400"/>
             <a:ext cx="8228880" cy="1142280"/>
           </a:xfrm>
           <a:prstGeom prst="rect">
@@ -5749,7 +6360,7 @@
                 </a:solidFill>
                 <a:latin typeface="Calibri"/>
               </a:rPr>
-              <a:t>Architecture and Methodology</a:t>
+              <a:t>Background and Related Works </a:t>
             </a:r>
             <a:endParaRPr b="0" lang="en-US" sz="4400" spc="-1" strike="noStrike">
               <a:latin typeface="Arial"/>
@@ -5759,14 +6370,14 @@
       </p:sp>
       <p:sp>
         <p:nvSpPr>
-          <p:cNvPr id="94" name="CustomShape 2"/>
+          <p:cNvPr id="95" name="CustomShape 2"/>
           <p:cNvSpPr/>
           <p:nvPr/>
         </p:nvSpPr>
         <p:spPr>
           <a:xfrm>
             <a:off x="731520" y="1667520"/>
-            <a:ext cx="3911040" cy="913320"/>
+            <a:ext cx="7880760" cy="669600"/>
           </a:xfrm>
           <a:prstGeom prst="rect">
             <a:avLst/>
@@ -5787,25 +6398,11 @@
             <a:spAutoFit/>
           </a:bodyPr>
           <a:p>
-            <a:pPr marL="285840" indent="-285480">
-              <a:lnSpc>
-                <a:spcPct val="100000"/>
-              </a:lnSpc>
-              <a:buClr>
-                <a:srgbClr val="17375e"/>
-              </a:buClr>
-              <a:buFont typeface="Arial"/>
-              <a:buChar char="•"/>
-            </a:pPr>
-            <a:r>
-              <a:rPr b="0" lang="en-US" sz="1800" spc="-1" strike="noStrike">
-                <a:solidFill>
-                  <a:srgbClr val="17375e"/>
-                </a:solidFill>
-                <a:latin typeface="Calibri"/>
-              </a:rPr>
-              <a:t> </a:t>
-            </a:r>
+            <a:pPr>
+              <a:lnSpc>
+                <a:spcPct val="100000"/>
+              </a:lnSpc>
+            </a:pPr>
             <a:endParaRPr b="0" lang="en-US" sz="1800" spc="-1" strike="noStrike">
               <a:latin typeface="Arial"/>
             </a:endParaRPr>
@@ -5820,18 +6417,31 @@
               <a:latin typeface="Arial"/>
             </a:endParaRPr>
           </a:p>
-          <a:p>
-            <a:pPr>
-              <a:lnSpc>
-                <a:spcPct val="100000"/>
-              </a:lnSpc>
-            </a:pPr>
-            <a:endParaRPr b="0" lang="en-US" sz="1800" spc="-1" strike="noStrike">
-              <a:latin typeface="Arial"/>
-            </a:endParaRPr>
-          </a:p>
-        </p:txBody>
-      </p:sp>
+        </p:txBody>
+      </p:sp>
+      <p:pic>
+        <p:nvPicPr>
+          <p:cNvPr id="96" name="" descr=""/>
+          <p:cNvPicPr/>
+          <p:nvPr/>
+        </p:nvPicPr>
+        <p:blipFill>
+          <a:blip r:embed="rId2"/>
+          <a:stretch/>
+        </p:blipFill>
+        <p:spPr>
+          <a:xfrm>
+            <a:off x="1491840" y="1554480"/>
+            <a:ext cx="6201000" cy="4114800"/>
+          </a:xfrm>
+          <a:prstGeom prst="rect">
+            <a:avLst/>
+          </a:prstGeom>
+          <a:ln>
+            <a:noFill/>
+          </a:ln>
+        </p:spPr>
+      </p:pic>
     </p:spTree>
   </p:cSld>
   <mc:AlternateContent>
@@ -5874,7 +6484,7 @@
       </p:grpSpPr>
       <p:sp>
         <p:nvSpPr>
-          <p:cNvPr id="95" name="CustomShape 1"/>
+          <p:cNvPr id="97" name="CustomShape 1"/>
           <p:cNvSpPr/>
           <p:nvPr/>
         </p:nvSpPr>
@@ -5914,7 +6524,7 @@
                 </a:solidFill>
                 <a:latin typeface="Calibri"/>
               </a:rPr>
-              <a:t>Unified Model</a:t>
+              <a:t>Architecture and Methodology</a:t>
             </a:r>
             <a:endParaRPr b="0" lang="en-US" sz="4400" spc="-1" strike="noStrike">
               <a:latin typeface="Arial"/>
@@ -5922,9 +6532,84 @@
           </a:p>
         </p:txBody>
       </p:sp>
+      <p:sp>
+        <p:nvSpPr>
+          <p:cNvPr id="98" name="CustomShape 2"/>
+          <p:cNvSpPr/>
+          <p:nvPr/>
+        </p:nvSpPr>
+        <p:spPr>
+          <a:xfrm>
+            <a:off x="731520" y="1667520"/>
+            <a:ext cx="3911040" cy="913320"/>
+          </a:xfrm>
+          <a:prstGeom prst="rect">
+            <a:avLst/>
+          </a:prstGeom>
+          <a:noFill/>
+          <a:ln>
+            <a:noFill/>
+          </a:ln>
+        </p:spPr>
+        <p:style>
+          <a:lnRef idx="0"/>
+          <a:fillRef idx="0"/>
+          <a:effectRef idx="0"/>
+          <a:fontRef idx="minor"/>
+        </p:style>
+        <p:txBody>
+          <a:bodyPr lIns="90000" rIns="90000" tIns="45000" bIns="45000">
+            <a:spAutoFit/>
+          </a:bodyPr>
+          <a:p>
+            <a:pPr marL="285840" indent="-285480">
+              <a:lnSpc>
+                <a:spcPct val="100000"/>
+              </a:lnSpc>
+              <a:buClr>
+                <a:srgbClr val="17375e"/>
+              </a:buClr>
+              <a:buFont typeface="Arial"/>
+              <a:buChar char="•"/>
+            </a:pPr>
+            <a:r>
+              <a:rPr b="0" lang="en-US" sz="1800" spc="-1" strike="noStrike">
+                <a:solidFill>
+                  <a:srgbClr val="17375e"/>
+                </a:solidFill>
+                <a:latin typeface="Calibri"/>
+              </a:rPr>
+              <a:t> </a:t>
+            </a:r>
+            <a:endParaRPr b="0" lang="en-US" sz="1800" spc="-1" strike="noStrike">
+              <a:latin typeface="Arial"/>
+            </a:endParaRPr>
+          </a:p>
+          <a:p>
+            <a:pPr>
+              <a:lnSpc>
+                <a:spcPct val="100000"/>
+              </a:lnSpc>
+            </a:pPr>
+            <a:endParaRPr b="0" lang="en-US" sz="1800" spc="-1" strike="noStrike">
+              <a:latin typeface="Arial"/>
+            </a:endParaRPr>
+          </a:p>
+          <a:p>
+            <a:pPr>
+              <a:lnSpc>
+                <a:spcPct val="100000"/>
+              </a:lnSpc>
+            </a:pPr>
+            <a:endParaRPr b="0" lang="en-US" sz="1800" spc="-1" strike="noStrike">
+              <a:latin typeface="Arial"/>
+            </a:endParaRPr>
+          </a:p>
+        </p:txBody>
+      </p:sp>
       <p:pic>
         <p:nvPicPr>
-          <p:cNvPr id="96" name="" descr=""/>
+          <p:cNvPr id="99" name="" descr=""/>
           <p:cNvPicPr/>
           <p:nvPr/>
         </p:nvPicPr>
@@ -5934,8 +6619,8 @@
         </p:blipFill>
         <p:spPr>
           <a:xfrm>
-            <a:off x="886680" y="1188720"/>
-            <a:ext cx="7342920" cy="4572000"/>
+            <a:off x="2990520" y="1241280"/>
+            <a:ext cx="3204000" cy="4388760"/>
           </a:xfrm>
           <a:prstGeom prst="rect">
             <a:avLst/>
@@ -5987,13 +6672,13 @@
       </p:grpSpPr>
       <p:sp>
         <p:nvSpPr>
-          <p:cNvPr id="97" name="CustomShape 1"/>
+          <p:cNvPr id="100" name="CustomShape 1"/>
           <p:cNvSpPr/>
           <p:nvPr/>
         </p:nvSpPr>
         <p:spPr>
           <a:xfrm>
-            <a:off x="457200" y="186840"/>
+            <a:off x="457200" y="274680"/>
             <a:ext cx="8228880" cy="1142280"/>
           </a:xfrm>
           <a:prstGeom prst="rect">
@@ -6027,7 +6712,7 @@
                 </a:solidFill>
                 <a:latin typeface="Calibri"/>
               </a:rPr>
-              <a:t>Data</a:t>
+              <a:t>Unified Model</a:t>
             </a:r>
             <a:endParaRPr b="0" lang="en-US" sz="4400" spc="-1" strike="noStrike">
               <a:latin typeface="Arial"/>
@@ -6035,277 +6720,29 @@
           </a:p>
         </p:txBody>
       </p:sp>
-      <p:sp>
-        <p:nvSpPr>
-          <p:cNvPr id="98" name="CustomShape 2"/>
-          <p:cNvSpPr/>
+      <p:pic>
+        <p:nvPicPr>
+          <p:cNvPr id="101" name="" descr=""/>
+          <p:cNvPicPr/>
           <p:nvPr/>
-        </p:nvSpPr>
-        <p:spPr>
-          <a:xfrm>
-            <a:off x="621720" y="4210920"/>
-            <a:ext cx="3777840" cy="1265760"/>
-          </a:xfrm>
-          <a:prstGeom prst="rect">
-            <a:avLst/>
-          </a:prstGeom>
-          <a:noFill/>
+        </p:nvPicPr>
+        <p:blipFill>
+          <a:blip r:embed="rId2"/>
+          <a:stretch/>
+        </p:blipFill>
+        <p:spPr>
+          <a:xfrm>
+            <a:off x="886680" y="1188720"/>
+            <a:ext cx="7342920" cy="4572000"/>
+          </a:xfrm>
+          <a:prstGeom prst="rect">
+            <a:avLst/>
+          </a:prstGeom>
           <a:ln>
             <a:noFill/>
           </a:ln>
         </p:spPr>
-        <p:style>
-          <a:lnRef idx="0"/>
-          <a:fillRef idx="0"/>
-          <a:effectRef idx="0"/>
-          <a:fontRef idx="minor"/>
-        </p:style>
-      </p:sp>
-      <p:sp>
-        <p:nvSpPr>
-          <p:cNvPr id="99" name="CustomShape 3"/>
-          <p:cNvSpPr/>
-          <p:nvPr/>
-        </p:nvSpPr>
-        <p:spPr>
-          <a:xfrm>
-            <a:off x="678240" y="1600200"/>
-            <a:ext cx="7002720" cy="2558520"/>
-          </a:xfrm>
-          <a:prstGeom prst="rect">
-            <a:avLst/>
-          </a:prstGeom>
-          <a:noFill/>
-          <a:ln>
-            <a:noFill/>
-          </a:ln>
-        </p:spPr>
-        <p:style>
-          <a:lnRef idx="0"/>
-          <a:fillRef idx="0"/>
-          <a:effectRef idx="0"/>
-          <a:fontRef idx="minor"/>
-        </p:style>
-        <p:txBody>
-          <a:bodyPr lIns="90000" rIns="90000" tIns="45000" bIns="45000">
-            <a:spAutoFit/>
-          </a:bodyPr>
-          <a:p>
-            <a:pPr marL="285840" indent="-285480">
-              <a:lnSpc>
-                <a:spcPct val="100000"/>
-              </a:lnSpc>
-              <a:buClr>
-                <a:srgbClr val="17375e"/>
-              </a:buClr>
-              <a:buFont typeface="Arial"/>
-              <a:buChar char="•"/>
-            </a:pPr>
-            <a:r>
-              <a:rPr b="0" lang="en-US" sz="1800" spc="-1" strike="noStrike">
-                <a:solidFill>
-                  <a:srgbClr val="17375e"/>
-                </a:solidFill>
-                <a:latin typeface="Calibri"/>
-              </a:rPr>
-              <a:t>23705 Facial Images</a:t>
-            </a:r>
-            <a:endParaRPr b="0" lang="en-US" sz="1800" spc="-1" strike="noStrike">
-              <a:latin typeface="Arial"/>
-            </a:endParaRPr>
-          </a:p>
-          <a:p>
-            <a:pPr lvl="1" marL="432000" indent="-216000">
-              <a:lnSpc>
-                <a:spcPct val="100000"/>
-              </a:lnSpc>
-              <a:buClr>
-                <a:srgbClr val="000000"/>
-              </a:buClr>
-              <a:buSzPct val="45000"/>
-              <a:buFont typeface="Wingdings" charset="2"/>
-              <a:buChar char=""/>
-            </a:pPr>
-            <a:r>
-              <a:rPr b="0" lang="en-US" sz="1800" spc="-1" strike="noStrike">
-                <a:solidFill>
-                  <a:srgbClr val="17375e"/>
-                </a:solidFill>
-                <a:latin typeface="Calibri"/>
-              </a:rPr>
-              <a:t>Image Size is 48 x 48 pixels </a:t>
-            </a:r>
-            <a:endParaRPr b="0" lang="en-US" sz="1800" spc="-1" strike="noStrike">
-              <a:latin typeface="Arial"/>
-            </a:endParaRPr>
-          </a:p>
-          <a:p>
-            <a:pPr lvl="1" marL="432000" indent="-216000">
-              <a:lnSpc>
-                <a:spcPct val="100000"/>
-              </a:lnSpc>
-              <a:buClr>
-                <a:srgbClr val="000000"/>
-              </a:buClr>
-              <a:buSzPct val="45000"/>
-              <a:buFont typeface="Wingdings" charset="2"/>
-              <a:buChar char=""/>
-            </a:pPr>
-            <a:endParaRPr b="0" lang="en-US" sz="1800" spc="-1" strike="noStrike">
-              <a:latin typeface="Arial"/>
-            </a:endParaRPr>
-          </a:p>
-          <a:p>
-            <a:pPr marL="285840" indent="-285480">
-              <a:lnSpc>
-                <a:spcPct val="100000"/>
-              </a:lnSpc>
-              <a:buClr>
-                <a:srgbClr val="17375e"/>
-              </a:buClr>
-              <a:buFont typeface="Arial"/>
-              <a:buChar char="•"/>
-            </a:pPr>
-            <a:r>
-              <a:rPr b="0" lang="en-US" sz="1800" spc="-1" strike="noStrike">
-                <a:solidFill>
-                  <a:srgbClr val="17375e"/>
-                </a:solidFill>
-                <a:latin typeface="Calibri"/>
-              </a:rPr>
-              <a:t>Classifications</a:t>
-            </a:r>
-            <a:endParaRPr b="0" lang="en-US" sz="1800" spc="-1" strike="noStrike">
-              <a:latin typeface="Arial"/>
-            </a:endParaRPr>
-          </a:p>
-          <a:p>
-            <a:pPr lvl="1" marL="432000" indent="-216000">
-              <a:lnSpc>
-                <a:spcPct val="100000"/>
-              </a:lnSpc>
-              <a:buClr>
-                <a:srgbClr val="000000"/>
-              </a:buClr>
-              <a:buSzPct val="45000"/>
-              <a:buFont typeface="Wingdings" charset="2"/>
-              <a:buChar char=""/>
-            </a:pPr>
-            <a:r>
-              <a:rPr b="0" lang="en-US" sz="1800" spc="-1" strike="noStrike">
-                <a:solidFill>
-                  <a:srgbClr val="17375e"/>
-                </a:solidFill>
-                <a:latin typeface="Calibri"/>
-              </a:rPr>
-              <a:t>Data is classified bases on three parameters:</a:t>
-            </a:r>
-            <a:endParaRPr b="0" lang="en-US" sz="1800" spc="-1" strike="noStrike">
-              <a:latin typeface="Arial"/>
-            </a:endParaRPr>
-          </a:p>
-          <a:p>
-            <a:pPr lvl="3" marL="864000" indent="-216000">
-              <a:lnSpc>
-                <a:spcPct val="100000"/>
-              </a:lnSpc>
-              <a:buClr>
-                <a:srgbClr val="000000"/>
-              </a:buClr>
-              <a:buSzPct val="45000"/>
-              <a:buFont typeface="Wingdings" charset="2"/>
-              <a:buChar char=""/>
-            </a:pPr>
-            <a:r>
-              <a:rPr b="0" lang="en-US" sz="1800" spc="-1" strike="noStrike">
-                <a:solidFill>
-                  <a:srgbClr val="17375e"/>
-                </a:solidFill>
-                <a:latin typeface="Calibri"/>
-              </a:rPr>
-              <a:t>Age, Ethnicity and Gender</a:t>
-            </a:r>
-            <a:endParaRPr b="0" lang="en-US" sz="1800" spc="-1" strike="noStrike">
-              <a:latin typeface="Arial"/>
-            </a:endParaRPr>
-          </a:p>
-          <a:p>
-            <a:pPr lvl="1" marL="432000" indent="-216000">
-              <a:lnSpc>
-                <a:spcPct val="100000"/>
-              </a:lnSpc>
-              <a:buClr>
-                <a:srgbClr val="000000"/>
-              </a:buClr>
-              <a:buSzPct val="45000"/>
-              <a:buFont typeface="Wingdings" charset="2"/>
-              <a:buChar char=""/>
-            </a:pPr>
-            <a:r>
-              <a:rPr b="0" lang="en-US" sz="1800" spc="-1" strike="noStrike">
-                <a:solidFill>
-                  <a:srgbClr val="17375e"/>
-                </a:solidFill>
-                <a:latin typeface="Calibri"/>
-              </a:rPr>
-              <a:t>Age has a range of 0 to 116</a:t>
-            </a:r>
-            <a:endParaRPr b="0" lang="en-US" sz="1800" spc="-1" strike="noStrike">
-              <a:latin typeface="Arial"/>
-            </a:endParaRPr>
-          </a:p>
-          <a:p>
-            <a:pPr lvl="1" marL="432000" indent="-216000">
-              <a:lnSpc>
-                <a:spcPct val="100000"/>
-              </a:lnSpc>
-              <a:buClr>
-                <a:srgbClr val="000000"/>
-              </a:buClr>
-              <a:buSzPct val="45000"/>
-              <a:buFont typeface="Wingdings" charset="2"/>
-              <a:buChar char=""/>
-            </a:pPr>
-            <a:r>
-              <a:rPr b="0" lang="en-US" sz="1800" spc="-1" strike="noStrike">
-                <a:solidFill>
-                  <a:srgbClr val="17375e"/>
-                </a:solidFill>
-                <a:latin typeface="Calibri"/>
-              </a:rPr>
-              <a:t>Ethnicity is broken down into 5 categories</a:t>
-            </a:r>
-            <a:endParaRPr b="0" lang="en-US" sz="1800" spc="-1" strike="noStrike">
-              <a:latin typeface="Arial"/>
-            </a:endParaRPr>
-          </a:p>
-          <a:p>
-            <a:pPr lvl="1" marL="432000" indent="-216000">
-              <a:lnSpc>
-                <a:spcPct val="100000"/>
-              </a:lnSpc>
-              <a:buClr>
-                <a:srgbClr val="000000"/>
-              </a:buClr>
-              <a:buSzPct val="45000"/>
-              <a:buFont typeface="Wingdings" charset="2"/>
-              <a:buChar char=""/>
-            </a:pPr>
-            <a:r>
-              <a:rPr b="0" lang="en-US" sz="1800" spc="-1" strike="noStrike">
-                <a:solidFill>
-                  <a:srgbClr val="17375e"/>
-                </a:solidFill>
-                <a:latin typeface="Calibri"/>
-              </a:rPr>
-              <a:t>Gender is classified as Male or Female</a:t>
-            </a:r>
-            <a:endParaRPr b="0" lang="en-US" sz="1800" spc="-1" strike="noStrike">
-              <a:latin typeface="Arial"/>
-            </a:endParaRPr>
-          </a:p>
-        </p:txBody>
-      </p:sp>
+      </p:pic>
     </p:spTree>
   </p:cSld>
   <mc:AlternateContent>
@@ -6348,7 +6785,7 @@
       </p:grpSpPr>
       <p:sp>
         <p:nvSpPr>
-          <p:cNvPr id="100" name="CustomShape 1"/>
+          <p:cNvPr id="102" name="CustomShape 1"/>
           <p:cNvSpPr/>
           <p:nvPr/>
         </p:nvSpPr>
@@ -6388,7 +6825,7 @@
                 </a:solidFill>
                 <a:latin typeface="Calibri"/>
               </a:rPr>
-              <a:t>Data Distribution</a:t>
+              <a:t>Data</a:t>
             </a:r>
             <a:endParaRPr b="0" lang="en-US" sz="4400" spc="-1" strike="noStrike">
               <a:latin typeface="Arial"/>
@@ -6398,7 +6835,7 @@
       </p:sp>
       <p:sp>
         <p:nvSpPr>
-          <p:cNvPr id="101" name="CustomShape 2"/>
+          <p:cNvPr id="103" name="CustomShape 2"/>
           <p:cNvSpPr/>
           <p:nvPr/>
         </p:nvSpPr>
@@ -6422,29 +6859,251 @@
           <a:fontRef idx="minor"/>
         </p:style>
       </p:sp>
-      <p:pic>
-        <p:nvPicPr>
-          <p:cNvPr id="102" name="" descr=""/>
-          <p:cNvPicPr/>
+      <p:sp>
+        <p:nvSpPr>
+          <p:cNvPr id="104" name="CustomShape 3"/>
+          <p:cNvSpPr/>
           <p:nvPr/>
-        </p:nvPicPr>
-        <p:blipFill>
-          <a:blip r:embed="rId2"/>
-          <a:stretch/>
-        </p:blipFill>
-        <p:spPr>
-          <a:xfrm>
-            <a:off x="365760" y="1737360"/>
-            <a:ext cx="8412480" cy="3931920"/>
-          </a:xfrm>
-          <a:prstGeom prst="rect">
-            <a:avLst/>
-          </a:prstGeom>
+        </p:nvSpPr>
+        <p:spPr>
+          <a:xfrm>
+            <a:off x="678240" y="1600200"/>
+            <a:ext cx="7002720" cy="2558520"/>
+          </a:xfrm>
+          <a:prstGeom prst="rect">
+            <a:avLst/>
+          </a:prstGeom>
+          <a:noFill/>
           <a:ln>
             <a:noFill/>
           </a:ln>
         </p:spPr>
-      </p:pic>
+        <p:style>
+          <a:lnRef idx="0"/>
+          <a:fillRef idx="0"/>
+          <a:effectRef idx="0"/>
+          <a:fontRef idx="minor"/>
+        </p:style>
+        <p:txBody>
+          <a:bodyPr lIns="90000" rIns="90000" tIns="45000" bIns="45000">
+            <a:spAutoFit/>
+          </a:bodyPr>
+          <a:p>
+            <a:pPr marL="285840" indent="-285480">
+              <a:lnSpc>
+                <a:spcPct val="100000"/>
+              </a:lnSpc>
+              <a:buClr>
+                <a:srgbClr val="17375e"/>
+              </a:buClr>
+              <a:buFont typeface="Arial"/>
+              <a:buChar char="•"/>
+            </a:pPr>
+            <a:r>
+              <a:rPr b="0" lang="en-US" sz="1800" spc="-1" strike="noStrike">
+                <a:solidFill>
+                  <a:srgbClr val="17375e"/>
+                </a:solidFill>
+                <a:latin typeface="Calibri"/>
+              </a:rPr>
+              <a:t>23705 Facial Images</a:t>
+            </a:r>
+            <a:endParaRPr b="0" lang="en-US" sz="1800" spc="-1" strike="noStrike">
+              <a:latin typeface="Arial"/>
+            </a:endParaRPr>
+          </a:p>
+          <a:p>
+            <a:pPr lvl="1" marL="432000" indent="-216000">
+              <a:lnSpc>
+                <a:spcPct val="100000"/>
+              </a:lnSpc>
+              <a:buClr>
+                <a:srgbClr val="000000"/>
+              </a:buClr>
+              <a:buSzPct val="45000"/>
+              <a:buFont typeface="Wingdings" charset="2"/>
+              <a:buChar char=""/>
+            </a:pPr>
+            <a:r>
+              <a:rPr b="0" lang="en-US" sz="1800" spc="-1" strike="noStrike">
+                <a:solidFill>
+                  <a:srgbClr val="17375e"/>
+                </a:solidFill>
+                <a:latin typeface="Calibri"/>
+              </a:rPr>
+              <a:t>Image Size is 48 x 48 pixels </a:t>
+            </a:r>
+            <a:endParaRPr b="0" lang="en-US" sz="1800" spc="-1" strike="noStrike">
+              <a:latin typeface="Arial"/>
+            </a:endParaRPr>
+          </a:p>
+          <a:p>
+            <a:pPr lvl="1" marL="432000" indent="-216000">
+              <a:lnSpc>
+                <a:spcPct val="100000"/>
+              </a:lnSpc>
+              <a:buClr>
+                <a:srgbClr val="000000"/>
+              </a:buClr>
+              <a:buSzPct val="45000"/>
+              <a:buFont typeface="Wingdings" charset="2"/>
+              <a:buChar char=""/>
+            </a:pPr>
+            <a:endParaRPr b="0" lang="en-US" sz="1800" spc="-1" strike="noStrike">
+              <a:latin typeface="Arial"/>
+            </a:endParaRPr>
+          </a:p>
+          <a:p>
+            <a:pPr marL="285840" indent="-285480">
+              <a:lnSpc>
+                <a:spcPct val="100000"/>
+              </a:lnSpc>
+              <a:buClr>
+                <a:srgbClr val="17375e"/>
+              </a:buClr>
+              <a:buFont typeface="Arial"/>
+              <a:buChar char="•"/>
+            </a:pPr>
+            <a:r>
+              <a:rPr b="0" lang="en-US" sz="1800" spc="-1" strike="noStrike">
+                <a:solidFill>
+                  <a:srgbClr val="17375e"/>
+                </a:solidFill>
+                <a:latin typeface="Calibri"/>
+              </a:rPr>
+              <a:t>Classifications</a:t>
+            </a:r>
+            <a:endParaRPr b="0" lang="en-US" sz="1800" spc="-1" strike="noStrike">
+              <a:latin typeface="Arial"/>
+            </a:endParaRPr>
+          </a:p>
+          <a:p>
+            <a:pPr lvl="1" marL="432000" indent="-216000">
+              <a:lnSpc>
+                <a:spcPct val="100000"/>
+              </a:lnSpc>
+              <a:buClr>
+                <a:srgbClr val="000000"/>
+              </a:buClr>
+              <a:buSzPct val="45000"/>
+              <a:buFont typeface="Wingdings" charset="2"/>
+              <a:buChar char=""/>
+            </a:pPr>
+            <a:r>
+              <a:rPr b="0" lang="en-US" sz="1800" spc="-1" strike="noStrike">
+                <a:solidFill>
+                  <a:srgbClr val="17375e"/>
+                </a:solidFill>
+                <a:latin typeface="Calibri"/>
+              </a:rPr>
+              <a:t>Data is classified bases on three parameters:</a:t>
+            </a:r>
+            <a:endParaRPr b="0" lang="en-US" sz="1800" spc="-1" strike="noStrike">
+              <a:latin typeface="Arial"/>
+            </a:endParaRPr>
+          </a:p>
+          <a:p>
+            <a:pPr lvl="3" marL="864000" indent="-216000">
+              <a:lnSpc>
+                <a:spcPct val="100000"/>
+              </a:lnSpc>
+              <a:buClr>
+                <a:srgbClr val="000000"/>
+              </a:buClr>
+              <a:buSzPct val="45000"/>
+              <a:buFont typeface="Wingdings" charset="2"/>
+              <a:buChar char=""/>
+            </a:pPr>
+            <a:r>
+              <a:rPr b="0" lang="en-US" sz="1800" spc="-1" strike="noStrike">
+                <a:solidFill>
+                  <a:srgbClr val="17375e"/>
+                </a:solidFill>
+                <a:latin typeface="Calibri"/>
+              </a:rPr>
+              <a:t>Age, Ethnicity and Gender</a:t>
+            </a:r>
+            <a:endParaRPr b="0" lang="en-US" sz="1800" spc="-1" strike="noStrike">
+              <a:latin typeface="Arial"/>
+            </a:endParaRPr>
+          </a:p>
+          <a:p>
+            <a:pPr lvl="1" marL="432000" indent="-216000">
+              <a:lnSpc>
+                <a:spcPct val="100000"/>
+              </a:lnSpc>
+              <a:buClr>
+                <a:srgbClr val="000000"/>
+              </a:buClr>
+              <a:buSzPct val="45000"/>
+              <a:buFont typeface="Wingdings" charset="2"/>
+              <a:buChar char=""/>
+            </a:pPr>
+            <a:r>
+              <a:rPr b="0" lang="en-US" sz="1800" spc="-1" strike="noStrike">
+                <a:solidFill>
+                  <a:srgbClr val="17375e"/>
+                </a:solidFill>
+                <a:latin typeface="Calibri"/>
+              </a:rPr>
+              <a:t>Age has a range of 0 to 116</a:t>
+            </a:r>
+            <a:endParaRPr b="0" lang="en-US" sz="1800" spc="-1" strike="noStrike">
+              <a:latin typeface="Arial"/>
+            </a:endParaRPr>
+          </a:p>
+          <a:p>
+            <a:pPr lvl="1" marL="432000" indent="-216000">
+              <a:lnSpc>
+                <a:spcPct val="100000"/>
+              </a:lnSpc>
+              <a:buClr>
+                <a:srgbClr val="000000"/>
+              </a:buClr>
+              <a:buSzPct val="45000"/>
+              <a:buFont typeface="Wingdings" charset="2"/>
+              <a:buChar char=""/>
+            </a:pPr>
+            <a:r>
+              <a:rPr b="0" lang="en-US" sz="1800" spc="-1" strike="noStrike">
+                <a:solidFill>
+                  <a:srgbClr val="17375e"/>
+                </a:solidFill>
+                <a:latin typeface="Calibri"/>
+              </a:rPr>
+              <a:t>Ethnicity is broken down into 5 categories</a:t>
+            </a:r>
+            <a:endParaRPr b="0" lang="en-US" sz="1800" spc="-1" strike="noStrike">
+              <a:latin typeface="Arial"/>
+            </a:endParaRPr>
+          </a:p>
+          <a:p>
+            <a:pPr lvl="1" marL="432000" indent="-216000">
+              <a:lnSpc>
+                <a:spcPct val="100000"/>
+              </a:lnSpc>
+              <a:buClr>
+                <a:srgbClr val="000000"/>
+              </a:buClr>
+              <a:buSzPct val="45000"/>
+              <a:buFont typeface="Wingdings" charset="2"/>
+              <a:buChar char=""/>
+            </a:pPr>
+            <a:r>
+              <a:rPr b="0" lang="en-US" sz="1800" spc="-1" strike="noStrike">
+                <a:solidFill>
+                  <a:srgbClr val="17375e"/>
+                </a:solidFill>
+                <a:latin typeface="Calibri"/>
+              </a:rPr>
+              <a:t>Gender is classified as Male or Female</a:t>
+            </a:r>
+            <a:endParaRPr b="0" lang="en-US" sz="1800" spc="-1" strike="noStrike">
+              <a:latin typeface="Arial"/>
+            </a:endParaRPr>
+          </a:p>
+        </p:txBody>
+      </p:sp>
     </p:spTree>
   </p:cSld>
   <mc:AlternateContent>
@@ -6487,7 +7146,7 @@
       </p:grpSpPr>
       <p:sp>
         <p:nvSpPr>
-          <p:cNvPr id="103" name="CustomShape 1"/>
+          <p:cNvPr id="105" name="CustomShape 1"/>
           <p:cNvSpPr/>
           <p:nvPr/>
         </p:nvSpPr>
@@ -6527,7 +7186,7 @@
                 </a:solidFill>
                 <a:latin typeface="Calibri"/>
               </a:rPr>
-              <a:t>Results</a:t>
+              <a:t>Data Distribution</a:t>
             </a:r>
             <a:endParaRPr b="0" lang="en-US" sz="4400" spc="-1" strike="noStrike">
               <a:latin typeface="Arial"/>
@@ -6537,7 +7196,7 @@
       </p:sp>
       <p:sp>
         <p:nvSpPr>
-          <p:cNvPr id="104" name="CustomShape 2"/>
+          <p:cNvPr id="106" name="CustomShape 2"/>
           <p:cNvSpPr/>
           <p:nvPr/>
         </p:nvSpPr>
@@ -6561,367 +7220,29 @@
           <a:fontRef idx="minor"/>
         </p:style>
       </p:sp>
-      <p:sp>
-        <p:nvSpPr>
-          <p:cNvPr id="105" name="CustomShape 3"/>
-          <p:cNvSpPr/>
+      <p:pic>
+        <p:nvPicPr>
+          <p:cNvPr id="107" name="" descr=""/>
+          <p:cNvPicPr/>
           <p:nvPr/>
-        </p:nvSpPr>
-        <p:spPr>
-          <a:xfrm>
-            <a:off x="678240" y="1600200"/>
-            <a:ext cx="3721320" cy="1461960"/>
-          </a:xfrm>
-          <a:prstGeom prst="rect">
-            <a:avLst/>
-          </a:prstGeom>
-          <a:noFill/>
+        </p:nvPicPr>
+        <p:blipFill>
+          <a:blip r:embed="rId2"/>
+          <a:stretch/>
+        </p:blipFill>
+        <p:spPr>
+          <a:xfrm>
+            <a:off x="365760" y="1737360"/>
+            <a:ext cx="8412480" cy="3931920"/>
+          </a:xfrm>
+          <a:prstGeom prst="rect">
+            <a:avLst/>
+          </a:prstGeom>
           <a:ln>
             <a:noFill/>
           </a:ln>
         </p:spPr>
-        <p:style>
-          <a:lnRef idx="0"/>
-          <a:fillRef idx="0"/>
-          <a:effectRef idx="0"/>
-          <a:fontRef idx="minor"/>
-        </p:style>
-      </p:sp>
-      <p:sp>
-        <p:nvSpPr>
-          <p:cNvPr id="106" name="CustomShape 4"/>
-          <p:cNvSpPr/>
-          <p:nvPr/>
-        </p:nvSpPr>
-        <p:spPr>
-          <a:xfrm>
-            <a:off x="678240" y="1600200"/>
-            <a:ext cx="3710880" cy="2832840"/>
-          </a:xfrm>
-          <a:prstGeom prst="rect">
-            <a:avLst/>
-          </a:prstGeom>
-          <a:noFill/>
-          <a:ln>
-            <a:noFill/>
-          </a:ln>
-        </p:spPr>
-        <p:style>
-          <a:lnRef idx="0"/>
-          <a:fillRef idx="0"/>
-          <a:effectRef idx="0"/>
-          <a:fontRef idx="minor"/>
-        </p:style>
-        <p:txBody>
-          <a:bodyPr lIns="90000" rIns="90000" tIns="45000" bIns="45000">
-            <a:spAutoFit/>
-          </a:bodyPr>
-          <a:p>
-            <a:pPr marL="285840" indent="-285480">
-              <a:lnSpc>
-                <a:spcPct val="100000"/>
-              </a:lnSpc>
-              <a:buClr>
-                <a:srgbClr val="17375e"/>
-              </a:buClr>
-              <a:buFont typeface="Arial"/>
-              <a:buChar char="•"/>
-            </a:pPr>
-            <a:r>
-              <a:rPr b="0" lang="en-US" sz="1800" spc="-1" strike="noStrike">
-                <a:solidFill>
-                  <a:srgbClr val="17375e"/>
-                </a:solidFill>
-                <a:latin typeface="Calibri"/>
-              </a:rPr>
-              <a:t>Model Prediction Accuracy:</a:t>
-            </a:r>
-            <a:endParaRPr b="0" lang="en-US" sz="1800" spc="-1" strike="noStrike">
-              <a:latin typeface="Arial"/>
-            </a:endParaRPr>
-          </a:p>
-          <a:p>
-            <a:pPr lvl="1" marL="432000" indent="-216000">
-              <a:lnSpc>
-                <a:spcPct val="100000"/>
-              </a:lnSpc>
-              <a:buClr>
-                <a:srgbClr val="000000"/>
-              </a:buClr>
-              <a:buSzPct val="45000"/>
-              <a:buFont typeface="Wingdings" charset="2"/>
-              <a:buChar char=""/>
-            </a:pPr>
-            <a:r>
-              <a:rPr b="0" lang="en-US" sz="1800" spc="-1" strike="noStrike">
-                <a:solidFill>
-                  <a:srgbClr val="17375e"/>
-                </a:solidFill>
-                <a:latin typeface="Calibri"/>
-              </a:rPr>
-              <a:t>Race Accuracy of 76%</a:t>
-            </a:r>
-            <a:endParaRPr b="0" lang="en-US" sz="1800" spc="-1" strike="noStrike">
-              <a:latin typeface="Arial"/>
-            </a:endParaRPr>
-          </a:p>
-          <a:p>
-            <a:pPr lvl="2" marL="648000" indent="-216000">
-              <a:lnSpc>
-                <a:spcPct val="100000"/>
-              </a:lnSpc>
-              <a:buClr>
-                <a:srgbClr val="000000"/>
-              </a:buClr>
-              <a:buSzPct val="45000"/>
-              <a:buFont typeface="Wingdings" charset="2"/>
-              <a:buChar char=""/>
-            </a:pPr>
-            <a:r>
-              <a:rPr b="0" lang="en-US" sz="1800" spc="-1" strike="noStrike">
-                <a:solidFill>
-                  <a:srgbClr val="17375e"/>
-                </a:solidFill>
-                <a:latin typeface="Calibri"/>
-              </a:rPr>
-              <a:t>Category 0 ……………..82%</a:t>
-            </a:r>
-            <a:endParaRPr b="0" lang="en-US" sz="1800" spc="-1" strike="noStrike">
-              <a:latin typeface="Arial"/>
-            </a:endParaRPr>
-          </a:p>
-          <a:p>
-            <a:pPr lvl="2" marL="648000" indent="-216000">
-              <a:lnSpc>
-                <a:spcPct val="100000"/>
-              </a:lnSpc>
-              <a:buClr>
-                <a:srgbClr val="000000"/>
-              </a:buClr>
-              <a:buSzPct val="45000"/>
-              <a:buFont typeface="Wingdings" charset="2"/>
-              <a:buChar char=""/>
-            </a:pPr>
-            <a:r>
-              <a:rPr b="0" lang="en-US" sz="1800" spc="-1" strike="noStrike">
-                <a:solidFill>
-                  <a:srgbClr val="17375e"/>
-                </a:solidFill>
-                <a:latin typeface="Calibri"/>
-              </a:rPr>
-              <a:t>Category 1 ……………..81%</a:t>
-            </a:r>
-            <a:endParaRPr b="0" lang="en-US" sz="1800" spc="-1" strike="noStrike">
-              <a:latin typeface="Arial"/>
-            </a:endParaRPr>
-          </a:p>
-          <a:p>
-            <a:pPr lvl="2" marL="648000" indent="-216000">
-              <a:lnSpc>
-                <a:spcPct val="100000"/>
-              </a:lnSpc>
-              <a:buClr>
-                <a:srgbClr val="000000"/>
-              </a:buClr>
-              <a:buSzPct val="45000"/>
-              <a:buFont typeface="Wingdings" charset="2"/>
-              <a:buChar char=""/>
-            </a:pPr>
-            <a:r>
-              <a:rPr b="0" lang="en-US" sz="1800" spc="-1" strike="noStrike">
-                <a:solidFill>
-                  <a:srgbClr val="17375e"/>
-                </a:solidFill>
-                <a:latin typeface="Calibri"/>
-              </a:rPr>
-              <a:t>Category 2 ……………..78%</a:t>
-            </a:r>
-            <a:endParaRPr b="0" lang="en-US" sz="1800" spc="-1" strike="noStrike">
-              <a:latin typeface="Arial"/>
-            </a:endParaRPr>
-          </a:p>
-          <a:p>
-            <a:pPr lvl="2" marL="648000" indent="-216000">
-              <a:lnSpc>
-                <a:spcPct val="100000"/>
-              </a:lnSpc>
-              <a:buClr>
-                <a:srgbClr val="000000"/>
-              </a:buClr>
-              <a:buSzPct val="45000"/>
-              <a:buFont typeface="Wingdings" charset="2"/>
-              <a:buChar char=""/>
-            </a:pPr>
-            <a:r>
-              <a:rPr b="0" lang="en-US" sz="1800" spc="-1" strike="noStrike">
-                <a:solidFill>
-                  <a:srgbClr val="17375e"/>
-                </a:solidFill>
-                <a:latin typeface="Calibri"/>
-              </a:rPr>
-              <a:t>Category 3 ……………..69%</a:t>
-            </a:r>
-            <a:endParaRPr b="0" lang="en-US" sz="1800" spc="-1" strike="noStrike">
-              <a:latin typeface="Arial"/>
-            </a:endParaRPr>
-          </a:p>
-          <a:p>
-            <a:pPr lvl="2" marL="648000" indent="-216000">
-              <a:lnSpc>
-                <a:spcPct val="100000"/>
-              </a:lnSpc>
-              <a:buClr>
-                <a:srgbClr val="000000"/>
-              </a:buClr>
-              <a:buSzPct val="45000"/>
-              <a:buFont typeface="Wingdings" charset="2"/>
-              <a:buChar char=""/>
-            </a:pPr>
-            <a:r>
-              <a:rPr b="0" lang="en-US" sz="1800" spc="-1" strike="noStrike">
-                <a:solidFill>
-                  <a:srgbClr val="17375e"/>
-                </a:solidFill>
-                <a:latin typeface="Calibri"/>
-              </a:rPr>
-              <a:t>Category 4 ……………..11%</a:t>
-            </a:r>
-            <a:endParaRPr b="0" lang="en-US" sz="1800" spc="-1" strike="noStrike">
-              <a:latin typeface="Arial"/>
-            </a:endParaRPr>
-          </a:p>
-          <a:p>
-            <a:pPr lvl="1" marL="432000" indent="-216000">
-              <a:lnSpc>
-                <a:spcPct val="100000"/>
-              </a:lnSpc>
-              <a:buClr>
-                <a:srgbClr val="000000"/>
-              </a:buClr>
-              <a:buSzPct val="45000"/>
-              <a:buFont typeface="Wingdings" charset="2"/>
-              <a:buChar char=""/>
-            </a:pPr>
-            <a:r>
-              <a:rPr b="0" lang="en-US" sz="1800" spc="-1" strike="noStrike">
-                <a:solidFill>
-                  <a:srgbClr val="17375e"/>
-                </a:solidFill>
-                <a:latin typeface="Calibri"/>
-              </a:rPr>
-              <a:t>Gender Accuracy of 89%</a:t>
-            </a:r>
-            <a:endParaRPr b="0" lang="en-US" sz="1800" spc="-1" strike="noStrike">
-              <a:latin typeface="Arial"/>
-            </a:endParaRPr>
-          </a:p>
-          <a:p>
-            <a:pPr lvl="2" marL="648000" indent="-216000">
-              <a:lnSpc>
-                <a:spcPct val="100000"/>
-              </a:lnSpc>
-              <a:buClr>
-                <a:srgbClr val="000000"/>
-              </a:buClr>
-              <a:buSzPct val="45000"/>
-              <a:buFont typeface="Wingdings" charset="2"/>
-              <a:buChar char=""/>
-            </a:pPr>
-            <a:r>
-              <a:rPr b="0" lang="en-US" sz="1800" spc="-1" strike="noStrike">
-                <a:solidFill>
-                  <a:srgbClr val="17375e"/>
-                </a:solidFill>
-                <a:latin typeface="Calibri"/>
-              </a:rPr>
-              <a:t>Male ……………………...89 % </a:t>
-            </a:r>
-            <a:endParaRPr b="0" lang="en-US" sz="1800" spc="-1" strike="noStrike">
-              <a:latin typeface="Arial"/>
-            </a:endParaRPr>
-          </a:p>
-          <a:p>
-            <a:pPr lvl="2" marL="648000" indent="-216000">
-              <a:lnSpc>
-                <a:spcPct val="100000"/>
-              </a:lnSpc>
-              <a:buClr>
-                <a:srgbClr val="000000"/>
-              </a:buClr>
-              <a:buSzPct val="45000"/>
-              <a:buFont typeface="Wingdings" charset="2"/>
-              <a:buChar char=""/>
-            </a:pPr>
-            <a:r>
-              <a:rPr b="0" lang="en-US" sz="1800" spc="-1" strike="noStrike">
-                <a:solidFill>
-                  <a:srgbClr val="17375e"/>
-                </a:solidFill>
-                <a:latin typeface="Calibri"/>
-              </a:rPr>
-              <a:t>Female …………………..88 %</a:t>
-            </a:r>
-            <a:endParaRPr b="0" lang="en-US" sz="1800" spc="-1" strike="noStrike">
-              <a:latin typeface="Arial"/>
-            </a:endParaRPr>
-          </a:p>
-        </p:txBody>
-      </p:sp>
-      <p:sp>
-        <p:nvSpPr>
-          <p:cNvPr id="107" name="CustomShape 5"/>
-          <p:cNvSpPr/>
-          <p:nvPr/>
-        </p:nvSpPr>
-        <p:spPr>
-          <a:xfrm>
-            <a:off x="4975920" y="1645920"/>
-            <a:ext cx="3710880" cy="364680"/>
-          </a:xfrm>
-          <a:prstGeom prst="rect">
-            <a:avLst/>
-          </a:prstGeom>
-          <a:noFill/>
-          <a:ln>
-            <a:noFill/>
-          </a:ln>
-        </p:spPr>
-        <p:style>
-          <a:lnRef idx="0"/>
-          <a:fillRef idx="0"/>
-          <a:effectRef idx="0"/>
-          <a:fontRef idx="minor"/>
-        </p:style>
-        <p:txBody>
-          <a:bodyPr lIns="90000" rIns="90000" tIns="45000" bIns="45000">
-            <a:spAutoFit/>
-          </a:bodyPr>
-          <a:p>
-            <a:pPr marL="285840" indent="-285480">
-              <a:lnSpc>
-                <a:spcPct val="100000"/>
-              </a:lnSpc>
-              <a:buClr>
-                <a:srgbClr val="17375e"/>
-              </a:buClr>
-              <a:buFont typeface="Arial"/>
-              <a:buChar char="•"/>
-            </a:pPr>
-            <a:r>
-              <a:rPr b="0" lang="en-US" sz="1800" spc="-1" strike="noStrike">
-                <a:solidFill>
-                  <a:srgbClr val="17375e"/>
-                </a:solidFill>
-                <a:latin typeface="Calibri"/>
-              </a:rPr>
-              <a:t>Stats for Age Model</a:t>
-            </a:r>
-            <a:endParaRPr b="0" lang="en-US" sz="1800" spc="-1" strike="noStrike">
-              <a:latin typeface="Arial"/>
-            </a:endParaRPr>
-          </a:p>
-        </p:txBody>
-      </p:sp>
+      </p:pic>
     </p:spTree>
   </p:cSld>
   <mc:AlternateContent>

--- a/Project Presentaion - Group 2- v1.2.0.pptx
+++ b/Project Presentaion - Group 2- v1.2.0.pptx
@@ -22,6 +22,7 @@
     <p:sldId id="269" r:id="rId17"/>
     <p:sldId id="270" r:id="rId18"/>
     <p:sldId id="271" r:id="rId19"/>
+    <p:sldId id="272" r:id="rId20"/>
   </p:sldIdLst>
   <p:sldSz cx="9144000" cy="6858000"/>
   <p:notesSz cx="7772400" cy="10058400"/>
@@ -69,7 +70,7 @@
       </p:grpSpPr>
       <p:sp>
         <p:nvSpPr>
-          <p:cNvPr id="26" name="PlaceHolder 1"/>
+          <p:cNvPr id="23" name="PlaceHolder 1"/>
           <p:cNvSpPr>
             <a:spLocks noGrp="1"/>
           </p:cNvSpPr>
@@ -79,8 +80,8 @@
         </p:nvSpPr>
         <p:spPr>
           <a:xfrm>
-            <a:off x="457200" y="274680"/>
-            <a:ext cx="8229240" cy="1142640"/>
+            <a:off x="457200" y="273600"/>
+            <a:ext cx="8229240" cy="1144800"/>
           </a:xfrm>
           <a:prstGeom prst="rect">
             <a:avLst/>
@@ -91,18 +92,16 @@
             <a:spAutoFit/>
           </a:bodyPr>
           <a:p>
-            <a:endParaRPr b="0" lang="en-US" sz="1800" spc="-1" strike="noStrike">
-              <a:solidFill>
-                <a:srgbClr val="000000"/>
-              </a:solidFill>
-              <a:latin typeface="Calibri"/>
-            </a:endParaRPr>
-          </a:p>
-        </p:txBody>
-      </p:sp>
-      <p:sp>
-        <p:nvSpPr>
-          <p:cNvPr id="27" name="PlaceHolder 2"/>
+            <a:pPr algn="ctr"/>
+            <a:endParaRPr b="0" lang="en-US" sz="4400" spc="-1" strike="noStrike">
+              <a:latin typeface="Arial"/>
+            </a:endParaRPr>
+          </a:p>
+        </p:txBody>
+      </p:sp>
+      <p:sp>
+        <p:nvSpPr>
+          <p:cNvPr id="24" name="PlaceHolder 2"/>
           <p:cNvSpPr>
             <a:spLocks noGrp="1"/>
           </p:cNvSpPr>
@@ -112,8 +111,8 @@
         </p:nvSpPr>
         <p:spPr>
           <a:xfrm>
-            <a:off x="457200" y="1600200"/>
-            <a:ext cx="8229240" cy="2158560"/>
+            <a:off x="457200" y="1604520"/>
+            <a:ext cx="8229240" cy="1896840"/>
           </a:xfrm>
           <a:prstGeom prst="rect">
             <a:avLst/>
@@ -125,17 +124,14 @@
           </a:bodyPr>
           <a:p>
             <a:endParaRPr b="0" lang="en-US" sz="3200" spc="-1" strike="noStrike">
-              <a:solidFill>
-                <a:srgbClr val="000000"/>
-              </a:solidFill>
-              <a:latin typeface="Calibri"/>
-            </a:endParaRPr>
-          </a:p>
-        </p:txBody>
-      </p:sp>
-      <p:sp>
-        <p:nvSpPr>
-          <p:cNvPr id="28" name="PlaceHolder 3"/>
+              <a:latin typeface="Arial"/>
+            </a:endParaRPr>
+          </a:p>
+        </p:txBody>
+      </p:sp>
+      <p:sp>
+        <p:nvSpPr>
+          <p:cNvPr id="25" name="PlaceHolder 3"/>
           <p:cNvSpPr>
             <a:spLocks noGrp="1"/>
           </p:cNvSpPr>
@@ -145,8 +141,8 @@
         </p:nvSpPr>
         <p:spPr>
           <a:xfrm>
-            <a:off x="457200" y="3964320"/>
-            <a:ext cx="8229240" cy="2158560"/>
+            <a:off x="457200" y="3682080"/>
+            <a:ext cx="8229240" cy="1896840"/>
           </a:xfrm>
           <a:prstGeom prst="rect">
             <a:avLst/>
@@ -158,10 +154,7 @@
           </a:bodyPr>
           <a:p>
             <a:endParaRPr b="0" lang="en-US" sz="3200" spc="-1" strike="noStrike">
-              <a:solidFill>
-                <a:srgbClr val="000000"/>
-              </a:solidFill>
-              <a:latin typeface="Calibri"/>
+              <a:latin typeface="Arial"/>
             </a:endParaRPr>
           </a:p>
         </p:txBody>
@@ -190,7 +183,7 @@
       </p:grpSpPr>
       <p:sp>
         <p:nvSpPr>
-          <p:cNvPr id="29" name="PlaceHolder 1"/>
+          <p:cNvPr id="26" name="PlaceHolder 1"/>
           <p:cNvSpPr>
             <a:spLocks noGrp="1"/>
           </p:cNvSpPr>
@@ -200,8 +193,8 @@
         </p:nvSpPr>
         <p:spPr>
           <a:xfrm>
-            <a:off x="457200" y="274680"/>
-            <a:ext cx="8229240" cy="1142640"/>
+            <a:off x="457200" y="273600"/>
+            <a:ext cx="8229240" cy="1144800"/>
           </a:xfrm>
           <a:prstGeom prst="rect">
             <a:avLst/>
@@ -212,18 +205,16 @@
             <a:spAutoFit/>
           </a:bodyPr>
           <a:p>
-            <a:endParaRPr b="0" lang="en-US" sz="1800" spc="-1" strike="noStrike">
-              <a:solidFill>
-                <a:srgbClr val="000000"/>
-              </a:solidFill>
-              <a:latin typeface="Calibri"/>
-            </a:endParaRPr>
-          </a:p>
-        </p:txBody>
-      </p:sp>
-      <p:sp>
-        <p:nvSpPr>
-          <p:cNvPr id="30" name="PlaceHolder 2"/>
+            <a:pPr algn="ctr"/>
+            <a:endParaRPr b="0" lang="en-US" sz="4400" spc="-1" strike="noStrike">
+              <a:latin typeface="Arial"/>
+            </a:endParaRPr>
+          </a:p>
+        </p:txBody>
+      </p:sp>
+      <p:sp>
+        <p:nvSpPr>
+          <p:cNvPr id="27" name="PlaceHolder 2"/>
           <p:cNvSpPr>
             <a:spLocks noGrp="1"/>
           </p:cNvSpPr>
@@ -233,8 +224,8 @@
         </p:nvSpPr>
         <p:spPr>
           <a:xfrm>
-            <a:off x="457200" y="1600200"/>
-            <a:ext cx="4015800" cy="2158560"/>
+            <a:off x="457200" y="1604520"/>
+            <a:ext cx="4015800" cy="1896840"/>
           </a:xfrm>
           <a:prstGeom prst="rect">
             <a:avLst/>
@@ -246,17 +237,14 @@
           </a:bodyPr>
           <a:p>
             <a:endParaRPr b="0" lang="en-US" sz="3200" spc="-1" strike="noStrike">
-              <a:solidFill>
-                <a:srgbClr val="000000"/>
-              </a:solidFill>
-              <a:latin typeface="Calibri"/>
-            </a:endParaRPr>
-          </a:p>
-        </p:txBody>
-      </p:sp>
-      <p:sp>
-        <p:nvSpPr>
-          <p:cNvPr id="31" name="PlaceHolder 3"/>
+              <a:latin typeface="Arial"/>
+            </a:endParaRPr>
+          </a:p>
+        </p:txBody>
+      </p:sp>
+      <p:sp>
+        <p:nvSpPr>
+          <p:cNvPr id="28" name="PlaceHolder 3"/>
           <p:cNvSpPr>
             <a:spLocks noGrp="1"/>
           </p:cNvSpPr>
@@ -266,8 +254,8 @@
         </p:nvSpPr>
         <p:spPr>
           <a:xfrm>
-            <a:off x="4674240" y="1600200"/>
-            <a:ext cx="4015800" cy="2158560"/>
+            <a:off x="4674240" y="1604520"/>
+            <a:ext cx="4015800" cy="1896840"/>
           </a:xfrm>
           <a:prstGeom prst="rect">
             <a:avLst/>
@@ -279,17 +267,14 @@
           </a:bodyPr>
           <a:p>
             <a:endParaRPr b="0" lang="en-US" sz="3200" spc="-1" strike="noStrike">
-              <a:solidFill>
-                <a:srgbClr val="000000"/>
-              </a:solidFill>
-              <a:latin typeface="Calibri"/>
-            </a:endParaRPr>
-          </a:p>
-        </p:txBody>
-      </p:sp>
-      <p:sp>
-        <p:nvSpPr>
-          <p:cNvPr id="32" name="PlaceHolder 4"/>
+              <a:latin typeface="Arial"/>
+            </a:endParaRPr>
+          </a:p>
+        </p:txBody>
+      </p:sp>
+      <p:sp>
+        <p:nvSpPr>
+          <p:cNvPr id="29" name="PlaceHolder 4"/>
           <p:cNvSpPr>
             <a:spLocks noGrp="1"/>
           </p:cNvSpPr>
@@ -299,8 +284,8 @@
         </p:nvSpPr>
         <p:spPr>
           <a:xfrm>
-            <a:off x="457200" y="3964320"/>
-            <a:ext cx="4015800" cy="2158560"/>
+            <a:off x="457200" y="3682080"/>
+            <a:ext cx="4015800" cy="1896840"/>
           </a:xfrm>
           <a:prstGeom prst="rect">
             <a:avLst/>
@@ -312,17 +297,14 @@
           </a:bodyPr>
           <a:p>
             <a:endParaRPr b="0" lang="en-US" sz="3200" spc="-1" strike="noStrike">
-              <a:solidFill>
-                <a:srgbClr val="000000"/>
-              </a:solidFill>
-              <a:latin typeface="Calibri"/>
-            </a:endParaRPr>
-          </a:p>
-        </p:txBody>
-      </p:sp>
-      <p:sp>
-        <p:nvSpPr>
-          <p:cNvPr id="33" name="PlaceHolder 5"/>
+              <a:latin typeface="Arial"/>
+            </a:endParaRPr>
+          </a:p>
+        </p:txBody>
+      </p:sp>
+      <p:sp>
+        <p:nvSpPr>
+          <p:cNvPr id="30" name="PlaceHolder 5"/>
           <p:cNvSpPr>
             <a:spLocks noGrp="1"/>
           </p:cNvSpPr>
@@ -332,8 +314,8 @@
         </p:nvSpPr>
         <p:spPr>
           <a:xfrm>
-            <a:off x="4674240" y="3964320"/>
-            <a:ext cx="4015800" cy="2158560"/>
+            <a:off x="4674240" y="3682080"/>
+            <a:ext cx="4015800" cy="1896840"/>
           </a:xfrm>
           <a:prstGeom prst="rect">
             <a:avLst/>
@@ -345,10 +327,7 @@
           </a:bodyPr>
           <a:p>
             <a:endParaRPr b="0" lang="en-US" sz="3200" spc="-1" strike="noStrike">
-              <a:solidFill>
-                <a:srgbClr val="000000"/>
-              </a:solidFill>
-              <a:latin typeface="Calibri"/>
+              <a:latin typeface="Arial"/>
             </a:endParaRPr>
           </a:p>
         </p:txBody>
@@ -377,7 +356,7 @@
       </p:grpSpPr>
       <p:sp>
         <p:nvSpPr>
-          <p:cNvPr id="34" name="PlaceHolder 1"/>
+          <p:cNvPr id="31" name="PlaceHolder 1"/>
           <p:cNvSpPr>
             <a:spLocks noGrp="1"/>
           </p:cNvSpPr>
@@ -387,8 +366,8 @@
         </p:nvSpPr>
         <p:spPr>
           <a:xfrm>
-            <a:off x="457200" y="274680"/>
-            <a:ext cx="8229240" cy="1142640"/>
+            <a:off x="457200" y="273600"/>
+            <a:ext cx="8229240" cy="1144800"/>
           </a:xfrm>
           <a:prstGeom prst="rect">
             <a:avLst/>
@@ -399,18 +378,16 @@
             <a:spAutoFit/>
           </a:bodyPr>
           <a:p>
-            <a:endParaRPr b="0" lang="en-US" sz="1800" spc="-1" strike="noStrike">
-              <a:solidFill>
-                <a:srgbClr val="000000"/>
-              </a:solidFill>
-              <a:latin typeface="Calibri"/>
-            </a:endParaRPr>
-          </a:p>
-        </p:txBody>
-      </p:sp>
-      <p:sp>
-        <p:nvSpPr>
-          <p:cNvPr id="35" name="PlaceHolder 2"/>
+            <a:pPr algn="ctr"/>
+            <a:endParaRPr b="0" lang="en-US" sz="4400" spc="-1" strike="noStrike">
+              <a:latin typeface="Arial"/>
+            </a:endParaRPr>
+          </a:p>
+        </p:txBody>
+      </p:sp>
+      <p:sp>
+        <p:nvSpPr>
+          <p:cNvPr id="32" name="PlaceHolder 2"/>
           <p:cNvSpPr>
             <a:spLocks noGrp="1"/>
           </p:cNvSpPr>
@@ -420,8 +397,8 @@
         </p:nvSpPr>
         <p:spPr>
           <a:xfrm>
-            <a:off x="457200" y="1600200"/>
-            <a:ext cx="2649600" cy="2158560"/>
+            <a:off x="457200" y="1604520"/>
+            <a:ext cx="2649600" cy="1896840"/>
           </a:xfrm>
           <a:prstGeom prst="rect">
             <a:avLst/>
@@ -433,17 +410,14 @@
           </a:bodyPr>
           <a:p>
             <a:endParaRPr b="0" lang="en-US" sz="3200" spc="-1" strike="noStrike">
-              <a:solidFill>
-                <a:srgbClr val="000000"/>
-              </a:solidFill>
-              <a:latin typeface="Calibri"/>
-            </a:endParaRPr>
-          </a:p>
-        </p:txBody>
-      </p:sp>
-      <p:sp>
-        <p:nvSpPr>
-          <p:cNvPr id="36" name="PlaceHolder 3"/>
+              <a:latin typeface="Arial"/>
+            </a:endParaRPr>
+          </a:p>
+        </p:txBody>
+      </p:sp>
+      <p:sp>
+        <p:nvSpPr>
+          <p:cNvPr id="33" name="PlaceHolder 3"/>
           <p:cNvSpPr>
             <a:spLocks noGrp="1"/>
           </p:cNvSpPr>
@@ -453,8 +427,8 @@
         </p:nvSpPr>
         <p:spPr>
           <a:xfrm>
-            <a:off x="3239640" y="1600200"/>
-            <a:ext cx="2649600" cy="2158560"/>
+            <a:off x="3239640" y="1604520"/>
+            <a:ext cx="2649600" cy="1896840"/>
           </a:xfrm>
           <a:prstGeom prst="rect">
             <a:avLst/>
@@ -466,17 +440,14 @@
           </a:bodyPr>
           <a:p>
             <a:endParaRPr b="0" lang="en-US" sz="3200" spc="-1" strike="noStrike">
-              <a:solidFill>
-                <a:srgbClr val="000000"/>
-              </a:solidFill>
-              <a:latin typeface="Calibri"/>
-            </a:endParaRPr>
-          </a:p>
-        </p:txBody>
-      </p:sp>
-      <p:sp>
-        <p:nvSpPr>
-          <p:cNvPr id="37" name="PlaceHolder 4"/>
+              <a:latin typeface="Arial"/>
+            </a:endParaRPr>
+          </a:p>
+        </p:txBody>
+      </p:sp>
+      <p:sp>
+        <p:nvSpPr>
+          <p:cNvPr id="34" name="PlaceHolder 4"/>
           <p:cNvSpPr>
             <a:spLocks noGrp="1"/>
           </p:cNvSpPr>
@@ -486,8 +457,8 @@
         </p:nvSpPr>
         <p:spPr>
           <a:xfrm>
-            <a:off x="6022080" y="1600200"/>
-            <a:ext cx="2649600" cy="2158560"/>
+            <a:off x="6022080" y="1604520"/>
+            <a:ext cx="2649600" cy="1896840"/>
           </a:xfrm>
           <a:prstGeom prst="rect">
             <a:avLst/>
@@ -499,17 +470,14 @@
           </a:bodyPr>
           <a:p>
             <a:endParaRPr b="0" lang="en-US" sz="3200" spc="-1" strike="noStrike">
-              <a:solidFill>
-                <a:srgbClr val="000000"/>
-              </a:solidFill>
-              <a:latin typeface="Calibri"/>
-            </a:endParaRPr>
-          </a:p>
-        </p:txBody>
-      </p:sp>
-      <p:sp>
-        <p:nvSpPr>
-          <p:cNvPr id="38" name="PlaceHolder 5"/>
+              <a:latin typeface="Arial"/>
+            </a:endParaRPr>
+          </a:p>
+        </p:txBody>
+      </p:sp>
+      <p:sp>
+        <p:nvSpPr>
+          <p:cNvPr id="35" name="PlaceHolder 5"/>
           <p:cNvSpPr>
             <a:spLocks noGrp="1"/>
           </p:cNvSpPr>
@@ -519,8 +487,8 @@
         </p:nvSpPr>
         <p:spPr>
           <a:xfrm>
-            <a:off x="457200" y="3964320"/>
-            <a:ext cx="2649600" cy="2158560"/>
+            <a:off x="457200" y="3682080"/>
+            <a:ext cx="2649600" cy="1896840"/>
           </a:xfrm>
           <a:prstGeom prst="rect">
             <a:avLst/>
@@ -532,17 +500,14 @@
           </a:bodyPr>
           <a:p>
             <a:endParaRPr b="0" lang="en-US" sz="3200" spc="-1" strike="noStrike">
-              <a:solidFill>
-                <a:srgbClr val="000000"/>
-              </a:solidFill>
-              <a:latin typeface="Calibri"/>
-            </a:endParaRPr>
-          </a:p>
-        </p:txBody>
-      </p:sp>
-      <p:sp>
-        <p:nvSpPr>
-          <p:cNvPr id="39" name="PlaceHolder 6"/>
+              <a:latin typeface="Arial"/>
+            </a:endParaRPr>
+          </a:p>
+        </p:txBody>
+      </p:sp>
+      <p:sp>
+        <p:nvSpPr>
+          <p:cNvPr id="36" name="PlaceHolder 6"/>
           <p:cNvSpPr>
             <a:spLocks noGrp="1"/>
           </p:cNvSpPr>
@@ -552,8 +517,8 @@
         </p:nvSpPr>
         <p:spPr>
           <a:xfrm>
-            <a:off x="3239640" y="3964320"/>
-            <a:ext cx="2649600" cy="2158560"/>
+            <a:off x="3239640" y="3682080"/>
+            <a:ext cx="2649600" cy="1896840"/>
           </a:xfrm>
           <a:prstGeom prst="rect">
             <a:avLst/>
@@ -565,17 +530,14 @@
           </a:bodyPr>
           <a:p>
             <a:endParaRPr b="0" lang="en-US" sz="3200" spc="-1" strike="noStrike">
-              <a:solidFill>
-                <a:srgbClr val="000000"/>
-              </a:solidFill>
-              <a:latin typeface="Calibri"/>
-            </a:endParaRPr>
-          </a:p>
-        </p:txBody>
-      </p:sp>
-      <p:sp>
-        <p:nvSpPr>
-          <p:cNvPr id="40" name="PlaceHolder 7"/>
+              <a:latin typeface="Arial"/>
+            </a:endParaRPr>
+          </a:p>
+        </p:txBody>
+      </p:sp>
+      <p:sp>
+        <p:nvSpPr>
+          <p:cNvPr id="37" name="PlaceHolder 7"/>
           <p:cNvSpPr>
             <a:spLocks noGrp="1"/>
           </p:cNvSpPr>
@@ -585,8 +547,8 @@
         </p:nvSpPr>
         <p:spPr>
           <a:xfrm>
-            <a:off x="6022080" y="3964320"/>
-            <a:ext cx="2649600" cy="2158560"/>
+            <a:off x="6022080" y="3682080"/>
+            <a:ext cx="2649600" cy="1896840"/>
           </a:xfrm>
           <a:prstGeom prst="rect">
             <a:avLst/>
@@ -598,10 +560,7 @@
           </a:bodyPr>
           <a:p>
             <a:endParaRPr b="0" lang="en-US" sz="3200" spc="-1" strike="noStrike">
-              <a:solidFill>
-                <a:srgbClr val="000000"/>
-              </a:solidFill>
-              <a:latin typeface="Calibri"/>
+              <a:latin typeface="Arial"/>
             </a:endParaRPr>
           </a:p>
         </p:txBody>
@@ -652,7 +611,7 @@
       </p:grpSpPr>
       <p:sp>
         <p:nvSpPr>
-          <p:cNvPr id="46" name="PlaceHolder 1"/>
+          <p:cNvPr id="40" name="PlaceHolder 1"/>
           <p:cNvSpPr>
             <a:spLocks noGrp="1"/>
           </p:cNvSpPr>
@@ -662,8 +621,8 @@
         </p:nvSpPr>
         <p:spPr>
           <a:xfrm>
-            <a:off x="457200" y="274680"/>
-            <a:ext cx="8229240" cy="1142640"/>
+            <a:off x="457200" y="273600"/>
+            <a:ext cx="8229240" cy="1144800"/>
           </a:xfrm>
           <a:prstGeom prst="rect">
             <a:avLst/>
@@ -674,18 +633,16 @@
             <a:spAutoFit/>
           </a:bodyPr>
           <a:p>
-            <a:endParaRPr b="0" lang="en-US" sz="1800" spc="-1" strike="noStrike">
-              <a:solidFill>
-                <a:srgbClr val="000000"/>
-              </a:solidFill>
-              <a:latin typeface="Calibri"/>
-            </a:endParaRPr>
-          </a:p>
-        </p:txBody>
-      </p:sp>
-      <p:sp>
-        <p:nvSpPr>
-          <p:cNvPr id="47" name="PlaceHolder 2"/>
+            <a:pPr algn="ctr"/>
+            <a:endParaRPr b="0" lang="en-US" sz="4400" spc="-1" strike="noStrike">
+              <a:latin typeface="Arial"/>
+            </a:endParaRPr>
+          </a:p>
+        </p:txBody>
+      </p:sp>
+      <p:sp>
+        <p:nvSpPr>
+          <p:cNvPr id="41" name="PlaceHolder 2"/>
           <p:cNvSpPr>
             <a:spLocks noGrp="1"/>
           </p:cNvSpPr>
@@ -695,8 +652,8 @@
         </p:nvSpPr>
         <p:spPr>
           <a:xfrm>
-            <a:off x="457200" y="1600200"/>
-            <a:ext cx="8229240" cy="4525560"/>
+            <a:off x="457200" y="1604520"/>
+            <a:ext cx="8229240" cy="3977280"/>
           </a:xfrm>
           <a:prstGeom prst="rect">
             <a:avLst/>
@@ -738,7 +695,7 @@
       </p:grpSpPr>
       <p:sp>
         <p:nvSpPr>
-          <p:cNvPr id="48" name="PlaceHolder 1"/>
+          <p:cNvPr id="42" name="PlaceHolder 1"/>
           <p:cNvSpPr>
             <a:spLocks noGrp="1"/>
           </p:cNvSpPr>
@@ -748,8 +705,8 @@
         </p:nvSpPr>
         <p:spPr>
           <a:xfrm>
-            <a:off x="457200" y="274680"/>
-            <a:ext cx="8229240" cy="1142640"/>
+            <a:off x="457200" y="273600"/>
+            <a:ext cx="8229240" cy="1144800"/>
           </a:xfrm>
           <a:prstGeom prst="rect">
             <a:avLst/>
@@ -760,18 +717,16 @@
             <a:spAutoFit/>
           </a:bodyPr>
           <a:p>
-            <a:endParaRPr b="0" lang="en-US" sz="1800" spc="-1" strike="noStrike">
-              <a:solidFill>
-                <a:srgbClr val="000000"/>
-              </a:solidFill>
-              <a:latin typeface="Calibri"/>
-            </a:endParaRPr>
-          </a:p>
-        </p:txBody>
-      </p:sp>
-      <p:sp>
-        <p:nvSpPr>
-          <p:cNvPr id="49" name="PlaceHolder 2"/>
+            <a:pPr algn="ctr"/>
+            <a:endParaRPr b="0" lang="en-US" sz="4400" spc="-1" strike="noStrike">
+              <a:latin typeface="Arial"/>
+            </a:endParaRPr>
+          </a:p>
+        </p:txBody>
+      </p:sp>
+      <p:sp>
+        <p:nvSpPr>
+          <p:cNvPr id="43" name="PlaceHolder 2"/>
           <p:cNvSpPr>
             <a:spLocks noGrp="1"/>
           </p:cNvSpPr>
@@ -781,8 +736,8 @@
         </p:nvSpPr>
         <p:spPr>
           <a:xfrm>
-            <a:off x="457200" y="1600200"/>
-            <a:ext cx="8229240" cy="4525560"/>
+            <a:off x="457200" y="1604520"/>
+            <a:ext cx="8229240" cy="3977280"/>
           </a:xfrm>
           <a:prstGeom prst="rect">
             <a:avLst/>
@@ -794,10 +749,7 @@
           </a:bodyPr>
           <a:p>
             <a:endParaRPr b="0" lang="en-US" sz="3200" spc="-1" strike="noStrike">
-              <a:solidFill>
-                <a:srgbClr val="000000"/>
-              </a:solidFill>
-              <a:latin typeface="Calibri"/>
+              <a:latin typeface="Arial"/>
             </a:endParaRPr>
           </a:p>
         </p:txBody>
@@ -826,7 +778,7 @@
       </p:grpSpPr>
       <p:sp>
         <p:nvSpPr>
-          <p:cNvPr id="50" name="PlaceHolder 1"/>
+          <p:cNvPr id="44" name="PlaceHolder 1"/>
           <p:cNvSpPr>
             <a:spLocks noGrp="1"/>
           </p:cNvSpPr>
@@ -836,8 +788,8 @@
         </p:nvSpPr>
         <p:spPr>
           <a:xfrm>
-            <a:off x="457200" y="274680"/>
-            <a:ext cx="8229240" cy="1142640"/>
+            <a:off x="457200" y="273600"/>
+            <a:ext cx="8229240" cy="1144800"/>
           </a:xfrm>
           <a:prstGeom prst="rect">
             <a:avLst/>
@@ -848,18 +800,16 @@
             <a:spAutoFit/>
           </a:bodyPr>
           <a:p>
-            <a:endParaRPr b="0" lang="en-US" sz="1800" spc="-1" strike="noStrike">
-              <a:solidFill>
-                <a:srgbClr val="000000"/>
-              </a:solidFill>
-              <a:latin typeface="Calibri"/>
-            </a:endParaRPr>
-          </a:p>
-        </p:txBody>
-      </p:sp>
-      <p:sp>
-        <p:nvSpPr>
-          <p:cNvPr id="51" name="PlaceHolder 2"/>
+            <a:pPr algn="ctr"/>
+            <a:endParaRPr b="0" lang="en-US" sz="4400" spc="-1" strike="noStrike">
+              <a:latin typeface="Arial"/>
+            </a:endParaRPr>
+          </a:p>
+        </p:txBody>
+      </p:sp>
+      <p:sp>
+        <p:nvSpPr>
+          <p:cNvPr id="45" name="PlaceHolder 2"/>
           <p:cNvSpPr>
             <a:spLocks noGrp="1"/>
           </p:cNvSpPr>
@@ -869,8 +819,8 @@
         </p:nvSpPr>
         <p:spPr>
           <a:xfrm>
-            <a:off x="457200" y="1600200"/>
-            <a:ext cx="4015800" cy="4525560"/>
+            <a:off x="457200" y="1604520"/>
+            <a:ext cx="4015800" cy="3977280"/>
           </a:xfrm>
           <a:prstGeom prst="rect">
             <a:avLst/>
@@ -882,17 +832,14 @@
           </a:bodyPr>
           <a:p>
             <a:endParaRPr b="0" lang="en-US" sz="3200" spc="-1" strike="noStrike">
-              <a:solidFill>
-                <a:srgbClr val="000000"/>
-              </a:solidFill>
-              <a:latin typeface="Calibri"/>
-            </a:endParaRPr>
-          </a:p>
-        </p:txBody>
-      </p:sp>
-      <p:sp>
-        <p:nvSpPr>
-          <p:cNvPr id="52" name="PlaceHolder 3"/>
+              <a:latin typeface="Arial"/>
+            </a:endParaRPr>
+          </a:p>
+        </p:txBody>
+      </p:sp>
+      <p:sp>
+        <p:nvSpPr>
+          <p:cNvPr id="46" name="PlaceHolder 3"/>
           <p:cNvSpPr>
             <a:spLocks noGrp="1"/>
           </p:cNvSpPr>
@@ -902,8 +849,8 @@
         </p:nvSpPr>
         <p:spPr>
           <a:xfrm>
-            <a:off x="4674240" y="1600200"/>
-            <a:ext cx="4015800" cy="4525560"/>
+            <a:off x="4674240" y="1604520"/>
+            <a:ext cx="4015800" cy="3977280"/>
           </a:xfrm>
           <a:prstGeom prst="rect">
             <a:avLst/>
@@ -915,10 +862,7 @@
           </a:bodyPr>
           <a:p>
             <a:endParaRPr b="0" lang="en-US" sz="3200" spc="-1" strike="noStrike">
-              <a:solidFill>
-                <a:srgbClr val="000000"/>
-              </a:solidFill>
-              <a:latin typeface="Calibri"/>
+              <a:latin typeface="Arial"/>
             </a:endParaRPr>
           </a:p>
         </p:txBody>
@@ -947,7 +891,7 @@
       </p:grpSpPr>
       <p:sp>
         <p:nvSpPr>
-          <p:cNvPr id="53" name="PlaceHolder 1"/>
+          <p:cNvPr id="47" name="PlaceHolder 1"/>
           <p:cNvSpPr>
             <a:spLocks noGrp="1"/>
           </p:cNvSpPr>
@@ -957,8 +901,8 @@
         </p:nvSpPr>
         <p:spPr>
           <a:xfrm>
-            <a:off x="457200" y="274680"/>
-            <a:ext cx="8229240" cy="1142640"/>
+            <a:off x="457200" y="273600"/>
+            <a:ext cx="8229240" cy="1144800"/>
           </a:xfrm>
           <a:prstGeom prst="rect">
             <a:avLst/>
@@ -969,11 +913,9 @@
             <a:spAutoFit/>
           </a:bodyPr>
           <a:p>
-            <a:endParaRPr b="0" lang="en-US" sz="1800" spc="-1" strike="noStrike">
-              <a:solidFill>
-                <a:srgbClr val="000000"/>
-              </a:solidFill>
-              <a:latin typeface="Calibri"/>
+            <a:pPr algn="ctr"/>
+            <a:endParaRPr b="0" lang="en-US" sz="4400" spc="-1" strike="noStrike">
+              <a:latin typeface="Arial"/>
             </a:endParaRPr>
           </a:p>
         </p:txBody>
@@ -1002,7 +944,7 @@
       </p:grpSpPr>
       <p:sp>
         <p:nvSpPr>
-          <p:cNvPr id="54" name="PlaceHolder 1"/>
+          <p:cNvPr id="48" name="PlaceHolder 1"/>
           <p:cNvSpPr>
             <a:spLocks noGrp="1"/>
           </p:cNvSpPr>
@@ -1012,8 +954,8 @@
         </p:nvSpPr>
         <p:spPr>
           <a:xfrm>
-            <a:off x="457200" y="274680"/>
-            <a:ext cx="8229240" cy="5297760"/>
+            <a:off x="457200" y="273600"/>
+            <a:ext cx="8229240" cy="5307840"/>
           </a:xfrm>
           <a:prstGeom prst="rect">
             <a:avLst/>
@@ -1055,7 +997,7 @@
       </p:grpSpPr>
       <p:sp>
         <p:nvSpPr>
-          <p:cNvPr id="55" name="PlaceHolder 1"/>
+          <p:cNvPr id="49" name="PlaceHolder 1"/>
           <p:cNvSpPr>
             <a:spLocks noGrp="1"/>
           </p:cNvSpPr>
@@ -1065,8 +1007,8 @@
         </p:nvSpPr>
         <p:spPr>
           <a:xfrm>
-            <a:off x="457200" y="274680"/>
-            <a:ext cx="8229240" cy="1142640"/>
+            <a:off x="457200" y="273600"/>
+            <a:ext cx="8229240" cy="1144800"/>
           </a:xfrm>
           <a:prstGeom prst="rect">
             <a:avLst/>
@@ -1077,18 +1019,16 @@
             <a:spAutoFit/>
           </a:bodyPr>
           <a:p>
-            <a:endParaRPr b="0" lang="en-US" sz="1800" spc="-1" strike="noStrike">
-              <a:solidFill>
-                <a:srgbClr val="000000"/>
-              </a:solidFill>
-              <a:latin typeface="Calibri"/>
-            </a:endParaRPr>
-          </a:p>
-        </p:txBody>
-      </p:sp>
-      <p:sp>
-        <p:nvSpPr>
-          <p:cNvPr id="56" name="PlaceHolder 2"/>
+            <a:pPr algn="ctr"/>
+            <a:endParaRPr b="0" lang="en-US" sz="4400" spc="-1" strike="noStrike">
+              <a:latin typeface="Arial"/>
+            </a:endParaRPr>
+          </a:p>
+        </p:txBody>
+      </p:sp>
+      <p:sp>
+        <p:nvSpPr>
+          <p:cNvPr id="50" name="PlaceHolder 2"/>
           <p:cNvSpPr>
             <a:spLocks noGrp="1"/>
           </p:cNvSpPr>
@@ -1098,8 +1038,8 @@
         </p:nvSpPr>
         <p:spPr>
           <a:xfrm>
-            <a:off x="457200" y="1600200"/>
-            <a:ext cx="4015800" cy="2158560"/>
+            <a:off x="457200" y="1604520"/>
+            <a:ext cx="4015800" cy="1896840"/>
           </a:xfrm>
           <a:prstGeom prst="rect">
             <a:avLst/>
@@ -1111,17 +1051,14 @@
           </a:bodyPr>
           <a:p>
             <a:endParaRPr b="0" lang="en-US" sz="3200" spc="-1" strike="noStrike">
-              <a:solidFill>
-                <a:srgbClr val="000000"/>
-              </a:solidFill>
-              <a:latin typeface="Calibri"/>
-            </a:endParaRPr>
-          </a:p>
-        </p:txBody>
-      </p:sp>
-      <p:sp>
-        <p:nvSpPr>
-          <p:cNvPr id="57" name="PlaceHolder 3"/>
+              <a:latin typeface="Arial"/>
+            </a:endParaRPr>
+          </a:p>
+        </p:txBody>
+      </p:sp>
+      <p:sp>
+        <p:nvSpPr>
+          <p:cNvPr id="51" name="PlaceHolder 3"/>
           <p:cNvSpPr>
             <a:spLocks noGrp="1"/>
           </p:cNvSpPr>
@@ -1131,8 +1068,8 @@
         </p:nvSpPr>
         <p:spPr>
           <a:xfrm>
-            <a:off x="4674240" y="1600200"/>
-            <a:ext cx="4015800" cy="4525560"/>
+            <a:off x="4674240" y="1604520"/>
+            <a:ext cx="4015800" cy="3977280"/>
           </a:xfrm>
           <a:prstGeom prst="rect">
             <a:avLst/>
@@ -1144,17 +1081,14 @@
           </a:bodyPr>
           <a:p>
             <a:endParaRPr b="0" lang="en-US" sz="3200" spc="-1" strike="noStrike">
-              <a:solidFill>
-                <a:srgbClr val="000000"/>
-              </a:solidFill>
-              <a:latin typeface="Calibri"/>
-            </a:endParaRPr>
-          </a:p>
-        </p:txBody>
-      </p:sp>
-      <p:sp>
-        <p:nvSpPr>
-          <p:cNvPr id="58" name="PlaceHolder 4"/>
+              <a:latin typeface="Arial"/>
+            </a:endParaRPr>
+          </a:p>
+        </p:txBody>
+      </p:sp>
+      <p:sp>
+        <p:nvSpPr>
+          <p:cNvPr id="52" name="PlaceHolder 4"/>
           <p:cNvSpPr>
             <a:spLocks noGrp="1"/>
           </p:cNvSpPr>
@@ -1164,8 +1098,8 @@
         </p:nvSpPr>
         <p:spPr>
           <a:xfrm>
-            <a:off x="457200" y="3964320"/>
-            <a:ext cx="4015800" cy="2158560"/>
+            <a:off x="457200" y="3682080"/>
+            <a:ext cx="4015800" cy="1896840"/>
           </a:xfrm>
           <a:prstGeom prst="rect">
             <a:avLst/>
@@ -1177,10 +1111,7 @@
           </a:bodyPr>
           <a:p>
             <a:endParaRPr b="0" lang="en-US" sz="3200" spc="-1" strike="noStrike">
-              <a:solidFill>
-                <a:srgbClr val="000000"/>
-              </a:solidFill>
-              <a:latin typeface="Calibri"/>
+              <a:latin typeface="Arial"/>
             </a:endParaRPr>
           </a:p>
         </p:txBody>
@@ -1209,7 +1140,7 @@
       </p:grpSpPr>
       <p:sp>
         <p:nvSpPr>
-          <p:cNvPr id="5" name="PlaceHolder 1"/>
+          <p:cNvPr id="2" name="PlaceHolder 1"/>
           <p:cNvSpPr>
             <a:spLocks noGrp="1"/>
           </p:cNvSpPr>
@@ -1219,8 +1150,8 @@
         </p:nvSpPr>
         <p:spPr>
           <a:xfrm>
-            <a:off x="457200" y="274680"/>
-            <a:ext cx="8229240" cy="1142640"/>
+            <a:off x="457200" y="273600"/>
+            <a:ext cx="8229240" cy="1144800"/>
           </a:xfrm>
           <a:prstGeom prst="rect">
             <a:avLst/>
@@ -1231,18 +1162,16 @@
             <a:spAutoFit/>
           </a:bodyPr>
           <a:p>
-            <a:endParaRPr b="0" lang="en-US" sz="1800" spc="-1" strike="noStrike">
-              <a:solidFill>
-                <a:srgbClr val="000000"/>
-              </a:solidFill>
-              <a:latin typeface="Calibri"/>
-            </a:endParaRPr>
-          </a:p>
-        </p:txBody>
-      </p:sp>
-      <p:sp>
-        <p:nvSpPr>
-          <p:cNvPr id="6" name="PlaceHolder 2"/>
+            <a:pPr algn="ctr"/>
+            <a:endParaRPr b="0" lang="en-US" sz="4400" spc="-1" strike="noStrike">
+              <a:latin typeface="Arial"/>
+            </a:endParaRPr>
+          </a:p>
+        </p:txBody>
+      </p:sp>
+      <p:sp>
+        <p:nvSpPr>
+          <p:cNvPr id="3" name="PlaceHolder 2"/>
           <p:cNvSpPr>
             <a:spLocks noGrp="1"/>
           </p:cNvSpPr>
@@ -1252,8 +1181,8 @@
         </p:nvSpPr>
         <p:spPr>
           <a:xfrm>
-            <a:off x="457200" y="1600200"/>
-            <a:ext cx="8229240" cy="4525560"/>
+            <a:off x="457200" y="1604520"/>
+            <a:ext cx="8229240" cy="3977280"/>
           </a:xfrm>
           <a:prstGeom prst="rect">
             <a:avLst/>
@@ -1295,7 +1224,7 @@
       </p:grpSpPr>
       <p:sp>
         <p:nvSpPr>
-          <p:cNvPr id="59" name="PlaceHolder 1"/>
+          <p:cNvPr id="53" name="PlaceHolder 1"/>
           <p:cNvSpPr>
             <a:spLocks noGrp="1"/>
           </p:cNvSpPr>
@@ -1305,8 +1234,8 @@
         </p:nvSpPr>
         <p:spPr>
           <a:xfrm>
-            <a:off x="457200" y="274680"/>
-            <a:ext cx="8229240" cy="1142640"/>
+            <a:off x="457200" y="273600"/>
+            <a:ext cx="8229240" cy="1144800"/>
           </a:xfrm>
           <a:prstGeom prst="rect">
             <a:avLst/>
@@ -1317,18 +1246,16 @@
             <a:spAutoFit/>
           </a:bodyPr>
           <a:p>
-            <a:endParaRPr b="0" lang="en-US" sz="1800" spc="-1" strike="noStrike">
-              <a:solidFill>
-                <a:srgbClr val="000000"/>
-              </a:solidFill>
-              <a:latin typeface="Calibri"/>
-            </a:endParaRPr>
-          </a:p>
-        </p:txBody>
-      </p:sp>
-      <p:sp>
-        <p:nvSpPr>
-          <p:cNvPr id="60" name="PlaceHolder 2"/>
+            <a:pPr algn="ctr"/>
+            <a:endParaRPr b="0" lang="en-US" sz="4400" spc="-1" strike="noStrike">
+              <a:latin typeface="Arial"/>
+            </a:endParaRPr>
+          </a:p>
+        </p:txBody>
+      </p:sp>
+      <p:sp>
+        <p:nvSpPr>
+          <p:cNvPr id="54" name="PlaceHolder 2"/>
           <p:cNvSpPr>
             <a:spLocks noGrp="1"/>
           </p:cNvSpPr>
@@ -1338,8 +1265,8 @@
         </p:nvSpPr>
         <p:spPr>
           <a:xfrm>
-            <a:off x="457200" y="1600200"/>
-            <a:ext cx="4015800" cy="4525560"/>
+            <a:off x="457200" y="1604520"/>
+            <a:ext cx="4015800" cy="3977280"/>
           </a:xfrm>
           <a:prstGeom prst="rect">
             <a:avLst/>
@@ -1351,17 +1278,14 @@
           </a:bodyPr>
           <a:p>
             <a:endParaRPr b="0" lang="en-US" sz="3200" spc="-1" strike="noStrike">
-              <a:solidFill>
-                <a:srgbClr val="000000"/>
-              </a:solidFill>
-              <a:latin typeface="Calibri"/>
-            </a:endParaRPr>
-          </a:p>
-        </p:txBody>
-      </p:sp>
-      <p:sp>
-        <p:nvSpPr>
-          <p:cNvPr id="61" name="PlaceHolder 3"/>
+              <a:latin typeface="Arial"/>
+            </a:endParaRPr>
+          </a:p>
+        </p:txBody>
+      </p:sp>
+      <p:sp>
+        <p:nvSpPr>
+          <p:cNvPr id="55" name="PlaceHolder 3"/>
           <p:cNvSpPr>
             <a:spLocks noGrp="1"/>
           </p:cNvSpPr>
@@ -1371,8 +1295,8 @@
         </p:nvSpPr>
         <p:spPr>
           <a:xfrm>
-            <a:off x="4674240" y="1600200"/>
-            <a:ext cx="4015800" cy="2158560"/>
+            <a:off x="4674240" y="1604520"/>
+            <a:ext cx="4015800" cy="1896840"/>
           </a:xfrm>
           <a:prstGeom prst="rect">
             <a:avLst/>
@@ -1384,17 +1308,14 @@
           </a:bodyPr>
           <a:p>
             <a:endParaRPr b="0" lang="en-US" sz="3200" spc="-1" strike="noStrike">
-              <a:solidFill>
-                <a:srgbClr val="000000"/>
-              </a:solidFill>
-              <a:latin typeface="Calibri"/>
-            </a:endParaRPr>
-          </a:p>
-        </p:txBody>
-      </p:sp>
-      <p:sp>
-        <p:nvSpPr>
-          <p:cNvPr id="62" name="PlaceHolder 4"/>
+              <a:latin typeface="Arial"/>
+            </a:endParaRPr>
+          </a:p>
+        </p:txBody>
+      </p:sp>
+      <p:sp>
+        <p:nvSpPr>
+          <p:cNvPr id="56" name="PlaceHolder 4"/>
           <p:cNvSpPr>
             <a:spLocks noGrp="1"/>
           </p:cNvSpPr>
@@ -1404,8 +1325,8 @@
         </p:nvSpPr>
         <p:spPr>
           <a:xfrm>
-            <a:off x="4674240" y="3964320"/>
-            <a:ext cx="4015800" cy="2158560"/>
+            <a:off x="4674240" y="3682080"/>
+            <a:ext cx="4015800" cy="1896840"/>
           </a:xfrm>
           <a:prstGeom prst="rect">
             <a:avLst/>
@@ -1417,10 +1338,7 @@
           </a:bodyPr>
           <a:p>
             <a:endParaRPr b="0" lang="en-US" sz="3200" spc="-1" strike="noStrike">
-              <a:solidFill>
-                <a:srgbClr val="000000"/>
-              </a:solidFill>
-              <a:latin typeface="Calibri"/>
+              <a:latin typeface="Arial"/>
             </a:endParaRPr>
           </a:p>
         </p:txBody>
@@ -1449,7 +1367,7 @@
       </p:grpSpPr>
       <p:sp>
         <p:nvSpPr>
-          <p:cNvPr id="63" name="PlaceHolder 1"/>
+          <p:cNvPr id="57" name="PlaceHolder 1"/>
           <p:cNvSpPr>
             <a:spLocks noGrp="1"/>
           </p:cNvSpPr>
@@ -1459,8 +1377,8 @@
         </p:nvSpPr>
         <p:spPr>
           <a:xfrm>
-            <a:off x="457200" y="274680"/>
-            <a:ext cx="8229240" cy="1142640"/>
+            <a:off x="457200" y="273600"/>
+            <a:ext cx="8229240" cy="1144800"/>
           </a:xfrm>
           <a:prstGeom prst="rect">
             <a:avLst/>
@@ -1471,18 +1389,16 @@
             <a:spAutoFit/>
           </a:bodyPr>
           <a:p>
-            <a:endParaRPr b="0" lang="en-US" sz="1800" spc="-1" strike="noStrike">
-              <a:solidFill>
-                <a:srgbClr val="000000"/>
-              </a:solidFill>
-              <a:latin typeface="Calibri"/>
-            </a:endParaRPr>
-          </a:p>
-        </p:txBody>
-      </p:sp>
-      <p:sp>
-        <p:nvSpPr>
-          <p:cNvPr id="64" name="PlaceHolder 2"/>
+            <a:pPr algn="ctr"/>
+            <a:endParaRPr b="0" lang="en-US" sz="4400" spc="-1" strike="noStrike">
+              <a:latin typeface="Arial"/>
+            </a:endParaRPr>
+          </a:p>
+        </p:txBody>
+      </p:sp>
+      <p:sp>
+        <p:nvSpPr>
+          <p:cNvPr id="58" name="PlaceHolder 2"/>
           <p:cNvSpPr>
             <a:spLocks noGrp="1"/>
           </p:cNvSpPr>
@@ -1492,8 +1408,8 @@
         </p:nvSpPr>
         <p:spPr>
           <a:xfrm>
-            <a:off x="457200" y="1600200"/>
-            <a:ext cx="4015800" cy="2158560"/>
+            <a:off x="457200" y="1604520"/>
+            <a:ext cx="4015800" cy="1896840"/>
           </a:xfrm>
           <a:prstGeom prst="rect">
             <a:avLst/>
@@ -1505,17 +1421,14 @@
           </a:bodyPr>
           <a:p>
             <a:endParaRPr b="0" lang="en-US" sz="3200" spc="-1" strike="noStrike">
-              <a:solidFill>
-                <a:srgbClr val="000000"/>
-              </a:solidFill>
-              <a:latin typeface="Calibri"/>
-            </a:endParaRPr>
-          </a:p>
-        </p:txBody>
-      </p:sp>
-      <p:sp>
-        <p:nvSpPr>
-          <p:cNvPr id="65" name="PlaceHolder 3"/>
+              <a:latin typeface="Arial"/>
+            </a:endParaRPr>
+          </a:p>
+        </p:txBody>
+      </p:sp>
+      <p:sp>
+        <p:nvSpPr>
+          <p:cNvPr id="59" name="PlaceHolder 3"/>
           <p:cNvSpPr>
             <a:spLocks noGrp="1"/>
           </p:cNvSpPr>
@@ -1525,8 +1438,8 @@
         </p:nvSpPr>
         <p:spPr>
           <a:xfrm>
-            <a:off x="4674240" y="1600200"/>
-            <a:ext cx="4015800" cy="2158560"/>
+            <a:off x="4674240" y="1604520"/>
+            <a:ext cx="4015800" cy="1896840"/>
           </a:xfrm>
           <a:prstGeom prst="rect">
             <a:avLst/>
@@ -1538,17 +1451,14 @@
           </a:bodyPr>
           <a:p>
             <a:endParaRPr b="0" lang="en-US" sz="3200" spc="-1" strike="noStrike">
-              <a:solidFill>
-                <a:srgbClr val="000000"/>
-              </a:solidFill>
-              <a:latin typeface="Calibri"/>
-            </a:endParaRPr>
-          </a:p>
-        </p:txBody>
-      </p:sp>
-      <p:sp>
-        <p:nvSpPr>
-          <p:cNvPr id="66" name="PlaceHolder 4"/>
+              <a:latin typeface="Arial"/>
+            </a:endParaRPr>
+          </a:p>
+        </p:txBody>
+      </p:sp>
+      <p:sp>
+        <p:nvSpPr>
+          <p:cNvPr id="60" name="PlaceHolder 4"/>
           <p:cNvSpPr>
             <a:spLocks noGrp="1"/>
           </p:cNvSpPr>
@@ -1558,8 +1468,8 @@
         </p:nvSpPr>
         <p:spPr>
           <a:xfrm>
-            <a:off x="457200" y="3964320"/>
-            <a:ext cx="8229240" cy="2158560"/>
+            <a:off x="457200" y="3682080"/>
+            <a:ext cx="8229240" cy="1896840"/>
           </a:xfrm>
           <a:prstGeom prst="rect">
             <a:avLst/>
@@ -1571,10 +1481,7 @@
           </a:bodyPr>
           <a:p>
             <a:endParaRPr b="0" lang="en-US" sz="3200" spc="-1" strike="noStrike">
-              <a:solidFill>
-                <a:srgbClr val="000000"/>
-              </a:solidFill>
-              <a:latin typeface="Calibri"/>
+              <a:latin typeface="Arial"/>
             </a:endParaRPr>
           </a:p>
         </p:txBody>
@@ -1603,7 +1510,7 @@
       </p:grpSpPr>
       <p:sp>
         <p:nvSpPr>
-          <p:cNvPr id="67" name="PlaceHolder 1"/>
+          <p:cNvPr id="61" name="PlaceHolder 1"/>
           <p:cNvSpPr>
             <a:spLocks noGrp="1"/>
           </p:cNvSpPr>
@@ -1613,8 +1520,8 @@
         </p:nvSpPr>
         <p:spPr>
           <a:xfrm>
-            <a:off x="457200" y="274680"/>
-            <a:ext cx="8229240" cy="1142640"/>
+            <a:off x="457200" y="273600"/>
+            <a:ext cx="8229240" cy="1144800"/>
           </a:xfrm>
           <a:prstGeom prst="rect">
             <a:avLst/>
@@ -1625,18 +1532,16 @@
             <a:spAutoFit/>
           </a:bodyPr>
           <a:p>
-            <a:endParaRPr b="0" lang="en-US" sz="1800" spc="-1" strike="noStrike">
-              <a:solidFill>
-                <a:srgbClr val="000000"/>
-              </a:solidFill>
-              <a:latin typeface="Calibri"/>
-            </a:endParaRPr>
-          </a:p>
-        </p:txBody>
-      </p:sp>
-      <p:sp>
-        <p:nvSpPr>
-          <p:cNvPr id="68" name="PlaceHolder 2"/>
+            <a:pPr algn="ctr"/>
+            <a:endParaRPr b="0" lang="en-US" sz="4400" spc="-1" strike="noStrike">
+              <a:latin typeface="Arial"/>
+            </a:endParaRPr>
+          </a:p>
+        </p:txBody>
+      </p:sp>
+      <p:sp>
+        <p:nvSpPr>
+          <p:cNvPr id="62" name="PlaceHolder 2"/>
           <p:cNvSpPr>
             <a:spLocks noGrp="1"/>
           </p:cNvSpPr>
@@ -1646,8 +1551,8 @@
         </p:nvSpPr>
         <p:spPr>
           <a:xfrm>
-            <a:off x="457200" y="1600200"/>
-            <a:ext cx="8229240" cy="2158560"/>
+            <a:off x="457200" y="1604520"/>
+            <a:ext cx="8229240" cy="1896840"/>
           </a:xfrm>
           <a:prstGeom prst="rect">
             <a:avLst/>
@@ -1659,17 +1564,14 @@
           </a:bodyPr>
           <a:p>
             <a:endParaRPr b="0" lang="en-US" sz="3200" spc="-1" strike="noStrike">
-              <a:solidFill>
-                <a:srgbClr val="000000"/>
-              </a:solidFill>
-              <a:latin typeface="Calibri"/>
-            </a:endParaRPr>
-          </a:p>
-        </p:txBody>
-      </p:sp>
-      <p:sp>
-        <p:nvSpPr>
-          <p:cNvPr id="69" name="PlaceHolder 3"/>
+              <a:latin typeface="Arial"/>
+            </a:endParaRPr>
+          </a:p>
+        </p:txBody>
+      </p:sp>
+      <p:sp>
+        <p:nvSpPr>
+          <p:cNvPr id="63" name="PlaceHolder 3"/>
           <p:cNvSpPr>
             <a:spLocks noGrp="1"/>
           </p:cNvSpPr>
@@ -1679,8 +1581,8 @@
         </p:nvSpPr>
         <p:spPr>
           <a:xfrm>
-            <a:off x="457200" y="3964320"/>
-            <a:ext cx="8229240" cy="2158560"/>
+            <a:off x="457200" y="3682080"/>
+            <a:ext cx="8229240" cy="1896840"/>
           </a:xfrm>
           <a:prstGeom prst="rect">
             <a:avLst/>
@@ -1692,10 +1594,7 @@
           </a:bodyPr>
           <a:p>
             <a:endParaRPr b="0" lang="en-US" sz="3200" spc="-1" strike="noStrike">
-              <a:solidFill>
-                <a:srgbClr val="000000"/>
-              </a:solidFill>
-              <a:latin typeface="Calibri"/>
+              <a:latin typeface="Arial"/>
             </a:endParaRPr>
           </a:p>
         </p:txBody>
@@ -1724,7 +1623,7 @@
       </p:grpSpPr>
       <p:sp>
         <p:nvSpPr>
-          <p:cNvPr id="70" name="PlaceHolder 1"/>
+          <p:cNvPr id="64" name="PlaceHolder 1"/>
           <p:cNvSpPr>
             <a:spLocks noGrp="1"/>
           </p:cNvSpPr>
@@ -1734,8 +1633,8 @@
         </p:nvSpPr>
         <p:spPr>
           <a:xfrm>
-            <a:off x="457200" y="274680"/>
-            <a:ext cx="8229240" cy="1142640"/>
+            <a:off x="457200" y="273600"/>
+            <a:ext cx="8229240" cy="1144800"/>
           </a:xfrm>
           <a:prstGeom prst="rect">
             <a:avLst/>
@@ -1746,18 +1645,16 @@
             <a:spAutoFit/>
           </a:bodyPr>
           <a:p>
-            <a:endParaRPr b="0" lang="en-US" sz="1800" spc="-1" strike="noStrike">
-              <a:solidFill>
-                <a:srgbClr val="000000"/>
-              </a:solidFill>
-              <a:latin typeface="Calibri"/>
-            </a:endParaRPr>
-          </a:p>
-        </p:txBody>
-      </p:sp>
-      <p:sp>
-        <p:nvSpPr>
-          <p:cNvPr id="71" name="PlaceHolder 2"/>
+            <a:pPr algn="ctr"/>
+            <a:endParaRPr b="0" lang="en-US" sz="4400" spc="-1" strike="noStrike">
+              <a:latin typeface="Arial"/>
+            </a:endParaRPr>
+          </a:p>
+        </p:txBody>
+      </p:sp>
+      <p:sp>
+        <p:nvSpPr>
+          <p:cNvPr id="65" name="PlaceHolder 2"/>
           <p:cNvSpPr>
             <a:spLocks noGrp="1"/>
           </p:cNvSpPr>
@@ -1767,8 +1664,8 @@
         </p:nvSpPr>
         <p:spPr>
           <a:xfrm>
-            <a:off x="457200" y="1600200"/>
-            <a:ext cx="4015800" cy="2158560"/>
+            <a:off x="457200" y="1604520"/>
+            <a:ext cx="4015800" cy="1896840"/>
           </a:xfrm>
           <a:prstGeom prst="rect">
             <a:avLst/>
@@ -1780,17 +1677,14 @@
           </a:bodyPr>
           <a:p>
             <a:endParaRPr b="0" lang="en-US" sz="3200" spc="-1" strike="noStrike">
-              <a:solidFill>
-                <a:srgbClr val="000000"/>
-              </a:solidFill>
-              <a:latin typeface="Calibri"/>
-            </a:endParaRPr>
-          </a:p>
-        </p:txBody>
-      </p:sp>
-      <p:sp>
-        <p:nvSpPr>
-          <p:cNvPr id="72" name="PlaceHolder 3"/>
+              <a:latin typeface="Arial"/>
+            </a:endParaRPr>
+          </a:p>
+        </p:txBody>
+      </p:sp>
+      <p:sp>
+        <p:nvSpPr>
+          <p:cNvPr id="66" name="PlaceHolder 3"/>
           <p:cNvSpPr>
             <a:spLocks noGrp="1"/>
           </p:cNvSpPr>
@@ -1800,8 +1694,8 @@
         </p:nvSpPr>
         <p:spPr>
           <a:xfrm>
-            <a:off x="4674240" y="1600200"/>
-            <a:ext cx="4015800" cy="2158560"/>
+            <a:off x="4674240" y="1604520"/>
+            <a:ext cx="4015800" cy="1896840"/>
           </a:xfrm>
           <a:prstGeom prst="rect">
             <a:avLst/>
@@ -1813,17 +1707,14 @@
           </a:bodyPr>
           <a:p>
             <a:endParaRPr b="0" lang="en-US" sz="3200" spc="-1" strike="noStrike">
-              <a:solidFill>
-                <a:srgbClr val="000000"/>
-              </a:solidFill>
-              <a:latin typeface="Calibri"/>
-            </a:endParaRPr>
-          </a:p>
-        </p:txBody>
-      </p:sp>
-      <p:sp>
-        <p:nvSpPr>
-          <p:cNvPr id="73" name="PlaceHolder 4"/>
+              <a:latin typeface="Arial"/>
+            </a:endParaRPr>
+          </a:p>
+        </p:txBody>
+      </p:sp>
+      <p:sp>
+        <p:nvSpPr>
+          <p:cNvPr id="67" name="PlaceHolder 4"/>
           <p:cNvSpPr>
             <a:spLocks noGrp="1"/>
           </p:cNvSpPr>
@@ -1833,8 +1724,8 @@
         </p:nvSpPr>
         <p:spPr>
           <a:xfrm>
-            <a:off x="457200" y="3964320"/>
-            <a:ext cx="4015800" cy="2158560"/>
+            <a:off x="457200" y="3682080"/>
+            <a:ext cx="4015800" cy="1896840"/>
           </a:xfrm>
           <a:prstGeom prst="rect">
             <a:avLst/>
@@ -1846,17 +1737,14 @@
           </a:bodyPr>
           <a:p>
             <a:endParaRPr b="0" lang="en-US" sz="3200" spc="-1" strike="noStrike">
-              <a:solidFill>
-                <a:srgbClr val="000000"/>
-              </a:solidFill>
-              <a:latin typeface="Calibri"/>
-            </a:endParaRPr>
-          </a:p>
-        </p:txBody>
-      </p:sp>
-      <p:sp>
-        <p:nvSpPr>
-          <p:cNvPr id="74" name="PlaceHolder 5"/>
+              <a:latin typeface="Arial"/>
+            </a:endParaRPr>
+          </a:p>
+        </p:txBody>
+      </p:sp>
+      <p:sp>
+        <p:nvSpPr>
+          <p:cNvPr id="68" name="PlaceHolder 5"/>
           <p:cNvSpPr>
             <a:spLocks noGrp="1"/>
           </p:cNvSpPr>
@@ -1866,8 +1754,8 @@
         </p:nvSpPr>
         <p:spPr>
           <a:xfrm>
-            <a:off x="4674240" y="3964320"/>
-            <a:ext cx="4015800" cy="2158560"/>
+            <a:off x="4674240" y="3682080"/>
+            <a:ext cx="4015800" cy="1896840"/>
           </a:xfrm>
           <a:prstGeom prst="rect">
             <a:avLst/>
@@ -1879,10 +1767,7 @@
           </a:bodyPr>
           <a:p>
             <a:endParaRPr b="0" lang="en-US" sz="3200" spc="-1" strike="noStrike">
-              <a:solidFill>
-                <a:srgbClr val="000000"/>
-              </a:solidFill>
-              <a:latin typeface="Calibri"/>
+              <a:latin typeface="Arial"/>
             </a:endParaRPr>
           </a:p>
         </p:txBody>
@@ -1911,7 +1796,7 @@
       </p:grpSpPr>
       <p:sp>
         <p:nvSpPr>
-          <p:cNvPr id="75" name="PlaceHolder 1"/>
+          <p:cNvPr id="69" name="PlaceHolder 1"/>
           <p:cNvSpPr>
             <a:spLocks noGrp="1"/>
           </p:cNvSpPr>
@@ -1921,8 +1806,8 @@
         </p:nvSpPr>
         <p:spPr>
           <a:xfrm>
-            <a:off x="457200" y="274680"/>
-            <a:ext cx="8229240" cy="1142640"/>
+            <a:off x="457200" y="273600"/>
+            <a:ext cx="8229240" cy="1144800"/>
           </a:xfrm>
           <a:prstGeom prst="rect">
             <a:avLst/>
@@ -1933,18 +1818,16 @@
             <a:spAutoFit/>
           </a:bodyPr>
           <a:p>
-            <a:endParaRPr b="0" lang="en-US" sz="1800" spc="-1" strike="noStrike">
-              <a:solidFill>
-                <a:srgbClr val="000000"/>
-              </a:solidFill>
-              <a:latin typeface="Calibri"/>
-            </a:endParaRPr>
-          </a:p>
-        </p:txBody>
-      </p:sp>
-      <p:sp>
-        <p:nvSpPr>
-          <p:cNvPr id="76" name="PlaceHolder 2"/>
+            <a:pPr algn="ctr"/>
+            <a:endParaRPr b="0" lang="en-US" sz="4400" spc="-1" strike="noStrike">
+              <a:latin typeface="Arial"/>
+            </a:endParaRPr>
+          </a:p>
+        </p:txBody>
+      </p:sp>
+      <p:sp>
+        <p:nvSpPr>
+          <p:cNvPr id="70" name="PlaceHolder 2"/>
           <p:cNvSpPr>
             <a:spLocks noGrp="1"/>
           </p:cNvSpPr>
@@ -1954,8 +1837,8 @@
         </p:nvSpPr>
         <p:spPr>
           <a:xfrm>
-            <a:off x="457200" y="1600200"/>
-            <a:ext cx="2649600" cy="2158560"/>
+            <a:off x="457200" y="1604520"/>
+            <a:ext cx="2649600" cy="1896840"/>
           </a:xfrm>
           <a:prstGeom prst="rect">
             <a:avLst/>
@@ -1967,17 +1850,14 @@
           </a:bodyPr>
           <a:p>
             <a:endParaRPr b="0" lang="en-US" sz="3200" spc="-1" strike="noStrike">
-              <a:solidFill>
-                <a:srgbClr val="000000"/>
-              </a:solidFill>
-              <a:latin typeface="Calibri"/>
-            </a:endParaRPr>
-          </a:p>
-        </p:txBody>
-      </p:sp>
-      <p:sp>
-        <p:nvSpPr>
-          <p:cNvPr id="77" name="PlaceHolder 3"/>
+              <a:latin typeface="Arial"/>
+            </a:endParaRPr>
+          </a:p>
+        </p:txBody>
+      </p:sp>
+      <p:sp>
+        <p:nvSpPr>
+          <p:cNvPr id="71" name="PlaceHolder 3"/>
           <p:cNvSpPr>
             <a:spLocks noGrp="1"/>
           </p:cNvSpPr>
@@ -1987,8 +1867,8 @@
         </p:nvSpPr>
         <p:spPr>
           <a:xfrm>
-            <a:off x="3239640" y="1600200"/>
-            <a:ext cx="2649600" cy="2158560"/>
+            <a:off x="3239640" y="1604520"/>
+            <a:ext cx="2649600" cy="1896840"/>
           </a:xfrm>
           <a:prstGeom prst="rect">
             <a:avLst/>
@@ -2000,17 +1880,14 @@
           </a:bodyPr>
           <a:p>
             <a:endParaRPr b="0" lang="en-US" sz="3200" spc="-1" strike="noStrike">
-              <a:solidFill>
-                <a:srgbClr val="000000"/>
-              </a:solidFill>
-              <a:latin typeface="Calibri"/>
-            </a:endParaRPr>
-          </a:p>
-        </p:txBody>
-      </p:sp>
-      <p:sp>
-        <p:nvSpPr>
-          <p:cNvPr id="78" name="PlaceHolder 4"/>
+              <a:latin typeface="Arial"/>
+            </a:endParaRPr>
+          </a:p>
+        </p:txBody>
+      </p:sp>
+      <p:sp>
+        <p:nvSpPr>
+          <p:cNvPr id="72" name="PlaceHolder 4"/>
           <p:cNvSpPr>
             <a:spLocks noGrp="1"/>
           </p:cNvSpPr>
@@ -2020,8 +1897,8 @@
         </p:nvSpPr>
         <p:spPr>
           <a:xfrm>
-            <a:off x="6022080" y="1600200"/>
-            <a:ext cx="2649600" cy="2158560"/>
+            <a:off x="6022080" y="1604520"/>
+            <a:ext cx="2649600" cy="1896840"/>
           </a:xfrm>
           <a:prstGeom prst="rect">
             <a:avLst/>
@@ -2033,17 +1910,14 @@
           </a:bodyPr>
           <a:p>
             <a:endParaRPr b="0" lang="en-US" sz="3200" spc="-1" strike="noStrike">
-              <a:solidFill>
-                <a:srgbClr val="000000"/>
-              </a:solidFill>
-              <a:latin typeface="Calibri"/>
-            </a:endParaRPr>
-          </a:p>
-        </p:txBody>
-      </p:sp>
-      <p:sp>
-        <p:nvSpPr>
-          <p:cNvPr id="79" name="PlaceHolder 5"/>
+              <a:latin typeface="Arial"/>
+            </a:endParaRPr>
+          </a:p>
+        </p:txBody>
+      </p:sp>
+      <p:sp>
+        <p:nvSpPr>
+          <p:cNvPr id="73" name="PlaceHolder 5"/>
           <p:cNvSpPr>
             <a:spLocks noGrp="1"/>
           </p:cNvSpPr>
@@ -2053,8 +1927,8 @@
         </p:nvSpPr>
         <p:spPr>
           <a:xfrm>
-            <a:off x="457200" y="3964320"/>
-            <a:ext cx="2649600" cy="2158560"/>
+            <a:off x="457200" y="3682080"/>
+            <a:ext cx="2649600" cy="1896840"/>
           </a:xfrm>
           <a:prstGeom prst="rect">
             <a:avLst/>
@@ -2066,17 +1940,14 @@
           </a:bodyPr>
           <a:p>
             <a:endParaRPr b="0" lang="en-US" sz="3200" spc="-1" strike="noStrike">
-              <a:solidFill>
-                <a:srgbClr val="000000"/>
-              </a:solidFill>
-              <a:latin typeface="Calibri"/>
-            </a:endParaRPr>
-          </a:p>
-        </p:txBody>
-      </p:sp>
-      <p:sp>
-        <p:nvSpPr>
-          <p:cNvPr id="80" name="PlaceHolder 6"/>
+              <a:latin typeface="Arial"/>
+            </a:endParaRPr>
+          </a:p>
+        </p:txBody>
+      </p:sp>
+      <p:sp>
+        <p:nvSpPr>
+          <p:cNvPr id="74" name="PlaceHolder 6"/>
           <p:cNvSpPr>
             <a:spLocks noGrp="1"/>
           </p:cNvSpPr>
@@ -2086,8 +1957,8 @@
         </p:nvSpPr>
         <p:spPr>
           <a:xfrm>
-            <a:off x="3239640" y="3964320"/>
-            <a:ext cx="2649600" cy="2158560"/>
+            <a:off x="3239640" y="3682080"/>
+            <a:ext cx="2649600" cy="1896840"/>
           </a:xfrm>
           <a:prstGeom prst="rect">
             <a:avLst/>
@@ -2099,17 +1970,14 @@
           </a:bodyPr>
           <a:p>
             <a:endParaRPr b="0" lang="en-US" sz="3200" spc="-1" strike="noStrike">
-              <a:solidFill>
-                <a:srgbClr val="000000"/>
-              </a:solidFill>
-              <a:latin typeface="Calibri"/>
-            </a:endParaRPr>
-          </a:p>
-        </p:txBody>
-      </p:sp>
-      <p:sp>
-        <p:nvSpPr>
-          <p:cNvPr id="81" name="PlaceHolder 7"/>
+              <a:latin typeface="Arial"/>
+            </a:endParaRPr>
+          </a:p>
+        </p:txBody>
+      </p:sp>
+      <p:sp>
+        <p:nvSpPr>
+          <p:cNvPr id="75" name="PlaceHolder 7"/>
           <p:cNvSpPr>
             <a:spLocks noGrp="1"/>
           </p:cNvSpPr>
@@ -2119,8 +1987,8 @@
         </p:nvSpPr>
         <p:spPr>
           <a:xfrm>
-            <a:off x="6022080" y="3964320"/>
-            <a:ext cx="2649600" cy="2158560"/>
+            <a:off x="6022080" y="3682080"/>
+            <a:ext cx="2649600" cy="1896840"/>
           </a:xfrm>
           <a:prstGeom prst="rect">
             <a:avLst/>
@@ -2132,10 +2000,7 @@
           </a:bodyPr>
           <a:p>
             <a:endParaRPr b="0" lang="en-US" sz="3200" spc="-1" strike="noStrike">
-              <a:solidFill>
-                <a:srgbClr val="000000"/>
-              </a:solidFill>
-              <a:latin typeface="Calibri"/>
+              <a:latin typeface="Arial"/>
             </a:endParaRPr>
           </a:p>
         </p:txBody>
@@ -2164,7 +2029,7 @@
       </p:grpSpPr>
       <p:sp>
         <p:nvSpPr>
-          <p:cNvPr id="7" name="PlaceHolder 1"/>
+          <p:cNvPr id="4" name="PlaceHolder 1"/>
           <p:cNvSpPr>
             <a:spLocks noGrp="1"/>
           </p:cNvSpPr>
@@ -2174,8 +2039,8 @@
         </p:nvSpPr>
         <p:spPr>
           <a:xfrm>
-            <a:off x="457200" y="274680"/>
-            <a:ext cx="8229240" cy="1142640"/>
+            <a:off x="457200" y="273600"/>
+            <a:ext cx="8229240" cy="1144800"/>
           </a:xfrm>
           <a:prstGeom prst="rect">
             <a:avLst/>
@@ -2186,18 +2051,16 @@
             <a:spAutoFit/>
           </a:bodyPr>
           <a:p>
-            <a:endParaRPr b="0" lang="en-US" sz="1800" spc="-1" strike="noStrike">
-              <a:solidFill>
-                <a:srgbClr val="000000"/>
-              </a:solidFill>
-              <a:latin typeface="Calibri"/>
-            </a:endParaRPr>
-          </a:p>
-        </p:txBody>
-      </p:sp>
-      <p:sp>
-        <p:nvSpPr>
-          <p:cNvPr id="8" name="PlaceHolder 2"/>
+            <a:pPr algn="ctr"/>
+            <a:endParaRPr b="0" lang="en-US" sz="4400" spc="-1" strike="noStrike">
+              <a:latin typeface="Arial"/>
+            </a:endParaRPr>
+          </a:p>
+        </p:txBody>
+      </p:sp>
+      <p:sp>
+        <p:nvSpPr>
+          <p:cNvPr id="5" name="PlaceHolder 2"/>
           <p:cNvSpPr>
             <a:spLocks noGrp="1"/>
           </p:cNvSpPr>
@@ -2207,8 +2070,8 @@
         </p:nvSpPr>
         <p:spPr>
           <a:xfrm>
-            <a:off x="457200" y="1600200"/>
-            <a:ext cx="8229240" cy="4525560"/>
+            <a:off x="457200" y="1604520"/>
+            <a:ext cx="8229240" cy="3977280"/>
           </a:xfrm>
           <a:prstGeom prst="rect">
             <a:avLst/>
@@ -2220,10 +2083,7 @@
           </a:bodyPr>
           <a:p>
             <a:endParaRPr b="0" lang="en-US" sz="3200" spc="-1" strike="noStrike">
-              <a:solidFill>
-                <a:srgbClr val="000000"/>
-              </a:solidFill>
-              <a:latin typeface="Calibri"/>
+              <a:latin typeface="Arial"/>
             </a:endParaRPr>
           </a:p>
         </p:txBody>
@@ -2252,7 +2112,7 @@
       </p:grpSpPr>
       <p:sp>
         <p:nvSpPr>
-          <p:cNvPr id="9" name="PlaceHolder 1"/>
+          <p:cNvPr id="6" name="PlaceHolder 1"/>
           <p:cNvSpPr>
             <a:spLocks noGrp="1"/>
           </p:cNvSpPr>
@@ -2262,8 +2122,8 @@
         </p:nvSpPr>
         <p:spPr>
           <a:xfrm>
-            <a:off x="457200" y="274680"/>
-            <a:ext cx="8229240" cy="1142640"/>
+            <a:off x="457200" y="273600"/>
+            <a:ext cx="8229240" cy="1144800"/>
           </a:xfrm>
           <a:prstGeom prst="rect">
             <a:avLst/>
@@ -2274,18 +2134,16 @@
             <a:spAutoFit/>
           </a:bodyPr>
           <a:p>
-            <a:endParaRPr b="0" lang="en-US" sz="1800" spc="-1" strike="noStrike">
-              <a:solidFill>
-                <a:srgbClr val="000000"/>
-              </a:solidFill>
-              <a:latin typeface="Calibri"/>
-            </a:endParaRPr>
-          </a:p>
-        </p:txBody>
-      </p:sp>
-      <p:sp>
-        <p:nvSpPr>
-          <p:cNvPr id="10" name="PlaceHolder 2"/>
+            <a:pPr algn="ctr"/>
+            <a:endParaRPr b="0" lang="en-US" sz="4400" spc="-1" strike="noStrike">
+              <a:latin typeface="Arial"/>
+            </a:endParaRPr>
+          </a:p>
+        </p:txBody>
+      </p:sp>
+      <p:sp>
+        <p:nvSpPr>
+          <p:cNvPr id="7" name="PlaceHolder 2"/>
           <p:cNvSpPr>
             <a:spLocks noGrp="1"/>
           </p:cNvSpPr>
@@ -2295,8 +2153,8 @@
         </p:nvSpPr>
         <p:spPr>
           <a:xfrm>
-            <a:off x="457200" y="1600200"/>
-            <a:ext cx="4015800" cy="4525560"/>
+            <a:off x="457200" y="1604520"/>
+            <a:ext cx="4015800" cy="3977280"/>
           </a:xfrm>
           <a:prstGeom prst="rect">
             <a:avLst/>
@@ -2308,17 +2166,14 @@
           </a:bodyPr>
           <a:p>
             <a:endParaRPr b="0" lang="en-US" sz="3200" spc="-1" strike="noStrike">
-              <a:solidFill>
-                <a:srgbClr val="000000"/>
-              </a:solidFill>
-              <a:latin typeface="Calibri"/>
-            </a:endParaRPr>
-          </a:p>
-        </p:txBody>
-      </p:sp>
-      <p:sp>
-        <p:nvSpPr>
-          <p:cNvPr id="11" name="PlaceHolder 3"/>
+              <a:latin typeface="Arial"/>
+            </a:endParaRPr>
+          </a:p>
+        </p:txBody>
+      </p:sp>
+      <p:sp>
+        <p:nvSpPr>
+          <p:cNvPr id="8" name="PlaceHolder 3"/>
           <p:cNvSpPr>
             <a:spLocks noGrp="1"/>
           </p:cNvSpPr>
@@ -2328,8 +2183,8 @@
         </p:nvSpPr>
         <p:spPr>
           <a:xfrm>
-            <a:off x="4674240" y="1600200"/>
-            <a:ext cx="4015800" cy="4525560"/>
+            <a:off x="4674240" y="1604520"/>
+            <a:ext cx="4015800" cy="3977280"/>
           </a:xfrm>
           <a:prstGeom prst="rect">
             <a:avLst/>
@@ -2341,10 +2196,7 @@
           </a:bodyPr>
           <a:p>
             <a:endParaRPr b="0" lang="en-US" sz="3200" spc="-1" strike="noStrike">
-              <a:solidFill>
-                <a:srgbClr val="000000"/>
-              </a:solidFill>
-              <a:latin typeface="Calibri"/>
+              <a:latin typeface="Arial"/>
             </a:endParaRPr>
           </a:p>
         </p:txBody>
@@ -2373,7 +2225,7 @@
       </p:grpSpPr>
       <p:sp>
         <p:nvSpPr>
-          <p:cNvPr id="12" name="PlaceHolder 1"/>
+          <p:cNvPr id="9" name="PlaceHolder 1"/>
           <p:cNvSpPr>
             <a:spLocks noGrp="1"/>
           </p:cNvSpPr>
@@ -2383,8 +2235,8 @@
         </p:nvSpPr>
         <p:spPr>
           <a:xfrm>
-            <a:off x="457200" y="274680"/>
-            <a:ext cx="8229240" cy="1142640"/>
+            <a:off x="457200" y="273600"/>
+            <a:ext cx="8229240" cy="1144800"/>
           </a:xfrm>
           <a:prstGeom prst="rect">
             <a:avLst/>
@@ -2395,11 +2247,9 @@
             <a:spAutoFit/>
           </a:bodyPr>
           <a:p>
-            <a:endParaRPr b="0" lang="en-US" sz="1800" spc="-1" strike="noStrike">
-              <a:solidFill>
-                <a:srgbClr val="000000"/>
-              </a:solidFill>
-              <a:latin typeface="Calibri"/>
+            <a:pPr algn="ctr"/>
+            <a:endParaRPr b="0" lang="en-US" sz="4400" spc="-1" strike="noStrike">
+              <a:latin typeface="Arial"/>
             </a:endParaRPr>
           </a:p>
         </p:txBody>
@@ -2428,7 +2278,7 @@
       </p:grpSpPr>
       <p:sp>
         <p:nvSpPr>
-          <p:cNvPr id="13" name="PlaceHolder 1"/>
+          <p:cNvPr id="10" name="PlaceHolder 1"/>
           <p:cNvSpPr>
             <a:spLocks noGrp="1"/>
           </p:cNvSpPr>
@@ -2438,8 +2288,8 @@
         </p:nvSpPr>
         <p:spPr>
           <a:xfrm>
-            <a:off x="457200" y="274680"/>
-            <a:ext cx="8229240" cy="5297760"/>
+            <a:off x="457200" y="273600"/>
+            <a:ext cx="8229240" cy="5307840"/>
           </a:xfrm>
           <a:prstGeom prst="rect">
             <a:avLst/>
@@ -2481,7 +2331,7 @@
       </p:grpSpPr>
       <p:sp>
         <p:nvSpPr>
-          <p:cNvPr id="14" name="PlaceHolder 1"/>
+          <p:cNvPr id="11" name="PlaceHolder 1"/>
           <p:cNvSpPr>
             <a:spLocks noGrp="1"/>
           </p:cNvSpPr>
@@ -2491,8 +2341,8 @@
         </p:nvSpPr>
         <p:spPr>
           <a:xfrm>
-            <a:off x="457200" y="274680"/>
-            <a:ext cx="8229240" cy="1142640"/>
+            <a:off x="457200" y="273600"/>
+            <a:ext cx="8229240" cy="1144800"/>
           </a:xfrm>
           <a:prstGeom prst="rect">
             <a:avLst/>
@@ -2503,18 +2353,16 @@
             <a:spAutoFit/>
           </a:bodyPr>
           <a:p>
-            <a:endParaRPr b="0" lang="en-US" sz="1800" spc="-1" strike="noStrike">
-              <a:solidFill>
-                <a:srgbClr val="000000"/>
-              </a:solidFill>
-              <a:latin typeface="Calibri"/>
-            </a:endParaRPr>
-          </a:p>
-        </p:txBody>
-      </p:sp>
-      <p:sp>
-        <p:nvSpPr>
-          <p:cNvPr id="15" name="PlaceHolder 2"/>
+            <a:pPr algn="ctr"/>
+            <a:endParaRPr b="0" lang="en-US" sz="4400" spc="-1" strike="noStrike">
+              <a:latin typeface="Arial"/>
+            </a:endParaRPr>
+          </a:p>
+        </p:txBody>
+      </p:sp>
+      <p:sp>
+        <p:nvSpPr>
+          <p:cNvPr id="12" name="PlaceHolder 2"/>
           <p:cNvSpPr>
             <a:spLocks noGrp="1"/>
           </p:cNvSpPr>
@@ -2524,8 +2372,8 @@
         </p:nvSpPr>
         <p:spPr>
           <a:xfrm>
-            <a:off x="457200" y="1600200"/>
-            <a:ext cx="4015800" cy="2158560"/>
+            <a:off x="457200" y="1604520"/>
+            <a:ext cx="4015800" cy="1896840"/>
           </a:xfrm>
           <a:prstGeom prst="rect">
             <a:avLst/>
@@ -2537,17 +2385,14 @@
           </a:bodyPr>
           <a:p>
             <a:endParaRPr b="0" lang="en-US" sz="3200" spc="-1" strike="noStrike">
-              <a:solidFill>
-                <a:srgbClr val="000000"/>
-              </a:solidFill>
-              <a:latin typeface="Calibri"/>
-            </a:endParaRPr>
-          </a:p>
-        </p:txBody>
-      </p:sp>
-      <p:sp>
-        <p:nvSpPr>
-          <p:cNvPr id="16" name="PlaceHolder 3"/>
+              <a:latin typeface="Arial"/>
+            </a:endParaRPr>
+          </a:p>
+        </p:txBody>
+      </p:sp>
+      <p:sp>
+        <p:nvSpPr>
+          <p:cNvPr id="13" name="PlaceHolder 3"/>
           <p:cNvSpPr>
             <a:spLocks noGrp="1"/>
           </p:cNvSpPr>
@@ -2557,8 +2402,8 @@
         </p:nvSpPr>
         <p:spPr>
           <a:xfrm>
-            <a:off x="4674240" y="1600200"/>
-            <a:ext cx="4015800" cy="4525560"/>
+            <a:off x="4674240" y="1604520"/>
+            <a:ext cx="4015800" cy="3977280"/>
           </a:xfrm>
           <a:prstGeom prst="rect">
             <a:avLst/>
@@ -2570,17 +2415,14 @@
           </a:bodyPr>
           <a:p>
             <a:endParaRPr b="0" lang="en-US" sz="3200" spc="-1" strike="noStrike">
-              <a:solidFill>
-                <a:srgbClr val="000000"/>
-              </a:solidFill>
-              <a:latin typeface="Calibri"/>
-            </a:endParaRPr>
-          </a:p>
-        </p:txBody>
-      </p:sp>
-      <p:sp>
-        <p:nvSpPr>
-          <p:cNvPr id="17" name="PlaceHolder 4"/>
+              <a:latin typeface="Arial"/>
+            </a:endParaRPr>
+          </a:p>
+        </p:txBody>
+      </p:sp>
+      <p:sp>
+        <p:nvSpPr>
+          <p:cNvPr id="14" name="PlaceHolder 4"/>
           <p:cNvSpPr>
             <a:spLocks noGrp="1"/>
           </p:cNvSpPr>
@@ -2590,8 +2432,8 @@
         </p:nvSpPr>
         <p:spPr>
           <a:xfrm>
-            <a:off x="457200" y="3964320"/>
-            <a:ext cx="4015800" cy="2158560"/>
+            <a:off x="457200" y="3682080"/>
+            <a:ext cx="4015800" cy="1896840"/>
           </a:xfrm>
           <a:prstGeom prst="rect">
             <a:avLst/>
@@ -2603,10 +2445,7 @@
           </a:bodyPr>
           <a:p>
             <a:endParaRPr b="0" lang="en-US" sz="3200" spc="-1" strike="noStrike">
-              <a:solidFill>
-                <a:srgbClr val="000000"/>
-              </a:solidFill>
-              <a:latin typeface="Calibri"/>
+              <a:latin typeface="Arial"/>
             </a:endParaRPr>
           </a:p>
         </p:txBody>
@@ -2635,7 +2474,7 @@
       </p:grpSpPr>
       <p:sp>
         <p:nvSpPr>
-          <p:cNvPr id="18" name="PlaceHolder 1"/>
+          <p:cNvPr id="15" name="PlaceHolder 1"/>
           <p:cNvSpPr>
             <a:spLocks noGrp="1"/>
           </p:cNvSpPr>
@@ -2645,8 +2484,8 @@
         </p:nvSpPr>
         <p:spPr>
           <a:xfrm>
-            <a:off x="457200" y="274680"/>
-            <a:ext cx="8229240" cy="1142640"/>
+            <a:off x="457200" y="273600"/>
+            <a:ext cx="8229240" cy="1144800"/>
           </a:xfrm>
           <a:prstGeom prst="rect">
             <a:avLst/>
@@ -2657,18 +2496,16 @@
             <a:spAutoFit/>
           </a:bodyPr>
           <a:p>
-            <a:endParaRPr b="0" lang="en-US" sz="1800" spc="-1" strike="noStrike">
-              <a:solidFill>
-                <a:srgbClr val="000000"/>
-              </a:solidFill>
-              <a:latin typeface="Calibri"/>
-            </a:endParaRPr>
-          </a:p>
-        </p:txBody>
-      </p:sp>
-      <p:sp>
-        <p:nvSpPr>
-          <p:cNvPr id="19" name="PlaceHolder 2"/>
+            <a:pPr algn="ctr"/>
+            <a:endParaRPr b="0" lang="en-US" sz="4400" spc="-1" strike="noStrike">
+              <a:latin typeface="Arial"/>
+            </a:endParaRPr>
+          </a:p>
+        </p:txBody>
+      </p:sp>
+      <p:sp>
+        <p:nvSpPr>
+          <p:cNvPr id="16" name="PlaceHolder 2"/>
           <p:cNvSpPr>
             <a:spLocks noGrp="1"/>
           </p:cNvSpPr>
@@ -2678,8 +2515,8 @@
         </p:nvSpPr>
         <p:spPr>
           <a:xfrm>
-            <a:off x="457200" y="1600200"/>
-            <a:ext cx="4015800" cy="4525560"/>
+            <a:off x="457200" y="1604520"/>
+            <a:ext cx="4015800" cy="3977280"/>
           </a:xfrm>
           <a:prstGeom prst="rect">
             <a:avLst/>
@@ -2691,17 +2528,14 @@
           </a:bodyPr>
           <a:p>
             <a:endParaRPr b="0" lang="en-US" sz="3200" spc="-1" strike="noStrike">
-              <a:solidFill>
-                <a:srgbClr val="000000"/>
-              </a:solidFill>
-              <a:latin typeface="Calibri"/>
-            </a:endParaRPr>
-          </a:p>
-        </p:txBody>
-      </p:sp>
-      <p:sp>
-        <p:nvSpPr>
-          <p:cNvPr id="20" name="PlaceHolder 3"/>
+              <a:latin typeface="Arial"/>
+            </a:endParaRPr>
+          </a:p>
+        </p:txBody>
+      </p:sp>
+      <p:sp>
+        <p:nvSpPr>
+          <p:cNvPr id="17" name="PlaceHolder 3"/>
           <p:cNvSpPr>
             <a:spLocks noGrp="1"/>
           </p:cNvSpPr>
@@ -2711,8 +2545,8 @@
         </p:nvSpPr>
         <p:spPr>
           <a:xfrm>
-            <a:off x="4674240" y="1600200"/>
-            <a:ext cx="4015800" cy="2158560"/>
+            <a:off x="4674240" y="1604520"/>
+            <a:ext cx="4015800" cy="1896840"/>
           </a:xfrm>
           <a:prstGeom prst="rect">
             <a:avLst/>
@@ -2724,17 +2558,14 @@
           </a:bodyPr>
           <a:p>
             <a:endParaRPr b="0" lang="en-US" sz="3200" spc="-1" strike="noStrike">
-              <a:solidFill>
-                <a:srgbClr val="000000"/>
-              </a:solidFill>
-              <a:latin typeface="Calibri"/>
-            </a:endParaRPr>
-          </a:p>
-        </p:txBody>
-      </p:sp>
-      <p:sp>
-        <p:nvSpPr>
-          <p:cNvPr id="21" name="PlaceHolder 4"/>
+              <a:latin typeface="Arial"/>
+            </a:endParaRPr>
+          </a:p>
+        </p:txBody>
+      </p:sp>
+      <p:sp>
+        <p:nvSpPr>
+          <p:cNvPr id="18" name="PlaceHolder 4"/>
           <p:cNvSpPr>
             <a:spLocks noGrp="1"/>
           </p:cNvSpPr>
@@ -2744,8 +2575,8 @@
         </p:nvSpPr>
         <p:spPr>
           <a:xfrm>
-            <a:off x="4674240" y="3964320"/>
-            <a:ext cx="4015800" cy="2158560"/>
+            <a:off x="4674240" y="3682080"/>
+            <a:ext cx="4015800" cy="1896840"/>
           </a:xfrm>
           <a:prstGeom prst="rect">
             <a:avLst/>
@@ -2757,10 +2588,7 @@
           </a:bodyPr>
           <a:p>
             <a:endParaRPr b="0" lang="en-US" sz="3200" spc="-1" strike="noStrike">
-              <a:solidFill>
-                <a:srgbClr val="000000"/>
-              </a:solidFill>
-              <a:latin typeface="Calibri"/>
+              <a:latin typeface="Arial"/>
             </a:endParaRPr>
           </a:p>
         </p:txBody>
@@ -2789,7 +2617,7 @@
       </p:grpSpPr>
       <p:sp>
         <p:nvSpPr>
-          <p:cNvPr id="22" name="PlaceHolder 1"/>
+          <p:cNvPr id="19" name="PlaceHolder 1"/>
           <p:cNvSpPr>
             <a:spLocks noGrp="1"/>
           </p:cNvSpPr>
@@ -2799,8 +2627,8 @@
         </p:nvSpPr>
         <p:spPr>
           <a:xfrm>
-            <a:off x="457200" y="274680"/>
-            <a:ext cx="8229240" cy="1142640"/>
+            <a:off x="457200" y="273600"/>
+            <a:ext cx="8229240" cy="1144800"/>
           </a:xfrm>
           <a:prstGeom prst="rect">
             <a:avLst/>
@@ -2811,18 +2639,16 @@
             <a:spAutoFit/>
           </a:bodyPr>
           <a:p>
-            <a:endParaRPr b="0" lang="en-US" sz="1800" spc="-1" strike="noStrike">
-              <a:solidFill>
-                <a:srgbClr val="000000"/>
-              </a:solidFill>
-              <a:latin typeface="Calibri"/>
-            </a:endParaRPr>
-          </a:p>
-        </p:txBody>
-      </p:sp>
-      <p:sp>
-        <p:nvSpPr>
-          <p:cNvPr id="23" name="PlaceHolder 2"/>
+            <a:pPr algn="ctr"/>
+            <a:endParaRPr b="0" lang="en-US" sz="4400" spc="-1" strike="noStrike">
+              <a:latin typeface="Arial"/>
+            </a:endParaRPr>
+          </a:p>
+        </p:txBody>
+      </p:sp>
+      <p:sp>
+        <p:nvSpPr>
+          <p:cNvPr id="20" name="PlaceHolder 2"/>
           <p:cNvSpPr>
             <a:spLocks noGrp="1"/>
           </p:cNvSpPr>
@@ -2832,8 +2658,8 @@
         </p:nvSpPr>
         <p:spPr>
           <a:xfrm>
-            <a:off x="457200" y="1600200"/>
-            <a:ext cx="4015800" cy="2158560"/>
+            <a:off x="457200" y="1604520"/>
+            <a:ext cx="4015800" cy="1896840"/>
           </a:xfrm>
           <a:prstGeom prst="rect">
             <a:avLst/>
@@ -2845,17 +2671,14 @@
           </a:bodyPr>
           <a:p>
             <a:endParaRPr b="0" lang="en-US" sz="3200" spc="-1" strike="noStrike">
-              <a:solidFill>
-                <a:srgbClr val="000000"/>
-              </a:solidFill>
-              <a:latin typeface="Calibri"/>
-            </a:endParaRPr>
-          </a:p>
-        </p:txBody>
-      </p:sp>
-      <p:sp>
-        <p:nvSpPr>
-          <p:cNvPr id="24" name="PlaceHolder 3"/>
+              <a:latin typeface="Arial"/>
+            </a:endParaRPr>
+          </a:p>
+        </p:txBody>
+      </p:sp>
+      <p:sp>
+        <p:nvSpPr>
+          <p:cNvPr id="21" name="PlaceHolder 3"/>
           <p:cNvSpPr>
             <a:spLocks noGrp="1"/>
           </p:cNvSpPr>
@@ -2865,8 +2688,8 @@
         </p:nvSpPr>
         <p:spPr>
           <a:xfrm>
-            <a:off x="4674240" y="1600200"/>
-            <a:ext cx="4015800" cy="2158560"/>
+            <a:off x="4674240" y="1604520"/>
+            <a:ext cx="4015800" cy="1896840"/>
           </a:xfrm>
           <a:prstGeom prst="rect">
             <a:avLst/>
@@ -2878,17 +2701,14 @@
           </a:bodyPr>
           <a:p>
             <a:endParaRPr b="0" lang="en-US" sz="3200" spc="-1" strike="noStrike">
-              <a:solidFill>
-                <a:srgbClr val="000000"/>
-              </a:solidFill>
-              <a:latin typeface="Calibri"/>
-            </a:endParaRPr>
-          </a:p>
-        </p:txBody>
-      </p:sp>
-      <p:sp>
-        <p:nvSpPr>
-          <p:cNvPr id="25" name="PlaceHolder 4"/>
+              <a:latin typeface="Arial"/>
+            </a:endParaRPr>
+          </a:p>
+        </p:txBody>
+      </p:sp>
+      <p:sp>
+        <p:nvSpPr>
+          <p:cNvPr id="22" name="PlaceHolder 4"/>
           <p:cNvSpPr>
             <a:spLocks noGrp="1"/>
           </p:cNvSpPr>
@@ -2898,8 +2718,8 @@
         </p:nvSpPr>
         <p:spPr>
           <a:xfrm>
-            <a:off x="457200" y="3964320"/>
-            <a:ext cx="8229240" cy="2158560"/>
+            <a:off x="457200" y="3682080"/>
+            <a:ext cx="8229240" cy="1896840"/>
           </a:xfrm>
           <a:prstGeom prst="rect">
             <a:avLst/>
@@ -2911,10 +2731,7 @@
           </a:bodyPr>
           <a:p>
             <a:endParaRPr b="0" lang="en-US" sz="3200" spc="-1" strike="noStrike">
-              <a:solidFill>
-                <a:srgbClr val="000000"/>
-              </a:solidFill>
-              <a:latin typeface="Calibri"/>
+              <a:latin typeface="Arial"/>
             </a:endParaRPr>
           </a:p>
         </p:txBody>
@@ -2960,37 +2777,26 @@
         </p:nvSpPr>
         <p:spPr>
           <a:xfrm>
-            <a:off x="685800" y="2130480"/>
-            <a:ext cx="7772040" cy="1469520"/>
-          </a:xfrm>
-          <a:prstGeom prst="rect">
-            <a:avLst/>
-          </a:prstGeom>
-        </p:spPr>
-        <p:txBody>
-          <a:bodyPr anchor="ctr">
-            <a:noAutofit/>
-          </a:bodyPr>
-          <a:p>
-            <a:pPr algn="ctr">
-              <a:lnSpc>
-                <a:spcPct val="100000"/>
-              </a:lnSpc>
-            </a:pPr>
-            <a:r>
-              <a:rPr b="0" lang="en-US" sz="4400" spc="-1" strike="noStrike">
-                <a:solidFill>
-                  <a:srgbClr val="000000"/>
-                </a:solidFill>
-                <a:latin typeface="Calibri"/>
-              </a:rPr>
-              <a:t>Click to edit Master title style</a:t>
-            </a:r>
-            <a:endParaRPr b="0" lang="en-US" sz="4400" spc="-1" strike="noStrike">
-              <a:solidFill>
-                <a:srgbClr val="000000"/>
-              </a:solidFill>
-              <a:latin typeface="Calibri"/>
+            <a:off x="457200" y="273240"/>
+            <a:ext cx="8228880" cy="1145160"/>
+          </a:xfrm>
+          <a:prstGeom prst="rect">
+            <a:avLst/>
+          </a:prstGeom>
+        </p:spPr>
+        <p:txBody>
+          <a:bodyPr lIns="0" rIns="0" tIns="0" bIns="0" anchor="ctr">
+            <a:spAutoFit/>
+          </a:bodyPr>
+          <a:p>
+            <a:r>
+              <a:rPr b="0" lang="en-US" sz="1800" spc="-1" strike="noStrike">
+                <a:latin typeface="Arial"/>
+              </a:rPr>
+              <a:t>Click to edit the title text format</a:t>
+            </a:r>
+            <a:endParaRPr b="0" lang="en-US" sz="1800" spc="-1" strike="noStrike">
+              <a:latin typeface="Arial"/>
             </a:endParaRPr>
           </a:p>
         </p:txBody>
@@ -2998,124 +2804,6 @@
       <p:sp>
         <p:nvSpPr>
           <p:cNvPr id="1" name="PlaceHolder 2"/>
-          <p:cNvSpPr>
-            <a:spLocks noGrp="1"/>
-          </p:cNvSpPr>
-          <p:nvPr>
-            <p:ph type="dt"/>
-          </p:nvPr>
-        </p:nvSpPr>
-        <p:spPr>
-          <a:xfrm>
-            <a:off x="457200" y="6356520"/>
-            <a:ext cx="2133360" cy="364680"/>
-          </a:xfrm>
-          <a:prstGeom prst="rect">
-            <a:avLst/>
-          </a:prstGeom>
-        </p:spPr>
-        <p:txBody>
-          <a:bodyPr anchor="ctr">
-            <a:noAutofit/>
-          </a:bodyPr>
-          <a:p>
-            <a:pPr>
-              <a:lnSpc>
-                <a:spcPct val="100000"/>
-              </a:lnSpc>
-            </a:pPr>
-            <a:fld id="{6F9AEA72-C141-4495-94D2-DAE4810AE8C0}" type="datetime">
-              <a:rPr b="0" lang="en-US" sz="1200" spc="-1" strike="noStrike">
-                <a:solidFill>
-                  <a:srgbClr val="8b8b8b"/>
-                </a:solidFill>
-                <a:latin typeface="Calibri"/>
-              </a:rPr>
-              <a:t>11/30/20</a:t>
-            </a:fld>
-            <a:endParaRPr b="0" lang="en-US" sz="1200" spc="-1" strike="noStrike">
-              <a:latin typeface="Times New Roman"/>
-            </a:endParaRPr>
-          </a:p>
-        </p:txBody>
-      </p:sp>
-      <p:sp>
-        <p:nvSpPr>
-          <p:cNvPr id="2" name="PlaceHolder 3"/>
-          <p:cNvSpPr>
-            <a:spLocks noGrp="1"/>
-          </p:cNvSpPr>
-          <p:nvPr>
-            <p:ph type="ftr"/>
-          </p:nvPr>
-        </p:nvSpPr>
-        <p:spPr>
-          <a:xfrm>
-            <a:off x="3124080" y="6356520"/>
-            <a:ext cx="2895120" cy="364680"/>
-          </a:xfrm>
-          <a:prstGeom prst="rect">
-            <a:avLst/>
-          </a:prstGeom>
-        </p:spPr>
-        <p:txBody>
-          <a:bodyPr anchor="ctr">
-            <a:noAutofit/>
-          </a:bodyPr>
-          <a:p>
-            <a:endParaRPr b="0" lang="en-US" sz="2400" spc="-1" strike="noStrike">
-              <a:latin typeface="Times New Roman"/>
-            </a:endParaRPr>
-          </a:p>
-        </p:txBody>
-      </p:sp>
-      <p:sp>
-        <p:nvSpPr>
-          <p:cNvPr id="3" name="PlaceHolder 4"/>
-          <p:cNvSpPr>
-            <a:spLocks noGrp="1"/>
-          </p:cNvSpPr>
-          <p:nvPr>
-            <p:ph type="sldNum"/>
-          </p:nvPr>
-        </p:nvSpPr>
-        <p:spPr>
-          <a:xfrm>
-            <a:off x="6553080" y="6356520"/>
-            <a:ext cx="2133360" cy="364680"/>
-          </a:xfrm>
-          <a:prstGeom prst="rect">
-            <a:avLst/>
-          </a:prstGeom>
-        </p:spPr>
-        <p:txBody>
-          <a:bodyPr anchor="ctr">
-            <a:noAutofit/>
-          </a:bodyPr>
-          <a:p>
-            <a:pPr algn="r">
-              <a:lnSpc>
-                <a:spcPct val="100000"/>
-              </a:lnSpc>
-            </a:pPr>
-            <a:fld id="{D28DD425-A53E-486D-B588-6DBCDC9F5623}" type="slidenum">
-              <a:rPr b="0" lang="en-US" sz="1200" spc="-1" strike="noStrike">
-                <a:solidFill>
-                  <a:srgbClr val="8b8b8b"/>
-                </a:solidFill>
-                <a:latin typeface="Calibri"/>
-              </a:rPr>
-              <a:t>&lt;number&gt;</a:t>
-            </a:fld>
-            <a:endParaRPr b="0" lang="en-US" sz="1200" spc="-1" strike="noStrike">
-              <a:latin typeface="Times New Roman"/>
-            </a:endParaRPr>
-          </a:p>
-        </p:txBody>
-      </p:sp>
-      <p:sp>
-        <p:nvSpPr>
-          <p:cNvPr id="4" name="PlaceHolder 5"/>
           <p:cNvSpPr>
             <a:spLocks noGrp="1"/>
           </p:cNvSpPr>
@@ -3150,18 +2838,12 @@
             </a:pPr>
             <a:r>
               <a:rPr b="0" lang="en-US" sz="3200" spc="-1" strike="noStrike">
-                <a:solidFill>
-                  <a:srgbClr val="000000"/>
-                </a:solidFill>
-                <a:latin typeface="Calibri"/>
+                <a:latin typeface="Arial"/>
               </a:rPr>
               <a:t>Click to edit the outline text format</a:t>
             </a:r>
             <a:endParaRPr b="0" lang="en-US" sz="3200" spc="-1" strike="noStrike">
-              <a:solidFill>
-                <a:srgbClr val="000000"/>
-              </a:solidFill>
-              <a:latin typeface="Calibri"/>
+              <a:latin typeface="Arial"/>
             </a:endParaRPr>
           </a:p>
           <a:p>
@@ -3177,19 +2859,13 @@
               <a:buChar char=""/>
             </a:pPr>
             <a:r>
-              <a:rPr b="0" lang="en-US" sz="2400" spc="-1" strike="noStrike">
-                <a:solidFill>
-                  <a:srgbClr val="000000"/>
-                </a:solidFill>
-                <a:latin typeface="Calibri"/>
+              <a:rPr b="0" lang="en-US" sz="2800" spc="-1" strike="noStrike">
+                <a:latin typeface="Arial"/>
               </a:rPr>
               <a:t>Second Outline Level</a:t>
             </a:r>
-            <a:endParaRPr b="0" lang="en-US" sz="2400" spc="-1" strike="noStrike">
-              <a:solidFill>
-                <a:srgbClr val="000000"/>
-              </a:solidFill>
-              <a:latin typeface="Calibri"/>
+            <a:endParaRPr b="0" lang="en-US" sz="2800" spc="-1" strike="noStrike">
+              <a:latin typeface="Arial"/>
             </a:endParaRPr>
           </a:p>
           <a:p>
@@ -3205,19 +2881,13 @@
               <a:buChar char=""/>
             </a:pPr>
             <a:r>
-              <a:rPr b="0" lang="en-US" sz="2000" spc="-1" strike="noStrike">
-                <a:solidFill>
-                  <a:srgbClr val="000000"/>
-                </a:solidFill>
-                <a:latin typeface="Calibri"/>
+              <a:rPr b="0" lang="en-US" sz="2400" spc="-1" strike="noStrike">
+                <a:latin typeface="Arial"/>
               </a:rPr>
               <a:t>Third Outline Level</a:t>
             </a:r>
-            <a:endParaRPr b="0" lang="en-US" sz="2000" spc="-1" strike="noStrike">
-              <a:solidFill>
-                <a:srgbClr val="000000"/>
-              </a:solidFill>
-              <a:latin typeface="Calibri"/>
+            <a:endParaRPr b="0" lang="en-US" sz="2400" spc="-1" strike="noStrike">
+              <a:latin typeface="Arial"/>
             </a:endParaRPr>
           </a:p>
           <a:p>
@@ -3234,18 +2904,12 @@
             </a:pPr>
             <a:r>
               <a:rPr b="0" lang="en-US" sz="2000" spc="-1" strike="noStrike">
-                <a:solidFill>
-                  <a:srgbClr val="000000"/>
-                </a:solidFill>
-                <a:latin typeface="Calibri"/>
+                <a:latin typeface="Arial"/>
               </a:rPr>
               <a:t>Fourth Outline Level</a:t>
             </a:r>
             <a:endParaRPr b="0" lang="en-US" sz="2000" spc="-1" strike="noStrike">
-              <a:solidFill>
-                <a:srgbClr val="000000"/>
-              </a:solidFill>
-              <a:latin typeface="Calibri"/>
+              <a:latin typeface="Arial"/>
             </a:endParaRPr>
           </a:p>
           <a:p>
@@ -3262,18 +2926,12 @@
             </a:pPr>
             <a:r>
               <a:rPr b="0" lang="en-US" sz="2000" spc="-1" strike="noStrike">
-                <a:solidFill>
-                  <a:srgbClr val="000000"/>
-                </a:solidFill>
-                <a:latin typeface="Calibri"/>
+                <a:latin typeface="Arial"/>
               </a:rPr>
               <a:t>Fifth Outline Level</a:t>
             </a:r>
             <a:endParaRPr b="0" lang="en-US" sz="2000" spc="-1" strike="noStrike">
-              <a:solidFill>
-                <a:srgbClr val="000000"/>
-              </a:solidFill>
-              <a:latin typeface="Calibri"/>
+              <a:latin typeface="Arial"/>
             </a:endParaRPr>
           </a:p>
           <a:p>
@@ -3290,18 +2948,12 @@
             </a:pPr>
             <a:r>
               <a:rPr b="0" lang="en-US" sz="2000" spc="-1" strike="noStrike">
-                <a:solidFill>
-                  <a:srgbClr val="000000"/>
-                </a:solidFill>
-                <a:latin typeface="Calibri"/>
+                <a:latin typeface="Arial"/>
               </a:rPr>
               <a:t>Sixth Outline Level</a:t>
             </a:r>
             <a:endParaRPr b="0" lang="en-US" sz="2000" spc="-1" strike="noStrike">
-              <a:solidFill>
-                <a:srgbClr val="000000"/>
-              </a:solidFill>
-              <a:latin typeface="Calibri"/>
+              <a:latin typeface="Arial"/>
             </a:endParaRPr>
           </a:p>
           <a:p>
@@ -3318,18 +2970,12 @@
             </a:pPr>
             <a:r>
               <a:rPr b="0" lang="en-US" sz="2000" spc="-1" strike="noStrike">
-                <a:solidFill>
-                  <a:srgbClr val="000000"/>
-                </a:solidFill>
-                <a:latin typeface="Calibri"/>
+                <a:latin typeface="Arial"/>
               </a:rPr>
               <a:t>Seventh Outline Level</a:t>
             </a:r>
             <a:endParaRPr b="0" lang="en-US" sz="2000" spc="-1" strike="noStrike">
-              <a:solidFill>
-                <a:srgbClr val="000000"/>
-              </a:solidFill>
-              <a:latin typeface="Calibri"/>
+              <a:latin typeface="Arial"/>
             </a:endParaRPr>
           </a:p>
         </p:txBody>
@@ -3380,7 +3026,7 @@
       </p:grpSpPr>
       <p:sp>
         <p:nvSpPr>
-          <p:cNvPr id="41" name="PlaceHolder 1"/>
+          <p:cNvPr id="38" name="PlaceHolder 1"/>
           <p:cNvSpPr>
             <a:spLocks noGrp="1"/>
           </p:cNvSpPr>
@@ -3390,44 +3036,34 @@
         </p:nvSpPr>
         <p:spPr>
           <a:xfrm>
-            <a:off x="457200" y="274680"/>
-            <a:ext cx="8229240" cy="1142640"/>
-          </a:xfrm>
-          <a:prstGeom prst="rect">
-            <a:avLst/>
-          </a:prstGeom>
-        </p:spPr>
-        <p:txBody>
-          <a:bodyPr anchor="ctr">
+            <a:off x="457200" y="273600"/>
+            <a:ext cx="8229240" cy="1144800"/>
+          </a:xfrm>
+          <a:prstGeom prst="rect">
+            <a:avLst/>
+          </a:prstGeom>
+        </p:spPr>
+        <p:txBody>
+          <a:bodyPr lIns="0" rIns="0" tIns="0" bIns="0" anchor="ctr">
             <a:noAutofit/>
           </a:bodyPr>
           <a:p>
-            <a:pPr algn="ctr">
-              <a:lnSpc>
-                <a:spcPct val="100000"/>
-              </a:lnSpc>
-            </a:pPr>
+            <a:pPr algn="ctr"/>
             <a:r>
               <a:rPr b="0" lang="en-US" sz="4400" spc="-1" strike="noStrike">
-                <a:solidFill>
-                  <a:srgbClr val="000000"/>
-                </a:solidFill>
-                <a:latin typeface="Calibri"/>
-              </a:rPr>
-              <a:t>Click to edit Master title style</a:t>
+                <a:latin typeface="Arial"/>
+              </a:rPr>
+              <a:t>Click to edit the title text format</a:t>
             </a:r>
             <a:endParaRPr b="0" lang="en-US" sz="4400" spc="-1" strike="noStrike">
-              <a:solidFill>
-                <a:srgbClr val="000000"/>
-              </a:solidFill>
-              <a:latin typeface="Calibri"/>
-            </a:endParaRPr>
-          </a:p>
-        </p:txBody>
-      </p:sp>
-      <p:sp>
-        <p:nvSpPr>
-          <p:cNvPr id="42" name="PlaceHolder 2"/>
+              <a:latin typeface="Arial"/>
+            </a:endParaRPr>
+          </a:p>
+        </p:txBody>
+      </p:sp>
+      <p:sp>
+        <p:nvSpPr>
+          <p:cNvPr id="39" name="PlaceHolder 2"/>
           <p:cNvSpPr>
             <a:spLocks noGrp="1"/>
           </p:cNvSpPr>
@@ -3437,283 +3073,169 @@
         </p:nvSpPr>
         <p:spPr>
           <a:xfrm>
-            <a:off x="457200" y="1600200"/>
-            <a:ext cx="8229240" cy="4525560"/>
-          </a:xfrm>
-          <a:prstGeom prst="rect">
-            <a:avLst/>
-          </a:prstGeom>
-        </p:spPr>
-        <p:txBody>
-          <a:bodyPr>
-            <a:noAutofit/>
-          </a:bodyPr>
-          <a:p>
-            <a:pPr marL="343080" indent="-342720">
-              <a:lnSpc>
-                <a:spcPct val="100000"/>
-              </a:lnSpc>
+            <a:off x="457200" y="1604520"/>
+            <a:ext cx="8229240" cy="3977280"/>
+          </a:xfrm>
+          <a:prstGeom prst="rect">
+            <a:avLst/>
+          </a:prstGeom>
+        </p:spPr>
+        <p:txBody>
+          <a:bodyPr lIns="0" rIns="0" tIns="0" bIns="0">
+            <a:normAutofit/>
+          </a:bodyPr>
+          <a:p>
+            <a:pPr marL="432000" indent="-324000">
               <a:spcBef>
-                <a:spcPts val="641"/>
+                <a:spcPts val="1417"/>
               </a:spcBef>
               <a:buClr>
                 <a:srgbClr val="000000"/>
               </a:buClr>
-              <a:buFont typeface="Arial"/>
-              <a:buChar char="•"/>
+              <a:buSzPct val="45000"/>
+              <a:buFont typeface="Wingdings" charset="2"/>
+              <a:buChar char=""/>
             </a:pPr>
             <a:r>
               <a:rPr b="0" lang="en-US" sz="3200" spc="-1" strike="noStrike">
-                <a:solidFill>
-                  <a:srgbClr val="000000"/>
-                </a:solidFill>
-                <a:latin typeface="Calibri"/>
-              </a:rPr>
-              <a:t>Click to edit Master text styles</a:t>
+                <a:latin typeface="Arial"/>
+              </a:rPr>
+              <a:t>Click to edit the outline text format</a:t>
             </a:r>
             <a:endParaRPr b="0" lang="en-US" sz="3200" spc="-1" strike="noStrike">
-              <a:solidFill>
-                <a:srgbClr val="000000"/>
-              </a:solidFill>
-              <a:latin typeface="Calibri"/>
-            </a:endParaRPr>
-          </a:p>
-          <a:p>
-            <a:pPr lvl="1" marL="743040" indent="-285480">
-              <a:lnSpc>
-                <a:spcPct val="100000"/>
-              </a:lnSpc>
+              <a:latin typeface="Arial"/>
+            </a:endParaRPr>
+          </a:p>
+          <a:p>
+            <a:pPr lvl="1" marL="864000" indent="-324000">
               <a:spcBef>
-                <a:spcPts val="561"/>
+                <a:spcPts val="1134"/>
               </a:spcBef>
               <a:buClr>
                 <a:srgbClr val="000000"/>
               </a:buClr>
-              <a:buFont typeface="Arial"/>
-              <a:buChar char="–"/>
+              <a:buSzPct val="75000"/>
+              <a:buFont typeface="Symbol" charset="2"/>
+              <a:buChar char=""/>
             </a:pPr>
             <a:r>
               <a:rPr b="0" lang="en-US" sz="2800" spc="-1" strike="noStrike">
-                <a:solidFill>
-                  <a:srgbClr val="000000"/>
-                </a:solidFill>
-                <a:latin typeface="Calibri"/>
-              </a:rPr>
-              <a:t>Second level</a:t>
+                <a:latin typeface="Arial"/>
+              </a:rPr>
+              <a:t>Second Outline Level</a:t>
             </a:r>
             <a:endParaRPr b="0" lang="en-US" sz="2800" spc="-1" strike="noStrike">
-              <a:solidFill>
-                <a:srgbClr val="000000"/>
-              </a:solidFill>
-              <a:latin typeface="Calibri"/>
-            </a:endParaRPr>
-          </a:p>
-          <a:p>
-            <a:pPr lvl="2" marL="1143000" indent="-228240">
-              <a:lnSpc>
-                <a:spcPct val="100000"/>
-              </a:lnSpc>
+              <a:latin typeface="Arial"/>
+            </a:endParaRPr>
+          </a:p>
+          <a:p>
+            <a:pPr lvl="2" marL="1296000" indent="-288000">
               <a:spcBef>
-                <a:spcPts val="479"/>
+                <a:spcPts val="850"/>
               </a:spcBef>
               <a:buClr>
                 <a:srgbClr val="000000"/>
               </a:buClr>
-              <a:buFont typeface="Arial"/>
-              <a:buChar char="•"/>
+              <a:buSzPct val="45000"/>
+              <a:buFont typeface="Wingdings" charset="2"/>
+              <a:buChar char=""/>
             </a:pPr>
             <a:r>
               <a:rPr b="0" lang="en-US" sz="2400" spc="-1" strike="noStrike">
-                <a:solidFill>
-                  <a:srgbClr val="000000"/>
-                </a:solidFill>
-                <a:latin typeface="Calibri"/>
-              </a:rPr>
-              <a:t>Third level</a:t>
+                <a:latin typeface="Arial"/>
+              </a:rPr>
+              <a:t>Third Outline Level</a:t>
             </a:r>
             <a:endParaRPr b="0" lang="en-US" sz="2400" spc="-1" strike="noStrike">
-              <a:solidFill>
-                <a:srgbClr val="000000"/>
-              </a:solidFill>
-              <a:latin typeface="Calibri"/>
-            </a:endParaRPr>
-          </a:p>
-          <a:p>
-            <a:pPr lvl="3" marL="1600200" indent="-228240">
-              <a:lnSpc>
-                <a:spcPct val="100000"/>
-              </a:lnSpc>
+              <a:latin typeface="Arial"/>
+            </a:endParaRPr>
+          </a:p>
+          <a:p>
+            <a:pPr lvl="3" marL="1728000" indent="-216000">
               <a:spcBef>
-                <a:spcPts val="400"/>
+                <a:spcPts val="567"/>
               </a:spcBef>
               <a:buClr>
                 <a:srgbClr val="000000"/>
               </a:buClr>
-              <a:buFont typeface="Arial"/>
-              <a:buChar char="–"/>
+              <a:buSzPct val="75000"/>
+              <a:buFont typeface="Symbol" charset="2"/>
+              <a:buChar char=""/>
             </a:pPr>
             <a:r>
               <a:rPr b="0" lang="en-US" sz="2000" spc="-1" strike="noStrike">
-                <a:solidFill>
-                  <a:srgbClr val="000000"/>
-                </a:solidFill>
-                <a:latin typeface="Calibri"/>
-              </a:rPr>
-              <a:t>Fourth level</a:t>
+                <a:latin typeface="Arial"/>
+              </a:rPr>
+              <a:t>Fourth Outline Level</a:t>
             </a:r>
             <a:endParaRPr b="0" lang="en-US" sz="2000" spc="-1" strike="noStrike">
-              <a:solidFill>
-                <a:srgbClr val="000000"/>
-              </a:solidFill>
-              <a:latin typeface="Calibri"/>
-            </a:endParaRPr>
-          </a:p>
-          <a:p>
-            <a:pPr lvl="4" marL="2057400" indent="-228240">
-              <a:lnSpc>
-                <a:spcPct val="100000"/>
-              </a:lnSpc>
+              <a:latin typeface="Arial"/>
+            </a:endParaRPr>
+          </a:p>
+          <a:p>
+            <a:pPr lvl="4" marL="2160000" indent="-216000">
               <a:spcBef>
-                <a:spcPts val="400"/>
+                <a:spcPts val="283"/>
               </a:spcBef>
               <a:buClr>
                 <a:srgbClr val="000000"/>
               </a:buClr>
-              <a:buFont typeface="Arial"/>
-              <a:buChar char="»"/>
+              <a:buSzPct val="45000"/>
+              <a:buFont typeface="Wingdings" charset="2"/>
+              <a:buChar char=""/>
             </a:pPr>
             <a:r>
               <a:rPr b="0" lang="en-US" sz="2000" spc="-1" strike="noStrike">
-                <a:solidFill>
-                  <a:srgbClr val="000000"/>
-                </a:solidFill>
-                <a:latin typeface="Calibri"/>
-              </a:rPr>
-              <a:t>Fifth level</a:t>
+                <a:latin typeface="Arial"/>
+              </a:rPr>
+              <a:t>Fifth Outline Level</a:t>
             </a:r>
             <a:endParaRPr b="0" lang="en-US" sz="2000" spc="-1" strike="noStrike">
-              <a:solidFill>
+              <a:latin typeface="Arial"/>
+            </a:endParaRPr>
+          </a:p>
+          <a:p>
+            <a:pPr lvl="5" marL="2592000" indent="-216000">
+              <a:spcBef>
+                <a:spcPts val="283"/>
+              </a:spcBef>
+              <a:buClr>
                 <a:srgbClr val="000000"/>
-              </a:solidFill>
-              <a:latin typeface="Calibri"/>
-            </a:endParaRPr>
-          </a:p>
-        </p:txBody>
-      </p:sp>
-      <p:sp>
-        <p:nvSpPr>
-          <p:cNvPr id="43" name="PlaceHolder 3"/>
-          <p:cNvSpPr>
-            <a:spLocks noGrp="1"/>
-          </p:cNvSpPr>
-          <p:nvPr>
-            <p:ph type="dt"/>
-          </p:nvPr>
-        </p:nvSpPr>
-        <p:spPr>
-          <a:xfrm>
-            <a:off x="457200" y="6356520"/>
-            <a:ext cx="2133360" cy="364680"/>
-          </a:xfrm>
-          <a:prstGeom prst="rect">
-            <a:avLst/>
-          </a:prstGeom>
-        </p:spPr>
-        <p:txBody>
-          <a:bodyPr anchor="ctr">
-            <a:noAutofit/>
-          </a:bodyPr>
-          <a:p>
-            <a:pPr>
-              <a:lnSpc>
-                <a:spcPct val="100000"/>
-              </a:lnSpc>
-            </a:pPr>
-            <a:fld id="{56037A57-4341-4207-ADB4-5CC6C5D688E5}" type="datetime">
-              <a:rPr b="0" lang="en-US" sz="1200" spc="-1" strike="noStrike">
-                <a:solidFill>
-                  <a:srgbClr val="8b8b8b"/>
-                </a:solidFill>
-                <a:latin typeface="Calibri"/>
-              </a:rPr>
-              <a:t>11/30/20</a:t>
-            </a:fld>
-            <a:endParaRPr b="0" lang="en-US" sz="1200" spc="-1" strike="noStrike">
-              <a:latin typeface="Times New Roman"/>
-            </a:endParaRPr>
-          </a:p>
-        </p:txBody>
-      </p:sp>
-      <p:sp>
-        <p:nvSpPr>
-          <p:cNvPr id="44" name="PlaceHolder 4"/>
-          <p:cNvSpPr>
-            <a:spLocks noGrp="1"/>
-          </p:cNvSpPr>
-          <p:nvPr>
-            <p:ph type="ftr"/>
-          </p:nvPr>
-        </p:nvSpPr>
-        <p:spPr>
-          <a:xfrm>
-            <a:off x="3124080" y="6356520"/>
-            <a:ext cx="2895120" cy="364680"/>
-          </a:xfrm>
-          <a:prstGeom prst="rect">
-            <a:avLst/>
-          </a:prstGeom>
-        </p:spPr>
-        <p:txBody>
-          <a:bodyPr anchor="ctr">
-            <a:noAutofit/>
-          </a:bodyPr>
-          <a:p>
-            <a:endParaRPr b="0" lang="en-US" sz="2400" spc="-1" strike="noStrike">
-              <a:latin typeface="Times New Roman"/>
-            </a:endParaRPr>
-          </a:p>
-        </p:txBody>
-      </p:sp>
-      <p:sp>
-        <p:nvSpPr>
-          <p:cNvPr id="45" name="PlaceHolder 5"/>
-          <p:cNvSpPr>
-            <a:spLocks noGrp="1"/>
-          </p:cNvSpPr>
-          <p:nvPr>
-            <p:ph type="sldNum"/>
-          </p:nvPr>
-        </p:nvSpPr>
-        <p:spPr>
-          <a:xfrm>
-            <a:off x="6553080" y="6356520"/>
-            <a:ext cx="2133360" cy="364680"/>
-          </a:xfrm>
-          <a:prstGeom prst="rect">
-            <a:avLst/>
-          </a:prstGeom>
-        </p:spPr>
-        <p:txBody>
-          <a:bodyPr anchor="ctr">
-            <a:noAutofit/>
-          </a:bodyPr>
-          <a:p>
-            <a:pPr algn="r">
-              <a:lnSpc>
-                <a:spcPct val="100000"/>
-              </a:lnSpc>
-            </a:pPr>
-            <a:fld id="{D2940BE0-9C93-448A-BC63-5D9F042D30F2}" type="slidenum">
-              <a:rPr b="0" lang="en-US" sz="1200" spc="-1" strike="noStrike">
-                <a:solidFill>
-                  <a:srgbClr val="8b8b8b"/>
-                </a:solidFill>
-                <a:latin typeface="Calibri"/>
-              </a:rPr>
-              <a:t>1</a:t>
-            </a:fld>
-            <a:endParaRPr b="0" lang="en-US" sz="1200" spc="-1" strike="noStrike">
-              <a:latin typeface="Times New Roman"/>
+              </a:buClr>
+              <a:buSzPct val="45000"/>
+              <a:buFont typeface="Wingdings" charset="2"/>
+              <a:buChar char=""/>
+            </a:pPr>
+            <a:r>
+              <a:rPr b="0" lang="en-US" sz="2000" spc="-1" strike="noStrike">
+                <a:latin typeface="Arial"/>
+              </a:rPr>
+              <a:t>Sixth Outline Level</a:t>
+            </a:r>
+            <a:endParaRPr b="0" lang="en-US" sz="2000" spc="-1" strike="noStrike">
+              <a:latin typeface="Arial"/>
+            </a:endParaRPr>
+          </a:p>
+          <a:p>
+            <a:pPr lvl="6" marL="3024000" indent="-216000">
+              <a:spcBef>
+                <a:spcPts val="283"/>
+              </a:spcBef>
+              <a:buClr>
+                <a:srgbClr val="000000"/>
+              </a:buClr>
+              <a:buSzPct val="45000"/>
+              <a:buFont typeface="Wingdings" charset="2"/>
+              <a:buChar char=""/>
+            </a:pPr>
+            <a:r>
+              <a:rPr b="0" lang="en-US" sz="2000" spc="-1" strike="noStrike">
+                <a:latin typeface="Arial"/>
+              </a:rPr>
+              <a:t>Seventh Outline Level</a:t>
+            </a:r>
+            <a:endParaRPr b="0" lang="en-US" sz="2000" spc="-1" strike="noStrike">
+              <a:latin typeface="Arial"/>
             </a:endParaRPr>
           </a:p>
         </p:txBody>
@@ -3767,14 +3289,14 @@
       </p:grpSpPr>
       <p:sp>
         <p:nvSpPr>
-          <p:cNvPr id="82" name="CustomShape 1"/>
+          <p:cNvPr id="76" name="CustomShape 1"/>
           <p:cNvSpPr/>
           <p:nvPr/>
         </p:nvSpPr>
         <p:spPr>
           <a:xfrm>
             <a:off x="4680" y="1617480"/>
-            <a:ext cx="8997480" cy="1469160"/>
+            <a:ext cx="8997120" cy="1468800"/>
           </a:xfrm>
           <a:prstGeom prst="rect">
             <a:avLst/>
@@ -3806,6 +3328,7 @@
                   <a:srgbClr val="17375e"/>
                 </a:solidFill>
                 <a:latin typeface="Calibri"/>
+                <a:ea typeface="DejaVu Sans"/>
               </a:rPr>
               <a:t>Predict Age, Gender and Ethnicity</a:t>
             </a:r>
@@ -3817,14 +3340,14 @@
       </p:sp>
       <p:sp>
         <p:nvSpPr>
-          <p:cNvPr id="83" name="CustomShape 2"/>
+          <p:cNvPr id="77" name="CustomShape 2"/>
           <p:cNvSpPr/>
           <p:nvPr/>
         </p:nvSpPr>
         <p:spPr>
           <a:xfrm>
             <a:off x="899280" y="3087000"/>
-            <a:ext cx="7336080" cy="1143360"/>
+            <a:ext cx="7335720" cy="1143000"/>
           </a:xfrm>
           <a:prstGeom prst="rect">
             <a:avLst/>
@@ -3859,6 +3382,7 @@
                   <a:srgbClr val="17375e"/>
                 </a:solidFill>
                 <a:latin typeface="Calibri"/>
+                <a:ea typeface="DejaVu Sans"/>
               </a:rPr>
               <a:t>Debsankar Mukhopadhyay </a:t>
             </a:r>
@@ -3881,6 +3405,7 @@
                   <a:srgbClr val="17375e"/>
                 </a:solidFill>
                 <a:latin typeface="Calibri"/>
+                <a:ea typeface="DejaVu Sans"/>
               </a:rPr>
               <a:t>Vasim Shaikh</a:t>
             </a:r>
@@ -3903,6 +3428,7 @@
                   <a:srgbClr val="17375e"/>
                 </a:solidFill>
                 <a:latin typeface="Calibri"/>
+                <a:ea typeface="DejaVu Sans"/>
               </a:rPr>
               <a:t>William Yerkes</a:t>
             </a:r>
@@ -3925,6 +3451,7 @@
                   <a:srgbClr val="17375e"/>
                 </a:solidFill>
                 <a:latin typeface="Calibri"/>
+                <a:ea typeface="DejaVu Sans"/>
               </a:rPr>
               <a:t>Prabhanjan Trivedi </a:t>
             </a:r>
@@ -3949,14 +3476,14 @@
       </p:sp>
       <p:sp>
         <p:nvSpPr>
-          <p:cNvPr id="84" name="CustomShape 3"/>
+          <p:cNvPr id="78" name="CustomShape 3"/>
           <p:cNvSpPr/>
           <p:nvPr/>
         </p:nvSpPr>
         <p:spPr>
           <a:xfrm>
             <a:off x="137160" y="4822920"/>
-            <a:ext cx="8732160" cy="1143360"/>
+            <a:ext cx="8731800" cy="1143000"/>
           </a:xfrm>
           <a:prstGeom prst="rect">
             <a:avLst/>
@@ -3991,6 +3518,7 @@
                   <a:srgbClr val="17375e"/>
                 </a:solidFill>
                 <a:latin typeface="Calibri"/>
+                <a:ea typeface="DejaVu Sans"/>
               </a:rPr>
               <a:t>CS5542 – Big Data Analytics and Application - Project Presentation</a:t>
             </a:r>
@@ -4068,14 +3596,14 @@
       </p:grpSpPr>
       <p:sp>
         <p:nvSpPr>
-          <p:cNvPr id="108" name="CustomShape 1"/>
+          <p:cNvPr id="101" name="CustomShape 1"/>
           <p:cNvSpPr/>
           <p:nvPr/>
         </p:nvSpPr>
         <p:spPr>
           <a:xfrm>
             <a:off x="457200" y="186840"/>
-            <a:ext cx="8228880" cy="1142280"/>
+            <a:ext cx="8228520" cy="1141920"/>
           </a:xfrm>
           <a:prstGeom prst="rect">
             <a:avLst/>
@@ -4107,8 +3635,9 @@
                   <a:srgbClr val="17375e"/>
                 </a:solidFill>
                 <a:latin typeface="Calibri"/>
-              </a:rPr>
-              <a:t>Results</a:t>
+                <a:ea typeface="DejaVu Sans"/>
+              </a:rPr>
+              <a:t>Data Distribution</a:t>
             </a:r>
             <a:endParaRPr b="0" lang="en-US" sz="4400" spc="-1" strike="noStrike">
               <a:latin typeface="Arial"/>
@@ -4118,14 +3647,14 @@
       </p:sp>
       <p:sp>
         <p:nvSpPr>
-          <p:cNvPr id="109" name="CustomShape 2"/>
+          <p:cNvPr id="102" name="CustomShape 2"/>
           <p:cNvSpPr/>
           <p:nvPr/>
         </p:nvSpPr>
         <p:spPr>
           <a:xfrm>
             <a:off x="621720" y="4210920"/>
-            <a:ext cx="3777840" cy="1265760"/>
+            <a:ext cx="3777480" cy="1265400"/>
           </a:xfrm>
           <a:prstGeom prst="rect">
             <a:avLst/>
@@ -4142,367 +3671,29 @@
           <a:fontRef idx="minor"/>
         </p:style>
       </p:sp>
-      <p:sp>
-        <p:nvSpPr>
-          <p:cNvPr id="110" name="CustomShape 3"/>
-          <p:cNvSpPr/>
+      <p:pic>
+        <p:nvPicPr>
+          <p:cNvPr id="103" name="" descr=""/>
+          <p:cNvPicPr/>
           <p:nvPr/>
-        </p:nvSpPr>
-        <p:spPr>
-          <a:xfrm>
-            <a:off x="678240" y="1600200"/>
-            <a:ext cx="3721320" cy="1461960"/>
-          </a:xfrm>
-          <a:prstGeom prst="rect">
-            <a:avLst/>
-          </a:prstGeom>
-          <a:noFill/>
+        </p:nvPicPr>
+        <p:blipFill>
+          <a:blip r:embed="rId2"/>
+          <a:stretch/>
+        </p:blipFill>
+        <p:spPr>
+          <a:xfrm>
+            <a:off x="365760" y="1737360"/>
+            <a:ext cx="8412120" cy="3931560"/>
+          </a:xfrm>
+          <a:prstGeom prst="rect">
+            <a:avLst/>
+          </a:prstGeom>
           <a:ln>
             <a:noFill/>
           </a:ln>
         </p:spPr>
-        <p:style>
-          <a:lnRef idx="0"/>
-          <a:fillRef idx="0"/>
-          <a:effectRef idx="0"/>
-          <a:fontRef idx="minor"/>
-        </p:style>
-      </p:sp>
-      <p:sp>
-        <p:nvSpPr>
-          <p:cNvPr id="111" name="CustomShape 4"/>
-          <p:cNvSpPr/>
-          <p:nvPr/>
-        </p:nvSpPr>
-        <p:spPr>
-          <a:xfrm>
-            <a:off x="678240" y="1600200"/>
-            <a:ext cx="3710880" cy="2832840"/>
-          </a:xfrm>
-          <a:prstGeom prst="rect">
-            <a:avLst/>
-          </a:prstGeom>
-          <a:noFill/>
-          <a:ln>
-            <a:noFill/>
-          </a:ln>
-        </p:spPr>
-        <p:style>
-          <a:lnRef idx="0"/>
-          <a:fillRef idx="0"/>
-          <a:effectRef idx="0"/>
-          <a:fontRef idx="minor"/>
-        </p:style>
-        <p:txBody>
-          <a:bodyPr lIns="90000" rIns="90000" tIns="45000" bIns="45000">
-            <a:spAutoFit/>
-          </a:bodyPr>
-          <a:p>
-            <a:pPr marL="285840" indent="-285480">
-              <a:lnSpc>
-                <a:spcPct val="100000"/>
-              </a:lnSpc>
-              <a:buClr>
-                <a:srgbClr val="17375e"/>
-              </a:buClr>
-              <a:buFont typeface="Arial"/>
-              <a:buChar char="•"/>
-            </a:pPr>
-            <a:r>
-              <a:rPr b="0" lang="en-US" sz="1800" spc="-1" strike="noStrike">
-                <a:solidFill>
-                  <a:srgbClr val="17375e"/>
-                </a:solidFill>
-                <a:latin typeface="Calibri"/>
-              </a:rPr>
-              <a:t>Model Prediction Accuracy:</a:t>
-            </a:r>
-            <a:endParaRPr b="0" lang="en-US" sz="1800" spc="-1" strike="noStrike">
-              <a:latin typeface="Arial"/>
-            </a:endParaRPr>
-          </a:p>
-          <a:p>
-            <a:pPr lvl="1" marL="432000" indent="-216000">
-              <a:lnSpc>
-                <a:spcPct val="100000"/>
-              </a:lnSpc>
-              <a:buClr>
-                <a:srgbClr val="000000"/>
-              </a:buClr>
-              <a:buSzPct val="45000"/>
-              <a:buFont typeface="Wingdings" charset="2"/>
-              <a:buChar char=""/>
-            </a:pPr>
-            <a:r>
-              <a:rPr b="0" lang="en-US" sz="1800" spc="-1" strike="noStrike">
-                <a:solidFill>
-                  <a:srgbClr val="17375e"/>
-                </a:solidFill>
-                <a:latin typeface="Calibri"/>
-              </a:rPr>
-              <a:t>Race Accuracy of 76%</a:t>
-            </a:r>
-            <a:endParaRPr b="0" lang="en-US" sz="1800" spc="-1" strike="noStrike">
-              <a:latin typeface="Arial"/>
-            </a:endParaRPr>
-          </a:p>
-          <a:p>
-            <a:pPr lvl="2" marL="648000" indent="-216000">
-              <a:lnSpc>
-                <a:spcPct val="100000"/>
-              </a:lnSpc>
-              <a:buClr>
-                <a:srgbClr val="000000"/>
-              </a:buClr>
-              <a:buSzPct val="45000"/>
-              <a:buFont typeface="Wingdings" charset="2"/>
-              <a:buChar char=""/>
-            </a:pPr>
-            <a:r>
-              <a:rPr b="0" lang="en-US" sz="1800" spc="-1" strike="noStrike">
-                <a:solidFill>
-                  <a:srgbClr val="17375e"/>
-                </a:solidFill>
-                <a:latin typeface="Calibri"/>
-              </a:rPr>
-              <a:t>Category 0 ……………..82%</a:t>
-            </a:r>
-            <a:endParaRPr b="0" lang="en-US" sz="1800" spc="-1" strike="noStrike">
-              <a:latin typeface="Arial"/>
-            </a:endParaRPr>
-          </a:p>
-          <a:p>
-            <a:pPr lvl="2" marL="648000" indent="-216000">
-              <a:lnSpc>
-                <a:spcPct val="100000"/>
-              </a:lnSpc>
-              <a:buClr>
-                <a:srgbClr val="000000"/>
-              </a:buClr>
-              <a:buSzPct val="45000"/>
-              <a:buFont typeface="Wingdings" charset="2"/>
-              <a:buChar char=""/>
-            </a:pPr>
-            <a:r>
-              <a:rPr b="0" lang="en-US" sz="1800" spc="-1" strike="noStrike">
-                <a:solidFill>
-                  <a:srgbClr val="17375e"/>
-                </a:solidFill>
-                <a:latin typeface="Calibri"/>
-              </a:rPr>
-              <a:t>Category 1 ……………..81%</a:t>
-            </a:r>
-            <a:endParaRPr b="0" lang="en-US" sz="1800" spc="-1" strike="noStrike">
-              <a:latin typeface="Arial"/>
-            </a:endParaRPr>
-          </a:p>
-          <a:p>
-            <a:pPr lvl="2" marL="648000" indent="-216000">
-              <a:lnSpc>
-                <a:spcPct val="100000"/>
-              </a:lnSpc>
-              <a:buClr>
-                <a:srgbClr val="000000"/>
-              </a:buClr>
-              <a:buSzPct val="45000"/>
-              <a:buFont typeface="Wingdings" charset="2"/>
-              <a:buChar char=""/>
-            </a:pPr>
-            <a:r>
-              <a:rPr b="0" lang="en-US" sz="1800" spc="-1" strike="noStrike">
-                <a:solidFill>
-                  <a:srgbClr val="17375e"/>
-                </a:solidFill>
-                <a:latin typeface="Calibri"/>
-              </a:rPr>
-              <a:t>Category 2 ……………..78%</a:t>
-            </a:r>
-            <a:endParaRPr b="0" lang="en-US" sz="1800" spc="-1" strike="noStrike">
-              <a:latin typeface="Arial"/>
-            </a:endParaRPr>
-          </a:p>
-          <a:p>
-            <a:pPr lvl="2" marL="648000" indent="-216000">
-              <a:lnSpc>
-                <a:spcPct val="100000"/>
-              </a:lnSpc>
-              <a:buClr>
-                <a:srgbClr val="000000"/>
-              </a:buClr>
-              <a:buSzPct val="45000"/>
-              <a:buFont typeface="Wingdings" charset="2"/>
-              <a:buChar char=""/>
-            </a:pPr>
-            <a:r>
-              <a:rPr b="0" lang="en-US" sz="1800" spc="-1" strike="noStrike">
-                <a:solidFill>
-                  <a:srgbClr val="17375e"/>
-                </a:solidFill>
-                <a:latin typeface="Calibri"/>
-              </a:rPr>
-              <a:t>Category 3 ……………..69%</a:t>
-            </a:r>
-            <a:endParaRPr b="0" lang="en-US" sz="1800" spc="-1" strike="noStrike">
-              <a:latin typeface="Arial"/>
-            </a:endParaRPr>
-          </a:p>
-          <a:p>
-            <a:pPr lvl="2" marL="648000" indent="-216000">
-              <a:lnSpc>
-                <a:spcPct val="100000"/>
-              </a:lnSpc>
-              <a:buClr>
-                <a:srgbClr val="000000"/>
-              </a:buClr>
-              <a:buSzPct val="45000"/>
-              <a:buFont typeface="Wingdings" charset="2"/>
-              <a:buChar char=""/>
-            </a:pPr>
-            <a:r>
-              <a:rPr b="0" lang="en-US" sz="1800" spc="-1" strike="noStrike">
-                <a:solidFill>
-                  <a:srgbClr val="17375e"/>
-                </a:solidFill>
-                <a:latin typeface="Calibri"/>
-              </a:rPr>
-              <a:t>Category 4 ……………..11%</a:t>
-            </a:r>
-            <a:endParaRPr b="0" lang="en-US" sz="1800" spc="-1" strike="noStrike">
-              <a:latin typeface="Arial"/>
-            </a:endParaRPr>
-          </a:p>
-          <a:p>
-            <a:pPr lvl="1" marL="432000" indent="-216000">
-              <a:lnSpc>
-                <a:spcPct val="100000"/>
-              </a:lnSpc>
-              <a:buClr>
-                <a:srgbClr val="000000"/>
-              </a:buClr>
-              <a:buSzPct val="45000"/>
-              <a:buFont typeface="Wingdings" charset="2"/>
-              <a:buChar char=""/>
-            </a:pPr>
-            <a:r>
-              <a:rPr b="0" lang="en-US" sz="1800" spc="-1" strike="noStrike">
-                <a:solidFill>
-                  <a:srgbClr val="17375e"/>
-                </a:solidFill>
-                <a:latin typeface="Calibri"/>
-              </a:rPr>
-              <a:t>Gender Accuracy of 89%</a:t>
-            </a:r>
-            <a:endParaRPr b="0" lang="en-US" sz="1800" spc="-1" strike="noStrike">
-              <a:latin typeface="Arial"/>
-            </a:endParaRPr>
-          </a:p>
-          <a:p>
-            <a:pPr lvl="2" marL="648000" indent="-216000">
-              <a:lnSpc>
-                <a:spcPct val="100000"/>
-              </a:lnSpc>
-              <a:buClr>
-                <a:srgbClr val="000000"/>
-              </a:buClr>
-              <a:buSzPct val="45000"/>
-              <a:buFont typeface="Wingdings" charset="2"/>
-              <a:buChar char=""/>
-            </a:pPr>
-            <a:r>
-              <a:rPr b="0" lang="en-US" sz="1800" spc="-1" strike="noStrike">
-                <a:solidFill>
-                  <a:srgbClr val="17375e"/>
-                </a:solidFill>
-                <a:latin typeface="Calibri"/>
-              </a:rPr>
-              <a:t>Male ……………………...89 % </a:t>
-            </a:r>
-            <a:endParaRPr b="0" lang="en-US" sz="1800" spc="-1" strike="noStrike">
-              <a:latin typeface="Arial"/>
-            </a:endParaRPr>
-          </a:p>
-          <a:p>
-            <a:pPr lvl="2" marL="648000" indent="-216000">
-              <a:lnSpc>
-                <a:spcPct val="100000"/>
-              </a:lnSpc>
-              <a:buClr>
-                <a:srgbClr val="000000"/>
-              </a:buClr>
-              <a:buSzPct val="45000"/>
-              <a:buFont typeface="Wingdings" charset="2"/>
-              <a:buChar char=""/>
-            </a:pPr>
-            <a:r>
-              <a:rPr b="0" lang="en-US" sz="1800" spc="-1" strike="noStrike">
-                <a:solidFill>
-                  <a:srgbClr val="17375e"/>
-                </a:solidFill>
-                <a:latin typeface="Calibri"/>
-              </a:rPr>
-              <a:t>Female …………………..88 %</a:t>
-            </a:r>
-            <a:endParaRPr b="0" lang="en-US" sz="1800" spc="-1" strike="noStrike">
-              <a:latin typeface="Arial"/>
-            </a:endParaRPr>
-          </a:p>
-        </p:txBody>
-      </p:sp>
-      <p:sp>
-        <p:nvSpPr>
-          <p:cNvPr id="112" name="CustomShape 5"/>
-          <p:cNvSpPr/>
-          <p:nvPr/>
-        </p:nvSpPr>
-        <p:spPr>
-          <a:xfrm>
-            <a:off x="4975920" y="1645920"/>
-            <a:ext cx="3710880" cy="364680"/>
-          </a:xfrm>
-          <a:prstGeom prst="rect">
-            <a:avLst/>
-          </a:prstGeom>
-          <a:noFill/>
-          <a:ln>
-            <a:noFill/>
-          </a:ln>
-        </p:spPr>
-        <p:style>
-          <a:lnRef idx="0"/>
-          <a:fillRef idx="0"/>
-          <a:effectRef idx="0"/>
-          <a:fontRef idx="minor"/>
-        </p:style>
-        <p:txBody>
-          <a:bodyPr lIns="90000" rIns="90000" tIns="45000" bIns="45000">
-            <a:spAutoFit/>
-          </a:bodyPr>
-          <a:p>
-            <a:pPr marL="285840" indent="-285480">
-              <a:lnSpc>
-                <a:spcPct val="100000"/>
-              </a:lnSpc>
-              <a:buClr>
-                <a:srgbClr val="17375e"/>
-              </a:buClr>
-              <a:buFont typeface="Arial"/>
-              <a:buChar char="•"/>
-            </a:pPr>
-            <a:r>
-              <a:rPr b="0" lang="en-US" sz="1800" spc="-1" strike="noStrike">
-                <a:solidFill>
-                  <a:srgbClr val="17375e"/>
-                </a:solidFill>
-                <a:latin typeface="Calibri"/>
-              </a:rPr>
-              <a:t>Stats for Age Model</a:t>
-            </a:r>
-            <a:endParaRPr b="0" lang="en-US" sz="1800" spc="-1" strike="noStrike">
-              <a:latin typeface="Arial"/>
-            </a:endParaRPr>
-          </a:p>
-        </p:txBody>
-      </p:sp>
+      </p:pic>
     </p:spTree>
   </p:cSld>
   <mc:AlternateContent>
@@ -4545,14 +3736,14 @@
       </p:grpSpPr>
       <p:sp>
         <p:nvSpPr>
-          <p:cNvPr id="113" name="CustomShape 1"/>
+          <p:cNvPr id="104" name="CustomShape 1"/>
           <p:cNvSpPr/>
           <p:nvPr/>
         </p:nvSpPr>
         <p:spPr>
           <a:xfrm>
             <a:off x="457200" y="186840"/>
-            <a:ext cx="8228880" cy="1142280"/>
+            <a:ext cx="8228520" cy="1141920"/>
           </a:xfrm>
           <a:prstGeom prst="rect">
             <a:avLst/>
@@ -4584,6 +3775,7 @@
                   <a:srgbClr val="17375e"/>
                 </a:solidFill>
                 <a:latin typeface="Calibri"/>
+                <a:ea typeface="DejaVu Sans"/>
               </a:rPr>
               <a:t>Results</a:t>
             </a:r>
@@ -4595,14 +3787,14 @@
       </p:sp>
       <p:sp>
         <p:nvSpPr>
-          <p:cNvPr id="114" name="CustomShape 2"/>
+          <p:cNvPr id="105" name="CustomShape 2"/>
           <p:cNvSpPr/>
           <p:nvPr/>
         </p:nvSpPr>
         <p:spPr>
           <a:xfrm>
-            <a:off x="678240" y="1600200"/>
-            <a:ext cx="3721320" cy="1461960"/>
+            <a:off x="621720" y="4210920"/>
+            <a:ext cx="3777480" cy="1265400"/>
           </a:xfrm>
           <a:prstGeom prst="rect">
             <a:avLst/>
@@ -4619,75 +3811,361 @@
           <a:fontRef idx="minor"/>
         </p:style>
       </p:sp>
-      <p:pic>
-        <p:nvPicPr>
-          <p:cNvPr id="115" name="" descr=""/>
-          <p:cNvPicPr/>
+      <p:sp>
+        <p:nvSpPr>
+          <p:cNvPr id="106" name="CustomShape 3"/>
+          <p:cNvSpPr/>
           <p:nvPr/>
-        </p:nvPicPr>
-        <p:blipFill>
-          <a:blip r:embed="rId2"/>
-          <a:stretch/>
-        </p:blipFill>
-        <p:spPr>
-          <a:xfrm>
-            <a:off x="365760" y="1097280"/>
-            <a:ext cx="4114800" cy="2468880"/>
-          </a:xfrm>
-          <a:prstGeom prst="rect">
-            <a:avLst/>
-          </a:prstGeom>
+        </p:nvSpPr>
+        <p:spPr>
+          <a:xfrm>
+            <a:off x="678240" y="1600200"/>
+            <a:ext cx="5265360" cy="3794760"/>
+          </a:xfrm>
+          <a:prstGeom prst="rect">
+            <a:avLst/>
+          </a:prstGeom>
+          <a:noFill/>
           <a:ln>
             <a:noFill/>
           </a:ln>
         </p:spPr>
-      </p:pic>
-      <p:pic>
-        <p:nvPicPr>
-          <p:cNvPr id="116" name="" descr=""/>
-          <p:cNvPicPr/>
+        <p:style>
+          <a:lnRef idx="0"/>
+          <a:fillRef idx="0"/>
+          <a:effectRef idx="0"/>
+          <a:fontRef idx="minor"/>
+        </p:style>
+      </p:sp>
+      <p:sp>
+        <p:nvSpPr>
+          <p:cNvPr id="107" name="CustomShape 4"/>
+          <p:cNvSpPr/>
           <p:nvPr/>
-        </p:nvPicPr>
-        <p:blipFill>
-          <a:blip r:embed="rId3"/>
-          <a:stretch/>
-        </p:blipFill>
-        <p:spPr>
-          <a:xfrm>
-            <a:off x="4480560" y="1097280"/>
-            <a:ext cx="4352400" cy="2468880"/>
-          </a:xfrm>
-          <a:prstGeom prst="rect">
-            <a:avLst/>
-          </a:prstGeom>
+        </p:nvSpPr>
+        <p:spPr>
+          <a:xfrm>
+            <a:off x="2468880" y="1372680"/>
+            <a:ext cx="3710520" cy="3382200"/>
+          </a:xfrm>
+          <a:prstGeom prst="rect">
+            <a:avLst/>
+          </a:prstGeom>
+          <a:noFill/>
           <a:ln>
             <a:noFill/>
           </a:ln>
         </p:spPr>
-      </p:pic>
-      <p:pic>
-        <p:nvPicPr>
-          <p:cNvPr id="117" name="" descr=""/>
-          <p:cNvPicPr/>
-          <p:nvPr/>
-        </p:nvPicPr>
-        <p:blipFill>
-          <a:blip r:embed="rId4"/>
-          <a:stretch/>
-        </p:blipFill>
-        <p:spPr>
-          <a:xfrm>
-            <a:off x="2286000" y="3566160"/>
-            <a:ext cx="4581000" cy="2286000"/>
-          </a:xfrm>
-          <a:prstGeom prst="rect">
-            <a:avLst/>
-          </a:prstGeom>
-          <a:ln>
-            <a:noFill/>
-          </a:ln>
-        </p:spPr>
-      </p:pic>
+        <p:style>
+          <a:lnRef idx="0"/>
+          <a:fillRef idx="0"/>
+          <a:effectRef idx="0"/>
+          <a:fontRef idx="minor"/>
+        </p:style>
+        <p:txBody>
+          <a:bodyPr lIns="90000" rIns="90000" tIns="45000" bIns="45000">
+            <a:spAutoFit/>
+          </a:bodyPr>
+          <a:p>
+            <a:pPr marL="285840" indent="-285120">
+              <a:lnSpc>
+                <a:spcPct val="100000"/>
+              </a:lnSpc>
+              <a:buClr>
+                <a:srgbClr val="17375e"/>
+              </a:buClr>
+              <a:buFont typeface="Arial"/>
+              <a:buChar char="•"/>
+            </a:pPr>
+            <a:endParaRPr b="0" lang="en-US" sz="1800" spc="-1" strike="noStrike">
+              <a:latin typeface="Arial"/>
+            </a:endParaRPr>
+          </a:p>
+          <a:p>
+            <a:pPr marL="285840" indent="-285120">
+              <a:lnSpc>
+                <a:spcPct val="100000"/>
+              </a:lnSpc>
+              <a:buClr>
+                <a:srgbClr val="17375e"/>
+              </a:buClr>
+              <a:buFont typeface="Arial"/>
+              <a:buChar char="•"/>
+            </a:pPr>
+            <a:r>
+              <a:rPr b="0" lang="en-US" sz="1800" spc="-1" strike="noStrike">
+                <a:solidFill>
+                  <a:srgbClr val="17375e"/>
+                </a:solidFill>
+                <a:latin typeface="Calibri"/>
+                <a:ea typeface="DejaVu Sans"/>
+              </a:rPr>
+              <a:t>Race Accuracy of 76%</a:t>
+            </a:r>
+            <a:endParaRPr b="0" lang="en-US" sz="1800" spc="-1" strike="noStrike">
+              <a:latin typeface="Arial"/>
+            </a:endParaRPr>
+          </a:p>
+          <a:p>
+            <a:pPr lvl="1" marL="432000" indent="-215640">
+              <a:lnSpc>
+                <a:spcPct val="100000"/>
+              </a:lnSpc>
+              <a:buClr>
+                <a:srgbClr val="000000"/>
+              </a:buClr>
+              <a:buSzPct val="45000"/>
+              <a:buFont typeface="Wingdings" charset="2"/>
+              <a:buChar char=""/>
+            </a:pPr>
+            <a:r>
+              <a:rPr b="0" lang="en-US" sz="1800" spc="-1" strike="noStrike">
+                <a:solidFill>
+                  <a:srgbClr val="17375e"/>
+                </a:solidFill>
+                <a:latin typeface="Calibri"/>
+                <a:ea typeface="DejaVu Sans"/>
+              </a:rPr>
+              <a:t>Category 0 ………………………..82%</a:t>
+            </a:r>
+            <a:endParaRPr b="0" lang="en-US" sz="1800" spc="-1" strike="noStrike">
+              <a:latin typeface="Arial"/>
+            </a:endParaRPr>
+          </a:p>
+          <a:p>
+            <a:pPr lvl="1" marL="432000" indent="-215640">
+              <a:lnSpc>
+                <a:spcPct val="100000"/>
+              </a:lnSpc>
+              <a:buClr>
+                <a:srgbClr val="000000"/>
+              </a:buClr>
+              <a:buSzPct val="45000"/>
+              <a:buFont typeface="Wingdings" charset="2"/>
+              <a:buChar char=""/>
+            </a:pPr>
+            <a:r>
+              <a:rPr b="0" lang="en-US" sz="1800" spc="-1" strike="noStrike">
+                <a:solidFill>
+                  <a:srgbClr val="17375e"/>
+                </a:solidFill>
+                <a:latin typeface="Calibri"/>
+                <a:ea typeface="DejaVu Sans"/>
+              </a:rPr>
+              <a:t>Category 1 …………………….....81%</a:t>
+            </a:r>
+            <a:endParaRPr b="0" lang="en-US" sz="1800" spc="-1" strike="noStrike">
+              <a:latin typeface="Arial"/>
+            </a:endParaRPr>
+          </a:p>
+          <a:p>
+            <a:pPr lvl="1" marL="432000" indent="-215640">
+              <a:lnSpc>
+                <a:spcPct val="100000"/>
+              </a:lnSpc>
+              <a:buClr>
+                <a:srgbClr val="000000"/>
+              </a:buClr>
+              <a:buSzPct val="45000"/>
+              <a:buFont typeface="Wingdings" charset="2"/>
+              <a:buChar char=""/>
+            </a:pPr>
+            <a:r>
+              <a:rPr b="0" lang="en-US" sz="1800" spc="-1" strike="noStrike">
+                <a:solidFill>
+                  <a:srgbClr val="17375e"/>
+                </a:solidFill>
+                <a:latin typeface="Calibri"/>
+                <a:ea typeface="DejaVu Sans"/>
+              </a:rPr>
+              <a:t>Category 2 …………………….....78%</a:t>
+            </a:r>
+            <a:endParaRPr b="0" lang="en-US" sz="1800" spc="-1" strike="noStrike">
+              <a:latin typeface="Arial"/>
+            </a:endParaRPr>
+          </a:p>
+          <a:p>
+            <a:pPr lvl="1" marL="432000" indent="-215640">
+              <a:lnSpc>
+                <a:spcPct val="100000"/>
+              </a:lnSpc>
+              <a:buClr>
+                <a:srgbClr val="000000"/>
+              </a:buClr>
+              <a:buSzPct val="45000"/>
+              <a:buFont typeface="Wingdings" charset="2"/>
+              <a:buChar char=""/>
+            </a:pPr>
+            <a:r>
+              <a:rPr b="0" lang="en-US" sz="1800" spc="-1" strike="noStrike">
+                <a:solidFill>
+                  <a:srgbClr val="17375e"/>
+                </a:solidFill>
+                <a:latin typeface="Calibri"/>
+                <a:ea typeface="DejaVu Sans"/>
+              </a:rPr>
+              <a:t>Category 3 ………………………..69%</a:t>
+            </a:r>
+            <a:endParaRPr b="0" lang="en-US" sz="1800" spc="-1" strike="noStrike">
+              <a:latin typeface="Arial"/>
+            </a:endParaRPr>
+          </a:p>
+          <a:p>
+            <a:pPr lvl="1" marL="432000" indent="-215640">
+              <a:lnSpc>
+                <a:spcPct val="100000"/>
+              </a:lnSpc>
+              <a:buClr>
+                <a:srgbClr val="000000"/>
+              </a:buClr>
+              <a:buSzPct val="45000"/>
+              <a:buFont typeface="Wingdings" charset="2"/>
+              <a:buChar char=""/>
+            </a:pPr>
+            <a:r>
+              <a:rPr b="0" lang="en-US" sz="1800" spc="-1" strike="noStrike">
+                <a:solidFill>
+                  <a:srgbClr val="17375e"/>
+                </a:solidFill>
+                <a:latin typeface="Calibri"/>
+                <a:ea typeface="DejaVu Sans"/>
+              </a:rPr>
+              <a:t>Category 4 …………………….....11%</a:t>
+            </a:r>
+            <a:endParaRPr b="0" lang="en-US" sz="1800" spc="-1" strike="noStrike">
+              <a:latin typeface="Arial"/>
+            </a:endParaRPr>
+          </a:p>
+          <a:p>
+            <a:pPr marL="285840" indent="-285120">
+              <a:lnSpc>
+                <a:spcPct val="100000"/>
+              </a:lnSpc>
+              <a:buClr>
+                <a:srgbClr val="17375e"/>
+              </a:buClr>
+              <a:buFont typeface="Arial"/>
+              <a:buChar char="•"/>
+            </a:pPr>
+            <a:r>
+              <a:rPr b="0" lang="en-US" sz="1800" spc="-1" strike="noStrike">
+                <a:solidFill>
+                  <a:srgbClr val="17375e"/>
+                </a:solidFill>
+                <a:latin typeface="Calibri"/>
+                <a:ea typeface="DejaVu Sans"/>
+              </a:rPr>
+              <a:t>Gender Accuracy of 89%</a:t>
+            </a:r>
+            <a:endParaRPr b="0" lang="en-US" sz="1800" spc="-1" strike="noStrike">
+              <a:latin typeface="Arial"/>
+            </a:endParaRPr>
+          </a:p>
+          <a:p>
+            <a:pPr lvl="1" marL="432000" indent="-215640">
+              <a:lnSpc>
+                <a:spcPct val="100000"/>
+              </a:lnSpc>
+              <a:buClr>
+                <a:srgbClr val="000000"/>
+              </a:buClr>
+              <a:buSzPct val="45000"/>
+              <a:buFont typeface="Wingdings" charset="2"/>
+              <a:buChar char=""/>
+            </a:pPr>
+            <a:r>
+              <a:rPr b="0" lang="en-US" sz="1800" spc="-1" strike="noStrike">
+                <a:solidFill>
+                  <a:srgbClr val="17375e"/>
+                </a:solidFill>
+                <a:latin typeface="Calibri"/>
+                <a:ea typeface="DejaVu Sans"/>
+              </a:rPr>
+              <a:t>Male ………………………………...89 % </a:t>
+            </a:r>
+            <a:endParaRPr b="0" lang="en-US" sz="1800" spc="-1" strike="noStrike">
+              <a:latin typeface="Arial"/>
+            </a:endParaRPr>
+          </a:p>
+          <a:p>
+            <a:pPr lvl="1" marL="432000" indent="-215640">
+              <a:lnSpc>
+                <a:spcPct val="100000"/>
+              </a:lnSpc>
+              <a:buClr>
+                <a:srgbClr val="000000"/>
+              </a:buClr>
+              <a:buSzPct val="45000"/>
+              <a:buFont typeface="Wingdings" charset="2"/>
+              <a:buChar char=""/>
+            </a:pPr>
+            <a:r>
+              <a:rPr b="0" lang="en-US" sz="1800" spc="-1" strike="noStrike">
+                <a:solidFill>
+                  <a:srgbClr val="17375e"/>
+                </a:solidFill>
+                <a:latin typeface="Calibri"/>
+                <a:ea typeface="DejaVu Sans"/>
+              </a:rPr>
+              <a:t>Female ……………………...……..88 %</a:t>
+            </a:r>
+            <a:endParaRPr b="0" lang="en-US" sz="1800" spc="-1" strike="noStrike">
+              <a:latin typeface="Arial"/>
+            </a:endParaRPr>
+          </a:p>
+          <a:p>
+            <a:pPr marL="285840" indent="-285120">
+              <a:lnSpc>
+                <a:spcPct val="100000"/>
+              </a:lnSpc>
+              <a:buClr>
+                <a:srgbClr val="17375e"/>
+              </a:buClr>
+              <a:buFont typeface="Arial"/>
+              <a:buChar char="•"/>
+            </a:pPr>
+            <a:r>
+              <a:rPr b="0" lang="en-US" sz="1800" spc="-1" strike="noStrike">
+                <a:solidFill>
+                  <a:srgbClr val="17375e"/>
+                </a:solidFill>
+                <a:latin typeface="Calibri"/>
+                <a:ea typeface="DejaVu Sans"/>
+              </a:rPr>
+              <a:t>Age Accuracy of 75%</a:t>
+            </a:r>
+            <a:endParaRPr b="0" lang="en-US" sz="1800" spc="-1" strike="noStrike">
+              <a:latin typeface="Arial"/>
+            </a:endParaRPr>
+          </a:p>
+          <a:p>
+            <a:pPr lvl="1" marL="432000" indent="-215640">
+              <a:lnSpc>
+                <a:spcPct val="100000"/>
+              </a:lnSpc>
+              <a:buClr>
+                <a:srgbClr val="000000"/>
+              </a:buClr>
+              <a:buSzPct val="45000"/>
+              <a:buFont typeface="Wingdings" charset="2"/>
+              <a:buChar char=""/>
+            </a:pPr>
+            <a:r>
+              <a:rPr b="0" lang="en-US" sz="1800" spc="-1" strike="noStrike">
+                <a:solidFill>
+                  <a:srgbClr val="17375e"/>
+                </a:solidFill>
+                <a:latin typeface="Calibri"/>
+                <a:ea typeface="DejaVu Sans"/>
+              </a:rPr>
+              <a:t>Mean Absolute Error ………..7.3</a:t>
+            </a:r>
+            <a:endParaRPr b="0" lang="en-US" sz="1800" spc="-1" strike="noStrike">
+              <a:latin typeface="Arial"/>
+            </a:endParaRPr>
+          </a:p>
+        </p:txBody>
+      </p:sp>
     </p:spTree>
   </p:cSld>
   <mc:AlternateContent>
@@ -4730,14 +4208,14 @@
       </p:grpSpPr>
       <p:sp>
         <p:nvSpPr>
-          <p:cNvPr id="118" name="CustomShape 1"/>
+          <p:cNvPr id="108" name="CustomShape 1"/>
           <p:cNvSpPr/>
           <p:nvPr/>
         </p:nvSpPr>
         <p:spPr>
           <a:xfrm>
             <a:off x="457200" y="186840"/>
-            <a:ext cx="8228880" cy="1142280"/>
+            <a:ext cx="8228520" cy="1141920"/>
           </a:xfrm>
           <a:prstGeom prst="rect">
             <a:avLst/>
@@ -4769,8 +4247,9 @@
                   <a:srgbClr val="17375e"/>
                 </a:solidFill>
                 <a:latin typeface="Calibri"/>
-              </a:rPr>
-              <a:t>Discussions</a:t>
+                <a:ea typeface="DejaVu Sans"/>
+              </a:rPr>
+              <a:t>Results</a:t>
             </a:r>
             <a:endParaRPr b="0" lang="en-US" sz="4400" spc="-1" strike="noStrike">
               <a:latin typeface="Arial"/>
@@ -4780,14 +4259,14 @@
       </p:sp>
       <p:sp>
         <p:nvSpPr>
-          <p:cNvPr id="119" name="CustomShape 2"/>
+          <p:cNvPr id="109" name="CustomShape 2"/>
           <p:cNvSpPr/>
           <p:nvPr/>
         </p:nvSpPr>
         <p:spPr>
           <a:xfrm>
-            <a:off x="621720" y="4210920"/>
-            <a:ext cx="3777840" cy="1265760"/>
+            <a:off x="678240" y="1600200"/>
+            <a:ext cx="3720960" cy="1461600"/>
           </a:xfrm>
           <a:prstGeom prst="rect">
             <a:avLst/>
@@ -4804,32 +4283,75 @@
           <a:fontRef idx="minor"/>
         </p:style>
       </p:sp>
-      <p:sp>
-        <p:nvSpPr>
-          <p:cNvPr id="120" name="CustomShape 3"/>
-          <p:cNvSpPr/>
+      <p:pic>
+        <p:nvPicPr>
+          <p:cNvPr id="110" name="" descr=""/>
+          <p:cNvPicPr/>
           <p:nvPr/>
-        </p:nvSpPr>
-        <p:spPr>
-          <a:xfrm>
-            <a:off x="678240" y="1600200"/>
-            <a:ext cx="3721320" cy="1461960"/>
-          </a:xfrm>
-          <a:prstGeom prst="rect">
-            <a:avLst/>
-          </a:prstGeom>
-          <a:noFill/>
+        </p:nvPicPr>
+        <p:blipFill>
+          <a:blip r:embed="rId2"/>
+          <a:stretch/>
+        </p:blipFill>
+        <p:spPr>
+          <a:xfrm>
+            <a:off x="365760" y="1097280"/>
+            <a:ext cx="4114440" cy="2468520"/>
+          </a:xfrm>
+          <a:prstGeom prst="rect">
+            <a:avLst/>
+          </a:prstGeom>
           <a:ln>
             <a:noFill/>
           </a:ln>
         </p:spPr>
-        <p:style>
-          <a:lnRef idx="0"/>
-          <a:fillRef idx="0"/>
-          <a:effectRef idx="0"/>
-          <a:fontRef idx="minor"/>
-        </p:style>
-      </p:sp>
+      </p:pic>
+      <p:pic>
+        <p:nvPicPr>
+          <p:cNvPr id="111" name="" descr=""/>
+          <p:cNvPicPr/>
+          <p:nvPr/>
+        </p:nvPicPr>
+        <p:blipFill>
+          <a:blip r:embed="rId3"/>
+          <a:stretch/>
+        </p:blipFill>
+        <p:spPr>
+          <a:xfrm>
+            <a:off x="4480560" y="1097280"/>
+            <a:ext cx="4352040" cy="2468520"/>
+          </a:xfrm>
+          <a:prstGeom prst="rect">
+            <a:avLst/>
+          </a:prstGeom>
+          <a:ln>
+            <a:noFill/>
+          </a:ln>
+        </p:spPr>
+      </p:pic>
+      <p:pic>
+        <p:nvPicPr>
+          <p:cNvPr id="112" name="" descr=""/>
+          <p:cNvPicPr/>
+          <p:nvPr/>
+        </p:nvPicPr>
+        <p:blipFill>
+          <a:blip r:embed="rId4"/>
+          <a:stretch/>
+        </p:blipFill>
+        <p:spPr>
+          <a:xfrm>
+            <a:off x="2286000" y="3566160"/>
+            <a:ext cx="4580640" cy="2285640"/>
+          </a:xfrm>
+          <a:prstGeom prst="rect">
+            <a:avLst/>
+          </a:prstGeom>
+          <a:ln>
+            <a:noFill/>
+          </a:ln>
+        </p:spPr>
+      </p:pic>
     </p:spTree>
   </p:cSld>
   <mc:AlternateContent>
@@ -4872,14 +4394,14 @@
       </p:grpSpPr>
       <p:sp>
         <p:nvSpPr>
-          <p:cNvPr id="121" name="CustomShape 1"/>
+          <p:cNvPr id="113" name="CustomShape 1"/>
           <p:cNvSpPr/>
           <p:nvPr/>
         </p:nvSpPr>
         <p:spPr>
           <a:xfrm>
             <a:off x="457200" y="186840"/>
-            <a:ext cx="8228880" cy="1142280"/>
+            <a:ext cx="8228520" cy="1141920"/>
           </a:xfrm>
           <a:prstGeom prst="rect">
             <a:avLst/>
@@ -4911,8 +4433,9 @@
                   <a:srgbClr val="17375e"/>
                 </a:solidFill>
                 <a:latin typeface="Calibri"/>
-              </a:rPr>
-              <a:t>Conclusions</a:t>
+                <a:ea typeface="DejaVu Sans"/>
+              </a:rPr>
+              <a:t>Discussions</a:t>
             </a:r>
             <a:endParaRPr b="0" lang="en-US" sz="4400" spc="-1" strike="noStrike">
               <a:latin typeface="Arial"/>
@@ -4922,14 +4445,14 @@
       </p:sp>
       <p:sp>
         <p:nvSpPr>
-          <p:cNvPr id="122" name="CustomShape 2"/>
+          <p:cNvPr id="114" name="CustomShape 2"/>
           <p:cNvSpPr/>
           <p:nvPr/>
         </p:nvSpPr>
         <p:spPr>
           <a:xfrm>
             <a:off x="621720" y="4210920"/>
-            <a:ext cx="3777840" cy="1265760"/>
+            <a:ext cx="3777480" cy="1265400"/>
           </a:xfrm>
           <a:prstGeom prst="rect">
             <a:avLst/>
@@ -4948,14 +4471,14 @@
       </p:sp>
       <p:sp>
         <p:nvSpPr>
-          <p:cNvPr id="123" name="CustomShape 3"/>
+          <p:cNvPr id="115" name="CustomShape 3"/>
           <p:cNvSpPr/>
           <p:nvPr/>
         </p:nvSpPr>
         <p:spPr>
           <a:xfrm>
             <a:off x="678240" y="1600200"/>
-            <a:ext cx="3721320" cy="1461960"/>
+            <a:ext cx="3720960" cy="1461600"/>
           </a:xfrm>
           <a:prstGeom prst="rect">
             <a:avLst/>
@@ -5014,14 +4537,14 @@
       </p:grpSpPr>
       <p:sp>
         <p:nvSpPr>
-          <p:cNvPr id="124" name="CustomShape 1"/>
+          <p:cNvPr id="116" name="CustomShape 1"/>
           <p:cNvSpPr/>
           <p:nvPr/>
         </p:nvSpPr>
         <p:spPr>
           <a:xfrm>
             <a:off x="457200" y="186840"/>
-            <a:ext cx="8228880" cy="1142280"/>
+            <a:ext cx="8228520" cy="1141920"/>
           </a:xfrm>
           <a:prstGeom prst="rect">
             <a:avLst/>
@@ -5053,8 +4576,9 @@
                   <a:srgbClr val="17375e"/>
                 </a:solidFill>
                 <a:latin typeface="Calibri"/>
-              </a:rPr>
-              <a:t>Future Outlook</a:t>
+                <a:ea typeface="DejaVu Sans"/>
+              </a:rPr>
+              <a:t>Conclusions</a:t>
             </a:r>
             <a:endParaRPr b="0" lang="en-US" sz="4400" spc="-1" strike="noStrike">
               <a:latin typeface="Arial"/>
@@ -5064,14 +4588,14 @@
       </p:sp>
       <p:sp>
         <p:nvSpPr>
-          <p:cNvPr id="125" name="CustomShape 2"/>
+          <p:cNvPr id="117" name="CustomShape 2"/>
           <p:cNvSpPr/>
           <p:nvPr/>
         </p:nvSpPr>
         <p:spPr>
           <a:xfrm>
             <a:off x="621720" y="4210920"/>
-            <a:ext cx="3777840" cy="1265760"/>
+            <a:ext cx="3777480" cy="1265400"/>
           </a:xfrm>
           <a:prstGeom prst="rect">
             <a:avLst/>
@@ -5090,14 +4614,14 @@
       </p:sp>
       <p:sp>
         <p:nvSpPr>
-          <p:cNvPr id="126" name="CustomShape 3"/>
+          <p:cNvPr id="118" name="CustomShape 3"/>
           <p:cNvSpPr/>
           <p:nvPr/>
         </p:nvSpPr>
         <p:spPr>
           <a:xfrm>
             <a:off x="678240" y="1600200"/>
-            <a:ext cx="3721320" cy="1461960"/>
+            <a:ext cx="3720960" cy="1461600"/>
           </a:xfrm>
           <a:prstGeom prst="rect">
             <a:avLst/>
@@ -5156,14 +4680,14 @@
       </p:grpSpPr>
       <p:sp>
         <p:nvSpPr>
-          <p:cNvPr id="127" name="TextShape 1"/>
-          <p:cNvSpPr txBox="1"/>
+          <p:cNvPr id="119" name="CustomShape 1"/>
+          <p:cNvSpPr/>
           <p:nvPr/>
         </p:nvSpPr>
         <p:spPr>
           <a:xfrm>
-            <a:off x="2747880" y="1853280"/>
-            <a:ext cx="4749840" cy="2044800"/>
+            <a:off x="457200" y="186840"/>
+            <a:ext cx="8228520" cy="1141920"/>
           </a:xfrm>
           <a:prstGeom prst="rect">
             <a:avLst/>
@@ -5173,33 +4697,89 @@
             <a:noFill/>
           </a:ln>
         </p:spPr>
-        <p:txBody>
-          <a:bodyPr anchor="ctr">
+        <p:style>
+          <a:lnRef idx="0"/>
+          <a:fillRef idx="0"/>
+          <a:effectRef idx="0"/>
+          <a:fontRef idx="minor"/>
+        </p:style>
+        <p:txBody>
+          <a:bodyPr lIns="90000" rIns="90000" tIns="45000" bIns="45000" anchor="ctr">
             <a:noAutofit/>
           </a:bodyPr>
           <a:p>
-            <a:pPr>
+            <a:pPr algn="ctr">
               <a:lnSpc>
                 <a:spcPct val="100000"/>
               </a:lnSpc>
             </a:pPr>
             <a:r>
-              <a:rPr b="0" lang="en-US" sz="8000" spc="-1" strike="noStrike">
+              <a:rPr b="0" lang="en-US" sz="4400" spc="-1" strike="noStrike">
                 <a:solidFill>
-                  <a:srgbClr val="1f497d"/>
+                  <a:srgbClr val="17375e"/>
                 </a:solidFill>
-                <a:latin typeface="Arial"/>
-              </a:rPr>
-              <a:t>Q &amp; A </a:t>
-            </a:r>
-            <a:endParaRPr b="0" lang="en-US" sz="8000" spc="-1" strike="noStrike">
-              <a:solidFill>
-                <a:srgbClr val="000000"/>
-              </a:solidFill>
-              <a:latin typeface="Calibri"/>
-            </a:endParaRPr>
-          </a:p>
-        </p:txBody>
+                <a:latin typeface="Calibri"/>
+                <a:ea typeface="DejaVu Sans"/>
+              </a:rPr>
+              <a:t>Future Outlook</a:t>
+            </a:r>
+            <a:endParaRPr b="0" lang="en-US" sz="4400" spc="-1" strike="noStrike">
+              <a:latin typeface="Arial"/>
+            </a:endParaRPr>
+          </a:p>
+        </p:txBody>
+      </p:sp>
+      <p:sp>
+        <p:nvSpPr>
+          <p:cNvPr id="120" name="CustomShape 2"/>
+          <p:cNvSpPr/>
+          <p:nvPr/>
+        </p:nvSpPr>
+        <p:spPr>
+          <a:xfrm>
+            <a:off x="621720" y="4210920"/>
+            <a:ext cx="3777480" cy="1265400"/>
+          </a:xfrm>
+          <a:prstGeom prst="rect">
+            <a:avLst/>
+          </a:prstGeom>
+          <a:noFill/>
+          <a:ln>
+            <a:noFill/>
+          </a:ln>
+        </p:spPr>
+        <p:style>
+          <a:lnRef idx="0"/>
+          <a:fillRef idx="0"/>
+          <a:effectRef idx="0"/>
+          <a:fontRef idx="minor"/>
+        </p:style>
+      </p:sp>
+      <p:sp>
+        <p:nvSpPr>
+          <p:cNvPr id="121" name="CustomShape 3"/>
+          <p:cNvSpPr/>
+          <p:nvPr/>
+        </p:nvSpPr>
+        <p:spPr>
+          <a:xfrm>
+            <a:off x="678240" y="1600200"/>
+            <a:ext cx="3720960" cy="1461600"/>
+          </a:xfrm>
+          <a:prstGeom prst="rect">
+            <a:avLst/>
+          </a:prstGeom>
+          <a:noFill/>
+          <a:ln>
+            <a:noFill/>
+          </a:ln>
+        </p:spPr>
+        <p:style>
+          <a:lnRef idx="0"/>
+          <a:fillRef idx="0"/>
+          <a:effectRef idx="0"/>
+          <a:fontRef idx="minor"/>
+        </p:style>
       </p:sp>
     </p:spTree>
   </p:cSld>
@@ -5243,14 +4823,14 @@
       </p:grpSpPr>
       <p:sp>
         <p:nvSpPr>
-          <p:cNvPr id="128" name="TextShape 1"/>
-          <p:cNvSpPr txBox="1"/>
+          <p:cNvPr id="122" name="CustomShape 1"/>
+          <p:cNvSpPr/>
           <p:nvPr/>
         </p:nvSpPr>
         <p:spPr>
           <a:xfrm>
-            <a:off x="2237760" y="2064960"/>
-            <a:ext cx="4749840" cy="2044800"/>
+            <a:off x="2747880" y="1853280"/>
+            <a:ext cx="4749480" cy="2044440"/>
           </a:xfrm>
           <a:prstGeom prst="rect">
             <a:avLst/>
@@ -5260,12 +4840,18 @@
             <a:noFill/>
           </a:ln>
         </p:spPr>
-        <p:txBody>
-          <a:bodyPr anchor="ctr">
+        <p:style>
+          <a:lnRef idx="0"/>
+          <a:fillRef idx="0"/>
+          <a:effectRef idx="0"/>
+          <a:fontRef idx="minor"/>
+        </p:style>
+        <p:txBody>
+          <a:bodyPr lIns="90000" rIns="90000" tIns="45000" bIns="45000" anchor="ctr">
             <a:noAutofit/>
           </a:bodyPr>
           <a:p>
-            <a:pPr algn="ctr">
+            <a:pPr>
               <a:lnSpc>
                 <a:spcPct val="100000"/>
               </a:lnSpc>
@@ -5277,9 +4863,89 @@
                 </a:solidFill>
                 <a:latin typeface="Arial"/>
               </a:rPr>
-              <a:t>THANK</a:t>
-            </a:r>
-            <a:br/>
+              <a:t>Q &amp; A </a:t>
+            </a:r>
+            <a:endParaRPr b="0" lang="en-US" sz="8000" spc="-1" strike="noStrike">
+              <a:latin typeface="Arial"/>
+            </a:endParaRPr>
+          </a:p>
+        </p:txBody>
+      </p:sp>
+    </p:spTree>
+  </p:cSld>
+  <mc:AlternateContent>
+    <mc:Choice Requires="p14">
+      <p:transition spd="slow" p14:dur="2000"/>
+    </mc:Choice>
+    <mc:Fallback>
+      <p:transition spd="slow"/>
+    </mc:Fallback>
+  </mc:AlternateContent>
+</p:sld>
+</file>
+
+<file path=ppt/slides/slide17.xml><?xml version="1.0" encoding="utf-8"?>
+<p:sld xmlns:a="http://schemas.openxmlformats.org/drawingml/2006/main" xmlns:p="http://schemas.openxmlformats.org/presentationml/2006/main" xmlns:r="http://schemas.openxmlformats.org/officeDocument/2006/relationships" xmlns:p14="http://schemas.microsoft.com/office/powerpoint/2010/main" xmlns:p15="http://schemas.microsoft.com/office/powerpoint/2012/main" xmlns:mc="http://schemas.openxmlformats.org/markup-compatibility/2006">
+  <p:cSld>
+    <p:bg>
+      <p:bgPr>
+        <a:blipFill rotWithShape="0">
+          <a:blip r:embed="rId1"/>
+          <a:stretch>
+            <a:fillRect/>
+          </a:stretch>
+        </a:blipFill>
+      </p:bgPr>
+    </p:bg>
+    <p:spTree>
+      <p:nvGrpSpPr>
+        <p:cNvPr id="1" name=""/>
+        <p:cNvGrpSpPr/>
+        <p:nvPr/>
+      </p:nvGrpSpPr>
+      <p:grpSpPr>
+        <a:xfrm>
+          <a:off x="0" y="0"/>
+          <a:ext cx="0" cy="0"/>
+          <a:chOff x="0" y="0"/>
+          <a:chExt cx="0" cy="0"/>
+        </a:xfrm>
+      </p:grpSpPr>
+      <p:sp>
+        <p:nvSpPr>
+          <p:cNvPr id="123" name="CustomShape 1"/>
+          <p:cNvSpPr/>
+          <p:nvPr/>
+        </p:nvSpPr>
+        <p:spPr>
+          <a:xfrm>
+            <a:off x="2237760" y="2064960"/>
+            <a:ext cx="4749480" cy="2044440"/>
+          </a:xfrm>
+          <a:prstGeom prst="rect">
+            <a:avLst/>
+          </a:prstGeom>
+          <a:noFill/>
+          <a:ln>
+            <a:noFill/>
+          </a:ln>
+        </p:spPr>
+        <p:style>
+          <a:lnRef idx="0"/>
+          <a:fillRef idx="0"/>
+          <a:effectRef idx="0"/>
+          <a:fontRef idx="minor"/>
+        </p:style>
+        <p:txBody>
+          <a:bodyPr lIns="90000" rIns="90000" tIns="45000" bIns="45000" anchor="ctr">
+            <a:noAutofit/>
+          </a:bodyPr>
+          <a:p>
+            <a:pPr algn="ctr">
+              <a:lnSpc>
+                <a:spcPct val="100000"/>
+              </a:lnSpc>
+            </a:pPr>
             <a:r>
               <a:rPr b="0" lang="en-US" sz="8000" spc="-1" strike="noStrike">
                 <a:solidFill>
@@ -5287,13 +4953,20 @@
                 </a:solidFill>
                 <a:latin typeface="Arial"/>
               </a:rPr>
+              <a:t>THANK</a:t>
+            </a:r>
+            <a:br/>
+            <a:r>
+              <a:rPr b="0" lang="en-US" sz="8000" spc="-1" strike="noStrike">
+                <a:solidFill>
+                  <a:srgbClr val="1f497d"/>
+                </a:solidFill>
+                <a:latin typeface="Arial"/>
+              </a:rPr>
               <a:t>YOU</a:t>
             </a:r>
             <a:endParaRPr b="0" lang="en-US" sz="8000" spc="-1" strike="noStrike">
-              <a:solidFill>
-                <a:srgbClr val="000000"/>
-              </a:solidFill>
-              <a:latin typeface="Calibri"/>
+              <a:latin typeface="Arial"/>
             </a:endParaRPr>
           </a:p>
         </p:txBody>
@@ -5340,14 +5013,14 @@
       </p:grpSpPr>
       <p:sp>
         <p:nvSpPr>
-          <p:cNvPr id="85" name="CustomShape 1"/>
+          <p:cNvPr id="79" name="CustomShape 1"/>
           <p:cNvSpPr/>
           <p:nvPr/>
         </p:nvSpPr>
         <p:spPr>
           <a:xfrm>
             <a:off x="457200" y="137520"/>
-            <a:ext cx="8228880" cy="1142280"/>
+            <a:ext cx="8228520" cy="1141920"/>
           </a:xfrm>
           <a:prstGeom prst="rect">
             <a:avLst/>
@@ -5379,6 +5052,7 @@
                   <a:srgbClr val="17375e"/>
                 </a:solidFill>
                 <a:latin typeface="Calibri"/>
+                <a:ea typeface="DejaVu Sans"/>
               </a:rPr>
               <a:t>Content</a:t>
             </a:r>
@@ -5390,14 +5064,14 @@
       </p:sp>
       <p:sp>
         <p:nvSpPr>
-          <p:cNvPr id="86" name="CustomShape 2"/>
+          <p:cNvPr id="80" name="CustomShape 2"/>
           <p:cNvSpPr/>
           <p:nvPr/>
         </p:nvSpPr>
         <p:spPr>
           <a:xfrm>
             <a:off x="1609200" y="1503000"/>
-            <a:ext cx="5806080" cy="1980720"/>
+            <a:ext cx="5805720" cy="1919880"/>
           </a:xfrm>
           <a:prstGeom prst="rect">
             <a:avLst/>
@@ -5418,7 +5092,7 @@
             <a:spAutoFit/>
           </a:bodyPr>
           <a:p>
-            <a:pPr marL="285840" indent="-285480">
+            <a:pPr marL="285840" indent="-285120">
               <a:lnSpc>
                 <a:spcPct val="100000"/>
               </a:lnSpc>
@@ -5434,6 +5108,7 @@
                   <a:srgbClr val="17375e"/>
                 </a:solidFill>
                 <a:latin typeface="Calibri"/>
+                <a:ea typeface="DejaVu Sans"/>
               </a:rPr>
               <a:t>Introduction &amp; related works – </a:t>
             </a:r>
@@ -5443,6 +5118,7 @@
                   <a:srgbClr val="f79646"/>
                 </a:solidFill>
                 <a:latin typeface="Calibri"/>
+                <a:ea typeface="DejaVu Sans"/>
               </a:rPr>
               <a:t>Debsankar M </a:t>
             </a:r>
@@ -5451,7 +5127,7 @@
             </a:endParaRPr>
           </a:p>
           <a:p>
-            <a:pPr marL="285840" indent="-285480">
+            <a:pPr marL="285840" indent="-285120">
               <a:lnSpc>
                 <a:spcPct val="100000"/>
               </a:lnSpc>
@@ -5467,6 +5143,7 @@
                   <a:srgbClr val="17375e"/>
                 </a:solidFill>
                 <a:latin typeface="Calibri"/>
+                <a:ea typeface="DejaVu Sans"/>
               </a:rPr>
               <a:t>Methodology – </a:t>
             </a:r>
@@ -5476,6 +5153,7 @@
                   <a:srgbClr val="f79646"/>
                 </a:solidFill>
                 <a:latin typeface="Calibri"/>
+                <a:ea typeface="DejaVu Sans"/>
               </a:rPr>
               <a:t>Vasim S</a:t>
             </a:r>
@@ -5484,7 +5162,7 @@
             </a:endParaRPr>
           </a:p>
           <a:p>
-            <a:pPr marL="285840" indent="-285480">
+            <a:pPr marL="285840" indent="-285120">
               <a:lnSpc>
                 <a:spcPct val="100000"/>
               </a:lnSpc>
@@ -5500,6 +5178,7 @@
                   <a:srgbClr val="17375e"/>
                 </a:solidFill>
                 <a:latin typeface="Calibri"/>
+                <a:ea typeface="DejaVu Sans"/>
               </a:rPr>
               <a:t>Experimental Results and Discussion – </a:t>
             </a:r>
@@ -5509,6 +5188,7 @@
                   <a:srgbClr val="f79646"/>
                 </a:solidFill>
                 <a:latin typeface="Calibri"/>
+                <a:ea typeface="DejaVu Sans"/>
               </a:rPr>
               <a:t>William Y</a:t>
             </a:r>
@@ -5517,7 +5197,7 @@
             </a:endParaRPr>
           </a:p>
           <a:p>
-            <a:pPr marL="285840" indent="-285480">
+            <a:pPr marL="285840" indent="-285120">
               <a:lnSpc>
                 <a:spcPct val="100000"/>
               </a:lnSpc>
@@ -5533,6 +5213,7 @@
                   <a:srgbClr val="17375e"/>
                 </a:solidFill>
                 <a:latin typeface="Calibri"/>
+                <a:ea typeface="DejaVu Sans"/>
               </a:rPr>
               <a:t>Conclusion – </a:t>
             </a:r>
@@ -5542,6 +5223,7 @@
                   <a:srgbClr val="f79646"/>
                 </a:solidFill>
                 <a:latin typeface="Calibri"/>
+                <a:ea typeface="DejaVu Sans"/>
               </a:rPr>
               <a:t>Prabhanjan T</a:t>
             </a:r>
@@ -5550,7 +5232,7 @@
             </a:endParaRPr>
           </a:p>
           <a:p>
-            <a:pPr marL="285840" indent="-285480">
+            <a:pPr marL="285840" indent="-285120">
               <a:lnSpc>
                 <a:spcPct val="100000"/>
               </a:lnSpc>
@@ -5566,6 +5248,7 @@
                   <a:srgbClr val="17375e"/>
                 </a:solidFill>
                 <a:latin typeface="Calibri"/>
+                <a:ea typeface="DejaVu Sans"/>
               </a:rPr>
               <a:t>Q &amp; A </a:t>
             </a:r>
@@ -5587,14 +5270,14 @@
       </p:sp>
       <p:sp>
         <p:nvSpPr>
-          <p:cNvPr id="87" name="CustomShape 3"/>
+          <p:cNvPr id="81" name="CustomShape 3"/>
           <p:cNvSpPr/>
           <p:nvPr/>
         </p:nvSpPr>
         <p:spPr>
           <a:xfrm>
             <a:off x="1147320" y="3726360"/>
-            <a:ext cx="6848640" cy="639000"/>
+            <a:ext cx="6848280" cy="638640"/>
           </a:xfrm>
           <a:prstGeom prst="rect">
             <a:avLst/>
@@ -5626,6 +5309,7 @@
                   <a:srgbClr val="000000"/>
                 </a:solidFill>
                 <a:latin typeface="Calibri"/>
+                <a:ea typeface="DejaVu Sans"/>
               </a:rPr>
               <a:t>Journal Paper link - </a:t>
             </a:r>
@@ -5636,6 +5320,7 @@
                 </a:solidFill>
                 <a:uFillTx/>
                 <a:latin typeface="Calibri"/>
+                <a:ea typeface="DejaVu Sans"/>
                 <a:hlinkClick r:id="rId2"/>
               </a:rPr>
               <a:t>https://</a:t>
@@ -5647,6 +5332,7 @@
                 </a:solidFill>
                 <a:uFillTx/>
                 <a:latin typeface="Calibri"/>
+                <a:ea typeface="DejaVu Sans"/>
                 <a:hlinkClick r:id="rId3"/>
               </a:rPr>
               <a:t>doi.org/10.1186/s40537-020-00358-x</a:t>
@@ -5709,14 +5395,14 @@
       </p:grpSpPr>
       <p:sp>
         <p:nvSpPr>
-          <p:cNvPr id="88" name="CustomShape 1"/>
+          <p:cNvPr id="82" name="CustomShape 1"/>
           <p:cNvSpPr/>
           <p:nvPr/>
         </p:nvSpPr>
         <p:spPr>
           <a:xfrm>
             <a:off x="457200" y="257400"/>
-            <a:ext cx="8228880" cy="1142280"/>
+            <a:ext cx="8228520" cy="1141920"/>
           </a:xfrm>
           <a:prstGeom prst="rect">
             <a:avLst/>
@@ -5748,6 +5434,7 @@
                   <a:srgbClr val="17375e"/>
                 </a:solidFill>
                 <a:latin typeface="Calibri"/>
+                <a:ea typeface="DejaVu Sans"/>
               </a:rPr>
               <a:t>Introduction </a:t>
             </a:r>
@@ -5759,14 +5446,14 @@
       </p:sp>
       <p:sp>
         <p:nvSpPr>
-          <p:cNvPr id="89" name="CustomShape 2"/>
+          <p:cNvPr id="83" name="CustomShape 2"/>
           <p:cNvSpPr/>
           <p:nvPr/>
         </p:nvSpPr>
         <p:spPr>
           <a:xfrm>
             <a:off x="731520" y="1667520"/>
-            <a:ext cx="7880760" cy="669600"/>
+            <a:ext cx="7880400" cy="639000"/>
           </a:xfrm>
           <a:prstGeom prst="rect">
             <a:avLst/>
@@ -5810,14 +5497,14 @@
       </p:sp>
       <p:sp>
         <p:nvSpPr>
-          <p:cNvPr id="90" name="CustomShape 3"/>
+          <p:cNvPr id="84" name="CustomShape 3"/>
           <p:cNvSpPr/>
           <p:nvPr/>
         </p:nvSpPr>
         <p:spPr>
           <a:xfrm>
             <a:off x="678240" y="1600200"/>
-            <a:ext cx="7368480" cy="2832840"/>
+            <a:ext cx="7368120" cy="2832840"/>
           </a:xfrm>
           <a:prstGeom prst="rect">
             <a:avLst/>
@@ -5838,7 +5525,7 @@
             <a:spAutoFit/>
           </a:bodyPr>
           <a:p>
-            <a:pPr marL="285840" indent="-285480">
+            <a:pPr marL="285840" indent="-285120">
               <a:lnSpc>
                 <a:spcPct val="100000"/>
               </a:lnSpc>
@@ -5854,60 +5541,26 @@
                   <a:srgbClr val="17375e"/>
                 </a:solidFill>
                 <a:latin typeface="Calibri"/>
-              </a:rPr>
-              <a:t>Provide the ability for companies to utilize their </a:t>
-            </a:r>
-            <a:r>
-              <a:rPr b="0" lang="en-US" sz="1800" spc="-1" strike="noStrike">
-                <a:solidFill>
-                  <a:srgbClr val="17375e"/>
-                </a:solidFill>
-                <a:latin typeface="Calibri"/>
-              </a:rPr>
-              <a:t>CCTV</a:t>
-            </a:r>
-            <a:r>
-              <a:rPr b="0" lang="en-US" sz="1800" spc="-1" strike="noStrike">
-                <a:solidFill>
-                  <a:srgbClr val="17375e"/>
-                </a:solidFill>
-                <a:latin typeface="Calibri"/>
-              </a:rPr>
-              <a:t> to capture images of their clients so as to be able to determine the demographics of their </a:t>
-            </a:r>
-            <a:r>
-              <a:rPr b="0" lang="en-US" sz="1800" spc="-1" strike="noStrike">
-                <a:solidFill>
-                  <a:srgbClr val="17375e"/>
-                </a:solidFill>
-                <a:latin typeface="Calibri"/>
-              </a:rPr>
-              <a:t>clientele</a:t>
-            </a:r>
-            <a:r>
-              <a:rPr b="0" lang="en-US" sz="1800" spc="-1" strike="noStrike">
-                <a:solidFill>
-                  <a:srgbClr val="17375e"/>
-                </a:solidFill>
-                <a:latin typeface="Calibri"/>
-              </a:rPr>
-              <a:t> so as to customize their marketing strategies to be able to be able to maximize the capital investment in </a:t>
-            </a:r>
-            <a:r>
-              <a:rPr b="0" lang="en-US" sz="1800" spc="-1" strike="noStrike">
-                <a:solidFill>
-                  <a:srgbClr val="17375e"/>
-                </a:solidFill>
-                <a:latin typeface="Calibri"/>
-              </a:rPr>
-              <a:t>targeted advertisement.</a:t>
+                <a:ea typeface="DejaVu Sans"/>
+              </a:rPr>
+              <a:t>Provide the ability for companies to utilize their CCTV to capture images of their clients so as to be able to determine the demographics of their clientele so as to customize their marketing strategies to be able to be able to maximize the capital investment in targeted advertisement.</a:t>
             </a:r>
             <a:endParaRPr b="0" lang="en-US" sz="1800" spc="-1" strike="noStrike">
               <a:latin typeface="Arial"/>
             </a:endParaRPr>
           </a:p>
           <a:p>
-            <a:pPr marL="285840" indent="-285480">
+            <a:pPr>
+              <a:lnSpc>
+                <a:spcPct val="100000"/>
+              </a:lnSpc>
+            </a:pPr>
+            <a:endParaRPr b="0" lang="en-US" sz="1800" spc="-1" strike="noStrike">
+              <a:latin typeface="Arial"/>
+            </a:endParaRPr>
+          </a:p>
+          <a:p>
+            <a:pPr marL="285840" indent="-285120">
               <a:lnSpc>
                 <a:spcPct val="100000"/>
               </a:lnSpc>
@@ -5917,12 +5570,32 @@
               <a:buFont typeface="Arial"/>
               <a:buChar char="•"/>
             </a:pPr>
+            <a:r>
+              <a:rPr b="0" lang="en-US" sz="1800" spc="-1" strike="noStrike">
+                <a:solidFill>
+                  <a:srgbClr val="17375e"/>
+                </a:solidFill>
+                <a:latin typeface="Calibri"/>
+                <a:ea typeface="DejaVu Sans"/>
+              </a:rPr>
+              <a:t>Utilize Artificial Neural Networks, (Convolutional Neural Network for this model) to analyze the images and determine the age, gender and ethnicity of the clientele</a:t>
+            </a:r>
             <a:endParaRPr b="0" lang="en-US" sz="1800" spc="-1" strike="noStrike">
               <a:latin typeface="Arial"/>
             </a:endParaRPr>
           </a:p>
           <a:p>
-            <a:pPr marL="285840" indent="-285480">
+            <a:pPr>
+              <a:lnSpc>
+                <a:spcPct val="100000"/>
+              </a:lnSpc>
+            </a:pPr>
+            <a:endParaRPr b="0" lang="en-US" sz="1800" spc="-1" strike="noStrike">
+              <a:latin typeface="Arial"/>
+            </a:endParaRPr>
+          </a:p>
+          <a:p>
+            <a:pPr marL="285840" indent="-285120">
               <a:lnSpc>
                 <a:spcPct val="100000"/>
               </a:lnSpc>
@@ -5938,65 +5611,9 @@
                   <a:srgbClr val="17375e"/>
                 </a:solidFill>
                 <a:latin typeface="Calibri"/>
-              </a:rPr>
-              <a:t>Utilize Artificial Neural Networks, (Convolutional Neural Network for this model) to analyze</a:t>
-            </a:r>
-            <a:r>
-              <a:rPr b="0" lang="en-US" sz="1800" spc="-1" strike="noStrike">
-                <a:solidFill>
-                  <a:srgbClr val="17375e"/>
-                </a:solidFill>
-                <a:latin typeface="Calibri"/>
-              </a:rPr>
-              <a:t> the images and determine the age, gender and ethnicity of the clientele</a:t>
-            </a:r>
-            <a:endParaRPr b="0" lang="en-US" sz="1800" spc="-1" strike="noStrike">
-              <a:latin typeface="Arial"/>
-            </a:endParaRPr>
-          </a:p>
-          <a:p>
-            <a:pPr marL="285840" indent="-285480">
-              <a:lnSpc>
-                <a:spcPct val="100000"/>
-              </a:lnSpc>
-              <a:buClr>
-                <a:srgbClr val="17375e"/>
-              </a:buClr>
-              <a:buFont typeface="Arial"/>
-              <a:buChar char="•"/>
-            </a:pPr>
-            <a:endParaRPr b="0" lang="en-US" sz="1800" spc="-1" strike="noStrike">
-              <a:latin typeface="Arial"/>
-            </a:endParaRPr>
-          </a:p>
-          <a:p>
-            <a:pPr marL="285840" indent="-285480">
-              <a:lnSpc>
-                <a:spcPct val="100000"/>
-              </a:lnSpc>
-              <a:buClr>
-                <a:srgbClr val="17375e"/>
-              </a:buClr>
-              <a:buFont typeface="Arial"/>
-              <a:buChar char="•"/>
-            </a:pPr>
-            <a:r>
-              <a:rPr b="0" lang="en-US" sz="1800" spc="-1" strike="noStrike">
-                <a:solidFill>
-                  <a:srgbClr val="17375e"/>
-                </a:solidFill>
-                <a:latin typeface="Calibri"/>
-              </a:rPr>
-              <a:t>Create a single model that can determine all Three of the categories</a:t>
-            </a:r>
-            <a:r>
-              <a:rPr b="0" lang="en-US" sz="1800" spc="-1" strike="noStrike">
-                <a:solidFill>
-                  <a:srgbClr val="17375e"/>
-                </a:solidFill>
-                <a:latin typeface="Calibri"/>
-              </a:rPr>
-              <a:t> </a:t>
+                <a:ea typeface="DejaVu Sans"/>
+              </a:rPr>
+              <a:t>Create a single model that can determine all Three of the categories </a:t>
             </a:r>
             <a:endParaRPr b="0" lang="en-US" sz="1800" spc="-1" strike="noStrike">
               <a:latin typeface="Arial"/>
@@ -6046,14 +5663,14 @@
       </p:grpSpPr>
       <p:sp>
         <p:nvSpPr>
-          <p:cNvPr id="91" name="CustomShape 1"/>
+          <p:cNvPr id="85" name="CustomShape 1"/>
           <p:cNvSpPr/>
           <p:nvPr/>
         </p:nvSpPr>
         <p:spPr>
           <a:xfrm>
             <a:off x="457200" y="257400"/>
-            <a:ext cx="8228880" cy="1142280"/>
+            <a:ext cx="8228520" cy="1141920"/>
           </a:xfrm>
           <a:prstGeom prst="rect">
             <a:avLst/>
@@ -6085,8 +5702,9 @@
                   <a:srgbClr val="17375e"/>
                 </a:solidFill>
                 <a:latin typeface="Calibri"/>
-              </a:rPr>
-              <a:t>Background and Related Works </a:t>
+                <a:ea typeface="DejaVu Sans"/>
+              </a:rPr>
+              <a:t>Background</a:t>
             </a:r>
             <a:endParaRPr b="0" lang="en-US" sz="4400" spc="-1" strike="noStrike">
               <a:latin typeface="Arial"/>
@@ -6096,14 +5714,14 @@
       </p:sp>
       <p:sp>
         <p:nvSpPr>
-          <p:cNvPr id="92" name="CustomShape 2"/>
+          <p:cNvPr id="86" name="CustomShape 2"/>
           <p:cNvSpPr/>
           <p:nvPr/>
         </p:nvSpPr>
         <p:spPr>
           <a:xfrm>
             <a:off x="731520" y="1667520"/>
-            <a:ext cx="7880760" cy="669600"/>
+            <a:ext cx="7880400" cy="639000"/>
           </a:xfrm>
           <a:prstGeom prst="rect">
             <a:avLst/>
@@ -6147,14 +5765,14 @@
       </p:sp>
       <p:sp>
         <p:nvSpPr>
-          <p:cNvPr id="93" name="CustomShape 3"/>
+          <p:cNvPr id="87" name="CustomShape 3"/>
           <p:cNvSpPr/>
           <p:nvPr/>
         </p:nvSpPr>
         <p:spPr>
           <a:xfrm>
             <a:off x="678240" y="1600200"/>
-            <a:ext cx="7368480" cy="2010600"/>
+            <a:ext cx="7368120" cy="2833560"/>
           </a:xfrm>
           <a:prstGeom prst="rect">
             <a:avLst/>
@@ -6175,7 +5793,7 @@
             <a:spAutoFit/>
           </a:bodyPr>
           <a:p>
-            <a:pPr marL="285840" indent="-285480">
+            <a:pPr marL="285840" indent="-285120">
               <a:lnSpc>
                 <a:spcPct val="100000"/>
               </a:lnSpc>
@@ -6191,6 +5809,7 @@
                   <a:srgbClr val="17375e"/>
                 </a:solidFill>
                 <a:latin typeface="Calibri"/>
+                <a:ea typeface="DejaVu Sans"/>
               </a:rPr>
               <a:t>The structure of a CNN architecture is divided into multiple learning stages composed of convolutional layers, non-linear processing units, and subsampling layers</a:t>
             </a:r>
@@ -6199,30 +5818,23 @@
             </a:endParaRPr>
           </a:p>
           <a:p>
-            <a:pPr marL="285840" indent="-285480">
+            <a:pPr>
               <a:lnSpc>
                 <a:spcPct val="100000"/>
               </a:lnSpc>
+            </a:pPr>
+            <a:endParaRPr b="0" lang="en-US" sz="1800" spc="-1" strike="noStrike">
+              <a:latin typeface="Arial"/>
+            </a:endParaRPr>
+          </a:p>
+          <a:p>
+            <a:pPr marL="216000" indent="-216000">
               <a:buClr>
-                <a:srgbClr val="17375e"/>
+                <a:srgbClr val="000000"/>
               </a:buClr>
-              <a:buFont typeface="Arial"/>
-              <a:buChar char="•"/>
-            </a:pPr>
-            <a:endParaRPr b="0" lang="en-US" sz="1800" spc="-1" strike="noStrike">
-              <a:latin typeface="Arial"/>
-            </a:endParaRPr>
-          </a:p>
-          <a:p>
-            <a:pPr marL="285840" indent="-285480">
-              <a:lnSpc>
-                <a:spcPct val="100000"/>
-              </a:lnSpc>
-              <a:buClr>
-                <a:srgbClr val="17375e"/>
-              </a:buClr>
-              <a:buFont typeface="Arial"/>
-              <a:buChar char="•"/>
+              <a:buSzPct val="45000"/>
+              <a:buFont typeface="Wingdings" charset="2"/>
+              <a:buChar char=""/>
             </a:pPr>
             <a:r>
               <a:rPr b="0" lang="en-US" sz="1800" spc="-1" strike="noStrike">
@@ -6230,48 +5842,20 @@
                   <a:srgbClr val="17375e"/>
                 </a:solidFill>
                 <a:latin typeface="Calibri"/>
-              </a:rPr>
-              <a:t>tbd</a:t>
+                <a:ea typeface="DejaVu Sans"/>
+              </a:rPr>
+              <a:t>A typical CNN architecture is made up of alternate layers of convolution and pooling followed by one or more fully connected layers at the end. The CNN performance can be optimized by introducing mapping functions, batch normalization and dropout components. The pattern learning activities are aided by activation functions.</a:t>
             </a:r>
             <a:endParaRPr b="0" lang="en-US" sz="1800" spc="-1" strike="noStrike">
               <a:latin typeface="Arial"/>
             </a:endParaRPr>
           </a:p>
           <a:p>
-            <a:pPr marL="285840" indent="-285480">
+            <a:pPr>
               <a:lnSpc>
                 <a:spcPct val="100000"/>
               </a:lnSpc>
-              <a:buClr>
-                <a:srgbClr val="17375e"/>
-              </a:buClr>
-              <a:buFont typeface="Arial"/>
-              <a:buChar char="•"/>
-            </a:pPr>
-            <a:endParaRPr b="0" lang="en-US" sz="1800" spc="-1" strike="noStrike">
-              <a:latin typeface="Arial"/>
-            </a:endParaRPr>
-          </a:p>
-          <a:p>
-            <a:pPr marL="285840" indent="-285480">
-              <a:lnSpc>
-                <a:spcPct val="100000"/>
-              </a:lnSpc>
-              <a:buClr>
-                <a:srgbClr val="17375e"/>
-              </a:buClr>
-              <a:buFont typeface="Arial"/>
-              <a:buChar char="•"/>
-            </a:pPr>
-            <a:r>
-              <a:rPr b="0" lang="en-US" sz="1800" spc="-1" strike="noStrike">
-                <a:solidFill>
-                  <a:srgbClr val="17375e"/>
-                </a:solidFill>
-                <a:latin typeface="Calibri"/>
-              </a:rPr>
-              <a:t>tbd</a:t>
-            </a:r>
+            </a:pPr>
             <a:endParaRPr b="0" lang="en-US" sz="1800" spc="-1" strike="noStrike">
               <a:latin typeface="Arial"/>
             </a:endParaRPr>
@@ -6320,14 +5904,14 @@
       </p:grpSpPr>
       <p:sp>
         <p:nvSpPr>
-          <p:cNvPr id="94" name="CustomShape 1"/>
+          <p:cNvPr id="88" name="CustomShape 1"/>
           <p:cNvSpPr/>
           <p:nvPr/>
         </p:nvSpPr>
         <p:spPr>
           <a:xfrm>
             <a:off x="457200" y="257400"/>
-            <a:ext cx="8228880" cy="1142280"/>
+            <a:ext cx="8228520" cy="1141920"/>
           </a:xfrm>
           <a:prstGeom prst="rect">
             <a:avLst/>
@@ -6359,8 +5943,9 @@
                   <a:srgbClr val="17375e"/>
                 </a:solidFill>
                 <a:latin typeface="Calibri"/>
-              </a:rPr>
-              <a:t>Background and Related Works </a:t>
+                <a:ea typeface="DejaVu Sans"/>
+              </a:rPr>
+              <a:t>Background </a:t>
             </a:r>
             <a:endParaRPr b="0" lang="en-US" sz="4400" spc="-1" strike="noStrike">
               <a:latin typeface="Arial"/>
@@ -6370,14 +5955,14 @@
       </p:sp>
       <p:sp>
         <p:nvSpPr>
-          <p:cNvPr id="95" name="CustomShape 2"/>
+          <p:cNvPr id="89" name="CustomShape 2"/>
           <p:cNvSpPr/>
           <p:nvPr/>
         </p:nvSpPr>
         <p:spPr>
           <a:xfrm>
             <a:off x="731520" y="1667520"/>
-            <a:ext cx="7880760" cy="669600"/>
+            <a:ext cx="7880400" cy="639000"/>
           </a:xfrm>
           <a:prstGeom prst="rect">
             <a:avLst/>
@@ -6421,7 +6006,7 @@
       </p:sp>
       <p:pic>
         <p:nvPicPr>
-          <p:cNvPr id="96" name="" descr=""/>
+          <p:cNvPr id="90" name="" descr=""/>
           <p:cNvPicPr/>
           <p:nvPr/>
         </p:nvPicPr>
@@ -6432,7 +6017,7 @@
         <p:spPr>
           <a:xfrm>
             <a:off x="1491840" y="1554480"/>
-            <a:ext cx="6201000" cy="4114800"/>
+            <a:ext cx="6200640" cy="4114440"/>
           </a:xfrm>
           <a:prstGeom prst="rect">
             <a:avLst/>
@@ -6484,14 +6069,14 @@
       </p:grpSpPr>
       <p:sp>
         <p:nvSpPr>
-          <p:cNvPr id="97" name="CustomShape 1"/>
+          <p:cNvPr id="91" name="CustomShape 1"/>
           <p:cNvSpPr/>
           <p:nvPr/>
         </p:nvSpPr>
         <p:spPr>
           <a:xfrm>
-            <a:off x="457200" y="274680"/>
-            <a:ext cx="8228880" cy="1142280"/>
+            <a:off x="457200" y="257400"/>
+            <a:ext cx="8228520" cy="1141920"/>
           </a:xfrm>
           <a:prstGeom prst="rect">
             <a:avLst/>
@@ -6523,8 +6108,9 @@
                   <a:srgbClr val="17375e"/>
                 </a:solidFill>
                 <a:latin typeface="Calibri"/>
-              </a:rPr>
-              <a:t>Architecture and Methodology</a:t>
+                <a:ea typeface="DejaVu Sans"/>
+              </a:rPr>
+              <a:t>Related Works</a:t>
             </a:r>
             <a:endParaRPr b="0" lang="en-US" sz="4400" spc="-1" strike="noStrike">
               <a:latin typeface="Arial"/>
@@ -6534,14 +6120,14 @@
       </p:sp>
       <p:sp>
         <p:nvSpPr>
-          <p:cNvPr id="98" name="CustomShape 2"/>
+          <p:cNvPr id="92" name="CustomShape 2"/>
           <p:cNvSpPr/>
           <p:nvPr/>
         </p:nvSpPr>
         <p:spPr>
           <a:xfrm>
             <a:off x="731520" y="1667520"/>
-            <a:ext cx="3911040" cy="913320"/>
+            <a:ext cx="7880400" cy="639000"/>
           </a:xfrm>
           <a:prstGeom prst="rect">
             <a:avLst/>
@@ -6562,15 +6148,64 @@
             <a:spAutoFit/>
           </a:bodyPr>
           <a:p>
-            <a:pPr marL="285840" indent="-285480">
+            <a:pPr>
               <a:lnSpc>
                 <a:spcPct val="100000"/>
               </a:lnSpc>
+            </a:pPr>
+            <a:endParaRPr b="0" lang="en-US" sz="1800" spc="-1" strike="noStrike">
+              <a:latin typeface="Arial"/>
+            </a:endParaRPr>
+          </a:p>
+          <a:p>
+            <a:pPr>
+              <a:lnSpc>
+                <a:spcPct val="100000"/>
+              </a:lnSpc>
+            </a:pPr>
+            <a:endParaRPr b="0" lang="en-US" sz="1800" spc="-1" strike="noStrike">
+              <a:latin typeface="Arial"/>
+            </a:endParaRPr>
+          </a:p>
+        </p:txBody>
+      </p:sp>
+      <p:sp>
+        <p:nvSpPr>
+          <p:cNvPr id="93" name="CustomShape 3"/>
+          <p:cNvSpPr/>
+          <p:nvPr/>
+        </p:nvSpPr>
+        <p:spPr>
+          <a:xfrm>
+            <a:off x="822960" y="1281960"/>
+            <a:ext cx="7368120" cy="4479480"/>
+          </a:xfrm>
+          <a:prstGeom prst="rect">
+            <a:avLst/>
+          </a:prstGeom>
+          <a:noFill/>
+          <a:ln>
+            <a:noFill/>
+          </a:ln>
+        </p:spPr>
+        <p:style>
+          <a:lnRef idx="0"/>
+          <a:fillRef idx="0"/>
+          <a:effectRef idx="0"/>
+          <a:fontRef idx="minor"/>
+        </p:style>
+        <p:txBody>
+          <a:bodyPr lIns="90000" rIns="90000" tIns="45000" bIns="45000">
+            <a:spAutoFit/>
+          </a:bodyPr>
+          <a:p>
+            <a:pPr marL="216000" indent="-216000">
               <a:buClr>
-                <a:srgbClr val="17375e"/>
+                <a:srgbClr val="000000"/>
               </a:buClr>
-              <a:buFont typeface="Arial"/>
-              <a:buChar char="•"/>
+              <a:buSzPct val="45000"/>
+              <a:buFont typeface="Wingdings" charset="2"/>
+              <a:buChar char=""/>
             </a:pPr>
             <a:r>
               <a:rPr b="0" lang="en-US" sz="1800" spc="-1" strike="noStrike">
@@ -6578,8 +6213,210 @@
                   <a:srgbClr val="17375e"/>
                 </a:solidFill>
                 <a:latin typeface="Calibri"/>
-              </a:rPr>
-              <a:t> </a:t>
+                <a:ea typeface="DejaVu Sans"/>
+              </a:rPr>
+              <a:t>Age, Gender, and Ethnicity Determination</a:t>
+            </a:r>
+            <a:endParaRPr b="0" lang="en-US" sz="1800" spc="-1" strike="noStrike">
+              <a:latin typeface="Arial"/>
+            </a:endParaRPr>
+          </a:p>
+          <a:p>
+            <a:pPr lvl="1" marL="432000" indent="-216000">
+              <a:buClr>
+                <a:srgbClr val="000000"/>
+              </a:buClr>
+              <a:buSzPct val="45000"/>
+              <a:buFont typeface="Wingdings" charset="2"/>
+              <a:buChar char=""/>
+            </a:pPr>
+            <a:r>
+              <a:rPr b="0" lang="en-US" sz="1800" spc="-1" strike="noStrike">
+                <a:solidFill>
+                  <a:srgbClr val="17375e"/>
+                </a:solidFill>
+                <a:latin typeface="Calibri"/>
+                <a:ea typeface="DejaVu Sans"/>
+              </a:rPr>
+              <a:t>“</a:t>
+            </a:r>
+            <a:r>
+              <a:rPr b="0" lang="en-US" sz="1800" spc="-1" strike="noStrike">
+                <a:solidFill>
+                  <a:srgbClr val="17375e"/>
+                </a:solidFill>
+                <a:latin typeface="Calibri"/>
+                <a:ea typeface="DejaVu Sans"/>
+              </a:rPr>
+              <a:t>Age estimation from faces using deep learning: A comparative analysis.” by : AliceOthmani, A. R. Talebb, H. Abdelkawya and A. Hadidc</a:t>
+            </a:r>
+            <a:endParaRPr b="0" lang="en-US" sz="1800" spc="-1" strike="noStrike">
+              <a:latin typeface="Arial"/>
+            </a:endParaRPr>
+          </a:p>
+          <a:p>
+            <a:pPr lvl="1" marL="432000" indent="-216000">
+              <a:buClr>
+                <a:srgbClr val="000000"/>
+              </a:buClr>
+              <a:buSzPct val="45000"/>
+              <a:buFont typeface="Wingdings" charset="2"/>
+              <a:buChar char=""/>
+            </a:pPr>
+            <a:r>
+              <a:rPr b="0" lang="en-US" sz="1800" spc="-1" strike="noStrike">
+                <a:solidFill>
+                  <a:srgbClr val="17375e"/>
+                </a:solidFill>
+                <a:latin typeface="Calibri"/>
+                <a:ea typeface="DejaVu Sans"/>
+              </a:rPr>
+              <a:t>“</a:t>
+            </a:r>
+            <a:r>
+              <a:rPr b="0" lang="en-US" sz="1800" spc="-1" strike="noStrike">
+                <a:solidFill>
+                  <a:srgbClr val="17375e"/>
+                </a:solidFill>
+                <a:latin typeface="Calibri"/>
+                <a:ea typeface="DejaVu Sans"/>
+              </a:rPr>
+              <a:t>Joint gender, ethnicity and age estimation from 3D faces: An experimental illustration of their correlations.” by:  B. Xia, B. B. Amor and M. Daoudi</a:t>
+            </a:r>
+            <a:endParaRPr b="0" lang="en-US" sz="1800" spc="-1" strike="noStrike">
+              <a:latin typeface="Arial"/>
+            </a:endParaRPr>
+          </a:p>
+          <a:p>
+            <a:pPr lvl="1" marL="432000" indent="-216000">
+              <a:buClr>
+                <a:srgbClr val="000000"/>
+              </a:buClr>
+              <a:buSzPct val="45000"/>
+              <a:buFont typeface="Wingdings" charset="2"/>
+              <a:buChar char=""/>
+            </a:pPr>
+            <a:r>
+              <a:rPr b="0" lang="en-US" sz="1800" spc="-1" strike="noStrike">
+                <a:solidFill>
+                  <a:srgbClr val="17375e"/>
+                </a:solidFill>
+                <a:latin typeface="Calibri"/>
+                <a:ea typeface="DejaVu Sans"/>
+              </a:rPr>
+              <a:t>“</a:t>
+            </a:r>
+            <a:r>
+              <a:rPr b="0" lang="en-US" sz="1800" spc="-1" strike="noStrike">
+                <a:solidFill>
+                  <a:srgbClr val="17375e"/>
+                </a:solidFill>
+                <a:latin typeface="Calibri"/>
+                <a:ea typeface="DejaVu Sans"/>
+              </a:rPr>
+              <a:t>A hybrid deep learning CNN–ELM for age and gender classification.” by: M. Duan, K. Li, C. Yang and K. Li</a:t>
+            </a:r>
+            <a:endParaRPr b="0" lang="en-US" sz="1800" spc="-1" strike="noStrike">
+              <a:latin typeface="Arial"/>
+            </a:endParaRPr>
+          </a:p>
+          <a:p>
+            <a:pPr lvl="1" marL="432000" indent="-216000">
+              <a:buClr>
+                <a:srgbClr val="000000"/>
+              </a:buClr>
+              <a:buSzPct val="45000"/>
+              <a:buFont typeface="Wingdings" charset="2"/>
+              <a:buChar char=""/>
+            </a:pPr>
+            <a:r>
+              <a:rPr b="0" lang="en-US" sz="1800" spc="-1" strike="noStrike">
+                <a:solidFill>
+                  <a:srgbClr val="17375e"/>
+                </a:solidFill>
+                <a:latin typeface="Calibri"/>
+                <a:ea typeface="DejaVu Sans"/>
+              </a:rPr>
+              <a:t>“</a:t>
+            </a:r>
+            <a:r>
+              <a:rPr b="0" lang="en-US" sz="1800" spc="-1" strike="noStrike">
+                <a:solidFill>
+                  <a:srgbClr val="17375e"/>
+                </a:solidFill>
+                <a:latin typeface="Calibri"/>
+                <a:ea typeface="DejaVu Sans"/>
+              </a:rPr>
+              <a:t>Effective training of convolutional neural networks for face-based gender and age predictio.” by: G. Antipov, M. Baccouche, S.-A. Berrani and J.-L. Dugelay</a:t>
+            </a:r>
+            <a:endParaRPr b="0" lang="en-US" sz="1800" spc="-1" strike="noStrike">
+              <a:latin typeface="Arial"/>
+            </a:endParaRPr>
+          </a:p>
+          <a:p>
+            <a:pPr marL="216000" indent="-216000">
+              <a:buClr>
+                <a:srgbClr val="000000"/>
+              </a:buClr>
+              <a:buSzPct val="45000"/>
+              <a:buFont typeface="Wingdings" charset="2"/>
+              <a:buChar char=""/>
+            </a:pPr>
+            <a:endParaRPr b="0" lang="en-US" sz="1800" spc="-1" strike="noStrike">
+              <a:latin typeface="Arial"/>
+            </a:endParaRPr>
+          </a:p>
+          <a:p>
+            <a:pPr marL="216000" indent="-216000">
+              <a:buClr>
+                <a:srgbClr val="000000"/>
+              </a:buClr>
+              <a:buSzPct val="45000"/>
+              <a:buFont typeface="Wingdings" charset="2"/>
+              <a:buChar char=""/>
+            </a:pPr>
+            <a:r>
+              <a:rPr b="0" lang="en-US" sz="1800" spc="-1" strike="noStrike">
+                <a:solidFill>
+                  <a:srgbClr val="17375e"/>
+                </a:solidFill>
+                <a:latin typeface="Calibri"/>
+                <a:ea typeface="DejaVu Sans"/>
+              </a:rPr>
+              <a:t>Mood Detection</a:t>
+            </a:r>
+            <a:endParaRPr b="0" lang="en-US" sz="1800" spc="-1" strike="noStrike">
+              <a:latin typeface="Arial"/>
+            </a:endParaRPr>
+          </a:p>
+          <a:p>
+            <a:pPr lvl="1" marL="432000" indent="-216000">
+              <a:buClr>
+                <a:srgbClr val="000000"/>
+              </a:buClr>
+              <a:buSzPct val="45000"/>
+              <a:buFont typeface="Wingdings" charset="2"/>
+              <a:buChar char=""/>
+            </a:pPr>
+            <a:r>
+              <a:rPr b="0" lang="en-US" sz="1800" spc="-1" strike="noStrike">
+                <a:solidFill>
+                  <a:srgbClr val="17375e"/>
+                </a:solidFill>
+                <a:latin typeface="Calibri"/>
+                <a:ea typeface="DejaVu Sans"/>
+              </a:rPr>
+              <a:t>“</a:t>
+            </a:r>
+            <a:r>
+              <a:rPr b="0" lang="en-US" sz="1800" spc="-1" strike="noStrike">
+                <a:solidFill>
+                  <a:srgbClr val="17375e"/>
+                </a:solidFill>
+                <a:latin typeface="Calibri"/>
+                <a:ea typeface="DejaVu Sans"/>
+              </a:rPr>
+              <a:t>Facial expression recognition using optimized active regions” by: A. Sun, Y. Li, Y.-M. Huang, Q. Li and G. Lu</a:t>
             </a:r>
             <a:endParaRPr b="0" lang="en-US" sz="1800" spc="-1" strike="noStrike">
               <a:latin typeface="Arial"/>
@@ -6595,41 +6432,8 @@
               <a:latin typeface="Arial"/>
             </a:endParaRPr>
           </a:p>
-          <a:p>
-            <a:pPr>
-              <a:lnSpc>
-                <a:spcPct val="100000"/>
-              </a:lnSpc>
-            </a:pPr>
-            <a:endParaRPr b="0" lang="en-US" sz="1800" spc="-1" strike="noStrike">
-              <a:latin typeface="Arial"/>
-            </a:endParaRPr>
-          </a:p>
-        </p:txBody>
-      </p:sp>
-      <p:pic>
-        <p:nvPicPr>
-          <p:cNvPr id="99" name="" descr=""/>
-          <p:cNvPicPr/>
-          <p:nvPr/>
-        </p:nvPicPr>
-        <p:blipFill>
-          <a:blip r:embed="rId2"/>
-          <a:stretch/>
-        </p:blipFill>
-        <p:spPr>
-          <a:xfrm>
-            <a:off x="2990520" y="1241280"/>
-            <a:ext cx="3204000" cy="4388760"/>
-          </a:xfrm>
-          <a:prstGeom prst="rect">
-            <a:avLst/>
-          </a:prstGeom>
-          <a:ln>
-            <a:noFill/>
-          </a:ln>
-        </p:spPr>
-      </p:pic>
+        </p:txBody>
+      </p:sp>
     </p:spTree>
   </p:cSld>
   <mc:AlternateContent>
@@ -6672,14 +6476,14 @@
       </p:grpSpPr>
       <p:sp>
         <p:nvSpPr>
-          <p:cNvPr id="100" name="CustomShape 1"/>
+          <p:cNvPr id="94" name="CustomShape 1"/>
           <p:cNvSpPr/>
           <p:nvPr/>
         </p:nvSpPr>
         <p:spPr>
           <a:xfrm>
             <a:off x="457200" y="274680"/>
-            <a:ext cx="8228880" cy="1142280"/>
+            <a:ext cx="8228520" cy="1141920"/>
           </a:xfrm>
           <a:prstGeom prst="rect">
             <a:avLst/>
@@ -6711,8 +6515,9 @@
                   <a:srgbClr val="17375e"/>
                 </a:solidFill>
                 <a:latin typeface="Calibri"/>
-              </a:rPr>
-              <a:t>Unified Model</a:t>
+                <a:ea typeface="DejaVu Sans"/>
+              </a:rPr>
+              <a:t>Architecture and Methodology</a:t>
             </a:r>
             <a:endParaRPr b="0" lang="en-US" sz="4400" spc="-1" strike="noStrike">
               <a:latin typeface="Arial"/>
@@ -6720,29 +6525,82 @@
           </a:p>
         </p:txBody>
       </p:sp>
-      <p:pic>
-        <p:nvPicPr>
-          <p:cNvPr id="101" name="" descr=""/>
-          <p:cNvPicPr/>
+      <p:sp>
+        <p:nvSpPr>
+          <p:cNvPr id="95" name="CustomShape 2"/>
+          <p:cNvSpPr/>
           <p:nvPr/>
-        </p:nvPicPr>
-        <p:blipFill>
-          <a:blip r:embed="rId2"/>
-          <a:stretch/>
-        </p:blipFill>
-        <p:spPr>
-          <a:xfrm>
-            <a:off x="886680" y="1188720"/>
-            <a:ext cx="7342920" cy="4572000"/>
-          </a:xfrm>
-          <a:prstGeom prst="rect">
-            <a:avLst/>
-          </a:prstGeom>
+        </p:nvSpPr>
+        <p:spPr>
+          <a:xfrm>
+            <a:off x="731520" y="1667520"/>
+            <a:ext cx="3910680" cy="912960"/>
+          </a:xfrm>
+          <a:prstGeom prst="rect">
+            <a:avLst/>
+          </a:prstGeom>
+          <a:noFill/>
           <a:ln>
             <a:noFill/>
           </a:ln>
         </p:spPr>
-      </p:pic>
+        <p:style>
+          <a:lnRef idx="0"/>
+          <a:fillRef idx="0"/>
+          <a:effectRef idx="0"/>
+          <a:fontRef idx="minor"/>
+        </p:style>
+        <p:txBody>
+          <a:bodyPr lIns="90000" rIns="90000" tIns="45000" bIns="45000">
+            <a:spAutoFit/>
+          </a:bodyPr>
+          <a:p>
+            <a:pPr marL="285840" indent="-285120">
+              <a:lnSpc>
+                <a:spcPct val="100000"/>
+              </a:lnSpc>
+              <a:buClr>
+                <a:srgbClr val="17375e"/>
+              </a:buClr>
+              <a:buFont typeface="Arial"/>
+              <a:buChar char="•"/>
+            </a:pPr>
+            <a:r>
+              <a:rPr b="0" lang="en-US" sz="1800" spc="-1" strike="noStrike">
+                <a:solidFill>
+                  <a:srgbClr val="17375e"/>
+                </a:solidFill>
+                <a:latin typeface="Calibri"/>
+                <a:ea typeface="DejaVu Sans"/>
+              </a:rPr>
+              <a:t> </a:t>
+            </a:r>
+            <a:endParaRPr b="0" lang="en-US" sz="1800" spc="-1" strike="noStrike">
+              <a:latin typeface="Arial"/>
+            </a:endParaRPr>
+          </a:p>
+          <a:p>
+            <a:pPr>
+              <a:lnSpc>
+                <a:spcPct val="100000"/>
+              </a:lnSpc>
+            </a:pPr>
+            <a:endParaRPr b="0" lang="en-US" sz="1800" spc="-1" strike="noStrike">
+              <a:latin typeface="Arial"/>
+            </a:endParaRPr>
+          </a:p>
+          <a:p>
+            <a:pPr>
+              <a:lnSpc>
+                <a:spcPct val="100000"/>
+              </a:lnSpc>
+            </a:pPr>
+            <a:endParaRPr b="0" lang="en-US" sz="1800" spc="-1" strike="noStrike">
+              <a:latin typeface="Arial"/>
+            </a:endParaRPr>
+          </a:p>
+        </p:txBody>
+      </p:sp>
     </p:spTree>
   </p:cSld>
   <mc:AlternateContent>
@@ -6785,14 +6643,14 @@
       </p:grpSpPr>
       <p:sp>
         <p:nvSpPr>
-          <p:cNvPr id="102" name="CustomShape 1"/>
+          <p:cNvPr id="96" name="CustomShape 1"/>
           <p:cNvSpPr/>
           <p:nvPr/>
         </p:nvSpPr>
         <p:spPr>
           <a:xfrm>
-            <a:off x="457200" y="186840"/>
-            <a:ext cx="8228880" cy="1142280"/>
+            <a:off x="457200" y="274680"/>
+            <a:ext cx="8228520" cy="1141920"/>
           </a:xfrm>
           <a:prstGeom prst="rect">
             <a:avLst/>
@@ -6824,8 +6682,9 @@
                   <a:srgbClr val="17375e"/>
                 </a:solidFill>
                 <a:latin typeface="Calibri"/>
-              </a:rPr>
-              <a:t>Data</a:t>
+                <a:ea typeface="DejaVu Sans"/>
+              </a:rPr>
+              <a:t>Unified Model</a:t>
             </a:r>
             <a:endParaRPr b="0" lang="en-US" sz="4400" spc="-1" strike="noStrike">
               <a:latin typeface="Arial"/>
@@ -6833,277 +6692,29 @@
           </a:p>
         </p:txBody>
       </p:sp>
-      <p:sp>
-        <p:nvSpPr>
-          <p:cNvPr id="103" name="CustomShape 2"/>
-          <p:cNvSpPr/>
+      <p:pic>
+        <p:nvPicPr>
+          <p:cNvPr id="97" name="" descr=""/>
+          <p:cNvPicPr/>
           <p:nvPr/>
-        </p:nvSpPr>
-        <p:spPr>
-          <a:xfrm>
-            <a:off x="621720" y="4210920"/>
-            <a:ext cx="3777840" cy="1265760"/>
-          </a:xfrm>
-          <a:prstGeom prst="rect">
-            <a:avLst/>
-          </a:prstGeom>
-          <a:noFill/>
+        </p:nvPicPr>
+        <p:blipFill>
+          <a:blip r:embed="rId2"/>
+          <a:stretch/>
+        </p:blipFill>
+        <p:spPr>
+          <a:xfrm>
+            <a:off x="1463040" y="1188720"/>
+            <a:ext cx="6126480" cy="4846320"/>
+          </a:xfrm>
+          <a:prstGeom prst="rect">
+            <a:avLst/>
+          </a:prstGeom>
           <a:ln>
             <a:noFill/>
           </a:ln>
         </p:spPr>
-        <p:style>
-          <a:lnRef idx="0"/>
-          <a:fillRef idx="0"/>
-          <a:effectRef idx="0"/>
-          <a:fontRef idx="minor"/>
-        </p:style>
-      </p:sp>
-      <p:sp>
-        <p:nvSpPr>
-          <p:cNvPr id="104" name="CustomShape 3"/>
-          <p:cNvSpPr/>
-          <p:nvPr/>
-        </p:nvSpPr>
-        <p:spPr>
-          <a:xfrm>
-            <a:off x="678240" y="1600200"/>
-            <a:ext cx="7002720" cy="2558520"/>
-          </a:xfrm>
-          <a:prstGeom prst="rect">
-            <a:avLst/>
-          </a:prstGeom>
-          <a:noFill/>
-          <a:ln>
-            <a:noFill/>
-          </a:ln>
-        </p:spPr>
-        <p:style>
-          <a:lnRef idx="0"/>
-          <a:fillRef idx="0"/>
-          <a:effectRef idx="0"/>
-          <a:fontRef idx="minor"/>
-        </p:style>
-        <p:txBody>
-          <a:bodyPr lIns="90000" rIns="90000" tIns="45000" bIns="45000">
-            <a:spAutoFit/>
-          </a:bodyPr>
-          <a:p>
-            <a:pPr marL="285840" indent="-285480">
-              <a:lnSpc>
-                <a:spcPct val="100000"/>
-              </a:lnSpc>
-              <a:buClr>
-                <a:srgbClr val="17375e"/>
-              </a:buClr>
-              <a:buFont typeface="Arial"/>
-              <a:buChar char="•"/>
-            </a:pPr>
-            <a:r>
-              <a:rPr b="0" lang="en-US" sz="1800" spc="-1" strike="noStrike">
-                <a:solidFill>
-                  <a:srgbClr val="17375e"/>
-                </a:solidFill>
-                <a:latin typeface="Calibri"/>
-              </a:rPr>
-              <a:t>23705 Facial Images</a:t>
-            </a:r>
-            <a:endParaRPr b="0" lang="en-US" sz="1800" spc="-1" strike="noStrike">
-              <a:latin typeface="Arial"/>
-            </a:endParaRPr>
-          </a:p>
-          <a:p>
-            <a:pPr lvl="1" marL="432000" indent="-216000">
-              <a:lnSpc>
-                <a:spcPct val="100000"/>
-              </a:lnSpc>
-              <a:buClr>
-                <a:srgbClr val="000000"/>
-              </a:buClr>
-              <a:buSzPct val="45000"/>
-              <a:buFont typeface="Wingdings" charset="2"/>
-              <a:buChar char=""/>
-            </a:pPr>
-            <a:r>
-              <a:rPr b="0" lang="en-US" sz="1800" spc="-1" strike="noStrike">
-                <a:solidFill>
-                  <a:srgbClr val="17375e"/>
-                </a:solidFill>
-                <a:latin typeface="Calibri"/>
-              </a:rPr>
-              <a:t>Image Size is 48 x 48 pixels </a:t>
-            </a:r>
-            <a:endParaRPr b="0" lang="en-US" sz="1800" spc="-1" strike="noStrike">
-              <a:latin typeface="Arial"/>
-            </a:endParaRPr>
-          </a:p>
-          <a:p>
-            <a:pPr lvl="1" marL="432000" indent="-216000">
-              <a:lnSpc>
-                <a:spcPct val="100000"/>
-              </a:lnSpc>
-              <a:buClr>
-                <a:srgbClr val="000000"/>
-              </a:buClr>
-              <a:buSzPct val="45000"/>
-              <a:buFont typeface="Wingdings" charset="2"/>
-              <a:buChar char=""/>
-            </a:pPr>
-            <a:endParaRPr b="0" lang="en-US" sz="1800" spc="-1" strike="noStrike">
-              <a:latin typeface="Arial"/>
-            </a:endParaRPr>
-          </a:p>
-          <a:p>
-            <a:pPr marL="285840" indent="-285480">
-              <a:lnSpc>
-                <a:spcPct val="100000"/>
-              </a:lnSpc>
-              <a:buClr>
-                <a:srgbClr val="17375e"/>
-              </a:buClr>
-              <a:buFont typeface="Arial"/>
-              <a:buChar char="•"/>
-            </a:pPr>
-            <a:r>
-              <a:rPr b="0" lang="en-US" sz="1800" spc="-1" strike="noStrike">
-                <a:solidFill>
-                  <a:srgbClr val="17375e"/>
-                </a:solidFill>
-                <a:latin typeface="Calibri"/>
-              </a:rPr>
-              <a:t>Classifications</a:t>
-            </a:r>
-            <a:endParaRPr b="0" lang="en-US" sz="1800" spc="-1" strike="noStrike">
-              <a:latin typeface="Arial"/>
-            </a:endParaRPr>
-          </a:p>
-          <a:p>
-            <a:pPr lvl="1" marL="432000" indent="-216000">
-              <a:lnSpc>
-                <a:spcPct val="100000"/>
-              </a:lnSpc>
-              <a:buClr>
-                <a:srgbClr val="000000"/>
-              </a:buClr>
-              <a:buSzPct val="45000"/>
-              <a:buFont typeface="Wingdings" charset="2"/>
-              <a:buChar char=""/>
-            </a:pPr>
-            <a:r>
-              <a:rPr b="0" lang="en-US" sz="1800" spc="-1" strike="noStrike">
-                <a:solidFill>
-                  <a:srgbClr val="17375e"/>
-                </a:solidFill>
-                <a:latin typeface="Calibri"/>
-              </a:rPr>
-              <a:t>Data is classified bases on three parameters:</a:t>
-            </a:r>
-            <a:endParaRPr b="0" lang="en-US" sz="1800" spc="-1" strike="noStrike">
-              <a:latin typeface="Arial"/>
-            </a:endParaRPr>
-          </a:p>
-          <a:p>
-            <a:pPr lvl="3" marL="864000" indent="-216000">
-              <a:lnSpc>
-                <a:spcPct val="100000"/>
-              </a:lnSpc>
-              <a:buClr>
-                <a:srgbClr val="000000"/>
-              </a:buClr>
-              <a:buSzPct val="45000"/>
-              <a:buFont typeface="Wingdings" charset="2"/>
-              <a:buChar char=""/>
-            </a:pPr>
-            <a:r>
-              <a:rPr b="0" lang="en-US" sz="1800" spc="-1" strike="noStrike">
-                <a:solidFill>
-                  <a:srgbClr val="17375e"/>
-                </a:solidFill>
-                <a:latin typeface="Calibri"/>
-              </a:rPr>
-              <a:t>Age, Ethnicity and Gender</a:t>
-            </a:r>
-            <a:endParaRPr b="0" lang="en-US" sz="1800" spc="-1" strike="noStrike">
-              <a:latin typeface="Arial"/>
-            </a:endParaRPr>
-          </a:p>
-          <a:p>
-            <a:pPr lvl="1" marL="432000" indent="-216000">
-              <a:lnSpc>
-                <a:spcPct val="100000"/>
-              </a:lnSpc>
-              <a:buClr>
-                <a:srgbClr val="000000"/>
-              </a:buClr>
-              <a:buSzPct val="45000"/>
-              <a:buFont typeface="Wingdings" charset="2"/>
-              <a:buChar char=""/>
-            </a:pPr>
-            <a:r>
-              <a:rPr b="0" lang="en-US" sz="1800" spc="-1" strike="noStrike">
-                <a:solidFill>
-                  <a:srgbClr val="17375e"/>
-                </a:solidFill>
-                <a:latin typeface="Calibri"/>
-              </a:rPr>
-              <a:t>Age has a range of 0 to 116</a:t>
-            </a:r>
-            <a:endParaRPr b="0" lang="en-US" sz="1800" spc="-1" strike="noStrike">
-              <a:latin typeface="Arial"/>
-            </a:endParaRPr>
-          </a:p>
-          <a:p>
-            <a:pPr lvl="1" marL="432000" indent="-216000">
-              <a:lnSpc>
-                <a:spcPct val="100000"/>
-              </a:lnSpc>
-              <a:buClr>
-                <a:srgbClr val="000000"/>
-              </a:buClr>
-              <a:buSzPct val="45000"/>
-              <a:buFont typeface="Wingdings" charset="2"/>
-              <a:buChar char=""/>
-            </a:pPr>
-            <a:r>
-              <a:rPr b="0" lang="en-US" sz="1800" spc="-1" strike="noStrike">
-                <a:solidFill>
-                  <a:srgbClr val="17375e"/>
-                </a:solidFill>
-                <a:latin typeface="Calibri"/>
-              </a:rPr>
-              <a:t>Ethnicity is broken down into 5 categories</a:t>
-            </a:r>
-            <a:endParaRPr b="0" lang="en-US" sz="1800" spc="-1" strike="noStrike">
-              <a:latin typeface="Arial"/>
-            </a:endParaRPr>
-          </a:p>
-          <a:p>
-            <a:pPr lvl="1" marL="432000" indent="-216000">
-              <a:lnSpc>
-                <a:spcPct val="100000"/>
-              </a:lnSpc>
-              <a:buClr>
-                <a:srgbClr val="000000"/>
-              </a:buClr>
-              <a:buSzPct val="45000"/>
-              <a:buFont typeface="Wingdings" charset="2"/>
-              <a:buChar char=""/>
-            </a:pPr>
-            <a:r>
-              <a:rPr b="0" lang="en-US" sz="1800" spc="-1" strike="noStrike">
-                <a:solidFill>
-                  <a:srgbClr val="17375e"/>
-                </a:solidFill>
-                <a:latin typeface="Calibri"/>
-              </a:rPr>
-              <a:t>Gender is classified as Male or Female</a:t>
-            </a:r>
-            <a:endParaRPr b="0" lang="en-US" sz="1800" spc="-1" strike="noStrike">
-              <a:latin typeface="Arial"/>
-            </a:endParaRPr>
-          </a:p>
-        </p:txBody>
-      </p:sp>
+      </p:pic>
     </p:spTree>
   </p:cSld>
   <mc:AlternateContent>
@@ -7146,14 +6757,14 @@
       </p:grpSpPr>
       <p:sp>
         <p:nvSpPr>
-          <p:cNvPr id="105" name="CustomShape 1"/>
+          <p:cNvPr id="98" name="CustomShape 1"/>
           <p:cNvSpPr/>
           <p:nvPr/>
         </p:nvSpPr>
         <p:spPr>
           <a:xfrm>
             <a:off x="457200" y="186840"/>
-            <a:ext cx="8228880" cy="1142280"/>
+            <a:ext cx="8228520" cy="1141920"/>
           </a:xfrm>
           <a:prstGeom prst="rect">
             <a:avLst/>
@@ -7185,8 +6796,9 @@
                   <a:srgbClr val="17375e"/>
                 </a:solidFill>
                 <a:latin typeface="Calibri"/>
-              </a:rPr>
-              <a:t>Data Distribution</a:t>
+                <a:ea typeface="DejaVu Sans"/>
+              </a:rPr>
+              <a:t>Data</a:t>
             </a:r>
             <a:endParaRPr b="0" lang="en-US" sz="4400" spc="-1" strike="noStrike">
               <a:latin typeface="Arial"/>
@@ -7196,14 +6808,14 @@
       </p:sp>
       <p:sp>
         <p:nvSpPr>
-          <p:cNvPr id="106" name="CustomShape 2"/>
+          <p:cNvPr id="99" name="CustomShape 2"/>
           <p:cNvSpPr/>
           <p:nvPr/>
         </p:nvSpPr>
         <p:spPr>
           <a:xfrm>
             <a:off x="621720" y="4210920"/>
-            <a:ext cx="3777840" cy="1265760"/>
+            <a:ext cx="3777480" cy="1265400"/>
           </a:xfrm>
           <a:prstGeom prst="rect">
             <a:avLst/>
@@ -7220,29 +6832,253 @@
           <a:fontRef idx="minor"/>
         </p:style>
       </p:sp>
-      <p:pic>
-        <p:nvPicPr>
-          <p:cNvPr id="107" name="" descr=""/>
-          <p:cNvPicPr/>
+      <p:sp>
+        <p:nvSpPr>
+          <p:cNvPr id="100" name="CustomShape 3"/>
+          <p:cNvSpPr/>
           <p:nvPr/>
-        </p:nvPicPr>
-        <p:blipFill>
-          <a:blip r:embed="rId2"/>
-          <a:stretch/>
-        </p:blipFill>
-        <p:spPr>
-          <a:xfrm>
-            <a:off x="365760" y="1737360"/>
-            <a:ext cx="8412480" cy="3931920"/>
-          </a:xfrm>
-          <a:prstGeom prst="rect">
-            <a:avLst/>
-          </a:prstGeom>
+        </p:nvSpPr>
+        <p:spPr>
+          <a:xfrm>
+            <a:off x="678240" y="1600200"/>
+            <a:ext cx="7002360" cy="2558520"/>
+          </a:xfrm>
+          <a:prstGeom prst="rect">
+            <a:avLst/>
+          </a:prstGeom>
+          <a:noFill/>
           <a:ln>
             <a:noFill/>
           </a:ln>
         </p:spPr>
-      </p:pic>
+        <p:style>
+          <a:lnRef idx="0"/>
+          <a:fillRef idx="0"/>
+          <a:effectRef idx="0"/>
+          <a:fontRef idx="minor"/>
+        </p:style>
+        <p:txBody>
+          <a:bodyPr lIns="90000" rIns="90000" tIns="45000" bIns="45000">
+            <a:spAutoFit/>
+          </a:bodyPr>
+          <a:p>
+            <a:pPr marL="285840" indent="-285120">
+              <a:lnSpc>
+                <a:spcPct val="100000"/>
+              </a:lnSpc>
+              <a:buClr>
+                <a:srgbClr val="17375e"/>
+              </a:buClr>
+              <a:buFont typeface="Arial"/>
+              <a:buChar char="•"/>
+            </a:pPr>
+            <a:r>
+              <a:rPr b="0" lang="en-US" sz="1800" spc="-1" strike="noStrike">
+                <a:solidFill>
+                  <a:srgbClr val="17375e"/>
+                </a:solidFill>
+                <a:latin typeface="Calibri"/>
+                <a:ea typeface="DejaVu Sans"/>
+              </a:rPr>
+              <a:t>23705 Facial Images</a:t>
+            </a:r>
+            <a:endParaRPr b="0" lang="en-US" sz="1800" spc="-1" strike="noStrike">
+              <a:latin typeface="Arial"/>
+            </a:endParaRPr>
+          </a:p>
+          <a:p>
+            <a:pPr lvl="1" marL="432000" indent="-215640">
+              <a:lnSpc>
+                <a:spcPct val="100000"/>
+              </a:lnSpc>
+              <a:buClr>
+                <a:srgbClr val="000000"/>
+              </a:buClr>
+              <a:buSzPct val="45000"/>
+              <a:buFont typeface="Wingdings" charset="2"/>
+              <a:buChar char=""/>
+            </a:pPr>
+            <a:r>
+              <a:rPr b="0" lang="en-US" sz="1800" spc="-1" strike="noStrike">
+                <a:solidFill>
+                  <a:srgbClr val="17375e"/>
+                </a:solidFill>
+                <a:latin typeface="Calibri"/>
+                <a:ea typeface="DejaVu Sans"/>
+              </a:rPr>
+              <a:t>Image Size is 48 x 48 pixels </a:t>
+            </a:r>
+            <a:endParaRPr b="0" lang="en-US" sz="1800" spc="-1" strike="noStrike">
+              <a:latin typeface="Arial"/>
+            </a:endParaRPr>
+          </a:p>
+          <a:p>
+            <a:pPr>
+              <a:lnSpc>
+                <a:spcPct val="100000"/>
+              </a:lnSpc>
+            </a:pPr>
+            <a:endParaRPr b="0" lang="en-US" sz="1800" spc="-1" strike="noStrike">
+              <a:latin typeface="Arial"/>
+            </a:endParaRPr>
+          </a:p>
+          <a:p>
+            <a:pPr marL="285840" indent="-285120">
+              <a:lnSpc>
+                <a:spcPct val="100000"/>
+              </a:lnSpc>
+              <a:buClr>
+                <a:srgbClr val="17375e"/>
+              </a:buClr>
+              <a:buFont typeface="Arial"/>
+              <a:buChar char="•"/>
+            </a:pPr>
+            <a:r>
+              <a:rPr b="0" lang="en-US" sz="1800" spc="-1" strike="noStrike">
+                <a:solidFill>
+                  <a:srgbClr val="17375e"/>
+                </a:solidFill>
+                <a:latin typeface="Calibri"/>
+                <a:ea typeface="DejaVu Sans"/>
+              </a:rPr>
+              <a:t>Classifications</a:t>
+            </a:r>
+            <a:endParaRPr b="0" lang="en-US" sz="1800" spc="-1" strike="noStrike">
+              <a:latin typeface="Arial"/>
+            </a:endParaRPr>
+          </a:p>
+          <a:p>
+            <a:pPr lvl="1" marL="432000" indent="-215640">
+              <a:lnSpc>
+                <a:spcPct val="100000"/>
+              </a:lnSpc>
+              <a:buClr>
+                <a:srgbClr val="000000"/>
+              </a:buClr>
+              <a:buSzPct val="45000"/>
+              <a:buFont typeface="Wingdings" charset="2"/>
+              <a:buChar char=""/>
+            </a:pPr>
+            <a:r>
+              <a:rPr b="0" lang="en-US" sz="1800" spc="-1" strike="noStrike">
+                <a:solidFill>
+                  <a:srgbClr val="17375e"/>
+                </a:solidFill>
+                <a:latin typeface="Calibri"/>
+                <a:ea typeface="DejaVu Sans"/>
+              </a:rPr>
+              <a:t>Data is classified bases on three parameters:</a:t>
+            </a:r>
+            <a:endParaRPr b="0" lang="en-US" sz="1800" spc="-1" strike="noStrike">
+              <a:latin typeface="Arial"/>
+            </a:endParaRPr>
+          </a:p>
+          <a:p>
+            <a:pPr lvl="3" marL="864000" indent="-215640">
+              <a:lnSpc>
+                <a:spcPct val="100000"/>
+              </a:lnSpc>
+              <a:buClr>
+                <a:srgbClr val="000000"/>
+              </a:buClr>
+              <a:buSzPct val="45000"/>
+              <a:buFont typeface="Wingdings" charset="2"/>
+              <a:buChar char=""/>
+            </a:pPr>
+            <a:r>
+              <a:rPr b="0" lang="en-US" sz="1800" spc="-1" strike="noStrike">
+                <a:solidFill>
+                  <a:srgbClr val="17375e"/>
+                </a:solidFill>
+                <a:latin typeface="Calibri"/>
+                <a:ea typeface="DejaVu Sans"/>
+              </a:rPr>
+              <a:t>Age, Ethnicity and Gender</a:t>
+            </a:r>
+            <a:endParaRPr b="0" lang="en-US" sz="1800" spc="-1" strike="noStrike">
+              <a:latin typeface="Arial"/>
+            </a:endParaRPr>
+          </a:p>
+          <a:p>
+            <a:pPr lvl="1" marL="432000" indent="-215640">
+              <a:lnSpc>
+                <a:spcPct val="100000"/>
+              </a:lnSpc>
+              <a:buClr>
+                <a:srgbClr val="000000"/>
+              </a:buClr>
+              <a:buSzPct val="45000"/>
+              <a:buFont typeface="Wingdings" charset="2"/>
+              <a:buChar char=""/>
+            </a:pPr>
+            <a:r>
+              <a:rPr b="0" lang="en-US" sz="1800" spc="-1" strike="noStrike">
+                <a:solidFill>
+                  <a:srgbClr val="17375e"/>
+                </a:solidFill>
+                <a:latin typeface="Calibri"/>
+                <a:ea typeface="DejaVu Sans"/>
+              </a:rPr>
+              <a:t>Age has a range of 0 to 116</a:t>
+            </a:r>
+            <a:endParaRPr b="0" lang="en-US" sz="1800" spc="-1" strike="noStrike">
+              <a:latin typeface="Arial"/>
+            </a:endParaRPr>
+          </a:p>
+          <a:p>
+            <a:pPr lvl="1" marL="432000" indent="-215640">
+              <a:lnSpc>
+                <a:spcPct val="100000"/>
+              </a:lnSpc>
+              <a:buClr>
+                <a:srgbClr val="000000"/>
+              </a:buClr>
+              <a:buSzPct val="45000"/>
+              <a:buFont typeface="Wingdings" charset="2"/>
+              <a:buChar char=""/>
+            </a:pPr>
+            <a:r>
+              <a:rPr b="0" lang="en-US" sz="1800" spc="-1" strike="noStrike">
+                <a:solidFill>
+                  <a:srgbClr val="17375e"/>
+                </a:solidFill>
+                <a:latin typeface="Calibri"/>
+                <a:ea typeface="DejaVu Sans"/>
+              </a:rPr>
+              <a:t>Ethnicity is broken down into 5 categories</a:t>
+            </a:r>
+            <a:endParaRPr b="0" lang="en-US" sz="1800" spc="-1" strike="noStrike">
+              <a:latin typeface="Arial"/>
+            </a:endParaRPr>
+          </a:p>
+          <a:p>
+            <a:pPr lvl="1" marL="432000" indent="-215640">
+              <a:lnSpc>
+                <a:spcPct val="100000"/>
+              </a:lnSpc>
+              <a:buClr>
+                <a:srgbClr val="000000"/>
+              </a:buClr>
+              <a:buSzPct val="45000"/>
+              <a:buFont typeface="Wingdings" charset="2"/>
+              <a:buChar char=""/>
+            </a:pPr>
+            <a:r>
+              <a:rPr b="0" lang="en-US" sz="1800" spc="-1" strike="noStrike">
+                <a:solidFill>
+                  <a:srgbClr val="17375e"/>
+                </a:solidFill>
+                <a:latin typeface="Calibri"/>
+                <a:ea typeface="DejaVu Sans"/>
+              </a:rPr>
+              <a:t>Gender is classified as Male or Female</a:t>
+            </a:r>
+            <a:endParaRPr b="0" lang="en-US" sz="1800" spc="-1" strike="noStrike">
+              <a:latin typeface="Arial"/>
+            </a:endParaRPr>
+          </a:p>
+        </p:txBody>
+      </p:sp>
     </p:spTree>
   </p:cSld>
   <mc:AlternateContent>

--- a/Project Presentaion - Group 2- v1.2.0.pptx
+++ b/Project Presentaion - Group 2- v1.2.0.pptx
@@ -3683,8 +3683,54 @@
         </p:blipFill>
         <p:spPr>
           <a:xfrm>
-            <a:off x="365760" y="1737360"/>
-            <a:ext cx="8412120" cy="3931560"/>
+            <a:off x="603360" y="1371600"/>
+            <a:ext cx="3008520" cy="2743200"/>
+          </a:xfrm>
+          <a:prstGeom prst="rect">
+            <a:avLst/>
+          </a:prstGeom>
+          <a:ln>
+            <a:noFill/>
+          </a:ln>
+        </p:spPr>
+      </p:pic>
+      <p:pic>
+        <p:nvPicPr>
+          <p:cNvPr id="104" name="" descr=""/>
+          <p:cNvPicPr/>
+          <p:nvPr/>
+        </p:nvPicPr>
+        <p:blipFill>
+          <a:blip r:embed="rId3"/>
+          <a:stretch/>
+        </p:blipFill>
+        <p:spPr>
+          <a:xfrm>
+            <a:off x="5486400" y="1328760"/>
+            <a:ext cx="3291840" cy="2743200"/>
+          </a:xfrm>
+          <a:prstGeom prst="rect">
+            <a:avLst/>
+          </a:prstGeom>
+          <a:ln>
+            <a:noFill/>
+          </a:ln>
+        </p:spPr>
+      </p:pic>
+      <p:pic>
+        <p:nvPicPr>
+          <p:cNvPr id="105" name="" descr=""/>
+          <p:cNvPicPr/>
+          <p:nvPr/>
+        </p:nvPicPr>
+        <p:blipFill>
+          <a:blip r:embed="rId4"/>
+          <a:stretch/>
+        </p:blipFill>
+        <p:spPr>
+          <a:xfrm>
+            <a:off x="3108960" y="3017520"/>
+            <a:ext cx="2706480" cy="2743200"/>
           </a:xfrm>
           <a:prstGeom prst="rect">
             <a:avLst/>
@@ -3736,7 +3782,7 @@
       </p:grpSpPr>
       <p:sp>
         <p:nvSpPr>
-          <p:cNvPr id="104" name="CustomShape 1"/>
+          <p:cNvPr id="106" name="CustomShape 1"/>
           <p:cNvSpPr/>
           <p:nvPr/>
         </p:nvSpPr>
@@ -3787,7 +3833,7 @@
       </p:sp>
       <p:sp>
         <p:nvSpPr>
-          <p:cNvPr id="105" name="CustomShape 2"/>
+          <p:cNvPr id="107" name="CustomShape 2"/>
           <p:cNvSpPr/>
           <p:nvPr/>
         </p:nvSpPr>
@@ -3813,7 +3859,7 @@
       </p:sp>
       <p:sp>
         <p:nvSpPr>
-          <p:cNvPr id="106" name="CustomShape 3"/>
+          <p:cNvPr id="108" name="CustomShape 3"/>
           <p:cNvSpPr/>
           <p:nvPr/>
         </p:nvSpPr>
@@ -3839,7 +3885,7 @@
       </p:sp>
       <p:sp>
         <p:nvSpPr>
-          <p:cNvPr id="107" name="CustomShape 4"/>
+          <p:cNvPr id="109" name="CustomShape 4"/>
           <p:cNvSpPr/>
           <p:nvPr/>
         </p:nvSpPr>
@@ -4208,7 +4254,7 @@
       </p:grpSpPr>
       <p:sp>
         <p:nvSpPr>
-          <p:cNvPr id="108" name="CustomShape 1"/>
+          <p:cNvPr id="110" name="CustomShape 1"/>
           <p:cNvSpPr/>
           <p:nvPr/>
         </p:nvSpPr>
@@ -4259,7 +4305,7 @@
       </p:sp>
       <p:sp>
         <p:nvSpPr>
-          <p:cNvPr id="109" name="CustomShape 2"/>
+          <p:cNvPr id="111" name="CustomShape 2"/>
           <p:cNvSpPr/>
           <p:nvPr/>
         </p:nvSpPr>
@@ -4285,7 +4331,7 @@
       </p:sp>
       <p:pic>
         <p:nvPicPr>
-          <p:cNvPr id="110" name="" descr=""/>
+          <p:cNvPr id="112" name="" descr=""/>
           <p:cNvPicPr/>
           <p:nvPr/>
         </p:nvPicPr>
@@ -4308,7 +4354,7 @@
       </p:pic>
       <p:pic>
         <p:nvPicPr>
-          <p:cNvPr id="111" name="" descr=""/>
+          <p:cNvPr id="113" name="" descr=""/>
           <p:cNvPicPr/>
           <p:nvPr/>
         </p:nvPicPr>
@@ -4331,7 +4377,7 @@
       </p:pic>
       <p:pic>
         <p:nvPicPr>
-          <p:cNvPr id="112" name="" descr=""/>
+          <p:cNvPr id="114" name="" descr=""/>
           <p:cNvPicPr/>
           <p:nvPr/>
         </p:nvPicPr>
@@ -4394,7 +4440,7 @@
       </p:grpSpPr>
       <p:sp>
         <p:nvSpPr>
-          <p:cNvPr id="113" name="CustomShape 1"/>
+          <p:cNvPr id="115" name="CustomShape 1"/>
           <p:cNvSpPr/>
           <p:nvPr/>
         </p:nvSpPr>
@@ -4445,7 +4491,7 @@
       </p:sp>
       <p:sp>
         <p:nvSpPr>
-          <p:cNvPr id="114" name="CustomShape 2"/>
+          <p:cNvPr id="116" name="CustomShape 2"/>
           <p:cNvSpPr/>
           <p:nvPr/>
         </p:nvSpPr>
@@ -4471,7 +4517,7 @@
       </p:sp>
       <p:sp>
         <p:nvSpPr>
-          <p:cNvPr id="115" name="CustomShape 3"/>
+          <p:cNvPr id="117" name="CustomShape 3"/>
           <p:cNvSpPr/>
           <p:nvPr/>
         </p:nvSpPr>
@@ -4537,7 +4583,7 @@
       </p:grpSpPr>
       <p:sp>
         <p:nvSpPr>
-          <p:cNvPr id="116" name="CustomShape 1"/>
+          <p:cNvPr id="118" name="CustomShape 1"/>
           <p:cNvSpPr/>
           <p:nvPr/>
         </p:nvSpPr>
@@ -4588,7 +4634,7 @@
       </p:sp>
       <p:sp>
         <p:nvSpPr>
-          <p:cNvPr id="117" name="CustomShape 2"/>
+          <p:cNvPr id="119" name="CustomShape 2"/>
           <p:cNvSpPr/>
           <p:nvPr/>
         </p:nvSpPr>
@@ -4614,7 +4660,7 @@
       </p:sp>
       <p:sp>
         <p:nvSpPr>
-          <p:cNvPr id="118" name="CustomShape 3"/>
+          <p:cNvPr id="120" name="CustomShape 3"/>
           <p:cNvSpPr/>
           <p:nvPr/>
         </p:nvSpPr>
@@ -4680,7 +4726,7 @@
       </p:grpSpPr>
       <p:sp>
         <p:nvSpPr>
-          <p:cNvPr id="119" name="CustomShape 1"/>
+          <p:cNvPr id="121" name="CustomShape 1"/>
           <p:cNvSpPr/>
           <p:nvPr/>
         </p:nvSpPr>
@@ -4731,7 +4777,7 @@
       </p:sp>
       <p:sp>
         <p:nvSpPr>
-          <p:cNvPr id="120" name="CustomShape 2"/>
+          <p:cNvPr id="122" name="CustomShape 2"/>
           <p:cNvSpPr/>
           <p:nvPr/>
         </p:nvSpPr>
@@ -4757,7 +4803,7 @@
       </p:sp>
       <p:sp>
         <p:nvSpPr>
-          <p:cNvPr id="121" name="CustomShape 3"/>
+          <p:cNvPr id="123" name="CustomShape 3"/>
           <p:cNvSpPr/>
           <p:nvPr/>
         </p:nvSpPr>
@@ -4823,7 +4869,7 @@
       </p:grpSpPr>
       <p:sp>
         <p:nvSpPr>
-          <p:cNvPr id="122" name="CustomShape 1"/>
+          <p:cNvPr id="124" name="CustomShape 1"/>
           <p:cNvSpPr/>
           <p:nvPr/>
         </p:nvSpPr>
@@ -4913,7 +4959,7 @@
       </p:grpSpPr>
       <p:sp>
         <p:nvSpPr>
-          <p:cNvPr id="123" name="CustomShape 1"/>
+          <p:cNvPr id="125" name="CustomShape 1"/>
           <p:cNvSpPr/>
           <p:nvPr/>
         </p:nvSpPr>
@@ -6841,7 +6887,7 @@
         <p:spPr>
           <a:xfrm>
             <a:off x="678240" y="1600200"/>
-            <a:ext cx="7002360" cy="2558520"/>
+            <a:ext cx="7002360" cy="3107160"/>
           </a:xfrm>
           <a:prstGeom prst="rect">
             <a:avLst/>
@@ -7072,6 +7118,47 @@
                 <a:ea typeface="DejaVu Sans"/>
               </a:rPr>
               <a:t>Gender is classified as Male or Female</a:t>
+            </a:r>
+            <a:endParaRPr b="0" lang="en-US" sz="1800" spc="-1" strike="noStrike">
+              <a:latin typeface="Arial"/>
+            </a:endParaRPr>
+          </a:p>
+          <a:p>
+            <a:pPr lvl="1" marL="432000" indent="-215640">
+              <a:lnSpc>
+                <a:spcPct val="100000"/>
+              </a:lnSpc>
+              <a:buClr>
+                <a:srgbClr val="000000"/>
+              </a:buClr>
+              <a:buSzPct val="45000"/>
+              <a:buFont typeface="Wingdings" charset="2"/>
+              <a:buChar char=""/>
+            </a:pPr>
+            <a:endParaRPr b="0" lang="en-US" sz="1800" spc="-1" strike="noStrike">
+              <a:latin typeface="Arial"/>
+            </a:endParaRPr>
+          </a:p>
+          <a:p>
+            <a:pPr marL="285840" indent="-285120">
+              <a:lnSpc>
+                <a:spcPct val="100000"/>
+              </a:lnSpc>
+              <a:buClr>
+                <a:srgbClr val="17375e"/>
+              </a:buClr>
+              <a:buFont typeface="Arial"/>
+              <a:buChar char="•"/>
+            </a:pPr>
+            <a:r>
+              <a:rPr b="0" lang="en-US" sz="1800" spc="-1" strike="noStrike">
+                <a:solidFill>
+                  <a:srgbClr val="17375e"/>
+                </a:solidFill>
+                <a:latin typeface="Calibri"/>
+                <a:ea typeface="DejaVu Sans"/>
+              </a:rPr>
+              <a:t>Data Distribution was not uniform</a:t>
             </a:r>
             <a:endParaRPr b="0" lang="en-US" sz="1800" spc="-1" strike="noStrike">
               <a:latin typeface="Arial"/>

--- a/Project Presentaion - Group 2- v1.2.0.pptx
+++ b/Project Presentaion - Group 2- v1.2.0.pptx
@@ -3596,7 +3596,7 @@
       </p:grpSpPr>
       <p:sp>
         <p:nvSpPr>
-          <p:cNvPr id="101" name="CustomShape 1"/>
+          <p:cNvPr id="102" name="CustomShape 1"/>
           <p:cNvSpPr/>
           <p:nvPr/>
         </p:nvSpPr>
@@ -3647,7 +3647,7 @@
       </p:sp>
       <p:sp>
         <p:nvSpPr>
-          <p:cNvPr id="102" name="CustomShape 2"/>
+          <p:cNvPr id="103" name="CustomShape 2"/>
           <p:cNvSpPr/>
           <p:nvPr/>
         </p:nvSpPr>
@@ -3673,7 +3673,7 @@
       </p:sp>
       <p:pic>
         <p:nvPicPr>
-          <p:cNvPr id="103" name="" descr=""/>
+          <p:cNvPr id="104" name="" descr=""/>
           <p:cNvPicPr/>
           <p:nvPr/>
         </p:nvPicPr>
@@ -3696,7 +3696,7 @@
       </p:pic>
       <p:pic>
         <p:nvPicPr>
-          <p:cNvPr id="104" name="" descr=""/>
+          <p:cNvPr id="105" name="" descr=""/>
           <p:cNvPicPr/>
           <p:nvPr/>
         </p:nvPicPr>
@@ -3719,7 +3719,7 @@
       </p:pic>
       <p:pic>
         <p:nvPicPr>
-          <p:cNvPr id="105" name="" descr=""/>
+          <p:cNvPr id="106" name="" descr=""/>
           <p:cNvPicPr/>
           <p:nvPr/>
         </p:nvPicPr>
@@ -3782,7 +3782,7 @@
       </p:grpSpPr>
       <p:sp>
         <p:nvSpPr>
-          <p:cNvPr id="106" name="CustomShape 1"/>
+          <p:cNvPr id="107" name="CustomShape 1"/>
           <p:cNvSpPr/>
           <p:nvPr/>
         </p:nvSpPr>
@@ -3833,7 +3833,7 @@
       </p:sp>
       <p:sp>
         <p:nvSpPr>
-          <p:cNvPr id="107" name="CustomShape 2"/>
+          <p:cNvPr id="108" name="CustomShape 2"/>
           <p:cNvSpPr/>
           <p:nvPr/>
         </p:nvSpPr>
@@ -3859,7 +3859,7 @@
       </p:sp>
       <p:sp>
         <p:nvSpPr>
-          <p:cNvPr id="108" name="CustomShape 3"/>
+          <p:cNvPr id="109" name="CustomShape 3"/>
           <p:cNvSpPr/>
           <p:nvPr/>
         </p:nvSpPr>
@@ -3885,7 +3885,7 @@
       </p:sp>
       <p:sp>
         <p:nvSpPr>
-          <p:cNvPr id="109" name="CustomShape 4"/>
+          <p:cNvPr id="110" name="CustomShape 4"/>
           <p:cNvSpPr/>
           <p:nvPr/>
         </p:nvSpPr>
@@ -4254,7 +4254,7 @@
       </p:grpSpPr>
       <p:sp>
         <p:nvSpPr>
-          <p:cNvPr id="110" name="CustomShape 1"/>
+          <p:cNvPr id="111" name="CustomShape 1"/>
           <p:cNvSpPr/>
           <p:nvPr/>
         </p:nvSpPr>
@@ -4305,7 +4305,7 @@
       </p:sp>
       <p:sp>
         <p:nvSpPr>
-          <p:cNvPr id="111" name="CustomShape 2"/>
+          <p:cNvPr id="112" name="CustomShape 2"/>
           <p:cNvSpPr/>
           <p:nvPr/>
         </p:nvSpPr>
@@ -4331,7 +4331,7 @@
       </p:sp>
       <p:pic>
         <p:nvPicPr>
-          <p:cNvPr id="112" name="" descr=""/>
+          <p:cNvPr id="113" name="" descr=""/>
           <p:cNvPicPr/>
           <p:nvPr/>
         </p:nvPicPr>
@@ -4354,7 +4354,7 @@
       </p:pic>
       <p:pic>
         <p:nvPicPr>
-          <p:cNvPr id="113" name="" descr=""/>
+          <p:cNvPr id="114" name="" descr=""/>
           <p:cNvPicPr/>
           <p:nvPr/>
         </p:nvPicPr>
@@ -4377,7 +4377,7 @@
       </p:pic>
       <p:pic>
         <p:nvPicPr>
-          <p:cNvPr id="114" name="" descr=""/>
+          <p:cNvPr id="115" name="" descr=""/>
           <p:cNvPicPr/>
           <p:nvPr/>
         </p:nvPicPr>
@@ -4440,7 +4440,7 @@
       </p:grpSpPr>
       <p:sp>
         <p:nvSpPr>
-          <p:cNvPr id="115" name="CustomShape 1"/>
+          <p:cNvPr id="116" name="CustomShape 1"/>
           <p:cNvSpPr/>
           <p:nvPr/>
         </p:nvSpPr>
@@ -4491,7 +4491,7 @@
       </p:sp>
       <p:sp>
         <p:nvSpPr>
-          <p:cNvPr id="116" name="CustomShape 2"/>
+          <p:cNvPr id="117" name="CustomShape 2"/>
           <p:cNvSpPr/>
           <p:nvPr/>
         </p:nvSpPr>
@@ -4517,7 +4517,7 @@
       </p:sp>
       <p:sp>
         <p:nvSpPr>
-          <p:cNvPr id="117" name="CustomShape 3"/>
+          <p:cNvPr id="118" name="CustomShape 3"/>
           <p:cNvSpPr/>
           <p:nvPr/>
         </p:nvSpPr>
@@ -4583,7 +4583,7 @@
       </p:grpSpPr>
       <p:sp>
         <p:nvSpPr>
-          <p:cNvPr id="118" name="CustomShape 1"/>
+          <p:cNvPr id="119" name="CustomShape 1"/>
           <p:cNvSpPr/>
           <p:nvPr/>
         </p:nvSpPr>
@@ -4634,7 +4634,7 @@
       </p:sp>
       <p:sp>
         <p:nvSpPr>
-          <p:cNvPr id="119" name="CustomShape 2"/>
+          <p:cNvPr id="120" name="CustomShape 2"/>
           <p:cNvSpPr/>
           <p:nvPr/>
         </p:nvSpPr>
@@ -4660,7 +4660,7 @@
       </p:sp>
       <p:sp>
         <p:nvSpPr>
-          <p:cNvPr id="120" name="CustomShape 3"/>
+          <p:cNvPr id="121" name="CustomShape 3"/>
           <p:cNvSpPr/>
           <p:nvPr/>
         </p:nvSpPr>
@@ -4726,7 +4726,7 @@
       </p:grpSpPr>
       <p:sp>
         <p:nvSpPr>
-          <p:cNvPr id="121" name="CustomShape 1"/>
+          <p:cNvPr id="122" name="CustomShape 1"/>
           <p:cNvSpPr/>
           <p:nvPr/>
         </p:nvSpPr>
@@ -4777,7 +4777,7 @@
       </p:sp>
       <p:sp>
         <p:nvSpPr>
-          <p:cNvPr id="122" name="CustomShape 2"/>
+          <p:cNvPr id="123" name="CustomShape 2"/>
           <p:cNvSpPr/>
           <p:nvPr/>
         </p:nvSpPr>
@@ -4803,7 +4803,7 @@
       </p:sp>
       <p:sp>
         <p:nvSpPr>
-          <p:cNvPr id="123" name="CustomShape 3"/>
+          <p:cNvPr id="124" name="CustomShape 3"/>
           <p:cNvSpPr/>
           <p:nvPr/>
         </p:nvSpPr>
@@ -4869,7 +4869,7 @@
       </p:grpSpPr>
       <p:sp>
         <p:nvSpPr>
-          <p:cNvPr id="124" name="CustomShape 1"/>
+          <p:cNvPr id="125" name="CustomShape 1"/>
           <p:cNvSpPr/>
           <p:nvPr/>
         </p:nvSpPr>
@@ -4959,7 +4959,7 @@
       </p:grpSpPr>
       <p:sp>
         <p:nvSpPr>
-          <p:cNvPr id="125" name="CustomShape 1"/>
+          <p:cNvPr id="126" name="CustomShape 1"/>
           <p:cNvSpPr/>
           <p:nvPr/>
         </p:nvSpPr>
@@ -5550,7 +5550,7 @@
         <p:spPr>
           <a:xfrm>
             <a:off x="678240" y="1600200"/>
-            <a:ext cx="7368120" cy="2832840"/>
+            <a:ext cx="7368120" cy="3381480"/>
           </a:xfrm>
           <a:prstGeom prst="rect">
             <a:avLst/>
@@ -5659,7 +5659,47 @@
                 <a:latin typeface="Calibri"/>
                 <a:ea typeface="DejaVu Sans"/>
               </a:rPr>
-              <a:t>Create a single model that can determine all Three of the categories </a:t>
+              <a:t>Create a single model that can determine all Three of the categories</a:t>
+            </a:r>
+            <a:endParaRPr b="0" lang="en-US" sz="1800" spc="-1" strike="noStrike">
+              <a:latin typeface="Arial"/>
+            </a:endParaRPr>
+          </a:p>
+          <a:p>
+            <a:pPr marL="285840" indent="-285120">
+              <a:lnSpc>
+                <a:spcPct val="100000"/>
+              </a:lnSpc>
+              <a:buClr>
+                <a:srgbClr val="17375e"/>
+              </a:buClr>
+              <a:buFont typeface="Arial"/>
+              <a:buChar char="•"/>
+            </a:pPr>
+            <a:endParaRPr b="0" lang="en-US" sz="1800" spc="-1" strike="noStrike">
+              <a:latin typeface="Arial"/>
+            </a:endParaRPr>
+          </a:p>
+          <a:p>
+            <a:pPr marL="285840" indent="-285120">
+              <a:lnSpc>
+                <a:spcPct val="100000"/>
+              </a:lnSpc>
+              <a:buClr>
+                <a:srgbClr val="17375e"/>
+              </a:buClr>
+              <a:buFont typeface="Arial"/>
+              <a:buChar char="•"/>
+            </a:pPr>
+            <a:r>
+              <a:rPr b="0" lang="en-US" sz="1800" spc="-1" strike="noStrike">
+                <a:solidFill>
+                  <a:srgbClr val="17375e"/>
+                </a:solidFill>
+                <a:latin typeface="Calibri"/>
+                <a:ea typeface="DejaVu Sans"/>
+              </a:rPr>
+              <a:t>Determine mood of person based on image (Happy, Sad, etc.) </a:t>
             </a:r>
             <a:endParaRPr b="0" lang="en-US" sz="1800" spc="-1" strike="noStrike">
               <a:latin typeface="Arial"/>
@@ -6073,6 +6113,42 @@
           </a:ln>
         </p:spPr>
       </p:pic>
+      <p:sp>
+        <p:nvSpPr>
+          <p:cNvPr id="91" name="TextShape 3"/>
+          <p:cNvSpPr txBox="1"/>
+          <p:nvPr/>
+        </p:nvSpPr>
+        <p:spPr>
+          <a:xfrm>
+            <a:off x="2286000" y="1188720"/>
+            <a:ext cx="4909680" cy="401400"/>
+          </a:xfrm>
+          <a:prstGeom prst="rect">
+            <a:avLst/>
+          </a:prstGeom>
+          <a:noFill/>
+          <a:ln>
+            <a:noFill/>
+          </a:ln>
+        </p:spPr>
+        <p:txBody>
+          <a:bodyPr lIns="90000" rIns="90000" tIns="45000" bIns="45000">
+            <a:spAutoFit/>
+          </a:bodyPr>
+          <a:p>
+            <a:r>
+              <a:rPr b="0" lang="en-US" sz="1800" spc="-1" strike="noStrike">
+                <a:latin typeface="Noto Sans"/>
+              </a:rPr>
+              <a:t>Diagram of a Machine Learning (ML) system</a:t>
+            </a:r>
+            <a:endParaRPr b="0" lang="en-US" sz="1800" spc="-1" strike="noStrike">
+              <a:latin typeface="Arial"/>
+            </a:endParaRPr>
+          </a:p>
+        </p:txBody>
+      </p:sp>
     </p:spTree>
   </p:cSld>
   <mc:AlternateContent>
@@ -6115,7 +6191,7 @@
       </p:grpSpPr>
       <p:sp>
         <p:nvSpPr>
-          <p:cNvPr id="91" name="CustomShape 1"/>
+          <p:cNvPr id="92" name="CustomShape 1"/>
           <p:cNvSpPr/>
           <p:nvPr/>
         </p:nvSpPr>
@@ -6166,7 +6242,7 @@
       </p:sp>
       <p:sp>
         <p:nvSpPr>
-          <p:cNvPr id="92" name="CustomShape 2"/>
+          <p:cNvPr id="93" name="CustomShape 2"/>
           <p:cNvSpPr/>
           <p:nvPr/>
         </p:nvSpPr>
@@ -6217,7 +6293,7 @@
       </p:sp>
       <p:sp>
         <p:nvSpPr>
-          <p:cNvPr id="93" name="CustomShape 3"/>
+          <p:cNvPr id="94" name="CustomShape 3"/>
           <p:cNvSpPr/>
           <p:nvPr/>
         </p:nvSpPr>
@@ -6522,7 +6598,7 @@
       </p:grpSpPr>
       <p:sp>
         <p:nvSpPr>
-          <p:cNvPr id="94" name="CustomShape 1"/>
+          <p:cNvPr id="95" name="CustomShape 1"/>
           <p:cNvSpPr/>
           <p:nvPr/>
         </p:nvSpPr>
@@ -6573,14 +6649,14 @@
       </p:sp>
       <p:sp>
         <p:nvSpPr>
-          <p:cNvPr id="95" name="CustomShape 2"/>
+          <p:cNvPr id="96" name="CustomShape 2"/>
           <p:cNvSpPr/>
           <p:nvPr/>
         </p:nvSpPr>
         <p:spPr>
           <a:xfrm>
-            <a:off x="731520" y="1667520"/>
-            <a:ext cx="3910680" cy="912960"/>
+            <a:off x="365760" y="1667520"/>
+            <a:ext cx="8321040" cy="3107160"/>
           </a:xfrm>
           <a:prstGeom prst="rect">
             <a:avLst/>
@@ -6619,8 +6695,183 @@
                 <a:latin typeface="Calibri"/>
                 <a:ea typeface="DejaVu Sans"/>
               </a:rPr>
-              <a:t> </a:t>
-            </a:r>
+              <a:t>Research what others had done to solve the same problem and study their models.</a:t>
+            </a:r>
+            <a:endParaRPr b="0" lang="en-US" sz="1800" spc="-1" strike="noStrike">
+              <a:latin typeface="Arial"/>
+            </a:endParaRPr>
+          </a:p>
+          <a:p>
+            <a:pPr marL="285840" indent="-285120">
+              <a:lnSpc>
+                <a:spcPct val="100000"/>
+              </a:lnSpc>
+              <a:buClr>
+                <a:srgbClr val="17375e"/>
+              </a:buClr>
+              <a:buFont typeface="Arial"/>
+              <a:buChar char="•"/>
+            </a:pPr>
+            <a:endParaRPr b="0" lang="en-US" sz="1800" spc="-1" strike="noStrike">
+              <a:latin typeface="Arial"/>
+            </a:endParaRPr>
+          </a:p>
+          <a:p>
+            <a:pPr marL="285840" indent="-285120">
+              <a:lnSpc>
+                <a:spcPct val="100000"/>
+              </a:lnSpc>
+              <a:buClr>
+                <a:srgbClr val="17375e"/>
+              </a:buClr>
+              <a:buFont typeface="Arial"/>
+              <a:buChar char="•"/>
+            </a:pPr>
+            <a:r>
+              <a:rPr b="0" lang="en-US" sz="1800" spc="-1" strike="noStrike">
+                <a:solidFill>
+                  <a:srgbClr val="17375e"/>
+                </a:solidFill>
+                <a:latin typeface="Calibri"/>
+                <a:ea typeface="DejaVu Sans"/>
+              </a:rPr>
+              <a:t>Create and Experiment with various Models to determine what path to follow.</a:t>
+            </a:r>
+            <a:endParaRPr b="0" lang="en-US" sz="1800" spc="-1" strike="noStrike">
+              <a:latin typeface="Arial"/>
+            </a:endParaRPr>
+          </a:p>
+          <a:p>
+            <a:pPr lvl="1" marL="432000" indent="-216000">
+              <a:lnSpc>
+                <a:spcPct val="100000"/>
+              </a:lnSpc>
+              <a:buClr>
+                <a:srgbClr val="000000"/>
+              </a:buClr>
+              <a:buSzPct val="45000"/>
+              <a:buFont typeface="Wingdings" charset="2"/>
+              <a:buChar char=""/>
+            </a:pPr>
+            <a:r>
+              <a:rPr b="0" lang="en-US" sz="1800" spc="-1" strike="noStrike">
+                <a:solidFill>
+                  <a:srgbClr val="17375e"/>
+                </a:solidFill>
+                <a:latin typeface="Calibri"/>
+                <a:ea typeface="DejaVu Sans"/>
+              </a:rPr>
+              <a:t>One model with 3 branches, one for age, ethnicity, and gender each.</a:t>
+            </a:r>
+            <a:endParaRPr b="0" lang="en-US" sz="1800" spc="-1" strike="noStrike">
+              <a:latin typeface="Arial"/>
+            </a:endParaRPr>
+          </a:p>
+          <a:p>
+            <a:pPr lvl="1" marL="432000" indent="-216000">
+              <a:lnSpc>
+                <a:spcPct val="100000"/>
+              </a:lnSpc>
+              <a:buClr>
+                <a:srgbClr val="000000"/>
+              </a:buClr>
+              <a:buSzPct val="45000"/>
+              <a:buFont typeface="Wingdings" charset="2"/>
+              <a:buChar char=""/>
+            </a:pPr>
+            <a:r>
+              <a:rPr b="0" lang="en-US" sz="1800" spc="-1" strike="noStrike">
+                <a:solidFill>
+                  <a:srgbClr val="17375e"/>
+                </a:solidFill>
+                <a:latin typeface="Calibri"/>
+                <a:ea typeface="DejaVu Sans"/>
+              </a:rPr>
+              <a:t>Merge parameters into single parameter, creating single branch model.</a:t>
+            </a:r>
+            <a:endParaRPr b="0" lang="en-US" sz="1800" spc="-1" strike="noStrike">
+              <a:latin typeface="Arial"/>
+            </a:endParaRPr>
+          </a:p>
+          <a:p>
+            <a:pPr lvl="1" marL="432000" indent="-216000">
+              <a:lnSpc>
+                <a:spcPct val="100000"/>
+              </a:lnSpc>
+              <a:buClr>
+                <a:srgbClr val="000000"/>
+              </a:buClr>
+              <a:buSzPct val="45000"/>
+              <a:buFont typeface="Wingdings" charset="2"/>
+              <a:buChar char=""/>
+            </a:pPr>
+            <a:r>
+              <a:rPr b="0" lang="en-US" sz="1800" spc="-1" strike="noStrike">
+                <a:solidFill>
+                  <a:srgbClr val="17375e"/>
+                </a:solidFill>
+                <a:latin typeface="Calibri"/>
+                <a:ea typeface="DejaVu Sans"/>
+              </a:rPr>
+              <a:t>We settled on One mode with 3 branches.</a:t>
+            </a:r>
+            <a:endParaRPr b="0" lang="en-US" sz="1800" spc="-1" strike="noStrike">
+              <a:latin typeface="Arial"/>
+            </a:endParaRPr>
+          </a:p>
+          <a:p>
+            <a:pPr lvl="1" marL="432000" indent="-216000">
+              <a:lnSpc>
+                <a:spcPct val="100000"/>
+              </a:lnSpc>
+              <a:buClr>
+                <a:srgbClr val="000000"/>
+              </a:buClr>
+              <a:buSzPct val="45000"/>
+              <a:buFont typeface="Wingdings" charset="2"/>
+              <a:buChar char=""/>
+            </a:pPr>
+            <a:endParaRPr b="0" lang="en-US" sz="1800" spc="-1" strike="noStrike">
+              <a:latin typeface="Arial"/>
+            </a:endParaRPr>
+          </a:p>
+          <a:p>
+            <a:pPr marL="285840" indent="-285120">
+              <a:lnSpc>
+                <a:spcPct val="100000"/>
+              </a:lnSpc>
+              <a:buClr>
+                <a:srgbClr val="17375e"/>
+              </a:buClr>
+              <a:buFont typeface="Arial"/>
+              <a:buChar char="•"/>
+            </a:pPr>
+            <a:r>
+              <a:rPr b="0" lang="en-US" sz="1800" spc="-1" strike="noStrike">
+                <a:solidFill>
+                  <a:srgbClr val="17375e"/>
+                </a:solidFill>
+                <a:latin typeface="Calibri"/>
+                <a:ea typeface="DejaVu Sans"/>
+              </a:rPr>
+              <a:t>TBD</a:t>
+            </a:r>
+            <a:endParaRPr b="0" lang="en-US" sz="1800" spc="-1" strike="noStrike">
+              <a:latin typeface="Arial"/>
+            </a:endParaRPr>
+          </a:p>
+          <a:p>
+            <a:pPr lvl="1" marL="432000" indent="-216000">
+              <a:lnSpc>
+                <a:spcPct val="100000"/>
+              </a:lnSpc>
+              <a:buClr>
+                <a:srgbClr val="000000"/>
+              </a:buClr>
+              <a:buSzPct val="45000"/>
+              <a:buFont typeface="Wingdings" charset="2"/>
+              <a:buChar char=""/>
+            </a:pPr>
             <a:endParaRPr b="0" lang="en-US" sz="1800" spc="-1" strike="noStrike">
               <a:latin typeface="Arial"/>
             </a:endParaRPr>
@@ -6689,7 +6940,7 @@
       </p:grpSpPr>
       <p:sp>
         <p:nvSpPr>
-          <p:cNvPr id="96" name="CustomShape 1"/>
+          <p:cNvPr id="97" name="CustomShape 1"/>
           <p:cNvSpPr/>
           <p:nvPr/>
         </p:nvSpPr>
@@ -6740,7 +6991,7 @@
       </p:sp>
       <p:pic>
         <p:nvPicPr>
-          <p:cNvPr id="97" name="" descr=""/>
+          <p:cNvPr id="98" name="" descr=""/>
           <p:cNvPicPr/>
           <p:nvPr/>
         </p:nvPicPr>
@@ -6803,7 +7054,7 @@
       </p:grpSpPr>
       <p:sp>
         <p:nvSpPr>
-          <p:cNvPr id="98" name="CustomShape 1"/>
+          <p:cNvPr id="99" name="CustomShape 1"/>
           <p:cNvSpPr/>
           <p:nvPr/>
         </p:nvSpPr>
@@ -6854,7 +7105,7 @@
       </p:sp>
       <p:sp>
         <p:nvSpPr>
-          <p:cNvPr id="99" name="CustomShape 2"/>
+          <p:cNvPr id="100" name="CustomShape 2"/>
           <p:cNvSpPr/>
           <p:nvPr/>
         </p:nvSpPr>
@@ -6880,7 +7131,7 @@
       </p:sp>
       <p:sp>
         <p:nvSpPr>
-          <p:cNvPr id="100" name="CustomShape 3"/>
+          <p:cNvPr id="101" name="CustomShape 3"/>
           <p:cNvSpPr/>
           <p:nvPr/>
         </p:nvSpPr>

--- a/Project Presentaion - Group 2- v1.2.0.pptx
+++ b/Project Presentaion - Group 2- v1.2.0.pptx
@@ -23,6 +23,8 @@
     <p:sldId id="270" r:id="rId18"/>
     <p:sldId id="271" r:id="rId19"/>
     <p:sldId id="272" r:id="rId20"/>
+    <p:sldId id="273" r:id="rId21"/>
+    <p:sldId id="274" r:id="rId22"/>
   </p:sldIdLst>
   <p:sldSz cx="9144000" cy="6858000"/>
   <p:notesSz cx="7772400" cy="10058400"/>
@@ -3336,6 +3338,26 @@
               <a:latin typeface="Arial"/>
             </a:endParaRPr>
           </a:p>
+          <a:p>
+            <a:pPr algn="ctr">
+              <a:lnSpc>
+                <a:spcPct val="100000"/>
+              </a:lnSpc>
+            </a:pPr>
+            <a:r>
+              <a:rPr b="0" lang="en-US" sz="3600" spc="-1" strike="noStrike">
+                <a:solidFill>
+                  <a:srgbClr val="17375e"/>
+                </a:solidFill>
+                <a:latin typeface="Calibri"/>
+                <a:ea typeface="DejaVu Sans"/>
+              </a:rPr>
+              <a:t>Group 2</a:t>
+            </a:r>
+            <a:endParaRPr b="0" lang="en-US" sz="3600" spc="-1" strike="noStrike">
+              <a:latin typeface="Arial"/>
+            </a:endParaRPr>
+          </a:p>
         </p:txBody>
       </p:sp>
       <p:sp>
@@ -3596,7 +3618,7 @@
       </p:grpSpPr>
       <p:sp>
         <p:nvSpPr>
-          <p:cNvPr id="102" name="CustomShape 1"/>
+          <p:cNvPr id="111" name="CustomShape 1"/>
           <p:cNvSpPr/>
           <p:nvPr/>
         </p:nvSpPr>
@@ -3637,7 +3659,7 @@
                 <a:latin typeface="Calibri"/>
                 <a:ea typeface="DejaVu Sans"/>
               </a:rPr>
-              <a:t>Data Distribution</a:t>
+              <a:t>Data</a:t>
             </a:r>
             <a:endParaRPr b="0" lang="en-US" sz="4400" spc="-1" strike="noStrike">
               <a:latin typeface="Arial"/>
@@ -3647,7 +3669,7 @@
       </p:sp>
       <p:sp>
         <p:nvSpPr>
-          <p:cNvPr id="103" name="CustomShape 2"/>
+          <p:cNvPr id="112" name="CustomShape 2"/>
           <p:cNvSpPr/>
           <p:nvPr/>
         </p:nvSpPr>
@@ -3671,75 +3693,294 @@
           <a:fontRef idx="minor"/>
         </p:style>
       </p:sp>
-      <p:pic>
-        <p:nvPicPr>
-          <p:cNvPr id="104" name="" descr=""/>
-          <p:cNvPicPr/>
+      <p:sp>
+        <p:nvSpPr>
+          <p:cNvPr id="113" name="CustomShape 3"/>
+          <p:cNvSpPr/>
           <p:nvPr/>
-        </p:nvPicPr>
-        <p:blipFill>
-          <a:blip r:embed="rId2"/>
-          <a:stretch/>
-        </p:blipFill>
-        <p:spPr>
-          <a:xfrm>
-            <a:off x="603360" y="1371600"/>
-            <a:ext cx="3008520" cy="2743200"/>
-          </a:xfrm>
-          <a:prstGeom prst="rect">
-            <a:avLst/>
-          </a:prstGeom>
+        </p:nvSpPr>
+        <p:spPr>
+          <a:xfrm>
+            <a:off x="678240" y="1600200"/>
+            <a:ext cx="7002360" cy="3107160"/>
+          </a:xfrm>
+          <a:prstGeom prst="rect">
+            <a:avLst/>
+          </a:prstGeom>
+          <a:noFill/>
           <a:ln>
             <a:noFill/>
           </a:ln>
         </p:spPr>
-      </p:pic>
-      <p:pic>
-        <p:nvPicPr>
-          <p:cNvPr id="105" name="" descr=""/>
-          <p:cNvPicPr/>
-          <p:nvPr/>
-        </p:nvPicPr>
-        <p:blipFill>
-          <a:blip r:embed="rId3"/>
-          <a:stretch/>
-        </p:blipFill>
-        <p:spPr>
-          <a:xfrm>
-            <a:off x="5486400" y="1328760"/>
-            <a:ext cx="3291840" cy="2743200"/>
-          </a:xfrm>
-          <a:prstGeom prst="rect">
-            <a:avLst/>
-          </a:prstGeom>
-          <a:ln>
-            <a:noFill/>
-          </a:ln>
-        </p:spPr>
-      </p:pic>
-      <p:pic>
-        <p:nvPicPr>
-          <p:cNvPr id="106" name="" descr=""/>
-          <p:cNvPicPr/>
-          <p:nvPr/>
-        </p:nvPicPr>
-        <p:blipFill>
-          <a:blip r:embed="rId4"/>
-          <a:stretch/>
-        </p:blipFill>
-        <p:spPr>
-          <a:xfrm>
-            <a:off x="3108960" y="3017520"/>
-            <a:ext cx="2706480" cy="2743200"/>
-          </a:xfrm>
-          <a:prstGeom prst="rect">
-            <a:avLst/>
-          </a:prstGeom>
-          <a:ln>
-            <a:noFill/>
-          </a:ln>
-        </p:spPr>
-      </p:pic>
+        <p:style>
+          <a:lnRef idx="0"/>
+          <a:fillRef idx="0"/>
+          <a:effectRef idx="0"/>
+          <a:fontRef idx="minor"/>
+        </p:style>
+        <p:txBody>
+          <a:bodyPr lIns="90000" rIns="90000" tIns="45000" bIns="45000">
+            <a:spAutoFit/>
+          </a:bodyPr>
+          <a:p>
+            <a:pPr marL="285840" indent="-285120">
+              <a:lnSpc>
+                <a:spcPct val="100000"/>
+              </a:lnSpc>
+              <a:buClr>
+                <a:srgbClr val="17375e"/>
+              </a:buClr>
+              <a:buFont typeface="Arial"/>
+              <a:buChar char="•"/>
+            </a:pPr>
+            <a:r>
+              <a:rPr b="0" lang="en-US" sz="1800" spc="-1" strike="noStrike">
+                <a:solidFill>
+                  <a:srgbClr val="17375e"/>
+                </a:solidFill>
+                <a:latin typeface="Calibri"/>
+                <a:ea typeface="DejaVu Sans"/>
+              </a:rPr>
+              <a:t>23705 Facial Images</a:t>
+            </a:r>
+            <a:endParaRPr b="0" lang="en-US" sz="1800" spc="-1" strike="noStrike">
+              <a:latin typeface="Arial"/>
+            </a:endParaRPr>
+          </a:p>
+          <a:p>
+            <a:pPr lvl="1" marL="432000" indent="-215640">
+              <a:lnSpc>
+                <a:spcPct val="100000"/>
+              </a:lnSpc>
+              <a:buClr>
+                <a:srgbClr val="000000"/>
+              </a:buClr>
+              <a:buSzPct val="45000"/>
+              <a:buFont typeface="Wingdings" charset="2"/>
+              <a:buChar char=""/>
+            </a:pPr>
+            <a:r>
+              <a:rPr b="0" lang="en-US" sz="1800" spc="-1" strike="noStrike">
+                <a:solidFill>
+                  <a:srgbClr val="17375e"/>
+                </a:solidFill>
+                <a:latin typeface="Calibri"/>
+                <a:ea typeface="DejaVu Sans"/>
+              </a:rPr>
+              <a:t>Image Size is 48 x 48 pixels </a:t>
+            </a:r>
+            <a:endParaRPr b="0" lang="en-US" sz="1800" spc="-1" strike="noStrike">
+              <a:latin typeface="Arial"/>
+            </a:endParaRPr>
+          </a:p>
+          <a:p>
+            <a:pPr>
+              <a:lnSpc>
+                <a:spcPct val="100000"/>
+              </a:lnSpc>
+            </a:pPr>
+            <a:endParaRPr b="0" lang="en-US" sz="1800" spc="-1" strike="noStrike">
+              <a:latin typeface="Arial"/>
+            </a:endParaRPr>
+          </a:p>
+          <a:p>
+            <a:pPr marL="285840" indent="-285120">
+              <a:lnSpc>
+                <a:spcPct val="100000"/>
+              </a:lnSpc>
+              <a:buClr>
+                <a:srgbClr val="17375e"/>
+              </a:buClr>
+              <a:buFont typeface="Arial"/>
+              <a:buChar char="•"/>
+            </a:pPr>
+            <a:r>
+              <a:rPr b="0" lang="en-US" sz="1800" spc="-1" strike="noStrike">
+                <a:solidFill>
+                  <a:srgbClr val="17375e"/>
+                </a:solidFill>
+                <a:latin typeface="Calibri"/>
+                <a:ea typeface="DejaVu Sans"/>
+              </a:rPr>
+              <a:t>Classifications</a:t>
+            </a:r>
+            <a:endParaRPr b="0" lang="en-US" sz="1800" spc="-1" strike="noStrike">
+              <a:latin typeface="Arial"/>
+            </a:endParaRPr>
+          </a:p>
+          <a:p>
+            <a:pPr lvl="1" marL="432000" indent="-215640">
+              <a:lnSpc>
+                <a:spcPct val="100000"/>
+              </a:lnSpc>
+              <a:buClr>
+                <a:srgbClr val="000000"/>
+              </a:buClr>
+              <a:buSzPct val="45000"/>
+              <a:buFont typeface="Wingdings" charset="2"/>
+              <a:buChar char=""/>
+            </a:pPr>
+            <a:r>
+              <a:rPr b="0" lang="en-US" sz="1800" spc="-1" strike="noStrike">
+                <a:solidFill>
+                  <a:srgbClr val="17375e"/>
+                </a:solidFill>
+                <a:latin typeface="Calibri"/>
+                <a:ea typeface="DejaVu Sans"/>
+              </a:rPr>
+              <a:t>Data is classified bases on three parameters:</a:t>
+            </a:r>
+            <a:endParaRPr b="0" lang="en-US" sz="1800" spc="-1" strike="noStrike">
+              <a:latin typeface="Arial"/>
+            </a:endParaRPr>
+          </a:p>
+          <a:p>
+            <a:pPr lvl="3" marL="864000" indent="-215640">
+              <a:lnSpc>
+                <a:spcPct val="100000"/>
+              </a:lnSpc>
+              <a:buClr>
+                <a:srgbClr val="000000"/>
+              </a:buClr>
+              <a:buSzPct val="45000"/>
+              <a:buFont typeface="Wingdings" charset="2"/>
+              <a:buChar char=""/>
+            </a:pPr>
+            <a:r>
+              <a:rPr b="0" lang="en-US" sz="1800" spc="-1" strike="noStrike">
+                <a:solidFill>
+                  <a:srgbClr val="17375e"/>
+                </a:solidFill>
+                <a:latin typeface="Calibri"/>
+                <a:ea typeface="DejaVu Sans"/>
+              </a:rPr>
+              <a:t>Age, Ethnicity and Gender</a:t>
+            </a:r>
+            <a:endParaRPr b="0" lang="en-US" sz="1800" spc="-1" strike="noStrike">
+              <a:latin typeface="Arial"/>
+            </a:endParaRPr>
+          </a:p>
+          <a:p>
+            <a:pPr lvl="1" marL="432000" indent="-215640">
+              <a:lnSpc>
+                <a:spcPct val="100000"/>
+              </a:lnSpc>
+              <a:buClr>
+                <a:srgbClr val="000000"/>
+              </a:buClr>
+              <a:buSzPct val="45000"/>
+              <a:buFont typeface="Wingdings" charset="2"/>
+              <a:buChar char=""/>
+            </a:pPr>
+            <a:r>
+              <a:rPr b="0" lang="en-US" sz="1800" spc="-1" strike="noStrike">
+                <a:solidFill>
+                  <a:srgbClr val="17375e"/>
+                </a:solidFill>
+                <a:latin typeface="Calibri"/>
+                <a:ea typeface="DejaVu Sans"/>
+              </a:rPr>
+              <a:t>Age has a range of 0 to 116</a:t>
+            </a:r>
+            <a:endParaRPr b="0" lang="en-US" sz="1800" spc="-1" strike="noStrike">
+              <a:latin typeface="Arial"/>
+            </a:endParaRPr>
+          </a:p>
+          <a:p>
+            <a:pPr lvl="1" marL="432000" indent="-215640">
+              <a:lnSpc>
+                <a:spcPct val="100000"/>
+              </a:lnSpc>
+              <a:buClr>
+                <a:srgbClr val="000000"/>
+              </a:buClr>
+              <a:buSzPct val="45000"/>
+              <a:buFont typeface="Wingdings" charset="2"/>
+              <a:buChar char=""/>
+            </a:pPr>
+            <a:r>
+              <a:rPr b="0" lang="en-US" sz="1800" spc="-1" strike="noStrike">
+                <a:solidFill>
+                  <a:srgbClr val="17375e"/>
+                </a:solidFill>
+                <a:latin typeface="Calibri"/>
+                <a:ea typeface="DejaVu Sans"/>
+              </a:rPr>
+              <a:t>Ethnicity is broken down into 5 categories</a:t>
+            </a:r>
+            <a:endParaRPr b="0" lang="en-US" sz="1800" spc="-1" strike="noStrike">
+              <a:latin typeface="Arial"/>
+            </a:endParaRPr>
+          </a:p>
+          <a:p>
+            <a:pPr lvl="1" marL="432000" indent="-215640">
+              <a:lnSpc>
+                <a:spcPct val="100000"/>
+              </a:lnSpc>
+              <a:buClr>
+                <a:srgbClr val="000000"/>
+              </a:buClr>
+              <a:buSzPct val="45000"/>
+              <a:buFont typeface="Wingdings" charset="2"/>
+              <a:buChar char=""/>
+            </a:pPr>
+            <a:r>
+              <a:rPr b="0" lang="en-US" sz="1800" spc="-1" strike="noStrike">
+                <a:solidFill>
+                  <a:srgbClr val="17375e"/>
+                </a:solidFill>
+                <a:latin typeface="Calibri"/>
+                <a:ea typeface="DejaVu Sans"/>
+              </a:rPr>
+              <a:t>Gender is classified as Male or Female</a:t>
+            </a:r>
+            <a:endParaRPr b="0" lang="en-US" sz="1800" spc="-1" strike="noStrike">
+              <a:latin typeface="Arial"/>
+            </a:endParaRPr>
+          </a:p>
+          <a:p>
+            <a:pPr lvl="1" marL="432000" indent="-215640">
+              <a:lnSpc>
+                <a:spcPct val="100000"/>
+              </a:lnSpc>
+              <a:buClr>
+                <a:srgbClr val="000000"/>
+              </a:buClr>
+              <a:buSzPct val="45000"/>
+              <a:buFont typeface="Wingdings" charset="2"/>
+              <a:buChar char=""/>
+            </a:pPr>
+            <a:endParaRPr b="0" lang="en-US" sz="1800" spc="-1" strike="noStrike">
+              <a:latin typeface="Arial"/>
+            </a:endParaRPr>
+          </a:p>
+          <a:p>
+            <a:pPr marL="285840" indent="-285120">
+              <a:lnSpc>
+                <a:spcPct val="100000"/>
+              </a:lnSpc>
+              <a:buClr>
+                <a:srgbClr val="17375e"/>
+              </a:buClr>
+              <a:buFont typeface="Arial"/>
+              <a:buChar char="•"/>
+            </a:pPr>
+            <a:r>
+              <a:rPr b="0" lang="en-US" sz="1800" spc="-1" strike="noStrike">
+                <a:solidFill>
+                  <a:srgbClr val="17375e"/>
+                </a:solidFill>
+                <a:latin typeface="Calibri"/>
+                <a:ea typeface="DejaVu Sans"/>
+              </a:rPr>
+              <a:t>Data Distribution was not uniform</a:t>
+            </a:r>
+            <a:endParaRPr b="0" lang="en-US" sz="1800" spc="-1" strike="noStrike">
+              <a:latin typeface="Arial"/>
+            </a:endParaRPr>
+          </a:p>
+        </p:txBody>
+      </p:sp>
     </p:spTree>
   </p:cSld>
   <mc:AlternateContent>
@@ -3782,13 +4023,13 @@
       </p:grpSpPr>
       <p:sp>
         <p:nvSpPr>
-          <p:cNvPr id="107" name="CustomShape 1"/>
+          <p:cNvPr id="114" name="CustomShape 1"/>
           <p:cNvSpPr/>
           <p:nvPr/>
         </p:nvSpPr>
         <p:spPr>
           <a:xfrm>
-            <a:off x="457200" y="186840"/>
+            <a:off x="457200" y="274680"/>
             <a:ext cx="8228520" cy="1141920"/>
           </a:xfrm>
           <a:prstGeom prst="rect">
@@ -3823,7 +4064,7 @@
                 <a:latin typeface="Calibri"/>
                 <a:ea typeface="DejaVu Sans"/>
               </a:rPr>
-              <a:t>Results</a:t>
+              <a:t>Code Snippets</a:t>
             </a:r>
             <a:endParaRPr b="0" lang="en-US" sz="4400" spc="-1" strike="noStrike">
               <a:latin typeface="Arial"/>
@@ -3831,387 +4072,121 @@
           </a:p>
         </p:txBody>
       </p:sp>
-      <p:sp>
-        <p:nvSpPr>
-          <p:cNvPr id="108" name="CustomShape 2"/>
-          <p:cNvSpPr/>
+      <p:pic>
+        <p:nvPicPr>
+          <p:cNvPr id="115" name="" descr=""/>
+          <p:cNvPicPr/>
           <p:nvPr/>
-        </p:nvSpPr>
-        <p:spPr>
-          <a:xfrm>
-            <a:off x="621720" y="4210920"/>
-            <a:ext cx="3777480" cy="1265400"/>
-          </a:xfrm>
-          <a:prstGeom prst="rect">
-            <a:avLst/>
-          </a:prstGeom>
-          <a:noFill/>
+        </p:nvPicPr>
+        <p:blipFill>
+          <a:blip r:embed="rId2"/>
+          <a:stretch/>
+        </p:blipFill>
+        <p:spPr>
+          <a:xfrm>
+            <a:off x="271080" y="1188720"/>
+            <a:ext cx="2746440" cy="1290240"/>
+          </a:xfrm>
+          <a:prstGeom prst="rect">
+            <a:avLst/>
+          </a:prstGeom>
           <a:ln>
             <a:noFill/>
           </a:ln>
         </p:spPr>
-        <p:style>
-          <a:lnRef idx="0"/>
-          <a:fillRef idx="0"/>
-          <a:effectRef idx="0"/>
-          <a:fontRef idx="minor"/>
-        </p:style>
-      </p:sp>
-      <p:sp>
-        <p:nvSpPr>
-          <p:cNvPr id="109" name="CustomShape 3"/>
-          <p:cNvSpPr/>
+      </p:pic>
+      <p:pic>
+        <p:nvPicPr>
+          <p:cNvPr id="116" name="" descr=""/>
+          <p:cNvPicPr/>
           <p:nvPr/>
-        </p:nvSpPr>
-        <p:spPr>
-          <a:xfrm>
-            <a:off x="678240" y="1600200"/>
-            <a:ext cx="5265360" cy="3794760"/>
-          </a:xfrm>
-          <a:prstGeom prst="rect">
-            <a:avLst/>
-          </a:prstGeom>
-          <a:noFill/>
+        </p:nvPicPr>
+        <p:blipFill>
+          <a:blip r:embed="rId3"/>
+          <a:stretch/>
+        </p:blipFill>
+        <p:spPr>
+          <a:xfrm>
+            <a:off x="3173040" y="1188720"/>
+            <a:ext cx="3136320" cy="2011680"/>
+          </a:xfrm>
+          <a:prstGeom prst="rect">
+            <a:avLst/>
+          </a:prstGeom>
           <a:ln>
             <a:noFill/>
           </a:ln>
         </p:spPr>
-        <p:style>
-          <a:lnRef idx="0"/>
-          <a:fillRef idx="0"/>
-          <a:effectRef idx="0"/>
-          <a:fontRef idx="minor"/>
-        </p:style>
-      </p:sp>
-      <p:sp>
-        <p:nvSpPr>
-          <p:cNvPr id="110" name="CustomShape 4"/>
-          <p:cNvSpPr/>
+      </p:pic>
+      <p:pic>
+        <p:nvPicPr>
+          <p:cNvPr id="117" name="" descr=""/>
+          <p:cNvPicPr/>
           <p:nvPr/>
-        </p:nvSpPr>
-        <p:spPr>
-          <a:xfrm>
-            <a:off x="2468880" y="1372680"/>
-            <a:ext cx="3710520" cy="3382200"/>
-          </a:xfrm>
-          <a:prstGeom prst="rect">
-            <a:avLst/>
-          </a:prstGeom>
-          <a:noFill/>
+        </p:nvPicPr>
+        <p:blipFill>
+          <a:blip r:embed="rId4"/>
+          <a:stretch/>
+        </p:blipFill>
+        <p:spPr>
+          <a:xfrm>
+            <a:off x="3210840" y="3108960"/>
+            <a:ext cx="3007080" cy="2148480"/>
+          </a:xfrm>
+          <a:prstGeom prst="rect">
+            <a:avLst/>
+          </a:prstGeom>
           <a:ln>
             <a:noFill/>
           </a:ln>
         </p:spPr>
-        <p:style>
-          <a:lnRef idx="0"/>
-          <a:fillRef idx="0"/>
-          <a:effectRef idx="0"/>
-          <a:fontRef idx="minor"/>
-        </p:style>
-        <p:txBody>
-          <a:bodyPr lIns="90000" rIns="90000" tIns="45000" bIns="45000">
-            <a:spAutoFit/>
-          </a:bodyPr>
-          <a:p>
-            <a:pPr marL="285840" indent="-285120">
-              <a:lnSpc>
-                <a:spcPct val="100000"/>
-              </a:lnSpc>
-              <a:buClr>
-                <a:srgbClr val="17375e"/>
-              </a:buClr>
-              <a:buFont typeface="Arial"/>
-              <a:buChar char="•"/>
-            </a:pPr>
-            <a:endParaRPr b="0" lang="en-US" sz="1800" spc="-1" strike="noStrike">
-              <a:latin typeface="Arial"/>
-            </a:endParaRPr>
-          </a:p>
-          <a:p>
-            <a:pPr marL="285840" indent="-285120">
-              <a:lnSpc>
-                <a:spcPct val="100000"/>
-              </a:lnSpc>
-              <a:buClr>
-                <a:srgbClr val="17375e"/>
-              </a:buClr>
-              <a:buFont typeface="Arial"/>
-              <a:buChar char="•"/>
-            </a:pPr>
-            <a:r>
-              <a:rPr b="0" lang="en-US" sz="1800" spc="-1" strike="noStrike">
-                <a:solidFill>
-                  <a:srgbClr val="17375e"/>
-                </a:solidFill>
-                <a:latin typeface="Calibri"/>
-                <a:ea typeface="DejaVu Sans"/>
-              </a:rPr>
-              <a:t>Race Accuracy of 76%</a:t>
-            </a:r>
-            <a:endParaRPr b="0" lang="en-US" sz="1800" spc="-1" strike="noStrike">
-              <a:latin typeface="Arial"/>
-            </a:endParaRPr>
-          </a:p>
-          <a:p>
-            <a:pPr lvl="1" marL="432000" indent="-215640">
-              <a:lnSpc>
-                <a:spcPct val="100000"/>
-              </a:lnSpc>
-              <a:buClr>
-                <a:srgbClr val="000000"/>
-              </a:buClr>
-              <a:buSzPct val="45000"/>
-              <a:buFont typeface="Wingdings" charset="2"/>
-              <a:buChar char=""/>
-            </a:pPr>
-            <a:r>
-              <a:rPr b="0" lang="en-US" sz="1800" spc="-1" strike="noStrike">
-                <a:solidFill>
-                  <a:srgbClr val="17375e"/>
-                </a:solidFill>
-                <a:latin typeface="Calibri"/>
-                <a:ea typeface="DejaVu Sans"/>
-              </a:rPr>
-              <a:t>Category 0 ………………………..82%</a:t>
-            </a:r>
-            <a:endParaRPr b="0" lang="en-US" sz="1800" spc="-1" strike="noStrike">
-              <a:latin typeface="Arial"/>
-            </a:endParaRPr>
-          </a:p>
-          <a:p>
-            <a:pPr lvl="1" marL="432000" indent="-215640">
-              <a:lnSpc>
-                <a:spcPct val="100000"/>
-              </a:lnSpc>
-              <a:buClr>
-                <a:srgbClr val="000000"/>
-              </a:buClr>
-              <a:buSzPct val="45000"/>
-              <a:buFont typeface="Wingdings" charset="2"/>
-              <a:buChar char=""/>
-            </a:pPr>
-            <a:r>
-              <a:rPr b="0" lang="en-US" sz="1800" spc="-1" strike="noStrike">
-                <a:solidFill>
-                  <a:srgbClr val="17375e"/>
-                </a:solidFill>
-                <a:latin typeface="Calibri"/>
-                <a:ea typeface="DejaVu Sans"/>
-              </a:rPr>
-              <a:t>Category 1 …………………….....81%</a:t>
-            </a:r>
-            <a:endParaRPr b="0" lang="en-US" sz="1800" spc="-1" strike="noStrike">
-              <a:latin typeface="Arial"/>
-            </a:endParaRPr>
-          </a:p>
-          <a:p>
-            <a:pPr lvl="1" marL="432000" indent="-215640">
-              <a:lnSpc>
-                <a:spcPct val="100000"/>
-              </a:lnSpc>
-              <a:buClr>
-                <a:srgbClr val="000000"/>
-              </a:buClr>
-              <a:buSzPct val="45000"/>
-              <a:buFont typeface="Wingdings" charset="2"/>
-              <a:buChar char=""/>
-            </a:pPr>
-            <a:r>
-              <a:rPr b="0" lang="en-US" sz="1800" spc="-1" strike="noStrike">
-                <a:solidFill>
-                  <a:srgbClr val="17375e"/>
-                </a:solidFill>
-                <a:latin typeface="Calibri"/>
-                <a:ea typeface="DejaVu Sans"/>
-              </a:rPr>
-              <a:t>Category 2 …………………….....78%</a:t>
-            </a:r>
-            <a:endParaRPr b="0" lang="en-US" sz="1800" spc="-1" strike="noStrike">
-              <a:latin typeface="Arial"/>
-            </a:endParaRPr>
-          </a:p>
-          <a:p>
-            <a:pPr lvl="1" marL="432000" indent="-215640">
-              <a:lnSpc>
-                <a:spcPct val="100000"/>
-              </a:lnSpc>
-              <a:buClr>
-                <a:srgbClr val="000000"/>
-              </a:buClr>
-              <a:buSzPct val="45000"/>
-              <a:buFont typeface="Wingdings" charset="2"/>
-              <a:buChar char=""/>
-            </a:pPr>
-            <a:r>
-              <a:rPr b="0" lang="en-US" sz="1800" spc="-1" strike="noStrike">
-                <a:solidFill>
-                  <a:srgbClr val="17375e"/>
-                </a:solidFill>
-                <a:latin typeface="Calibri"/>
-                <a:ea typeface="DejaVu Sans"/>
-              </a:rPr>
-              <a:t>Category 3 ………………………..69%</a:t>
-            </a:r>
-            <a:endParaRPr b="0" lang="en-US" sz="1800" spc="-1" strike="noStrike">
-              <a:latin typeface="Arial"/>
-            </a:endParaRPr>
-          </a:p>
-          <a:p>
-            <a:pPr lvl="1" marL="432000" indent="-215640">
-              <a:lnSpc>
-                <a:spcPct val="100000"/>
-              </a:lnSpc>
-              <a:buClr>
-                <a:srgbClr val="000000"/>
-              </a:buClr>
-              <a:buSzPct val="45000"/>
-              <a:buFont typeface="Wingdings" charset="2"/>
-              <a:buChar char=""/>
-            </a:pPr>
-            <a:r>
-              <a:rPr b="0" lang="en-US" sz="1800" spc="-1" strike="noStrike">
-                <a:solidFill>
-                  <a:srgbClr val="17375e"/>
-                </a:solidFill>
-                <a:latin typeface="Calibri"/>
-                <a:ea typeface="DejaVu Sans"/>
-              </a:rPr>
-              <a:t>Category 4 …………………….....11%</a:t>
-            </a:r>
-            <a:endParaRPr b="0" lang="en-US" sz="1800" spc="-1" strike="noStrike">
-              <a:latin typeface="Arial"/>
-            </a:endParaRPr>
-          </a:p>
-          <a:p>
-            <a:pPr marL="285840" indent="-285120">
-              <a:lnSpc>
-                <a:spcPct val="100000"/>
-              </a:lnSpc>
-              <a:buClr>
-                <a:srgbClr val="17375e"/>
-              </a:buClr>
-              <a:buFont typeface="Arial"/>
-              <a:buChar char="•"/>
-            </a:pPr>
-            <a:r>
-              <a:rPr b="0" lang="en-US" sz="1800" spc="-1" strike="noStrike">
-                <a:solidFill>
-                  <a:srgbClr val="17375e"/>
-                </a:solidFill>
-                <a:latin typeface="Calibri"/>
-                <a:ea typeface="DejaVu Sans"/>
-              </a:rPr>
-              <a:t>Gender Accuracy of 89%</a:t>
-            </a:r>
-            <a:endParaRPr b="0" lang="en-US" sz="1800" spc="-1" strike="noStrike">
-              <a:latin typeface="Arial"/>
-            </a:endParaRPr>
-          </a:p>
-          <a:p>
-            <a:pPr lvl="1" marL="432000" indent="-215640">
-              <a:lnSpc>
-                <a:spcPct val="100000"/>
-              </a:lnSpc>
-              <a:buClr>
-                <a:srgbClr val="000000"/>
-              </a:buClr>
-              <a:buSzPct val="45000"/>
-              <a:buFont typeface="Wingdings" charset="2"/>
-              <a:buChar char=""/>
-            </a:pPr>
-            <a:r>
-              <a:rPr b="0" lang="en-US" sz="1800" spc="-1" strike="noStrike">
-                <a:solidFill>
-                  <a:srgbClr val="17375e"/>
-                </a:solidFill>
-                <a:latin typeface="Calibri"/>
-                <a:ea typeface="DejaVu Sans"/>
-              </a:rPr>
-              <a:t>Male ………………………………...89 % </a:t>
-            </a:r>
-            <a:endParaRPr b="0" lang="en-US" sz="1800" spc="-1" strike="noStrike">
-              <a:latin typeface="Arial"/>
-            </a:endParaRPr>
-          </a:p>
-          <a:p>
-            <a:pPr lvl="1" marL="432000" indent="-215640">
-              <a:lnSpc>
-                <a:spcPct val="100000"/>
-              </a:lnSpc>
-              <a:buClr>
-                <a:srgbClr val="000000"/>
-              </a:buClr>
-              <a:buSzPct val="45000"/>
-              <a:buFont typeface="Wingdings" charset="2"/>
-              <a:buChar char=""/>
-            </a:pPr>
-            <a:r>
-              <a:rPr b="0" lang="en-US" sz="1800" spc="-1" strike="noStrike">
-                <a:solidFill>
-                  <a:srgbClr val="17375e"/>
-                </a:solidFill>
-                <a:latin typeface="Calibri"/>
-                <a:ea typeface="DejaVu Sans"/>
-              </a:rPr>
-              <a:t>Female ……………………...……..88 %</a:t>
-            </a:r>
-            <a:endParaRPr b="0" lang="en-US" sz="1800" spc="-1" strike="noStrike">
-              <a:latin typeface="Arial"/>
-            </a:endParaRPr>
-          </a:p>
-          <a:p>
-            <a:pPr marL="285840" indent="-285120">
-              <a:lnSpc>
-                <a:spcPct val="100000"/>
-              </a:lnSpc>
-              <a:buClr>
-                <a:srgbClr val="17375e"/>
-              </a:buClr>
-              <a:buFont typeface="Arial"/>
-              <a:buChar char="•"/>
-            </a:pPr>
-            <a:r>
-              <a:rPr b="0" lang="en-US" sz="1800" spc="-1" strike="noStrike">
-                <a:solidFill>
-                  <a:srgbClr val="17375e"/>
-                </a:solidFill>
-                <a:latin typeface="Calibri"/>
-                <a:ea typeface="DejaVu Sans"/>
-              </a:rPr>
-              <a:t>Age Accuracy of 75%</a:t>
-            </a:r>
-            <a:endParaRPr b="0" lang="en-US" sz="1800" spc="-1" strike="noStrike">
-              <a:latin typeface="Arial"/>
-            </a:endParaRPr>
-          </a:p>
-          <a:p>
-            <a:pPr lvl="1" marL="432000" indent="-215640">
-              <a:lnSpc>
-                <a:spcPct val="100000"/>
-              </a:lnSpc>
-              <a:buClr>
-                <a:srgbClr val="000000"/>
-              </a:buClr>
-              <a:buSzPct val="45000"/>
-              <a:buFont typeface="Wingdings" charset="2"/>
-              <a:buChar char=""/>
-            </a:pPr>
-            <a:r>
-              <a:rPr b="0" lang="en-US" sz="1800" spc="-1" strike="noStrike">
-                <a:solidFill>
-                  <a:srgbClr val="17375e"/>
-                </a:solidFill>
-                <a:latin typeface="Calibri"/>
-                <a:ea typeface="DejaVu Sans"/>
-              </a:rPr>
-              <a:t>Mean Absolute Error ………..7.3</a:t>
-            </a:r>
-            <a:endParaRPr b="0" lang="en-US" sz="1800" spc="-1" strike="noStrike">
-              <a:latin typeface="Arial"/>
-            </a:endParaRPr>
-          </a:p>
-        </p:txBody>
-      </p:sp>
+      </p:pic>
+      <p:pic>
+        <p:nvPicPr>
+          <p:cNvPr id="118" name="" descr=""/>
+          <p:cNvPicPr/>
+          <p:nvPr/>
+        </p:nvPicPr>
+        <p:blipFill>
+          <a:blip r:embed="rId5"/>
+          <a:stretch/>
+        </p:blipFill>
+        <p:spPr>
+          <a:xfrm>
+            <a:off x="6126480" y="1100520"/>
+            <a:ext cx="2795040" cy="3562920"/>
+          </a:xfrm>
+          <a:prstGeom prst="rect">
+            <a:avLst/>
+          </a:prstGeom>
+          <a:ln>
+            <a:noFill/>
+          </a:ln>
+        </p:spPr>
+      </p:pic>
+      <p:pic>
+        <p:nvPicPr>
+          <p:cNvPr id="119" name="" descr=""/>
+          <p:cNvPicPr/>
+          <p:nvPr/>
+        </p:nvPicPr>
+        <p:blipFill>
+          <a:blip r:embed="rId6"/>
+          <a:stretch/>
+        </p:blipFill>
+        <p:spPr>
+          <a:xfrm>
+            <a:off x="274680" y="2478960"/>
+            <a:ext cx="2742840" cy="2641680"/>
+          </a:xfrm>
+          <a:prstGeom prst="rect">
+            <a:avLst/>
+          </a:prstGeom>
+          <a:ln>
+            <a:noFill/>
+          </a:ln>
+        </p:spPr>
+      </p:pic>
     </p:spTree>
   </p:cSld>
   <mc:AlternateContent>
@@ -4252,86 +4227,9 @@
           <a:chExt cx="0" cy="0"/>
         </a:xfrm>
       </p:grpSpPr>
-      <p:sp>
-        <p:nvSpPr>
-          <p:cNvPr id="111" name="CustomShape 1"/>
-          <p:cNvSpPr/>
-          <p:nvPr/>
-        </p:nvSpPr>
-        <p:spPr>
-          <a:xfrm>
-            <a:off x="457200" y="186840"/>
-            <a:ext cx="8228520" cy="1141920"/>
-          </a:xfrm>
-          <a:prstGeom prst="rect">
-            <a:avLst/>
-          </a:prstGeom>
-          <a:noFill/>
-          <a:ln>
-            <a:noFill/>
-          </a:ln>
-        </p:spPr>
-        <p:style>
-          <a:lnRef idx="0"/>
-          <a:fillRef idx="0"/>
-          <a:effectRef idx="0"/>
-          <a:fontRef idx="minor"/>
-        </p:style>
-        <p:txBody>
-          <a:bodyPr lIns="90000" rIns="90000" tIns="45000" bIns="45000" anchor="ctr">
-            <a:noAutofit/>
-          </a:bodyPr>
-          <a:p>
-            <a:pPr algn="ctr">
-              <a:lnSpc>
-                <a:spcPct val="100000"/>
-              </a:lnSpc>
-            </a:pPr>
-            <a:r>
-              <a:rPr b="0" lang="en-US" sz="4400" spc="-1" strike="noStrike">
-                <a:solidFill>
-                  <a:srgbClr val="17375e"/>
-                </a:solidFill>
-                <a:latin typeface="Calibri"/>
-                <a:ea typeface="DejaVu Sans"/>
-              </a:rPr>
-              <a:t>Results</a:t>
-            </a:r>
-            <a:endParaRPr b="0" lang="en-US" sz="4400" spc="-1" strike="noStrike">
-              <a:latin typeface="Arial"/>
-            </a:endParaRPr>
-          </a:p>
-        </p:txBody>
-      </p:sp>
-      <p:sp>
-        <p:nvSpPr>
-          <p:cNvPr id="112" name="CustomShape 2"/>
-          <p:cNvSpPr/>
-          <p:nvPr/>
-        </p:nvSpPr>
-        <p:spPr>
-          <a:xfrm>
-            <a:off x="678240" y="1600200"/>
-            <a:ext cx="3720960" cy="1461600"/>
-          </a:xfrm>
-          <a:prstGeom prst="rect">
-            <a:avLst/>
-          </a:prstGeom>
-          <a:noFill/>
-          <a:ln>
-            <a:noFill/>
-          </a:ln>
-        </p:spPr>
-        <p:style>
-          <a:lnRef idx="0"/>
-          <a:fillRef idx="0"/>
-          <a:effectRef idx="0"/>
-          <a:fontRef idx="minor"/>
-        </p:style>
-      </p:sp>
       <p:pic>
         <p:nvPicPr>
-          <p:cNvPr id="113" name="" descr=""/>
+          <p:cNvPr id="120" name="" descr=""/>
           <p:cNvPicPr/>
           <p:nvPr/>
         </p:nvPicPr>
@@ -4341,8 +4239,8 @@
         </p:blipFill>
         <p:spPr>
           <a:xfrm>
-            <a:off x="365760" y="1097280"/>
-            <a:ext cx="4114440" cy="2468520"/>
+            <a:off x="274320" y="3474720"/>
+            <a:ext cx="8686800" cy="2546280"/>
           </a:xfrm>
           <a:prstGeom prst="rect">
             <a:avLst/>
@@ -4354,7 +4252,7 @@
       </p:pic>
       <p:pic>
         <p:nvPicPr>
-          <p:cNvPr id="114" name="" descr=""/>
+          <p:cNvPr id="121" name="" descr=""/>
           <p:cNvPicPr/>
           <p:nvPr/>
         </p:nvPicPr>
@@ -4364,8 +4262,8 @@
         </p:blipFill>
         <p:spPr>
           <a:xfrm>
-            <a:off x="4480560" y="1097280"/>
-            <a:ext cx="4352040" cy="2468520"/>
+            <a:off x="3392280" y="1188720"/>
+            <a:ext cx="3008520" cy="2743200"/>
           </a:xfrm>
           <a:prstGeom prst="rect">
             <a:avLst/>
@@ -4375,9 +4273,86 @@
           </a:ln>
         </p:spPr>
       </p:pic>
+      <p:sp>
+        <p:nvSpPr>
+          <p:cNvPr id="122" name="CustomShape 1"/>
+          <p:cNvSpPr/>
+          <p:nvPr/>
+        </p:nvSpPr>
+        <p:spPr>
+          <a:xfrm>
+            <a:off x="457200" y="186840"/>
+            <a:ext cx="8228520" cy="1141920"/>
+          </a:xfrm>
+          <a:prstGeom prst="rect">
+            <a:avLst/>
+          </a:prstGeom>
+          <a:noFill/>
+          <a:ln>
+            <a:noFill/>
+          </a:ln>
+        </p:spPr>
+        <p:style>
+          <a:lnRef idx="0"/>
+          <a:fillRef idx="0"/>
+          <a:effectRef idx="0"/>
+          <a:fontRef idx="minor"/>
+        </p:style>
+        <p:txBody>
+          <a:bodyPr lIns="90000" rIns="90000" tIns="45000" bIns="45000" anchor="ctr">
+            <a:noAutofit/>
+          </a:bodyPr>
+          <a:p>
+            <a:pPr algn="ctr">
+              <a:lnSpc>
+                <a:spcPct val="100000"/>
+              </a:lnSpc>
+            </a:pPr>
+            <a:r>
+              <a:rPr b="0" lang="en-US" sz="4400" spc="-1" strike="noStrike">
+                <a:solidFill>
+                  <a:srgbClr val="17375e"/>
+                </a:solidFill>
+                <a:latin typeface="Calibri"/>
+                <a:ea typeface="DejaVu Sans"/>
+              </a:rPr>
+              <a:t>Data Distribution</a:t>
+            </a:r>
+            <a:endParaRPr b="0" lang="en-US" sz="4400" spc="-1" strike="noStrike">
+              <a:latin typeface="Arial"/>
+            </a:endParaRPr>
+          </a:p>
+        </p:txBody>
+      </p:sp>
+      <p:sp>
+        <p:nvSpPr>
+          <p:cNvPr id="123" name="CustomShape 2"/>
+          <p:cNvSpPr/>
+          <p:nvPr/>
+        </p:nvSpPr>
+        <p:spPr>
+          <a:xfrm>
+            <a:off x="621720" y="4210920"/>
+            <a:ext cx="3777480" cy="1265400"/>
+          </a:xfrm>
+          <a:prstGeom prst="rect">
+            <a:avLst/>
+          </a:prstGeom>
+          <a:noFill/>
+          <a:ln>
+            <a:noFill/>
+          </a:ln>
+        </p:spPr>
+        <p:style>
+          <a:lnRef idx="0"/>
+          <a:fillRef idx="0"/>
+          <a:effectRef idx="0"/>
+          <a:fontRef idx="minor"/>
+        </p:style>
+      </p:sp>
       <p:pic>
         <p:nvPicPr>
-          <p:cNvPr id="115" name="" descr=""/>
+          <p:cNvPr id="124" name="" descr=""/>
           <p:cNvPicPr/>
           <p:nvPr/>
         </p:nvPicPr>
@@ -4387,8 +4362,31 @@
         </p:blipFill>
         <p:spPr>
           <a:xfrm>
-            <a:off x="2286000" y="3566160"/>
-            <a:ext cx="4580640" cy="2285640"/>
+            <a:off x="274320" y="1005840"/>
+            <a:ext cx="3291840" cy="2743200"/>
+          </a:xfrm>
+          <a:prstGeom prst="rect">
+            <a:avLst/>
+          </a:prstGeom>
+          <a:ln>
+            <a:noFill/>
+          </a:ln>
+        </p:spPr>
+      </p:pic>
+      <p:pic>
+        <p:nvPicPr>
+          <p:cNvPr id="125" name="" descr=""/>
+          <p:cNvPicPr/>
+          <p:nvPr/>
+        </p:nvPicPr>
+        <p:blipFill>
+          <a:blip r:embed="rId5"/>
+          <a:stretch/>
+        </p:blipFill>
+        <p:spPr>
+          <a:xfrm>
+            <a:off x="6309360" y="1005840"/>
+            <a:ext cx="2706480" cy="2743200"/>
           </a:xfrm>
           <a:prstGeom prst="rect">
             <a:avLst/>
@@ -4440,7 +4438,7 @@
       </p:grpSpPr>
       <p:sp>
         <p:nvSpPr>
-          <p:cNvPr id="116" name="CustomShape 1"/>
+          <p:cNvPr id="126" name="CustomShape 1"/>
           <p:cNvSpPr/>
           <p:nvPr/>
         </p:nvSpPr>
@@ -4481,7 +4479,7 @@
                 <a:latin typeface="Calibri"/>
                 <a:ea typeface="DejaVu Sans"/>
               </a:rPr>
-              <a:t>Discussions</a:t>
+              <a:t>Results</a:t>
             </a:r>
             <a:endParaRPr b="0" lang="en-US" sz="4400" spc="-1" strike="noStrike">
               <a:latin typeface="Arial"/>
@@ -4491,7 +4489,7 @@
       </p:sp>
       <p:sp>
         <p:nvSpPr>
-          <p:cNvPr id="117" name="CustomShape 2"/>
+          <p:cNvPr id="127" name="CustomShape 2"/>
           <p:cNvSpPr/>
           <p:nvPr/>
         </p:nvSpPr>
@@ -4517,14 +4515,14 @@
       </p:sp>
       <p:sp>
         <p:nvSpPr>
-          <p:cNvPr id="118" name="CustomShape 3"/>
+          <p:cNvPr id="128" name="CustomShape 3"/>
           <p:cNvSpPr/>
           <p:nvPr/>
         </p:nvSpPr>
         <p:spPr>
           <a:xfrm>
-            <a:off x="678240" y="1600200"/>
-            <a:ext cx="3720960" cy="1461600"/>
+            <a:off x="274320" y="1097280"/>
+            <a:ext cx="3710520" cy="3930120"/>
           </a:xfrm>
           <a:prstGeom prst="rect">
             <a:avLst/>
@@ -4540,7 +4538,409 @@
           <a:effectRef idx="0"/>
           <a:fontRef idx="minor"/>
         </p:style>
-      </p:sp>
+        <p:txBody>
+          <a:bodyPr lIns="90000" rIns="90000" tIns="45000" bIns="45000">
+            <a:spAutoFit/>
+          </a:bodyPr>
+          <a:p>
+            <a:pPr marL="285840" indent="-285120">
+              <a:lnSpc>
+                <a:spcPct val="100000"/>
+              </a:lnSpc>
+              <a:buClr>
+                <a:srgbClr val="17375e"/>
+              </a:buClr>
+              <a:buFont typeface="Arial"/>
+              <a:buChar char="•"/>
+            </a:pPr>
+            <a:endParaRPr b="0" lang="en-US" sz="1000" spc="-1" strike="noStrike">
+              <a:latin typeface="Arial"/>
+            </a:endParaRPr>
+          </a:p>
+          <a:p>
+            <a:pPr marL="285840" indent="-285120">
+              <a:lnSpc>
+                <a:spcPct val="100000"/>
+              </a:lnSpc>
+              <a:buClr>
+                <a:srgbClr val="17375e"/>
+              </a:buClr>
+              <a:buFont typeface="Arial"/>
+              <a:buChar char="•"/>
+            </a:pPr>
+            <a:r>
+              <a:rPr b="0" lang="en-US" sz="1800" spc="-1" strike="noStrike">
+                <a:solidFill>
+                  <a:srgbClr val="17375e"/>
+                </a:solidFill>
+                <a:latin typeface="Calibri"/>
+                <a:ea typeface="DejaVu Sans"/>
+              </a:rPr>
+              <a:t>Race Accuracy of 76%</a:t>
+            </a:r>
+            <a:endParaRPr b="0" lang="en-US" sz="1800" spc="-1" strike="noStrike">
+              <a:latin typeface="Arial"/>
+            </a:endParaRPr>
+          </a:p>
+          <a:p>
+            <a:pPr lvl="1" marL="432000" indent="-215640">
+              <a:lnSpc>
+                <a:spcPct val="100000"/>
+              </a:lnSpc>
+              <a:buClr>
+                <a:srgbClr val="000000"/>
+              </a:buClr>
+              <a:buSzPct val="45000"/>
+              <a:buFont typeface="Wingdings" charset="2"/>
+              <a:buChar char=""/>
+            </a:pPr>
+            <a:r>
+              <a:rPr b="0" lang="en-US" sz="1800" spc="-1" strike="noStrike">
+                <a:solidFill>
+                  <a:srgbClr val="17375e"/>
+                </a:solidFill>
+                <a:latin typeface="Calibri"/>
+                <a:ea typeface="DejaVu Sans"/>
+              </a:rPr>
+              <a:t>Category 0 ………………………..82%</a:t>
+            </a:r>
+            <a:endParaRPr b="0" lang="en-US" sz="1800" spc="-1" strike="noStrike">
+              <a:latin typeface="Arial"/>
+            </a:endParaRPr>
+          </a:p>
+          <a:p>
+            <a:pPr lvl="1" marL="432000" indent="-215640">
+              <a:lnSpc>
+                <a:spcPct val="100000"/>
+              </a:lnSpc>
+              <a:buClr>
+                <a:srgbClr val="000000"/>
+              </a:buClr>
+              <a:buSzPct val="45000"/>
+              <a:buFont typeface="Wingdings" charset="2"/>
+              <a:buChar char=""/>
+            </a:pPr>
+            <a:r>
+              <a:rPr b="0" lang="en-US" sz="1800" spc="-1" strike="noStrike">
+                <a:solidFill>
+                  <a:srgbClr val="17375e"/>
+                </a:solidFill>
+                <a:latin typeface="Calibri"/>
+                <a:ea typeface="DejaVu Sans"/>
+              </a:rPr>
+              <a:t>Category 1 …………………….....81%</a:t>
+            </a:r>
+            <a:endParaRPr b="0" lang="en-US" sz="1800" spc="-1" strike="noStrike">
+              <a:latin typeface="Arial"/>
+            </a:endParaRPr>
+          </a:p>
+          <a:p>
+            <a:pPr lvl="1" marL="432000" indent="-215640">
+              <a:lnSpc>
+                <a:spcPct val="100000"/>
+              </a:lnSpc>
+              <a:buClr>
+                <a:srgbClr val="000000"/>
+              </a:buClr>
+              <a:buSzPct val="45000"/>
+              <a:buFont typeface="Wingdings" charset="2"/>
+              <a:buChar char=""/>
+            </a:pPr>
+            <a:r>
+              <a:rPr b="0" lang="en-US" sz="1800" spc="-1" strike="noStrike">
+                <a:solidFill>
+                  <a:srgbClr val="17375e"/>
+                </a:solidFill>
+                <a:latin typeface="Calibri"/>
+                <a:ea typeface="DejaVu Sans"/>
+              </a:rPr>
+              <a:t>Category 2 …………………….....78%</a:t>
+            </a:r>
+            <a:endParaRPr b="0" lang="en-US" sz="1800" spc="-1" strike="noStrike">
+              <a:latin typeface="Arial"/>
+            </a:endParaRPr>
+          </a:p>
+          <a:p>
+            <a:pPr lvl="1" marL="432000" indent="-215640">
+              <a:lnSpc>
+                <a:spcPct val="100000"/>
+              </a:lnSpc>
+              <a:buClr>
+                <a:srgbClr val="000000"/>
+              </a:buClr>
+              <a:buSzPct val="45000"/>
+              <a:buFont typeface="Wingdings" charset="2"/>
+              <a:buChar char=""/>
+            </a:pPr>
+            <a:r>
+              <a:rPr b="0" lang="en-US" sz="1800" spc="-1" strike="noStrike">
+                <a:solidFill>
+                  <a:srgbClr val="17375e"/>
+                </a:solidFill>
+                <a:latin typeface="Calibri"/>
+                <a:ea typeface="DejaVu Sans"/>
+              </a:rPr>
+              <a:t>Category 3 ………………………..69%</a:t>
+            </a:r>
+            <a:endParaRPr b="0" lang="en-US" sz="1800" spc="-1" strike="noStrike">
+              <a:latin typeface="Arial"/>
+            </a:endParaRPr>
+          </a:p>
+          <a:p>
+            <a:pPr lvl="1" marL="432000" indent="-215640">
+              <a:lnSpc>
+                <a:spcPct val="100000"/>
+              </a:lnSpc>
+              <a:buClr>
+                <a:srgbClr val="000000"/>
+              </a:buClr>
+              <a:buSzPct val="45000"/>
+              <a:buFont typeface="Wingdings" charset="2"/>
+              <a:buChar char=""/>
+            </a:pPr>
+            <a:r>
+              <a:rPr b="0" lang="en-US" sz="1800" spc="-1" strike="noStrike">
+                <a:solidFill>
+                  <a:srgbClr val="17375e"/>
+                </a:solidFill>
+                <a:latin typeface="Calibri"/>
+                <a:ea typeface="DejaVu Sans"/>
+              </a:rPr>
+              <a:t>Category 4 …………………….....11%</a:t>
+            </a:r>
+            <a:endParaRPr b="0" lang="en-US" sz="1800" spc="-1" strike="noStrike">
+              <a:latin typeface="Arial"/>
+            </a:endParaRPr>
+          </a:p>
+          <a:p>
+            <a:pPr marL="285840" indent="-285120">
+              <a:lnSpc>
+                <a:spcPct val="100000"/>
+              </a:lnSpc>
+              <a:buClr>
+                <a:srgbClr val="17375e"/>
+              </a:buClr>
+              <a:buFont typeface="Arial"/>
+              <a:buChar char="•"/>
+            </a:pPr>
+            <a:endParaRPr b="0" lang="en-US" sz="1800" spc="-1" strike="noStrike">
+              <a:latin typeface="Arial"/>
+            </a:endParaRPr>
+          </a:p>
+          <a:p>
+            <a:pPr marL="285840" indent="-285120">
+              <a:lnSpc>
+                <a:spcPct val="100000"/>
+              </a:lnSpc>
+              <a:buClr>
+                <a:srgbClr val="17375e"/>
+              </a:buClr>
+              <a:buFont typeface="Arial"/>
+              <a:buChar char="•"/>
+            </a:pPr>
+            <a:r>
+              <a:rPr b="0" lang="en-US" sz="1800" spc="-1" strike="noStrike">
+                <a:solidFill>
+                  <a:srgbClr val="17375e"/>
+                </a:solidFill>
+                <a:latin typeface="Calibri"/>
+                <a:ea typeface="DejaVu Sans"/>
+              </a:rPr>
+              <a:t>Gender Accuracy of 89%</a:t>
+            </a:r>
+            <a:endParaRPr b="0" lang="en-US" sz="1800" spc="-1" strike="noStrike">
+              <a:latin typeface="Arial"/>
+            </a:endParaRPr>
+          </a:p>
+          <a:p>
+            <a:pPr lvl="1" marL="432000" indent="-215640">
+              <a:lnSpc>
+                <a:spcPct val="100000"/>
+              </a:lnSpc>
+              <a:buClr>
+                <a:srgbClr val="000000"/>
+              </a:buClr>
+              <a:buSzPct val="45000"/>
+              <a:buFont typeface="Wingdings" charset="2"/>
+              <a:buChar char=""/>
+            </a:pPr>
+            <a:r>
+              <a:rPr b="0" lang="en-US" sz="1800" spc="-1" strike="noStrike">
+                <a:solidFill>
+                  <a:srgbClr val="17375e"/>
+                </a:solidFill>
+                <a:latin typeface="Calibri"/>
+                <a:ea typeface="DejaVu Sans"/>
+              </a:rPr>
+              <a:t>Male ………………………………...89 % </a:t>
+            </a:r>
+            <a:endParaRPr b="0" lang="en-US" sz="1800" spc="-1" strike="noStrike">
+              <a:latin typeface="Arial"/>
+            </a:endParaRPr>
+          </a:p>
+          <a:p>
+            <a:pPr lvl="1" marL="432000" indent="-215640">
+              <a:lnSpc>
+                <a:spcPct val="100000"/>
+              </a:lnSpc>
+              <a:buClr>
+                <a:srgbClr val="000000"/>
+              </a:buClr>
+              <a:buSzPct val="45000"/>
+              <a:buFont typeface="Wingdings" charset="2"/>
+              <a:buChar char=""/>
+            </a:pPr>
+            <a:r>
+              <a:rPr b="0" lang="en-US" sz="1800" spc="-1" strike="noStrike">
+                <a:solidFill>
+                  <a:srgbClr val="17375e"/>
+                </a:solidFill>
+                <a:latin typeface="Calibri"/>
+                <a:ea typeface="DejaVu Sans"/>
+              </a:rPr>
+              <a:t>Female ……………………...……..88 %</a:t>
+            </a:r>
+            <a:endParaRPr b="0" lang="en-US" sz="1800" spc="-1" strike="noStrike">
+              <a:latin typeface="Arial"/>
+            </a:endParaRPr>
+          </a:p>
+          <a:p>
+            <a:pPr marL="285840" indent="-285120">
+              <a:lnSpc>
+                <a:spcPct val="100000"/>
+              </a:lnSpc>
+              <a:buClr>
+                <a:srgbClr val="17375e"/>
+              </a:buClr>
+              <a:buFont typeface="Arial"/>
+              <a:buChar char="•"/>
+            </a:pPr>
+            <a:endParaRPr b="0" lang="en-US" sz="1800" spc="-1" strike="noStrike">
+              <a:latin typeface="Arial"/>
+            </a:endParaRPr>
+          </a:p>
+          <a:p>
+            <a:pPr marL="285840" indent="-285120">
+              <a:lnSpc>
+                <a:spcPct val="100000"/>
+              </a:lnSpc>
+              <a:buClr>
+                <a:srgbClr val="17375e"/>
+              </a:buClr>
+              <a:buFont typeface="Arial"/>
+              <a:buChar char="•"/>
+            </a:pPr>
+            <a:r>
+              <a:rPr b="0" lang="en-US" sz="1800" spc="-1" strike="noStrike">
+                <a:solidFill>
+                  <a:srgbClr val="17375e"/>
+                </a:solidFill>
+                <a:latin typeface="Calibri"/>
+                <a:ea typeface="DejaVu Sans"/>
+              </a:rPr>
+              <a:t>Age Accuracy of 75%</a:t>
+            </a:r>
+            <a:endParaRPr b="0" lang="en-US" sz="1800" spc="-1" strike="noStrike">
+              <a:latin typeface="Arial"/>
+            </a:endParaRPr>
+          </a:p>
+          <a:p>
+            <a:pPr lvl="1" marL="432000" indent="-215640">
+              <a:lnSpc>
+                <a:spcPct val="100000"/>
+              </a:lnSpc>
+              <a:buClr>
+                <a:srgbClr val="000000"/>
+              </a:buClr>
+              <a:buSzPct val="45000"/>
+              <a:buFont typeface="Wingdings" charset="2"/>
+              <a:buChar char=""/>
+            </a:pPr>
+            <a:r>
+              <a:rPr b="0" lang="en-US" sz="1800" spc="-1" strike="noStrike">
+                <a:solidFill>
+                  <a:srgbClr val="17375e"/>
+                </a:solidFill>
+                <a:latin typeface="Calibri"/>
+                <a:ea typeface="DejaVu Sans"/>
+              </a:rPr>
+              <a:t>Mean Absolute Error ………..7.3</a:t>
+            </a:r>
+            <a:endParaRPr b="0" lang="en-US" sz="1800" spc="-1" strike="noStrike">
+              <a:latin typeface="Arial"/>
+            </a:endParaRPr>
+          </a:p>
+        </p:txBody>
+      </p:sp>
+      <p:pic>
+        <p:nvPicPr>
+          <p:cNvPr id="129" name="" descr=""/>
+          <p:cNvPicPr/>
+          <p:nvPr/>
+        </p:nvPicPr>
+        <p:blipFill>
+          <a:blip r:embed="rId2"/>
+          <a:stretch/>
+        </p:blipFill>
+        <p:spPr>
+          <a:xfrm>
+            <a:off x="4543920" y="1328760"/>
+            <a:ext cx="4142880" cy="1828440"/>
+          </a:xfrm>
+          <a:prstGeom prst="rect">
+            <a:avLst/>
+          </a:prstGeom>
+          <a:ln>
+            <a:noFill/>
+          </a:ln>
+        </p:spPr>
+      </p:pic>
+      <p:pic>
+        <p:nvPicPr>
+          <p:cNvPr id="130" name="" descr=""/>
+          <p:cNvPicPr/>
+          <p:nvPr/>
+        </p:nvPicPr>
+        <p:blipFill>
+          <a:blip r:embed="rId3"/>
+          <a:stretch/>
+        </p:blipFill>
+        <p:spPr>
+          <a:xfrm>
+            <a:off x="4572000" y="3474720"/>
+            <a:ext cx="4095360" cy="1342800"/>
+          </a:xfrm>
+          <a:prstGeom prst="rect">
+            <a:avLst/>
+          </a:prstGeom>
+          <a:ln>
+            <a:noFill/>
+          </a:ln>
+        </p:spPr>
+      </p:pic>
+      <p:pic>
+        <p:nvPicPr>
+          <p:cNvPr id="131" name="" descr=""/>
+          <p:cNvPicPr/>
+          <p:nvPr/>
+        </p:nvPicPr>
+        <p:blipFill>
+          <a:blip r:embed="rId4"/>
+          <a:stretch/>
+        </p:blipFill>
+        <p:spPr>
+          <a:xfrm>
+            <a:off x="4288680" y="5029200"/>
+            <a:ext cx="4581000" cy="885600"/>
+          </a:xfrm>
+          <a:prstGeom prst="rect">
+            <a:avLst/>
+          </a:prstGeom>
+          <a:ln>
+            <a:noFill/>
+          </a:ln>
+        </p:spPr>
+      </p:pic>
     </p:spTree>
   </p:cSld>
   <mc:AlternateContent>
@@ -4583,7 +4983,7 @@
       </p:grpSpPr>
       <p:sp>
         <p:nvSpPr>
-          <p:cNvPr id="119" name="CustomShape 1"/>
+          <p:cNvPr id="132" name="CustomShape 1"/>
           <p:cNvSpPr/>
           <p:nvPr/>
         </p:nvSpPr>
@@ -4624,7 +5024,7 @@
                 <a:latin typeface="Calibri"/>
                 <a:ea typeface="DejaVu Sans"/>
               </a:rPr>
-              <a:t>Conclusions</a:t>
+              <a:t>Results</a:t>
             </a:r>
             <a:endParaRPr b="0" lang="en-US" sz="4400" spc="-1" strike="noStrike">
               <a:latin typeface="Arial"/>
@@ -4634,14 +5034,14 @@
       </p:sp>
       <p:sp>
         <p:nvSpPr>
-          <p:cNvPr id="120" name="CustomShape 2"/>
+          <p:cNvPr id="133" name="CustomShape 2"/>
           <p:cNvSpPr/>
           <p:nvPr/>
         </p:nvSpPr>
         <p:spPr>
           <a:xfrm>
-            <a:off x="621720" y="4210920"/>
-            <a:ext cx="3777480" cy="1265400"/>
+            <a:off x="678240" y="1600200"/>
+            <a:ext cx="3720960" cy="1461600"/>
           </a:xfrm>
           <a:prstGeom prst="rect">
             <a:avLst/>
@@ -4658,32 +5058,75 @@
           <a:fontRef idx="minor"/>
         </p:style>
       </p:sp>
-      <p:sp>
-        <p:nvSpPr>
-          <p:cNvPr id="121" name="CustomShape 3"/>
-          <p:cNvSpPr/>
+      <p:pic>
+        <p:nvPicPr>
+          <p:cNvPr id="134" name="" descr=""/>
+          <p:cNvPicPr/>
           <p:nvPr/>
-        </p:nvSpPr>
-        <p:spPr>
-          <a:xfrm>
-            <a:off x="678240" y="1600200"/>
-            <a:ext cx="3720960" cy="1461600"/>
-          </a:xfrm>
-          <a:prstGeom prst="rect">
-            <a:avLst/>
-          </a:prstGeom>
-          <a:noFill/>
+        </p:nvPicPr>
+        <p:blipFill>
+          <a:blip r:embed="rId2"/>
+          <a:stretch/>
+        </p:blipFill>
+        <p:spPr>
+          <a:xfrm>
+            <a:off x="365760" y="1097280"/>
+            <a:ext cx="4114440" cy="2468520"/>
+          </a:xfrm>
+          <a:prstGeom prst="rect">
+            <a:avLst/>
+          </a:prstGeom>
           <a:ln>
             <a:noFill/>
           </a:ln>
         </p:spPr>
-        <p:style>
-          <a:lnRef idx="0"/>
-          <a:fillRef idx="0"/>
-          <a:effectRef idx="0"/>
-          <a:fontRef idx="minor"/>
-        </p:style>
-      </p:sp>
+      </p:pic>
+      <p:pic>
+        <p:nvPicPr>
+          <p:cNvPr id="135" name="" descr=""/>
+          <p:cNvPicPr/>
+          <p:nvPr/>
+        </p:nvPicPr>
+        <p:blipFill>
+          <a:blip r:embed="rId3"/>
+          <a:stretch/>
+        </p:blipFill>
+        <p:spPr>
+          <a:xfrm>
+            <a:off x="4480560" y="1097280"/>
+            <a:ext cx="4352040" cy="2468520"/>
+          </a:xfrm>
+          <a:prstGeom prst="rect">
+            <a:avLst/>
+          </a:prstGeom>
+          <a:ln>
+            <a:noFill/>
+          </a:ln>
+        </p:spPr>
+      </p:pic>
+      <p:pic>
+        <p:nvPicPr>
+          <p:cNvPr id="136" name="" descr=""/>
+          <p:cNvPicPr/>
+          <p:nvPr/>
+        </p:nvPicPr>
+        <p:blipFill>
+          <a:blip r:embed="rId4"/>
+          <a:stretch/>
+        </p:blipFill>
+        <p:spPr>
+          <a:xfrm>
+            <a:off x="2286000" y="3566160"/>
+            <a:ext cx="4580640" cy="2285640"/>
+          </a:xfrm>
+          <a:prstGeom prst="rect">
+            <a:avLst/>
+          </a:prstGeom>
+          <a:ln>
+            <a:noFill/>
+          </a:ln>
+        </p:spPr>
+      </p:pic>
     </p:spTree>
   </p:cSld>
   <mc:AlternateContent>
@@ -4726,7 +5169,7 @@
       </p:grpSpPr>
       <p:sp>
         <p:nvSpPr>
-          <p:cNvPr id="122" name="CustomShape 1"/>
+          <p:cNvPr id="137" name="CustomShape 1"/>
           <p:cNvSpPr/>
           <p:nvPr/>
         </p:nvSpPr>
@@ -4767,7 +5210,7 @@
                 <a:latin typeface="Calibri"/>
                 <a:ea typeface="DejaVu Sans"/>
               </a:rPr>
-              <a:t>Future Outlook</a:t>
+              <a:t>Discussions</a:t>
             </a:r>
             <a:endParaRPr b="0" lang="en-US" sz="4400" spc="-1" strike="noStrike">
               <a:latin typeface="Arial"/>
@@ -4777,7 +5220,7 @@
       </p:sp>
       <p:sp>
         <p:nvSpPr>
-          <p:cNvPr id="123" name="CustomShape 2"/>
+          <p:cNvPr id="138" name="CustomShape 2"/>
           <p:cNvSpPr/>
           <p:nvPr/>
         </p:nvSpPr>
@@ -4803,7 +5246,7 @@
       </p:sp>
       <p:sp>
         <p:nvSpPr>
-          <p:cNvPr id="124" name="CustomShape 3"/>
+          <p:cNvPr id="139" name="CustomShape 3"/>
           <p:cNvSpPr/>
           <p:nvPr/>
         </p:nvSpPr>
@@ -4826,6 +5269,65 @@
           <a:effectRef idx="0"/>
           <a:fontRef idx="minor"/>
         </p:style>
+      </p:sp>
+      <p:pic>
+        <p:nvPicPr>
+          <p:cNvPr id="140" name="" descr=""/>
+          <p:cNvPicPr/>
+          <p:nvPr/>
+        </p:nvPicPr>
+        <p:blipFill>
+          <a:blip r:embed="rId2"/>
+          <a:stretch/>
+        </p:blipFill>
+        <p:spPr>
+          <a:xfrm>
+            <a:off x="549360" y="1707120"/>
+            <a:ext cx="8086320" cy="3457080"/>
+          </a:xfrm>
+          <a:prstGeom prst="rect">
+            <a:avLst/>
+          </a:prstGeom>
+          <a:ln>
+            <a:noFill/>
+          </a:ln>
+        </p:spPr>
+      </p:pic>
+      <p:sp>
+        <p:nvSpPr>
+          <p:cNvPr id="141" name="TextShape 4"/>
+          <p:cNvSpPr txBox="1"/>
+          <p:nvPr/>
+        </p:nvSpPr>
+        <p:spPr>
+          <a:xfrm>
+            <a:off x="3383280" y="1188720"/>
+            <a:ext cx="2926080" cy="435240"/>
+          </a:xfrm>
+          <a:prstGeom prst="rect">
+            <a:avLst/>
+          </a:prstGeom>
+          <a:noFill/>
+          <a:ln>
+            <a:noFill/>
+          </a:ln>
+        </p:spPr>
+        <p:txBody>
+          <a:bodyPr lIns="90000" rIns="90000" tIns="45000" bIns="45000">
+            <a:spAutoFit/>
+          </a:bodyPr>
+          <a:p>
+            <a:r>
+              <a:rPr b="0" lang="en-US" sz="1000" spc="-1" strike="noStrike">
+                <a:latin typeface="Noto Sans"/>
+              </a:rPr>
+              <a:t>Random image sample to test model.</a:t>
+            </a:r>
+            <a:endParaRPr b="0" lang="en-US" sz="1000" spc="-1" strike="noStrike">
+              <a:latin typeface="Arial"/>
+            </a:endParaRPr>
+          </a:p>
+        </p:txBody>
       </p:sp>
     </p:spTree>
   </p:cSld>
@@ -4869,14 +5371,14 @@
       </p:grpSpPr>
       <p:sp>
         <p:nvSpPr>
-          <p:cNvPr id="125" name="CustomShape 1"/>
+          <p:cNvPr id="142" name="CustomShape 1"/>
           <p:cNvSpPr/>
           <p:nvPr/>
         </p:nvSpPr>
         <p:spPr>
           <a:xfrm>
-            <a:off x="2747880" y="1853280"/>
-            <a:ext cx="4749480" cy="2044440"/>
+            <a:off x="457200" y="186840"/>
+            <a:ext cx="8228520" cy="1141920"/>
           </a:xfrm>
           <a:prstGeom prst="rect">
             <a:avLst/>
@@ -4897,21 +5399,261 @@
             <a:noAutofit/>
           </a:bodyPr>
           <a:p>
-            <a:pPr>
-              <a:lnSpc>
-                <a:spcPct val="100000"/>
-              </a:lnSpc>
-            </a:pPr>
-            <a:r>
-              <a:rPr b="0" lang="en-US" sz="8000" spc="-1" strike="noStrike">
+            <a:pPr algn="ctr">
+              <a:lnSpc>
+                <a:spcPct val="100000"/>
+              </a:lnSpc>
+            </a:pPr>
+            <a:r>
+              <a:rPr b="0" lang="en-US" sz="4400" spc="-1" strike="noStrike">
                 <a:solidFill>
-                  <a:srgbClr val="1f497d"/>
+                  <a:srgbClr val="17375e"/>
                 </a:solidFill>
-                <a:latin typeface="Arial"/>
-              </a:rPr>
-              <a:t>Q &amp; A </a:t>
-            </a:r>
-            <a:endParaRPr b="0" lang="en-US" sz="8000" spc="-1" strike="noStrike">
+                <a:latin typeface="Calibri"/>
+                <a:ea typeface="DejaVu Sans"/>
+              </a:rPr>
+              <a:t>Challenges</a:t>
+            </a:r>
+            <a:endParaRPr b="0" lang="en-US" sz="4400" spc="-1" strike="noStrike">
+              <a:latin typeface="Arial"/>
+            </a:endParaRPr>
+          </a:p>
+        </p:txBody>
+      </p:sp>
+      <p:sp>
+        <p:nvSpPr>
+          <p:cNvPr id="143" name="CustomShape 2"/>
+          <p:cNvSpPr/>
+          <p:nvPr/>
+        </p:nvSpPr>
+        <p:spPr>
+          <a:xfrm>
+            <a:off x="621720" y="4210920"/>
+            <a:ext cx="3777480" cy="1265400"/>
+          </a:xfrm>
+          <a:prstGeom prst="rect">
+            <a:avLst/>
+          </a:prstGeom>
+          <a:noFill/>
+          <a:ln>
+            <a:noFill/>
+          </a:ln>
+        </p:spPr>
+        <p:style>
+          <a:lnRef idx="0"/>
+          <a:fillRef idx="0"/>
+          <a:effectRef idx="0"/>
+          <a:fontRef idx="minor"/>
+        </p:style>
+      </p:sp>
+      <p:sp>
+        <p:nvSpPr>
+          <p:cNvPr id="144" name="CustomShape 3"/>
+          <p:cNvSpPr/>
+          <p:nvPr/>
+        </p:nvSpPr>
+        <p:spPr>
+          <a:xfrm>
+            <a:off x="678240" y="1600200"/>
+            <a:ext cx="3720960" cy="1461600"/>
+          </a:xfrm>
+          <a:prstGeom prst="rect">
+            <a:avLst/>
+          </a:prstGeom>
+          <a:noFill/>
+          <a:ln>
+            <a:noFill/>
+          </a:ln>
+        </p:spPr>
+        <p:style>
+          <a:lnRef idx="0"/>
+          <a:fillRef idx="0"/>
+          <a:effectRef idx="0"/>
+          <a:fontRef idx="minor"/>
+        </p:style>
+      </p:sp>
+      <p:sp>
+        <p:nvSpPr>
+          <p:cNvPr id="145" name="CustomShape 4"/>
+          <p:cNvSpPr/>
+          <p:nvPr/>
+        </p:nvSpPr>
+        <p:spPr>
+          <a:xfrm>
+            <a:off x="678240" y="1600200"/>
+            <a:ext cx="7002360" cy="3655800"/>
+          </a:xfrm>
+          <a:prstGeom prst="rect">
+            <a:avLst/>
+          </a:prstGeom>
+          <a:noFill/>
+          <a:ln>
+            <a:noFill/>
+          </a:ln>
+        </p:spPr>
+        <p:style>
+          <a:lnRef idx="0"/>
+          <a:fillRef idx="0"/>
+          <a:effectRef idx="0"/>
+          <a:fontRef idx="minor"/>
+        </p:style>
+        <p:txBody>
+          <a:bodyPr lIns="90000" rIns="90000" tIns="45000" bIns="45000">
+            <a:spAutoFit/>
+          </a:bodyPr>
+          <a:p>
+            <a:pPr marL="285840" indent="-285120">
+              <a:lnSpc>
+                <a:spcPct val="100000"/>
+              </a:lnSpc>
+              <a:buClr>
+                <a:srgbClr val="17375e"/>
+              </a:buClr>
+              <a:buFont typeface="Arial"/>
+              <a:buChar char="•"/>
+            </a:pPr>
+            <a:r>
+              <a:rPr b="0" lang="en-US" sz="1800" spc="-1" strike="noStrike">
+                <a:solidFill>
+                  <a:srgbClr val="17375e"/>
+                </a:solidFill>
+                <a:latin typeface="Calibri"/>
+                <a:ea typeface="DejaVu Sans"/>
+              </a:rPr>
+              <a:t>CPU / GPU posed a challenge when training the model, because of limited access to the GPU and resource limitations.  This caused the training to take longer then desired.</a:t>
+            </a:r>
+            <a:endParaRPr b="0" lang="en-US" sz="1800" spc="-1" strike="noStrike">
+              <a:latin typeface="Arial"/>
+            </a:endParaRPr>
+          </a:p>
+          <a:p>
+            <a:pPr marL="285840" indent="-285120">
+              <a:lnSpc>
+                <a:spcPct val="100000"/>
+              </a:lnSpc>
+              <a:buClr>
+                <a:srgbClr val="17375e"/>
+              </a:buClr>
+              <a:buFont typeface="Arial"/>
+              <a:buChar char="•"/>
+            </a:pPr>
+            <a:endParaRPr b="0" lang="en-US" sz="1800" spc="-1" strike="noStrike">
+              <a:latin typeface="Arial"/>
+            </a:endParaRPr>
+          </a:p>
+          <a:p>
+            <a:pPr marL="285840" indent="-285120">
+              <a:lnSpc>
+                <a:spcPct val="100000"/>
+              </a:lnSpc>
+              <a:buClr>
+                <a:srgbClr val="17375e"/>
+              </a:buClr>
+              <a:buFont typeface="Arial"/>
+              <a:buChar char="•"/>
+            </a:pPr>
+            <a:r>
+              <a:rPr b="0" lang="en-US" sz="1800" spc="-1" strike="noStrike">
+                <a:solidFill>
+                  <a:srgbClr val="17375e"/>
+                </a:solidFill>
+                <a:latin typeface="Calibri"/>
+                <a:ea typeface="DejaVu Sans"/>
+              </a:rPr>
+              <a:t>Limited number of published article with provided access to sample code to help replicate ideas and solutions described in the articles.</a:t>
+            </a:r>
+            <a:endParaRPr b="0" lang="en-US" sz="1800" spc="-1" strike="noStrike">
+              <a:latin typeface="Arial"/>
+            </a:endParaRPr>
+          </a:p>
+          <a:p>
+            <a:pPr lvl="1" marL="432000" indent="-216000">
+              <a:lnSpc>
+                <a:spcPct val="100000"/>
+              </a:lnSpc>
+              <a:buClr>
+                <a:srgbClr val="000000"/>
+              </a:buClr>
+              <a:buSzPct val="45000"/>
+              <a:buFont typeface="Wingdings" charset="2"/>
+              <a:buChar char=""/>
+            </a:pPr>
+            <a:endParaRPr b="0" lang="en-US" sz="1800" spc="-1" strike="noStrike">
+              <a:latin typeface="Arial"/>
+            </a:endParaRPr>
+          </a:p>
+          <a:p>
+            <a:pPr marL="285840" indent="-285120">
+              <a:lnSpc>
+                <a:spcPct val="100000"/>
+              </a:lnSpc>
+              <a:buClr>
+                <a:srgbClr val="17375e"/>
+              </a:buClr>
+              <a:buFont typeface="Arial"/>
+              <a:buChar char="•"/>
+            </a:pPr>
+            <a:r>
+              <a:rPr b="0" lang="en-US" sz="1800" spc="-1" strike="noStrike">
+                <a:solidFill>
+                  <a:srgbClr val="17375e"/>
+                </a:solidFill>
+                <a:latin typeface="Calibri"/>
+                <a:ea typeface="DejaVu Sans"/>
+              </a:rPr>
+              <a:t>Limited experience with working </a:t>
+            </a:r>
+            <a:r>
+              <a:rPr b="0" lang="en-US" sz="1800" spc="-1" strike="noStrike">
+                <a:solidFill>
+                  <a:srgbClr val="17375e"/>
+                </a:solidFill>
+                <a:latin typeface="Calibri"/>
+                <a:ea typeface="DejaVu Sans"/>
+              </a:rPr>
+              <a:t>CNN architecture and machine learning.  Offered excellent opportunity to learn what to do and some thing not to do.</a:t>
+            </a:r>
+            <a:endParaRPr b="0" lang="en-US" sz="1800" spc="-1" strike="noStrike">
+              <a:latin typeface="Arial"/>
+            </a:endParaRPr>
+          </a:p>
+          <a:p>
+            <a:pPr marL="285840" indent="-285120">
+              <a:lnSpc>
+                <a:spcPct val="100000"/>
+              </a:lnSpc>
+              <a:buClr>
+                <a:srgbClr val="17375e"/>
+              </a:buClr>
+              <a:buFont typeface="Arial"/>
+              <a:buChar char="•"/>
+            </a:pPr>
+            <a:endParaRPr b="0" lang="en-US" sz="1800" spc="-1" strike="noStrike">
+              <a:latin typeface="Arial"/>
+            </a:endParaRPr>
+          </a:p>
+          <a:p>
+            <a:pPr marL="285840" indent="-285120">
+              <a:lnSpc>
+                <a:spcPct val="100000"/>
+              </a:lnSpc>
+              <a:buClr>
+                <a:srgbClr val="17375e"/>
+              </a:buClr>
+              <a:buFont typeface="Arial"/>
+              <a:buChar char="•"/>
+            </a:pPr>
+            <a:r>
+              <a:rPr b="0" lang="en-US" sz="1800" spc="-1" strike="noStrike">
+                <a:solidFill>
+                  <a:srgbClr val="17375e"/>
+                </a:solidFill>
+                <a:latin typeface="Calibri"/>
+                <a:ea typeface="DejaVu Sans"/>
+              </a:rPr>
+              <a:t>Working remotely, lack of face to face interaction during the middle of a pandemic. While also working full time.</a:t>
+            </a:r>
+            <a:endParaRPr b="0" lang="en-US" sz="1800" spc="-1" strike="noStrike">
               <a:latin typeface="Arial"/>
             </a:endParaRPr>
           </a:p>
@@ -4959,7 +5701,467 @@
       </p:grpSpPr>
       <p:sp>
         <p:nvSpPr>
-          <p:cNvPr id="126" name="CustomShape 1"/>
+          <p:cNvPr id="146" name="CustomShape 1"/>
+          <p:cNvSpPr/>
+          <p:nvPr/>
+        </p:nvSpPr>
+        <p:spPr>
+          <a:xfrm>
+            <a:off x="457200" y="186840"/>
+            <a:ext cx="8228520" cy="1141920"/>
+          </a:xfrm>
+          <a:prstGeom prst="rect">
+            <a:avLst/>
+          </a:prstGeom>
+          <a:noFill/>
+          <a:ln>
+            <a:noFill/>
+          </a:ln>
+        </p:spPr>
+        <p:style>
+          <a:lnRef idx="0"/>
+          <a:fillRef idx="0"/>
+          <a:effectRef idx="0"/>
+          <a:fontRef idx="minor"/>
+        </p:style>
+        <p:txBody>
+          <a:bodyPr lIns="90000" rIns="90000" tIns="45000" bIns="45000" anchor="ctr">
+            <a:noAutofit/>
+          </a:bodyPr>
+          <a:p>
+            <a:pPr algn="ctr">
+              <a:lnSpc>
+                <a:spcPct val="100000"/>
+              </a:lnSpc>
+            </a:pPr>
+            <a:r>
+              <a:rPr b="0" lang="en-US" sz="4400" spc="-1" strike="noStrike">
+                <a:solidFill>
+                  <a:srgbClr val="17375e"/>
+                </a:solidFill>
+                <a:latin typeface="Calibri"/>
+                <a:ea typeface="DejaVu Sans"/>
+              </a:rPr>
+              <a:t>Conclusions and </a:t>
+            </a:r>
+            <a:r>
+              <a:rPr b="0" lang="en-US" sz="4400" spc="-1" strike="noStrike">
+                <a:solidFill>
+                  <a:srgbClr val="17375e"/>
+                </a:solidFill>
+                <a:latin typeface="Calibri"/>
+                <a:ea typeface="DejaVu Sans"/>
+              </a:rPr>
+              <a:t>Future Outlook</a:t>
+            </a:r>
+            <a:endParaRPr b="0" lang="en-US" sz="4400" spc="-1" strike="noStrike">
+              <a:latin typeface="Arial"/>
+            </a:endParaRPr>
+          </a:p>
+        </p:txBody>
+      </p:sp>
+      <p:sp>
+        <p:nvSpPr>
+          <p:cNvPr id="147" name="CustomShape 2"/>
+          <p:cNvSpPr/>
+          <p:nvPr/>
+        </p:nvSpPr>
+        <p:spPr>
+          <a:xfrm>
+            <a:off x="621720" y="4210920"/>
+            <a:ext cx="3777480" cy="1265400"/>
+          </a:xfrm>
+          <a:prstGeom prst="rect">
+            <a:avLst/>
+          </a:prstGeom>
+          <a:noFill/>
+          <a:ln>
+            <a:noFill/>
+          </a:ln>
+        </p:spPr>
+        <p:style>
+          <a:lnRef idx="0"/>
+          <a:fillRef idx="0"/>
+          <a:effectRef idx="0"/>
+          <a:fontRef idx="minor"/>
+        </p:style>
+      </p:sp>
+      <p:sp>
+        <p:nvSpPr>
+          <p:cNvPr id="148" name="CustomShape 3"/>
+          <p:cNvSpPr/>
+          <p:nvPr/>
+        </p:nvSpPr>
+        <p:spPr>
+          <a:xfrm>
+            <a:off x="678240" y="1600200"/>
+            <a:ext cx="3720960" cy="1461600"/>
+          </a:xfrm>
+          <a:prstGeom prst="rect">
+            <a:avLst/>
+          </a:prstGeom>
+          <a:noFill/>
+          <a:ln>
+            <a:noFill/>
+          </a:ln>
+        </p:spPr>
+        <p:style>
+          <a:lnRef idx="0"/>
+          <a:fillRef idx="0"/>
+          <a:effectRef idx="0"/>
+          <a:fontRef idx="minor"/>
+        </p:style>
+      </p:sp>
+      <p:sp>
+        <p:nvSpPr>
+          <p:cNvPr id="149" name="CustomShape 4"/>
+          <p:cNvSpPr/>
+          <p:nvPr/>
+        </p:nvSpPr>
+        <p:spPr>
+          <a:xfrm>
+            <a:off x="678240" y="1600200"/>
+            <a:ext cx="7002360" cy="3107160"/>
+          </a:xfrm>
+          <a:prstGeom prst="rect">
+            <a:avLst/>
+          </a:prstGeom>
+          <a:noFill/>
+          <a:ln>
+            <a:noFill/>
+          </a:ln>
+        </p:spPr>
+        <p:style>
+          <a:lnRef idx="0"/>
+          <a:fillRef idx="0"/>
+          <a:effectRef idx="0"/>
+          <a:fontRef idx="minor"/>
+        </p:style>
+        <p:txBody>
+          <a:bodyPr lIns="90000" rIns="90000" tIns="45000" bIns="45000">
+            <a:spAutoFit/>
+          </a:bodyPr>
+          <a:p>
+            <a:pPr marL="285840" indent="-285120">
+              <a:lnSpc>
+                <a:spcPct val="100000"/>
+              </a:lnSpc>
+              <a:buClr>
+                <a:srgbClr val="17375e"/>
+              </a:buClr>
+              <a:buFont typeface="Arial"/>
+              <a:buChar char="•"/>
+            </a:pPr>
+            <a:r>
+              <a:rPr b="0" lang="en-US" sz="1800" spc="-1" strike="noStrike">
+                <a:solidFill>
+                  <a:srgbClr val="17375e"/>
+                </a:solidFill>
+                <a:latin typeface="Calibri"/>
+                <a:ea typeface="DejaVu Sans"/>
+              </a:rPr>
+              <a:t>Successful implementation of a multi-output multi-layered CNN to identify age, gender and ethnicity.</a:t>
+            </a:r>
+            <a:endParaRPr b="0" lang="en-US" sz="1800" spc="-1" strike="noStrike">
+              <a:latin typeface="Arial"/>
+            </a:endParaRPr>
+          </a:p>
+          <a:p>
+            <a:pPr marL="285840" indent="-285120">
+              <a:lnSpc>
+                <a:spcPct val="100000"/>
+              </a:lnSpc>
+              <a:buClr>
+                <a:srgbClr val="17375e"/>
+              </a:buClr>
+              <a:buFont typeface="Arial"/>
+              <a:buChar char="•"/>
+            </a:pPr>
+            <a:endParaRPr b="0" lang="en-US" sz="1800" spc="-1" strike="noStrike">
+              <a:latin typeface="Arial"/>
+            </a:endParaRPr>
+          </a:p>
+          <a:p>
+            <a:pPr marL="285840" indent="-285120">
+              <a:lnSpc>
+                <a:spcPct val="100000"/>
+              </a:lnSpc>
+              <a:buClr>
+                <a:srgbClr val="17375e"/>
+              </a:buClr>
+              <a:buFont typeface="Arial"/>
+              <a:buChar char="•"/>
+            </a:pPr>
+            <a:r>
+              <a:rPr b="0" lang="en-US" sz="1800" spc="-1" strike="noStrike">
+                <a:solidFill>
+                  <a:srgbClr val="17375e"/>
+                </a:solidFill>
+                <a:latin typeface="Calibri"/>
+                <a:ea typeface="DejaVu Sans"/>
+              </a:rPr>
+              <a:t>Were able to get </a:t>
+            </a:r>
+            <a:r>
+              <a:rPr b="0" lang="en-US" sz="1800" spc="-1" strike="noStrike">
+                <a:solidFill>
+                  <a:srgbClr val="17375e"/>
+                </a:solidFill>
+                <a:latin typeface="Calibri"/>
+                <a:ea typeface="DejaVu Sans"/>
+              </a:rPr>
+              <a:t>comparable</a:t>
+            </a:r>
+            <a:r>
+              <a:rPr b="0" lang="en-US" sz="1800" spc="-1" strike="noStrike">
+                <a:solidFill>
+                  <a:srgbClr val="17375e"/>
+                </a:solidFill>
+                <a:latin typeface="Calibri"/>
+                <a:ea typeface="DejaVu Sans"/>
+              </a:rPr>
+              <a:t> results to solutions which were implemented with  </a:t>
+            </a:r>
+            <a:r>
+              <a:rPr b="0" lang="en-US" sz="1800" spc="-1" strike="noStrike">
+                <a:solidFill>
+                  <a:srgbClr val="17375e"/>
+                </a:solidFill>
+                <a:latin typeface="Calibri"/>
+                <a:ea typeface="DejaVu Sans"/>
+              </a:rPr>
+              <a:t>separate</a:t>
+            </a:r>
+            <a:r>
+              <a:rPr b="0" lang="en-US" sz="1800" spc="-1" strike="noStrike">
+                <a:solidFill>
+                  <a:srgbClr val="17375e"/>
+                </a:solidFill>
+                <a:latin typeface="Calibri"/>
+                <a:ea typeface="DejaVu Sans"/>
+              </a:rPr>
+              <a:t> models for predicting each of the categories, with a single unified model.</a:t>
+            </a:r>
+            <a:endParaRPr b="0" lang="en-US" sz="1800" spc="-1" strike="noStrike">
+              <a:latin typeface="Arial"/>
+            </a:endParaRPr>
+          </a:p>
+          <a:p>
+            <a:pPr lvl="1" marL="432000" indent="-216000">
+              <a:lnSpc>
+                <a:spcPct val="100000"/>
+              </a:lnSpc>
+              <a:buClr>
+                <a:srgbClr val="000000"/>
+              </a:buClr>
+              <a:buSzPct val="45000"/>
+              <a:buFont typeface="Wingdings" charset="2"/>
+              <a:buChar char=""/>
+            </a:pPr>
+            <a:endParaRPr b="0" lang="en-US" sz="1800" spc="-1" strike="noStrike">
+              <a:latin typeface="Arial"/>
+            </a:endParaRPr>
+          </a:p>
+          <a:p>
+            <a:pPr marL="285840" indent="-285120">
+              <a:lnSpc>
+                <a:spcPct val="100000"/>
+              </a:lnSpc>
+              <a:buClr>
+                <a:srgbClr val="17375e"/>
+              </a:buClr>
+              <a:buFont typeface="Arial"/>
+              <a:buChar char="•"/>
+            </a:pPr>
+            <a:r>
+              <a:rPr b="0" lang="en-US" sz="1800" spc="-1" strike="noStrike">
+                <a:solidFill>
+                  <a:srgbClr val="17375e"/>
+                </a:solidFill>
+                <a:latin typeface="Calibri"/>
+                <a:ea typeface="DejaVu Sans"/>
+              </a:rPr>
+              <a:t>Improved performance Single Model vs Three Models</a:t>
+            </a:r>
+            <a:endParaRPr b="0" lang="en-US" sz="1800" spc="-1" strike="noStrike">
+              <a:latin typeface="Arial"/>
+            </a:endParaRPr>
+          </a:p>
+          <a:p>
+            <a:pPr marL="285840" indent="-285120">
+              <a:lnSpc>
+                <a:spcPct val="100000"/>
+              </a:lnSpc>
+              <a:buClr>
+                <a:srgbClr val="17375e"/>
+              </a:buClr>
+              <a:buFont typeface="Arial"/>
+              <a:buChar char="•"/>
+            </a:pPr>
+            <a:endParaRPr b="0" lang="en-US" sz="1800" spc="-1" strike="noStrike">
+              <a:latin typeface="Arial"/>
+            </a:endParaRPr>
+          </a:p>
+          <a:p>
+            <a:pPr marL="285840" indent="-285120">
+              <a:lnSpc>
+                <a:spcPct val="100000"/>
+              </a:lnSpc>
+              <a:buClr>
+                <a:srgbClr val="17375e"/>
+              </a:buClr>
+              <a:buFont typeface="Arial"/>
+              <a:buChar char="•"/>
+            </a:pPr>
+            <a:r>
+              <a:rPr b="0" lang="en-US" sz="1800" spc="-1" strike="noStrike">
+                <a:solidFill>
+                  <a:srgbClr val="17375e"/>
+                </a:solidFill>
+                <a:latin typeface="Calibri"/>
+                <a:ea typeface="DejaVu Sans"/>
+              </a:rPr>
+              <a:t>Future area for enhancements would be improvement of determining the mood of person based on image (Happy, Sad, etc.)</a:t>
+            </a:r>
+            <a:endParaRPr b="0" lang="en-US" sz="1800" spc="-1" strike="noStrike">
+              <a:latin typeface="Arial"/>
+            </a:endParaRPr>
+          </a:p>
+        </p:txBody>
+      </p:sp>
+    </p:spTree>
+  </p:cSld>
+  <mc:AlternateContent>
+    <mc:Choice Requires="p14">
+      <p:transition spd="slow" p14:dur="2000"/>
+    </mc:Choice>
+    <mc:Fallback>
+      <p:transition spd="slow"/>
+    </mc:Fallback>
+  </mc:AlternateContent>
+</p:sld>
+</file>
+
+<file path=ppt/slides/slide18.xml><?xml version="1.0" encoding="utf-8"?>
+<p:sld xmlns:a="http://schemas.openxmlformats.org/drawingml/2006/main" xmlns:p="http://schemas.openxmlformats.org/presentationml/2006/main" xmlns:r="http://schemas.openxmlformats.org/officeDocument/2006/relationships" xmlns:p14="http://schemas.microsoft.com/office/powerpoint/2010/main" xmlns:p15="http://schemas.microsoft.com/office/powerpoint/2012/main" xmlns:mc="http://schemas.openxmlformats.org/markup-compatibility/2006">
+  <p:cSld>
+    <p:bg>
+      <p:bgPr>
+        <a:blipFill rotWithShape="0">
+          <a:blip r:embed="rId1"/>
+          <a:stretch>
+            <a:fillRect/>
+          </a:stretch>
+        </a:blipFill>
+      </p:bgPr>
+    </p:bg>
+    <p:spTree>
+      <p:nvGrpSpPr>
+        <p:cNvPr id="1" name=""/>
+        <p:cNvGrpSpPr/>
+        <p:nvPr/>
+      </p:nvGrpSpPr>
+      <p:grpSpPr>
+        <a:xfrm>
+          <a:off x="0" y="0"/>
+          <a:ext cx="0" cy="0"/>
+          <a:chOff x="0" y="0"/>
+          <a:chExt cx="0" cy="0"/>
+        </a:xfrm>
+      </p:grpSpPr>
+      <p:sp>
+        <p:nvSpPr>
+          <p:cNvPr id="150" name="CustomShape 1"/>
+          <p:cNvSpPr/>
+          <p:nvPr/>
+        </p:nvSpPr>
+        <p:spPr>
+          <a:xfrm>
+            <a:off x="2747880" y="1853280"/>
+            <a:ext cx="4749480" cy="2044440"/>
+          </a:xfrm>
+          <a:prstGeom prst="rect">
+            <a:avLst/>
+          </a:prstGeom>
+          <a:noFill/>
+          <a:ln>
+            <a:noFill/>
+          </a:ln>
+        </p:spPr>
+        <p:style>
+          <a:lnRef idx="0"/>
+          <a:fillRef idx="0"/>
+          <a:effectRef idx="0"/>
+          <a:fontRef idx="minor"/>
+        </p:style>
+        <p:txBody>
+          <a:bodyPr lIns="90000" rIns="90000" tIns="45000" bIns="45000" anchor="ctr">
+            <a:noAutofit/>
+          </a:bodyPr>
+          <a:p>
+            <a:pPr>
+              <a:lnSpc>
+                <a:spcPct val="100000"/>
+              </a:lnSpc>
+            </a:pPr>
+            <a:r>
+              <a:rPr b="0" lang="en-US" sz="8000" spc="-1" strike="noStrike">
+                <a:solidFill>
+                  <a:srgbClr val="1f497d"/>
+                </a:solidFill>
+                <a:latin typeface="Arial"/>
+              </a:rPr>
+              <a:t>Q &amp; A </a:t>
+            </a:r>
+            <a:endParaRPr b="0" lang="en-US" sz="8000" spc="-1" strike="noStrike">
+              <a:latin typeface="Arial"/>
+            </a:endParaRPr>
+          </a:p>
+        </p:txBody>
+      </p:sp>
+    </p:spTree>
+  </p:cSld>
+  <mc:AlternateContent>
+    <mc:Choice Requires="p14">
+      <p:transition spd="slow" p14:dur="2000"/>
+    </mc:Choice>
+    <mc:Fallback>
+      <p:transition spd="slow"/>
+    </mc:Fallback>
+  </mc:AlternateContent>
+</p:sld>
+</file>
+
+<file path=ppt/slides/slide19.xml><?xml version="1.0" encoding="utf-8"?>
+<p:sld xmlns:a="http://schemas.openxmlformats.org/drawingml/2006/main" xmlns:p="http://schemas.openxmlformats.org/presentationml/2006/main" xmlns:r="http://schemas.openxmlformats.org/officeDocument/2006/relationships" xmlns:p14="http://schemas.microsoft.com/office/powerpoint/2010/main" xmlns:p15="http://schemas.microsoft.com/office/powerpoint/2012/main" xmlns:mc="http://schemas.openxmlformats.org/markup-compatibility/2006">
+  <p:cSld>
+    <p:bg>
+      <p:bgPr>
+        <a:blipFill rotWithShape="0">
+          <a:blip r:embed="rId1"/>
+          <a:stretch>
+            <a:fillRect/>
+          </a:stretch>
+        </a:blipFill>
+      </p:bgPr>
+    </p:bg>
+    <p:spTree>
+      <p:nvGrpSpPr>
+        <p:cNvPr id="1" name=""/>
+        <p:cNvGrpSpPr/>
+        <p:nvPr/>
+      </p:nvGrpSpPr>
+      <p:grpSpPr>
+        <a:xfrm>
+          <a:off x="0" y="0"/>
+          <a:ext cx="0" cy="0"/>
+          <a:chOff x="0" y="0"/>
+          <a:chExt cx="0" cy="0"/>
+        </a:xfrm>
+      </p:grpSpPr>
+      <p:sp>
+        <p:nvSpPr>
+          <p:cNvPr id="151" name="CustomShape 1"/>
           <p:cNvSpPr/>
           <p:nvPr/>
         </p:nvSpPr>
@@ -5117,7 +6319,7 @@
         <p:spPr>
           <a:xfrm>
             <a:off x="1609200" y="1503000"/>
-            <a:ext cx="5805720" cy="1919880"/>
+            <a:ext cx="5805720" cy="2224080"/>
           </a:xfrm>
           <a:prstGeom prst="rect">
             <a:avLst/>
@@ -5156,17 +6358,7 @@
                 <a:latin typeface="Calibri"/>
                 <a:ea typeface="DejaVu Sans"/>
               </a:rPr>
-              <a:t>Introduction &amp; related works – </a:t>
-            </a:r>
-            <a:r>
-              <a:rPr b="0" lang="en-US" sz="2000" spc="-1" strike="noStrike">
-                <a:solidFill>
-                  <a:srgbClr val="f79646"/>
-                </a:solidFill>
-                <a:latin typeface="Calibri"/>
-                <a:ea typeface="DejaVu Sans"/>
-              </a:rPr>
-              <a:t>Debsankar M </a:t>
+              <a:t>Introduction</a:t>
             </a:r>
             <a:endParaRPr b="0" lang="en-US" sz="2000" spc="-1" strike="noStrike">
               <a:latin typeface="Arial"/>
@@ -5191,17 +6383,7 @@
                 <a:latin typeface="Calibri"/>
                 <a:ea typeface="DejaVu Sans"/>
               </a:rPr>
-              <a:t>Methodology – </a:t>
-            </a:r>
-            <a:r>
-              <a:rPr b="0" lang="en-US" sz="2000" spc="-1" strike="noStrike">
-                <a:solidFill>
-                  <a:srgbClr val="f79646"/>
-                </a:solidFill>
-                <a:latin typeface="Calibri"/>
-                <a:ea typeface="DejaVu Sans"/>
-              </a:rPr>
-              <a:t>Vasim S</a:t>
+              <a:t>Background and Related Works</a:t>
             </a:r>
             <a:endParaRPr b="0" lang="en-US" sz="2000" spc="-1" strike="noStrike">
               <a:latin typeface="Arial"/>
@@ -5226,17 +6408,7 @@
                 <a:latin typeface="Calibri"/>
                 <a:ea typeface="DejaVu Sans"/>
               </a:rPr>
-              <a:t>Experimental Results and Discussion – </a:t>
-            </a:r>
-            <a:r>
-              <a:rPr b="0" lang="en-US" sz="2000" spc="-1" strike="noStrike">
-                <a:solidFill>
-                  <a:srgbClr val="f79646"/>
-                </a:solidFill>
-                <a:latin typeface="Calibri"/>
-                <a:ea typeface="DejaVu Sans"/>
-              </a:rPr>
-              <a:t>William Y</a:t>
+              <a:t>Architecture and Methodology </a:t>
             </a:r>
             <a:endParaRPr b="0" lang="en-US" sz="2000" spc="-1" strike="noStrike">
               <a:latin typeface="Arial"/>
@@ -5261,17 +6433,7 @@
                 <a:latin typeface="Calibri"/>
                 <a:ea typeface="DejaVu Sans"/>
               </a:rPr>
-              <a:t>Conclusion – </a:t>
-            </a:r>
-            <a:r>
-              <a:rPr b="0" lang="en-US" sz="2000" spc="-1" strike="noStrike">
-                <a:solidFill>
-                  <a:srgbClr val="f79646"/>
-                </a:solidFill>
-                <a:latin typeface="Calibri"/>
-                <a:ea typeface="DejaVu Sans"/>
-              </a:rPr>
-              <a:t>Prabhanjan T</a:t>
+              <a:t>Data, Code Snippet, and Results</a:t>
             </a:r>
             <a:endParaRPr b="0" lang="en-US" sz="2000" spc="-1" strike="noStrike">
               <a:latin typeface="Arial"/>
@@ -5296,94 +6458,34 @@
                 <a:latin typeface="Calibri"/>
                 <a:ea typeface="DejaVu Sans"/>
               </a:rPr>
-              <a:t>Q &amp; A </a:t>
+              <a:t>Conclusion </a:t>
             </a:r>
             <a:endParaRPr b="0" lang="en-US" sz="2000" spc="-1" strike="noStrike">
               <a:latin typeface="Arial"/>
             </a:endParaRPr>
           </a:p>
           <a:p>
-            <a:pPr>
-              <a:lnSpc>
-                <a:spcPct val="100000"/>
-              </a:lnSpc>
-            </a:pPr>
-            <a:endParaRPr b="0" lang="en-US" sz="2000" spc="-1" strike="noStrike">
-              <a:latin typeface="Arial"/>
-            </a:endParaRPr>
-          </a:p>
-        </p:txBody>
-      </p:sp>
-      <p:sp>
-        <p:nvSpPr>
-          <p:cNvPr id="81" name="CustomShape 3"/>
-          <p:cNvSpPr/>
-          <p:nvPr/>
-        </p:nvSpPr>
-        <p:spPr>
-          <a:xfrm>
-            <a:off x="1147320" y="3726360"/>
-            <a:ext cx="6848280" cy="638640"/>
-          </a:xfrm>
-          <a:prstGeom prst="rect">
-            <a:avLst/>
-          </a:prstGeom>
-          <a:noFill/>
-          <a:ln>
-            <a:noFill/>
-          </a:ln>
-        </p:spPr>
-        <p:style>
-          <a:lnRef idx="0"/>
-          <a:fillRef idx="0"/>
-          <a:effectRef idx="0"/>
-          <a:fontRef idx="minor"/>
-        </p:style>
-        <p:txBody>
-          <a:bodyPr lIns="90000" rIns="90000" tIns="45000" bIns="45000">
-            <a:spAutoFit/>
-          </a:bodyPr>
-          <a:p>
-            <a:pPr>
-              <a:lnSpc>
-                <a:spcPct val="100000"/>
-              </a:lnSpc>
-            </a:pPr>
-            <a:r>
-              <a:rPr b="0" lang="en-US" sz="1800" spc="-1" strike="noStrike">
+            <a:pPr marL="285840" indent="-285120">
+              <a:lnSpc>
+                <a:spcPct val="100000"/>
+              </a:lnSpc>
+              <a:buClr>
+                <a:srgbClr val="17375e"/>
+              </a:buClr>
+              <a:buFont typeface="Arial"/>
+              <a:buChar char="•"/>
+            </a:pPr>
+            <a:r>
+              <a:rPr b="0" lang="en-US" sz="2000" spc="-1" strike="noStrike">
                 <a:solidFill>
-                  <a:srgbClr val="000000"/>
+                  <a:srgbClr val="17375e"/>
                 </a:solidFill>
                 <a:latin typeface="Calibri"/>
                 <a:ea typeface="DejaVu Sans"/>
               </a:rPr>
-              <a:t>Journal Paper link - </a:t>
-            </a:r>
-            <a:r>
-              <a:rPr b="0" lang="en-US" sz="1800" spc="-1" strike="noStrike" u="sng">
-                <a:solidFill>
-                  <a:srgbClr val="0000ff"/>
-                </a:solidFill>
-                <a:uFillTx/>
-                <a:latin typeface="Calibri"/>
-                <a:ea typeface="DejaVu Sans"/>
-                <a:hlinkClick r:id="rId2"/>
-              </a:rPr>
-              <a:t>https://</a:t>
-            </a:r>
-            <a:r>
-              <a:rPr b="0" lang="en-US" sz="1800" spc="-1" strike="noStrike" u="sng">
-                <a:solidFill>
-                  <a:srgbClr val="0000ff"/>
-                </a:solidFill>
-                <a:uFillTx/>
-                <a:latin typeface="Calibri"/>
-                <a:ea typeface="DejaVu Sans"/>
-                <a:hlinkClick r:id="rId3"/>
-              </a:rPr>
-              <a:t>doi.org/10.1186/s40537-020-00358-x</a:t>
-            </a:r>
-            <a:endParaRPr b="0" lang="en-US" sz="1800" spc="-1" strike="noStrike">
+              <a:t>Q &amp; A </a:t>
+            </a:r>
+            <a:endParaRPr b="0" lang="en-US" sz="2000" spc="-1" strike="noStrike">
               <a:latin typeface="Arial"/>
             </a:endParaRPr>
           </a:p>
@@ -5393,7 +6495,7 @@
                 <a:spcPct val="100000"/>
               </a:lnSpc>
             </a:pPr>
-            <a:endParaRPr b="0" lang="en-US" sz="1800" spc="-1" strike="noStrike">
+            <a:endParaRPr b="0" lang="en-US" sz="2000" spc="-1" strike="noStrike">
               <a:latin typeface="Arial"/>
             </a:endParaRPr>
           </a:p>
@@ -5441,7 +6543,7 @@
       </p:grpSpPr>
       <p:sp>
         <p:nvSpPr>
-          <p:cNvPr id="82" name="CustomShape 1"/>
+          <p:cNvPr id="81" name="CustomShape 1"/>
           <p:cNvSpPr/>
           <p:nvPr/>
         </p:nvSpPr>
@@ -5492,7 +6594,7 @@
       </p:sp>
       <p:sp>
         <p:nvSpPr>
-          <p:cNvPr id="83" name="CustomShape 2"/>
+          <p:cNvPr id="82" name="CustomShape 2"/>
           <p:cNvSpPr/>
           <p:nvPr/>
         </p:nvSpPr>
@@ -5525,7 +6627,7 @@
                 <a:spcPct val="100000"/>
               </a:lnSpc>
             </a:pPr>
-            <a:endParaRPr b="0" lang="en-US" sz="1800" spc="-1" strike="noStrike">
+            <a:endParaRPr b="0" lang="en-US" sz="1000" spc="-1" strike="noStrike">
               <a:latin typeface="Arial"/>
             </a:endParaRPr>
           </a:p>
@@ -5535,22 +6637,22 @@
                 <a:spcPct val="100000"/>
               </a:lnSpc>
             </a:pPr>
-            <a:endParaRPr b="0" lang="en-US" sz="1800" spc="-1" strike="noStrike">
-              <a:latin typeface="Arial"/>
-            </a:endParaRPr>
-          </a:p>
-        </p:txBody>
-      </p:sp>
-      <p:sp>
-        <p:nvSpPr>
-          <p:cNvPr id="84" name="CustomShape 3"/>
+            <a:endParaRPr b="0" lang="en-US" sz="1000" spc="-1" strike="noStrike">
+              <a:latin typeface="Arial"/>
+            </a:endParaRPr>
+          </a:p>
+        </p:txBody>
+      </p:sp>
+      <p:sp>
+        <p:nvSpPr>
+          <p:cNvPr id="83" name="CustomShape 3"/>
           <p:cNvSpPr/>
           <p:nvPr/>
         </p:nvSpPr>
         <p:spPr>
           <a:xfrm>
             <a:off x="678240" y="1600200"/>
-            <a:ext cx="7368120" cy="3381480"/>
+            <a:ext cx="7368120" cy="3656520"/>
           </a:xfrm>
           <a:prstGeom prst="rect">
             <a:avLst/>
@@ -5699,7 +6801,7 @@
                 <a:latin typeface="Calibri"/>
                 <a:ea typeface="DejaVu Sans"/>
               </a:rPr>
-              <a:t>Determine mood of person based on image (Happy, Sad, etc.) </a:t>
+              <a:t>Ability to be able to determine the mood of person based on image (Happy, Sad, etc.) </a:t>
             </a:r>
             <a:endParaRPr b="0" lang="en-US" sz="1800" spc="-1" strike="noStrike">
               <a:latin typeface="Arial"/>
@@ -5749,7 +6851,7 @@
       </p:grpSpPr>
       <p:sp>
         <p:nvSpPr>
-          <p:cNvPr id="85" name="CustomShape 1"/>
+          <p:cNvPr id="84" name="CustomShape 1"/>
           <p:cNvSpPr/>
           <p:nvPr/>
         </p:nvSpPr>
@@ -5800,7 +6902,7 @@
       </p:sp>
       <p:sp>
         <p:nvSpPr>
-          <p:cNvPr id="86" name="CustomShape 2"/>
+          <p:cNvPr id="85" name="CustomShape 2"/>
           <p:cNvSpPr/>
           <p:nvPr/>
         </p:nvSpPr>
@@ -5833,7 +6935,7 @@
                 <a:spcPct val="100000"/>
               </a:lnSpc>
             </a:pPr>
-            <a:endParaRPr b="0" lang="en-US" sz="1800" spc="-1" strike="noStrike">
+            <a:endParaRPr b="0" lang="en-US" sz="1000" spc="-1" strike="noStrike">
               <a:latin typeface="Arial"/>
             </a:endParaRPr>
           </a:p>
@@ -5843,15 +6945,15 @@
                 <a:spcPct val="100000"/>
               </a:lnSpc>
             </a:pPr>
-            <a:endParaRPr b="0" lang="en-US" sz="1800" spc="-1" strike="noStrike">
-              <a:latin typeface="Arial"/>
-            </a:endParaRPr>
-          </a:p>
-        </p:txBody>
-      </p:sp>
-      <p:sp>
-        <p:nvSpPr>
-          <p:cNvPr id="87" name="CustomShape 3"/>
+            <a:endParaRPr b="0" lang="en-US" sz="1000" spc="-1" strike="noStrike">
+              <a:latin typeface="Arial"/>
+            </a:endParaRPr>
+          </a:p>
+        </p:txBody>
+      </p:sp>
+      <p:sp>
+        <p:nvSpPr>
+          <p:cNvPr id="86" name="CustomShape 3"/>
           <p:cNvSpPr/>
           <p:nvPr/>
         </p:nvSpPr>
@@ -5990,7 +7092,7 @@
       </p:grpSpPr>
       <p:sp>
         <p:nvSpPr>
-          <p:cNvPr id="88" name="CustomShape 1"/>
+          <p:cNvPr id="87" name="CustomShape 1"/>
           <p:cNvSpPr/>
           <p:nvPr/>
         </p:nvSpPr>
@@ -6041,7 +7143,7 @@
       </p:sp>
       <p:sp>
         <p:nvSpPr>
-          <p:cNvPr id="89" name="CustomShape 2"/>
+          <p:cNvPr id="88" name="CustomShape 2"/>
           <p:cNvSpPr/>
           <p:nvPr/>
         </p:nvSpPr>
@@ -6092,7 +7194,7 @@
       </p:sp>
       <p:pic>
         <p:nvPicPr>
-          <p:cNvPr id="90" name="" descr=""/>
+          <p:cNvPr id="89" name="" descr=""/>
           <p:cNvPicPr/>
           <p:nvPr/>
         </p:nvPicPr>
@@ -6115,14 +7217,14 @@
       </p:pic>
       <p:sp>
         <p:nvSpPr>
-          <p:cNvPr id="91" name="TextShape 3"/>
+          <p:cNvPr id="90" name="TextShape 3"/>
           <p:cNvSpPr txBox="1"/>
           <p:nvPr/>
         </p:nvSpPr>
         <p:spPr>
           <a:xfrm>
-            <a:off x="2286000" y="1188720"/>
-            <a:ext cx="4909680" cy="401400"/>
+            <a:off x="3154680" y="1188720"/>
+            <a:ext cx="2834640" cy="262800"/>
           </a:xfrm>
           <a:prstGeom prst="rect">
             <a:avLst/>
@@ -6138,12 +7240,12 @@
           </a:bodyPr>
           <a:p>
             <a:r>
-              <a:rPr b="0" lang="en-US" sz="1800" spc="-1" strike="noStrike">
+              <a:rPr b="0" lang="en-US" sz="1000" spc="-1" strike="noStrike">
                 <a:latin typeface="Noto Sans"/>
               </a:rPr>
               <a:t>Diagram of a Machine Learning (ML) system</a:t>
             </a:r>
-            <a:endParaRPr b="0" lang="en-US" sz="1800" spc="-1" strike="noStrike">
+            <a:endParaRPr b="0" lang="en-US" sz="1000" spc="-1" strike="noStrike">
               <a:latin typeface="Arial"/>
             </a:endParaRPr>
           </a:p>
@@ -6191,7 +7293,7 @@
       </p:grpSpPr>
       <p:sp>
         <p:nvSpPr>
-          <p:cNvPr id="92" name="CustomShape 1"/>
+          <p:cNvPr id="91" name="CustomShape 1"/>
           <p:cNvSpPr/>
           <p:nvPr/>
         </p:nvSpPr>
@@ -6242,7 +7344,7 @@
       </p:sp>
       <p:sp>
         <p:nvSpPr>
-          <p:cNvPr id="93" name="CustomShape 2"/>
+          <p:cNvPr id="92" name="CustomShape 2"/>
           <p:cNvSpPr/>
           <p:nvPr/>
         </p:nvSpPr>
@@ -6275,7 +7377,7 @@
                 <a:spcPct val="100000"/>
               </a:lnSpc>
             </a:pPr>
-            <a:endParaRPr b="0" lang="en-US" sz="1800" spc="-1" strike="noStrike">
+            <a:endParaRPr b="0" lang="en-US" sz="1000" spc="-1" strike="noStrike">
               <a:latin typeface="Arial"/>
             </a:endParaRPr>
           </a:p>
@@ -6285,15 +7387,15 @@
                 <a:spcPct val="100000"/>
               </a:lnSpc>
             </a:pPr>
-            <a:endParaRPr b="0" lang="en-US" sz="1800" spc="-1" strike="noStrike">
-              <a:latin typeface="Arial"/>
-            </a:endParaRPr>
-          </a:p>
-        </p:txBody>
-      </p:sp>
-      <p:sp>
-        <p:nvSpPr>
-          <p:cNvPr id="94" name="CustomShape 3"/>
+            <a:endParaRPr b="0" lang="en-US" sz="1000" spc="-1" strike="noStrike">
+              <a:latin typeface="Arial"/>
+            </a:endParaRPr>
+          </a:p>
+        </p:txBody>
+      </p:sp>
+      <p:sp>
+        <p:nvSpPr>
+          <p:cNvPr id="93" name="CustomShape 3"/>
           <p:cNvSpPr/>
           <p:nvPr/>
         </p:nvSpPr>
@@ -6370,7 +7472,7 @@
                 <a:latin typeface="Calibri"/>
                 <a:ea typeface="DejaVu Sans"/>
               </a:rPr>
-              <a:t>Age estimation from faces using deep learning: A comparative analysis.” by : AliceOthmani, A. R. Talebb, H. Abdelkawya and A. Hadidc</a:t>
+              <a:t>Age estimation from faces using deep learning: A comparative analysis.” by : Alice Othmani, A. R. Talebb, H. Abdelkawya and A. Hadidc</a:t>
             </a:r>
             <a:endParaRPr b="0" lang="en-US" sz="1800" spc="-1" strike="noStrike">
               <a:latin typeface="Arial"/>
@@ -6598,7 +7700,7 @@
       </p:grpSpPr>
       <p:sp>
         <p:nvSpPr>
-          <p:cNvPr id="95" name="CustomShape 1"/>
+          <p:cNvPr id="94" name="CustomShape 1"/>
           <p:cNvSpPr/>
           <p:nvPr/>
         </p:nvSpPr>
@@ -6649,14 +7751,14 @@
       </p:sp>
       <p:sp>
         <p:nvSpPr>
-          <p:cNvPr id="96" name="CustomShape 2"/>
+          <p:cNvPr id="95" name="CustomShape 2"/>
           <p:cNvSpPr/>
           <p:nvPr/>
         </p:nvSpPr>
         <p:spPr>
           <a:xfrm>
-            <a:off x="365760" y="1667520"/>
-            <a:ext cx="8321040" cy="3107160"/>
+            <a:off x="364680" y="1188720"/>
+            <a:ext cx="8321040" cy="4479480"/>
           </a:xfrm>
           <a:prstGeom prst="rect">
             <a:avLst/>
@@ -6695,22 +7797,17 @@
                 <a:latin typeface="Calibri"/>
                 <a:ea typeface="DejaVu Sans"/>
               </a:rPr>
-              <a:t>Research what others had done to solve the same problem and study their models.</a:t>
+              <a:t>Convolutional Neural Network (CNN) used to create the Model.</a:t>
             </a:r>
             <a:endParaRPr b="0" lang="en-US" sz="1800" spc="-1" strike="noStrike">
               <a:latin typeface="Arial"/>
             </a:endParaRPr>
           </a:p>
           <a:p>
-            <a:pPr marL="285840" indent="-285120">
-              <a:lnSpc>
-                <a:spcPct val="100000"/>
-              </a:lnSpc>
-              <a:buClr>
-                <a:srgbClr val="17375e"/>
-              </a:buClr>
-              <a:buFont typeface="Arial"/>
-              <a:buChar char="•"/>
+            <a:pPr>
+              <a:lnSpc>
+                <a:spcPct val="100000"/>
+              </a:lnSpc>
             </a:pPr>
             <a:endParaRPr b="0" lang="en-US" sz="1800" spc="-1" strike="noStrike">
               <a:latin typeface="Arial"/>
@@ -6735,6 +7832,206 @@
                 <a:latin typeface="Calibri"/>
                 <a:ea typeface="DejaVu Sans"/>
               </a:rPr>
+              <a:t>CNNs are used for image classification and recognition because of its high accuracy </a:t>
+            </a:r>
+            <a:endParaRPr b="0" lang="en-US" sz="1800" spc="-1" strike="noStrike">
+              <a:latin typeface="Arial"/>
+            </a:endParaRPr>
+          </a:p>
+          <a:p>
+            <a:pPr marL="285840" indent="-285120">
+              <a:lnSpc>
+                <a:spcPct val="100000"/>
+              </a:lnSpc>
+              <a:buClr>
+                <a:srgbClr val="17375e"/>
+              </a:buClr>
+              <a:buFont typeface="Arial"/>
+              <a:buChar char="•"/>
+            </a:pPr>
+            <a:endParaRPr b="0" lang="en-US" sz="1800" spc="-1" strike="noStrike">
+              <a:latin typeface="Arial"/>
+            </a:endParaRPr>
+          </a:p>
+          <a:p>
+            <a:pPr marL="285840" indent="-285120">
+              <a:lnSpc>
+                <a:spcPct val="100000"/>
+              </a:lnSpc>
+              <a:buClr>
+                <a:srgbClr val="17375e"/>
+              </a:buClr>
+              <a:buFont typeface="Arial"/>
+              <a:buChar char="•"/>
+            </a:pPr>
+            <a:r>
+              <a:rPr b="0" lang="en-US" sz="1800" spc="-1" strike="noStrike">
+                <a:solidFill>
+                  <a:srgbClr val="17375e"/>
+                </a:solidFill>
+                <a:latin typeface="Calibri"/>
+                <a:ea typeface="DejaVu Sans"/>
+              </a:rPr>
+              <a:t>Used multi-output CNN which for the ability to have a single model</a:t>
+            </a:r>
+            <a:endParaRPr b="0" lang="en-US" sz="1800" spc="-1" strike="noStrike">
+              <a:latin typeface="Arial"/>
+            </a:endParaRPr>
+          </a:p>
+          <a:p>
+            <a:pPr marL="285840" indent="-285120">
+              <a:lnSpc>
+                <a:spcPct val="100000"/>
+              </a:lnSpc>
+              <a:buClr>
+                <a:srgbClr val="17375e"/>
+              </a:buClr>
+              <a:buFont typeface="Arial"/>
+              <a:buChar char="•"/>
+            </a:pPr>
+            <a:endParaRPr b="0" lang="en-US" sz="1800" spc="-1" strike="noStrike">
+              <a:latin typeface="Arial"/>
+            </a:endParaRPr>
+          </a:p>
+          <a:p>
+            <a:pPr marL="285840" indent="-285120">
+              <a:lnSpc>
+                <a:spcPct val="100000"/>
+              </a:lnSpc>
+              <a:buClr>
+                <a:srgbClr val="17375e"/>
+              </a:buClr>
+              <a:buFont typeface="Arial"/>
+              <a:buChar char="•"/>
+            </a:pPr>
+            <a:r>
+              <a:rPr b="0" lang="en-US" sz="1800" spc="-1" strike="noStrike">
+                <a:solidFill>
+                  <a:srgbClr val="17375e"/>
+                </a:solidFill>
+                <a:latin typeface="Calibri"/>
+                <a:ea typeface="DejaVu Sans"/>
+              </a:rPr>
+              <a:t>CNN is widely used because of their </a:t>
+            </a:r>
+            <a:r>
+              <a:rPr b="0" lang="en-US" sz="1800" spc="-1" strike="noStrike">
+                <a:solidFill>
+                  <a:srgbClr val="17375e"/>
+                </a:solidFill>
+                <a:latin typeface="Calibri"/>
+                <a:ea typeface="DejaVu Sans"/>
+              </a:rPr>
+              <a:t>generalization</a:t>
+            </a:r>
+            <a:r>
+              <a:rPr b="0" lang="en-US" sz="1800" spc="-1" strike="noStrike">
+                <a:solidFill>
+                  <a:srgbClr val="17375e"/>
+                </a:solidFill>
+                <a:latin typeface="Calibri"/>
+                <a:ea typeface="DejaVu Sans"/>
+              </a:rPr>
+              <a:t> ability on unseen data and ability to handle </a:t>
+            </a:r>
+            <a:r>
+              <a:rPr b="0" lang="en-US" sz="1800" spc="-1" strike="noStrike">
+                <a:solidFill>
+                  <a:srgbClr val="17375e"/>
+                </a:solidFill>
+                <a:latin typeface="Calibri"/>
+                <a:ea typeface="DejaVu Sans"/>
+              </a:rPr>
+              <a:t>over-fitting</a:t>
+            </a:r>
+            <a:r>
+              <a:rPr b="0" lang="en-US" sz="1800" spc="-1" strike="noStrike">
+                <a:solidFill>
+                  <a:srgbClr val="17375e"/>
+                </a:solidFill>
+                <a:latin typeface="Calibri"/>
+                <a:ea typeface="DejaVu Sans"/>
+              </a:rPr>
+              <a:t> unlike others.</a:t>
+            </a:r>
+            <a:endParaRPr b="0" lang="en-US" sz="1800" spc="-1" strike="noStrike">
+              <a:latin typeface="Arial"/>
+            </a:endParaRPr>
+          </a:p>
+          <a:p>
+            <a:pPr marL="285840" indent="-285120">
+              <a:lnSpc>
+                <a:spcPct val="100000"/>
+              </a:lnSpc>
+              <a:buClr>
+                <a:srgbClr val="17375e"/>
+              </a:buClr>
+              <a:buFont typeface="Arial"/>
+              <a:buChar char="•"/>
+            </a:pPr>
+            <a:endParaRPr b="0" lang="en-US" sz="1800" spc="-1" strike="noStrike">
+              <a:latin typeface="Arial"/>
+            </a:endParaRPr>
+          </a:p>
+          <a:p>
+            <a:pPr marL="285840" indent="-285120">
+              <a:lnSpc>
+                <a:spcPct val="100000"/>
+              </a:lnSpc>
+              <a:buClr>
+                <a:srgbClr val="17375e"/>
+              </a:buClr>
+              <a:buFont typeface="Arial"/>
+              <a:buChar char="•"/>
+            </a:pPr>
+            <a:r>
+              <a:rPr b="0" lang="en-US" sz="1800" spc="-1" strike="noStrike">
+                <a:solidFill>
+                  <a:srgbClr val="17375e"/>
+                </a:solidFill>
+                <a:latin typeface="Calibri"/>
+                <a:ea typeface="DejaVu Sans"/>
+              </a:rPr>
+              <a:t>Research what others had done to solve the same problem and study their models.</a:t>
+            </a:r>
+            <a:endParaRPr b="0" lang="en-US" sz="1800" spc="-1" strike="noStrike">
+              <a:latin typeface="Arial"/>
+            </a:endParaRPr>
+          </a:p>
+          <a:p>
+            <a:pPr marL="285840" indent="-285120">
+              <a:lnSpc>
+                <a:spcPct val="100000"/>
+              </a:lnSpc>
+              <a:buClr>
+                <a:srgbClr val="17375e"/>
+              </a:buClr>
+              <a:buFont typeface="Arial"/>
+              <a:buChar char="•"/>
+            </a:pPr>
+            <a:endParaRPr b="0" lang="en-US" sz="1800" spc="-1" strike="noStrike">
+              <a:latin typeface="Arial"/>
+            </a:endParaRPr>
+          </a:p>
+          <a:p>
+            <a:pPr marL="285840" indent="-285120">
+              <a:lnSpc>
+                <a:spcPct val="100000"/>
+              </a:lnSpc>
+              <a:buClr>
+                <a:srgbClr val="17375e"/>
+              </a:buClr>
+              <a:buFont typeface="Arial"/>
+              <a:buChar char="•"/>
+            </a:pPr>
+            <a:r>
+              <a:rPr b="0" lang="en-US" sz="1800" spc="-1" strike="noStrike">
+                <a:solidFill>
+                  <a:srgbClr val="17375e"/>
+                </a:solidFill>
+                <a:latin typeface="Calibri"/>
+                <a:ea typeface="DejaVu Sans"/>
+              </a:rPr>
               <a:t>Create and Experiment with various Models to determine what path to follow.</a:t>
             </a:r>
             <a:endParaRPr b="0" lang="en-US" sz="1800" spc="-1" strike="noStrike">
@@ -6813,75 +8110,8 @@
                 <a:latin typeface="Calibri"/>
                 <a:ea typeface="DejaVu Sans"/>
               </a:rPr>
-              <a:t>We settled on One mode with 3 branches.</a:t>
-            </a:r>
-            <a:endParaRPr b="0" lang="en-US" sz="1800" spc="-1" strike="noStrike">
-              <a:latin typeface="Arial"/>
-            </a:endParaRPr>
-          </a:p>
-          <a:p>
-            <a:pPr lvl="1" marL="432000" indent="-216000">
-              <a:lnSpc>
-                <a:spcPct val="100000"/>
-              </a:lnSpc>
-              <a:buClr>
-                <a:srgbClr val="000000"/>
-              </a:buClr>
-              <a:buSzPct val="45000"/>
-              <a:buFont typeface="Wingdings" charset="2"/>
-              <a:buChar char=""/>
-            </a:pPr>
-            <a:endParaRPr b="0" lang="en-US" sz="1800" spc="-1" strike="noStrike">
-              <a:latin typeface="Arial"/>
-            </a:endParaRPr>
-          </a:p>
-          <a:p>
-            <a:pPr marL="285840" indent="-285120">
-              <a:lnSpc>
-                <a:spcPct val="100000"/>
-              </a:lnSpc>
-              <a:buClr>
-                <a:srgbClr val="17375e"/>
-              </a:buClr>
-              <a:buFont typeface="Arial"/>
-              <a:buChar char="•"/>
-            </a:pPr>
-            <a:r>
-              <a:rPr b="0" lang="en-US" sz="1800" spc="-1" strike="noStrike">
-                <a:solidFill>
-                  <a:srgbClr val="17375e"/>
-                </a:solidFill>
-                <a:latin typeface="Calibri"/>
-                <a:ea typeface="DejaVu Sans"/>
-              </a:rPr>
-              <a:t>TBD</a:t>
-            </a:r>
-            <a:endParaRPr b="0" lang="en-US" sz="1800" spc="-1" strike="noStrike">
-              <a:latin typeface="Arial"/>
-            </a:endParaRPr>
-          </a:p>
-          <a:p>
-            <a:pPr lvl="1" marL="432000" indent="-216000">
-              <a:lnSpc>
-                <a:spcPct val="100000"/>
-              </a:lnSpc>
-              <a:buClr>
-                <a:srgbClr val="000000"/>
-              </a:buClr>
-              <a:buSzPct val="45000"/>
-              <a:buFont typeface="Wingdings" charset="2"/>
-              <a:buChar char=""/>
-            </a:pPr>
-            <a:endParaRPr b="0" lang="en-US" sz="1800" spc="-1" strike="noStrike">
-              <a:latin typeface="Arial"/>
-            </a:endParaRPr>
-          </a:p>
-          <a:p>
-            <a:pPr>
-              <a:lnSpc>
-                <a:spcPct val="100000"/>
-              </a:lnSpc>
-            </a:pPr>
+              <a:t>We settled on One model with 3 branches.</a:t>
+            </a:r>
             <a:endParaRPr b="0" lang="en-US" sz="1800" spc="-1" strike="noStrike">
               <a:latin typeface="Arial"/>
             </a:endParaRPr>
@@ -6940,7 +8170,7 @@
       </p:grpSpPr>
       <p:sp>
         <p:nvSpPr>
-          <p:cNvPr id="97" name="CustomShape 1"/>
+          <p:cNvPr id="96" name="CustomShape 1"/>
           <p:cNvSpPr/>
           <p:nvPr/>
         </p:nvSpPr>
@@ -6981,37 +8211,308 @@
                 <a:latin typeface="Calibri"/>
                 <a:ea typeface="DejaVu Sans"/>
               </a:rPr>
+              <a:t>Architecture and Methodology</a:t>
+            </a:r>
+            <a:endParaRPr b="0" lang="en-US" sz="4400" spc="-1" strike="noStrike">
+              <a:latin typeface="Arial"/>
+            </a:endParaRPr>
+          </a:p>
+        </p:txBody>
+      </p:sp>
+      <p:sp>
+        <p:nvSpPr>
+          <p:cNvPr id="97" name="CustomShape 2"/>
+          <p:cNvSpPr/>
+          <p:nvPr/>
+        </p:nvSpPr>
+        <p:spPr>
+          <a:xfrm>
+            <a:off x="3291840" y="1371600"/>
+            <a:ext cx="2286000" cy="503640"/>
+          </a:xfrm>
+          <a:prstGeom prst="rect">
+            <a:avLst/>
+          </a:prstGeom>
+          <a:solidFill>
+            <a:srgbClr val="ffffff"/>
+          </a:solidFill>
+          <a:ln>
+            <a:solidFill>
+              <a:srgbClr val="3465a4"/>
+            </a:solidFill>
+          </a:ln>
+        </p:spPr>
+        <p:style>
+          <a:lnRef idx="0"/>
+          <a:fillRef idx="0"/>
+          <a:effectRef idx="0"/>
+          <a:fontRef idx="minor"/>
+        </p:style>
+        <p:txBody>
+          <a:bodyPr wrap="none" lIns="90000" rIns="90000" tIns="45000" bIns="45000" anchor="ctr">
+            <a:noAutofit/>
+          </a:bodyPr>
+          <a:p>
+            <a:pPr algn="ctr"/>
+            <a:r>
+              <a:rPr b="0" lang="en-US" sz="1000" spc="-1" strike="noStrike">
+                <a:latin typeface="Arial"/>
+              </a:rPr>
+              <a:t>Input Data </a:t>
+            </a:r>
+            <a:endParaRPr b="0" lang="en-US" sz="1000" spc="-1" strike="noStrike">
+              <a:latin typeface="Arial"/>
+            </a:endParaRPr>
+          </a:p>
+          <a:p>
+            <a:pPr algn="ctr"/>
+            <a:r>
+              <a:rPr b="0" lang="en-US" sz="1000" spc="-1" strike="noStrike">
+                <a:latin typeface="Arial"/>
+              </a:rPr>
+              <a:t>(Age, Gender, Ethnicity, Image) </a:t>
+            </a:r>
+            <a:endParaRPr b="0" lang="en-US" sz="1000" spc="-1" strike="noStrike">
+              <a:latin typeface="Arial"/>
+            </a:endParaRPr>
+          </a:p>
+        </p:txBody>
+      </p:sp>
+      <p:sp>
+        <p:nvSpPr>
+          <p:cNvPr id="98" name="CustomShape 3"/>
+          <p:cNvSpPr/>
+          <p:nvPr/>
+        </p:nvSpPr>
+        <p:spPr>
+          <a:xfrm>
+            <a:off x="3291840" y="2011680"/>
+            <a:ext cx="2286000" cy="503640"/>
+          </a:xfrm>
+          <a:prstGeom prst="rect">
+            <a:avLst/>
+          </a:prstGeom>
+          <a:solidFill>
+            <a:srgbClr val="ffffff"/>
+          </a:solidFill>
+          <a:ln>
+            <a:solidFill>
+              <a:srgbClr val="3465a4"/>
+            </a:solidFill>
+          </a:ln>
+        </p:spPr>
+        <p:style>
+          <a:lnRef idx="0"/>
+          <a:fillRef idx="0"/>
+          <a:effectRef idx="0"/>
+          <a:fontRef idx="minor"/>
+        </p:style>
+        <p:txBody>
+          <a:bodyPr wrap="none" lIns="90000" rIns="90000" tIns="45000" bIns="45000" anchor="ctr">
+            <a:noAutofit/>
+          </a:bodyPr>
+          <a:p>
+            <a:pPr algn="ctr"/>
+            <a:r>
+              <a:rPr b="0" lang="en-US" sz="1000" spc="-1" strike="noStrike">
+                <a:latin typeface="Arial"/>
+              </a:rPr>
+              <a:t>Data Preprocessing </a:t>
+            </a:r>
+            <a:endParaRPr b="0" lang="en-US" sz="1000" spc="-1" strike="noStrike">
+              <a:latin typeface="Arial"/>
+            </a:endParaRPr>
+          </a:p>
+        </p:txBody>
+      </p:sp>
+      <p:sp>
+        <p:nvSpPr>
+          <p:cNvPr id="99" name="CustomShape 4"/>
+          <p:cNvSpPr/>
+          <p:nvPr/>
+        </p:nvSpPr>
+        <p:spPr>
+          <a:xfrm>
+            <a:off x="3291840" y="2605320"/>
+            <a:ext cx="2286000" cy="503640"/>
+          </a:xfrm>
+          <a:prstGeom prst="rect">
+            <a:avLst/>
+          </a:prstGeom>
+          <a:solidFill>
+            <a:srgbClr val="ffffff"/>
+          </a:solidFill>
+          <a:ln>
+            <a:solidFill>
+              <a:srgbClr val="3465a4"/>
+            </a:solidFill>
+          </a:ln>
+        </p:spPr>
+        <p:style>
+          <a:lnRef idx="0"/>
+          <a:fillRef idx="0"/>
+          <a:effectRef idx="0"/>
+          <a:fontRef idx="minor"/>
+        </p:style>
+        <p:txBody>
+          <a:bodyPr wrap="none" lIns="90000" rIns="90000" tIns="45000" bIns="45000" anchor="ctr">
+            <a:noAutofit/>
+          </a:bodyPr>
+          <a:p>
+            <a:pPr algn="ctr"/>
+            <a:r>
+              <a:rPr b="0" lang="en-US" sz="1000" spc="-1" strike="noStrike">
+                <a:latin typeface="Arial"/>
+              </a:rPr>
               <a:t>Unified Model</a:t>
             </a:r>
-            <a:endParaRPr b="0" lang="en-US" sz="4400" spc="-1" strike="noStrike">
-              <a:latin typeface="Arial"/>
-            </a:endParaRPr>
-          </a:p>
-        </p:txBody>
-      </p:sp>
-      <p:pic>
-        <p:nvPicPr>
-          <p:cNvPr id="98" name="" descr=""/>
-          <p:cNvPicPr/>
+            <a:endParaRPr b="0" lang="en-US" sz="1000" spc="-1" strike="noStrike">
+              <a:latin typeface="Arial"/>
+            </a:endParaRPr>
+          </a:p>
+        </p:txBody>
+      </p:sp>
+      <p:sp>
+        <p:nvSpPr>
+          <p:cNvPr id="100" name="CustomShape 5"/>
+          <p:cNvSpPr/>
           <p:nvPr/>
-        </p:nvPicPr>
-        <p:blipFill>
-          <a:blip r:embed="rId2"/>
-          <a:stretch/>
-        </p:blipFill>
-        <p:spPr>
-          <a:xfrm>
-            <a:off x="1463040" y="1188720"/>
-            <a:ext cx="6126480" cy="4846320"/>
-          </a:xfrm>
-          <a:prstGeom prst="rect">
-            <a:avLst/>
-          </a:prstGeom>
+        </p:nvSpPr>
+        <p:spPr>
+          <a:xfrm>
+            <a:off x="3291840" y="3245400"/>
+            <a:ext cx="2286000" cy="503640"/>
+          </a:xfrm>
+          <a:prstGeom prst="rect">
+            <a:avLst/>
+          </a:prstGeom>
+          <a:solidFill>
+            <a:srgbClr val="ffffff"/>
+          </a:solidFill>
           <a:ln>
-            <a:noFill/>
+            <a:solidFill>
+              <a:srgbClr val="3465a4"/>
+            </a:solidFill>
           </a:ln>
         </p:spPr>
-      </p:pic>
+        <p:style>
+          <a:lnRef idx="0"/>
+          <a:fillRef idx="0"/>
+          <a:effectRef idx="0"/>
+          <a:fontRef idx="minor"/>
+        </p:style>
+        <p:txBody>
+          <a:bodyPr wrap="none" lIns="90000" rIns="90000" tIns="45000" bIns="45000" anchor="ctr">
+            <a:noAutofit/>
+          </a:bodyPr>
+          <a:p>
+            <a:pPr algn="ctr"/>
+            <a:r>
+              <a:rPr b="0" lang="en-US" sz="1000" spc="-1" strike="noStrike">
+                <a:latin typeface="Arial"/>
+              </a:rPr>
+              <a:t>Model Training</a:t>
+            </a:r>
+            <a:endParaRPr b="0" lang="en-US" sz="1000" spc="-1" strike="noStrike">
+              <a:latin typeface="Arial"/>
+            </a:endParaRPr>
+          </a:p>
+        </p:txBody>
+      </p:sp>
+      <p:sp>
+        <p:nvSpPr>
+          <p:cNvPr id="101" name="CustomShape 6"/>
+          <p:cNvSpPr/>
+          <p:nvPr/>
+        </p:nvSpPr>
+        <p:spPr>
+          <a:xfrm>
+            <a:off x="3291840" y="3885480"/>
+            <a:ext cx="2286000" cy="503640"/>
+          </a:xfrm>
+          <a:prstGeom prst="rect">
+            <a:avLst/>
+          </a:prstGeom>
+          <a:solidFill>
+            <a:srgbClr val="ffffff"/>
+          </a:solidFill>
+          <a:ln>
+            <a:solidFill>
+              <a:srgbClr val="3465a4"/>
+            </a:solidFill>
+          </a:ln>
+        </p:spPr>
+        <p:style>
+          <a:lnRef idx="0"/>
+          <a:fillRef idx="0"/>
+          <a:effectRef idx="0"/>
+          <a:fontRef idx="minor"/>
+        </p:style>
+        <p:txBody>
+          <a:bodyPr wrap="none" lIns="90000" rIns="90000" tIns="45000" bIns="45000" anchor="ctr">
+            <a:noAutofit/>
+          </a:bodyPr>
+          <a:p>
+            <a:pPr algn="ctr"/>
+            <a:r>
+              <a:rPr b="0" lang="en-US" sz="1000" spc="-1" strike="noStrike">
+                <a:latin typeface="Arial"/>
+              </a:rPr>
+              <a:t>Model Evaluation </a:t>
+            </a:r>
+            <a:endParaRPr b="0" lang="en-US" sz="1000" spc="-1" strike="noStrike">
+              <a:latin typeface="Arial"/>
+            </a:endParaRPr>
+          </a:p>
+        </p:txBody>
+      </p:sp>
+      <p:sp>
+        <p:nvSpPr>
+          <p:cNvPr id="102" name="CustomShape 7"/>
+          <p:cNvSpPr/>
+          <p:nvPr/>
+        </p:nvSpPr>
+        <p:spPr>
+          <a:xfrm>
+            <a:off x="3291840" y="4525560"/>
+            <a:ext cx="2286000" cy="503640"/>
+          </a:xfrm>
+          <a:prstGeom prst="rect">
+            <a:avLst/>
+          </a:prstGeom>
+          <a:solidFill>
+            <a:srgbClr val="ffffff"/>
+          </a:solidFill>
+          <a:ln>
+            <a:solidFill>
+              <a:srgbClr val="3465a4"/>
+            </a:solidFill>
+          </a:ln>
+        </p:spPr>
+        <p:style>
+          <a:lnRef idx="0"/>
+          <a:fillRef idx="0"/>
+          <a:effectRef idx="0"/>
+          <a:fontRef idx="minor"/>
+        </p:style>
+        <p:txBody>
+          <a:bodyPr wrap="none" lIns="90000" rIns="90000" tIns="45000" bIns="45000" anchor="ctr">
+            <a:noAutofit/>
+          </a:bodyPr>
+          <a:p>
+            <a:pPr algn="ctr"/>
+            <a:r>
+              <a:rPr b="0" lang="en-US" sz="1000" spc="-1" strike="noStrike">
+                <a:latin typeface="Arial"/>
+              </a:rPr>
+              <a:t>Validation or Prediction</a:t>
+            </a:r>
+            <a:endParaRPr b="0" lang="en-US" sz="1000" spc="-1" strike="noStrike">
+              <a:latin typeface="Arial"/>
+            </a:endParaRPr>
+          </a:p>
+        </p:txBody>
+      </p:sp>
     </p:spTree>
   </p:cSld>
   <mc:AlternateContent>
@@ -7054,13 +8555,13 @@
       </p:grpSpPr>
       <p:sp>
         <p:nvSpPr>
-          <p:cNvPr id="99" name="CustomShape 1"/>
+          <p:cNvPr id="103" name="CustomShape 1"/>
           <p:cNvSpPr/>
           <p:nvPr/>
         </p:nvSpPr>
         <p:spPr>
           <a:xfrm>
-            <a:off x="457200" y="186840"/>
+            <a:off x="457200" y="274680"/>
             <a:ext cx="8228520" cy="1141920"/>
           </a:xfrm>
           <a:prstGeom prst="rect">
@@ -7095,7 +8596,7 @@
                 <a:latin typeface="Calibri"/>
                 <a:ea typeface="DejaVu Sans"/>
               </a:rPr>
-              <a:t>Data</a:t>
+              <a:t>Unified Model</a:t>
             </a:r>
             <a:endParaRPr b="0" lang="en-US" sz="4400" spc="-1" strike="noStrike">
               <a:latin typeface="Arial"/>
@@ -7105,21 +8606,25 @@
       </p:sp>
       <p:sp>
         <p:nvSpPr>
-          <p:cNvPr id="100" name="CustomShape 2"/>
+          <p:cNvPr id="104" name="CustomShape 2"/>
           <p:cNvSpPr/>
           <p:nvPr/>
         </p:nvSpPr>
         <p:spPr>
           <a:xfrm>
-            <a:off x="621720" y="4210920"/>
-            <a:ext cx="3777480" cy="1265400"/>
-          </a:xfrm>
-          <a:prstGeom prst="rect">
-            <a:avLst/>
-          </a:prstGeom>
-          <a:noFill/>
+            <a:off x="3291840" y="1371600"/>
+            <a:ext cx="2286000" cy="503640"/>
+          </a:xfrm>
+          <a:prstGeom prst="rect">
+            <a:avLst/>
+          </a:prstGeom>
+          <a:solidFill>
+            <a:srgbClr val="ffffff"/>
+          </a:solidFill>
           <a:ln>
-            <a:noFill/>
+            <a:solidFill>
+              <a:srgbClr val="3465a4"/>
+            </a:solidFill>
           </a:ln>
         </p:spPr>
         <p:style>
@@ -7128,24 +8633,45 @@
           <a:effectRef idx="0"/>
           <a:fontRef idx="minor"/>
         </p:style>
-      </p:sp>
-      <p:sp>
-        <p:nvSpPr>
-          <p:cNvPr id="101" name="CustomShape 3"/>
+        <p:txBody>
+          <a:bodyPr wrap="none" lIns="90000" rIns="90000" tIns="45000" bIns="45000" anchor="ctr">
+            <a:noAutofit/>
+          </a:bodyPr>
+          <a:p>
+            <a:pPr algn="ctr"/>
+            <a:r>
+              <a:rPr b="1" lang="en-US" sz="1000" spc="-1" strike="noStrike">
+                <a:latin typeface="Arial"/>
+              </a:rPr>
+              <a:t>Input Layer</a:t>
+            </a:r>
+            <a:endParaRPr b="1" lang="en-US" sz="1000" spc="-1" strike="noStrike">
+              <a:latin typeface="Arial"/>
+            </a:endParaRPr>
+          </a:p>
+        </p:txBody>
+      </p:sp>
+      <p:sp>
+        <p:nvSpPr>
+          <p:cNvPr id="105" name="CustomShape 3"/>
           <p:cNvSpPr/>
           <p:nvPr/>
         </p:nvSpPr>
         <p:spPr>
           <a:xfrm>
-            <a:off x="678240" y="1600200"/>
-            <a:ext cx="7002360" cy="3107160"/>
-          </a:xfrm>
-          <a:prstGeom prst="rect">
-            <a:avLst/>
-          </a:prstGeom>
-          <a:noFill/>
+            <a:off x="3291840" y="2011680"/>
+            <a:ext cx="2286000" cy="503640"/>
+          </a:xfrm>
+          <a:prstGeom prst="rect">
+            <a:avLst/>
+          </a:prstGeom>
+          <a:solidFill>
+            <a:srgbClr val="ffffff"/>
+          </a:solidFill>
           <a:ln>
-            <a:noFill/>
+            <a:solidFill>
+              <a:srgbClr val="3465a4"/>
+            </a:solidFill>
           </a:ln>
         </p:spPr>
         <p:style>
@@ -7155,263 +8681,631 @@
           <a:fontRef idx="minor"/>
         </p:style>
         <p:txBody>
-          <a:bodyPr lIns="90000" rIns="90000" tIns="45000" bIns="45000">
-            <a:spAutoFit/>
-          </a:bodyPr>
-          <a:p>
-            <a:pPr marL="285840" indent="-285120">
-              <a:lnSpc>
-                <a:spcPct val="100000"/>
-              </a:lnSpc>
-              <a:buClr>
-                <a:srgbClr val="17375e"/>
-              </a:buClr>
-              <a:buFont typeface="Arial"/>
-              <a:buChar char="•"/>
-            </a:pPr>
-            <a:r>
-              <a:rPr b="0" lang="en-US" sz="1800" spc="-1" strike="noStrike">
-                <a:solidFill>
-                  <a:srgbClr val="17375e"/>
-                </a:solidFill>
-                <a:latin typeface="Calibri"/>
-                <a:ea typeface="DejaVu Sans"/>
-              </a:rPr>
-              <a:t>23705 Facial Images</a:t>
-            </a:r>
-            <a:endParaRPr b="0" lang="en-US" sz="1800" spc="-1" strike="noStrike">
-              <a:latin typeface="Arial"/>
-            </a:endParaRPr>
-          </a:p>
-          <a:p>
-            <a:pPr lvl="1" marL="432000" indent="-215640">
-              <a:lnSpc>
-                <a:spcPct val="100000"/>
-              </a:lnSpc>
-              <a:buClr>
-                <a:srgbClr val="000000"/>
-              </a:buClr>
-              <a:buSzPct val="45000"/>
-              <a:buFont typeface="Wingdings" charset="2"/>
-              <a:buChar char=""/>
-            </a:pPr>
-            <a:r>
-              <a:rPr b="0" lang="en-US" sz="1800" spc="-1" strike="noStrike">
-                <a:solidFill>
-                  <a:srgbClr val="17375e"/>
-                </a:solidFill>
-                <a:latin typeface="Calibri"/>
-                <a:ea typeface="DejaVu Sans"/>
-              </a:rPr>
-              <a:t>Image Size is 48 x 48 pixels </a:t>
-            </a:r>
-            <a:endParaRPr b="0" lang="en-US" sz="1800" spc="-1" strike="noStrike">
-              <a:latin typeface="Arial"/>
-            </a:endParaRPr>
-          </a:p>
-          <a:p>
-            <a:pPr>
-              <a:lnSpc>
-                <a:spcPct val="100000"/>
-              </a:lnSpc>
-            </a:pPr>
-            <a:endParaRPr b="0" lang="en-US" sz="1800" spc="-1" strike="noStrike">
-              <a:latin typeface="Arial"/>
-            </a:endParaRPr>
-          </a:p>
-          <a:p>
-            <a:pPr marL="285840" indent="-285120">
-              <a:lnSpc>
-                <a:spcPct val="100000"/>
-              </a:lnSpc>
-              <a:buClr>
-                <a:srgbClr val="17375e"/>
-              </a:buClr>
-              <a:buFont typeface="Arial"/>
-              <a:buChar char="•"/>
-            </a:pPr>
-            <a:r>
-              <a:rPr b="0" lang="en-US" sz="1800" spc="-1" strike="noStrike">
-                <a:solidFill>
-                  <a:srgbClr val="17375e"/>
-                </a:solidFill>
-                <a:latin typeface="Calibri"/>
-                <a:ea typeface="DejaVu Sans"/>
-              </a:rPr>
-              <a:t>Classifications</a:t>
-            </a:r>
-            <a:endParaRPr b="0" lang="en-US" sz="1800" spc="-1" strike="noStrike">
-              <a:latin typeface="Arial"/>
-            </a:endParaRPr>
-          </a:p>
-          <a:p>
-            <a:pPr lvl="1" marL="432000" indent="-215640">
-              <a:lnSpc>
-                <a:spcPct val="100000"/>
-              </a:lnSpc>
-              <a:buClr>
-                <a:srgbClr val="000000"/>
-              </a:buClr>
-              <a:buSzPct val="45000"/>
-              <a:buFont typeface="Wingdings" charset="2"/>
-              <a:buChar char=""/>
-            </a:pPr>
-            <a:r>
-              <a:rPr b="0" lang="en-US" sz="1800" spc="-1" strike="noStrike">
-                <a:solidFill>
-                  <a:srgbClr val="17375e"/>
-                </a:solidFill>
-                <a:latin typeface="Calibri"/>
-                <a:ea typeface="DejaVu Sans"/>
-              </a:rPr>
-              <a:t>Data is classified bases on three parameters:</a:t>
-            </a:r>
-            <a:endParaRPr b="0" lang="en-US" sz="1800" spc="-1" strike="noStrike">
-              <a:latin typeface="Arial"/>
-            </a:endParaRPr>
-          </a:p>
-          <a:p>
-            <a:pPr lvl="3" marL="864000" indent="-215640">
-              <a:lnSpc>
-                <a:spcPct val="100000"/>
-              </a:lnSpc>
-              <a:buClr>
-                <a:srgbClr val="000000"/>
-              </a:buClr>
-              <a:buSzPct val="45000"/>
-              <a:buFont typeface="Wingdings" charset="2"/>
-              <a:buChar char=""/>
-            </a:pPr>
-            <a:r>
-              <a:rPr b="0" lang="en-US" sz="1800" spc="-1" strike="noStrike">
-                <a:solidFill>
-                  <a:srgbClr val="17375e"/>
-                </a:solidFill>
-                <a:latin typeface="Calibri"/>
-                <a:ea typeface="DejaVu Sans"/>
-              </a:rPr>
-              <a:t>Age, Ethnicity and Gender</a:t>
-            </a:r>
-            <a:endParaRPr b="0" lang="en-US" sz="1800" spc="-1" strike="noStrike">
-              <a:latin typeface="Arial"/>
-            </a:endParaRPr>
-          </a:p>
-          <a:p>
-            <a:pPr lvl="1" marL="432000" indent="-215640">
-              <a:lnSpc>
-                <a:spcPct val="100000"/>
-              </a:lnSpc>
-              <a:buClr>
-                <a:srgbClr val="000000"/>
-              </a:buClr>
-              <a:buSzPct val="45000"/>
-              <a:buFont typeface="Wingdings" charset="2"/>
-              <a:buChar char=""/>
-            </a:pPr>
-            <a:r>
-              <a:rPr b="0" lang="en-US" sz="1800" spc="-1" strike="noStrike">
-                <a:solidFill>
-                  <a:srgbClr val="17375e"/>
-                </a:solidFill>
-                <a:latin typeface="Calibri"/>
-                <a:ea typeface="DejaVu Sans"/>
-              </a:rPr>
-              <a:t>Age has a range of 0 to 116</a:t>
-            </a:r>
-            <a:endParaRPr b="0" lang="en-US" sz="1800" spc="-1" strike="noStrike">
-              <a:latin typeface="Arial"/>
-            </a:endParaRPr>
-          </a:p>
-          <a:p>
-            <a:pPr lvl="1" marL="432000" indent="-215640">
-              <a:lnSpc>
-                <a:spcPct val="100000"/>
-              </a:lnSpc>
-              <a:buClr>
-                <a:srgbClr val="000000"/>
-              </a:buClr>
-              <a:buSzPct val="45000"/>
-              <a:buFont typeface="Wingdings" charset="2"/>
-              <a:buChar char=""/>
-            </a:pPr>
-            <a:r>
-              <a:rPr b="0" lang="en-US" sz="1800" spc="-1" strike="noStrike">
-                <a:solidFill>
-                  <a:srgbClr val="17375e"/>
-                </a:solidFill>
-                <a:latin typeface="Calibri"/>
-                <a:ea typeface="DejaVu Sans"/>
-              </a:rPr>
-              <a:t>Ethnicity is broken down into 5 categories</a:t>
-            </a:r>
-            <a:endParaRPr b="0" lang="en-US" sz="1800" spc="-1" strike="noStrike">
-              <a:latin typeface="Arial"/>
-            </a:endParaRPr>
-          </a:p>
-          <a:p>
-            <a:pPr lvl="1" marL="432000" indent="-215640">
-              <a:lnSpc>
-                <a:spcPct val="100000"/>
-              </a:lnSpc>
-              <a:buClr>
-                <a:srgbClr val="000000"/>
-              </a:buClr>
-              <a:buSzPct val="45000"/>
-              <a:buFont typeface="Wingdings" charset="2"/>
-              <a:buChar char=""/>
-            </a:pPr>
-            <a:r>
-              <a:rPr b="0" lang="en-US" sz="1800" spc="-1" strike="noStrike">
-                <a:solidFill>
-                  <a:srgbClr val="17375e"/>
-                </a:solidFill>
-                <a:latin typeface="Calibri"/>
-                <a:ea typeface="DejaVu Sans"/>
-              </a:rPr>
-              <a:t>Gender is classified as Male or Female</a:t>
-            </a:r>
-            <a:endParaRPr b="0" lang="en-US" sz="1800" spc="-1" strike="noStrike">
-              <a:latin typeface="Arial"/>
-            </a:endParaRPr>
-          </a:p>
-          <a:p>
-            <a:pPr lvl="1" marL="432000" indent="-215640">
-              <a:lnSpc>
-                <a:spcPct val="100000"/>
-              </a:lnSpc>
-              <a:buClr>
-                <a:srgbClr val="000000"/>
-              </a:buClr>
-              <a:buSzPct val="45000"/>
-              <a:buFont typeface="Wingdings" charset="2"/>
-              <a:buChar char=""/>
-            </a:pPr>
-            <a:endParaRPr b="0" lang="en-US" sz="1800" spc="-1" strike="noStrike">
-              <a:latin typeface="Arial"/>
-            </a:endParaRPr>
-          </a:p>
-          <a:p>
-            <a:pPr marL="285840" indent="-285120">
-              <a:lnSpc>
-                <a:spcPct val="100000"/>
-              </a:lnSpc>
-              <a:buClr>
-                <a:srgbClr val="17375e"/>
-              </a:buClr>
-              <a:buFont typeface="Arial"/>
-              <a:buChar char="•"/>
-            </a:pPr>
-            <a:r>
-              <a:rPr b="0" lang="en-US" sz="1800" spc="-1" strike="noStrike">
-                <a:solidFill>
-                  <a:srgbClr val="17375e"/>
-                </a:solidFill>
-                <a:latin typeface="Calibri"/>
-                <a:ea typeface="DejaVu Sans"/>
-              </a:rPr>
-              <a:t>Data Distribution was not uniform</a:t>
-            </a:r>
-            <a:endParaRPr b="0" lang="en-US" sz="1800" spc="-1" strike="noStrike">
+          <a:bodyPr wrap="none" lIns="90000" rIns="90000" tIns="45000" bIns="45000" anchor="ctr">
+            <a:noAutofit/>
+          </a:bodyPr>
+          <a:p>
+            <a:pPr algn="ctr"/>
+            <a:r>
+              <a:rPr b="1" lang="en-US" sz="1000" spc="-1" strike="noStrike">
+                <a:latin typeface="Arial"/>
+              </a:rPr>
+              <a:t>CNN Layer 1</a:t>
+            </a:r>
+            <a:endParaRPr b="0" lang="en-US" sz="1000" spc="-1" strike="noStrike">
+              <a:latin typeface="Arial"/>
+            </a:endParaRPr>
+          </a:p>
+          <a:p>
+            <a:pPr algn="ctr"/>
+            <a:r>
+              <a:rPr b="0" lang="en-US" sz="1000" spc="-1" strike="noStrike">
+                <a:latin typeface="Arial"/>
+              </a:rPr>
+              <a:t>(Activation,BatchNormalization, </a:t>
+            </a:r>
+            <a:endParaRPr b="0" lang="en-US" sz="1000" spc="-1" strike="noStrike">
+              <a:latin typeface="Arial"/>
+            </a:endParaRPr>
+          </a:p>
+          <a:p>
+            <a:pPr algn="ctr"/>
+            <a:r>
+              <a:rPr b="0" lang="en-US" sz="1000" spc="-1" strike="noStrike">
+                <a:latin typeface="Arial"/>
+              </a:rPr>
+              <a:t>MaxPooling2D, Dropout, Conv2d)</a:t>
+            </a:r>
+            <a:endParaRPr b="0" lang="en-US" sz="1000" spc="-1" strike="noStrike">
+              <a:latin typeface="Arial"/>
+            </a:endParaRPr>
+          </a:p>
+        </p:txBody>
+      </p:sp>
+      <p:sp>
+        <p:nvSpPr>
+          <p:cNvPr id="106" name="CustomShape 4"/>
+          <p:cNvSpPr/>
+          <p:nvPr/>
+        </p:nvSpPr>
+        <p:spPr>
+          <a:xfrm>
+            <a:off x="3291840" y="2651760"/>
+            <a:ext cx="2286000" cy="503640"/>
+          </a:xfrm>
+          <a:prstGeom prst="rect">
+            <a:avLst/>
+          </a:prstGeom>
+          <a:solidFill>
+            <a:srgbClr val="ffffff"/>
+          </a:solidFill>
+          <a:ln>
+            <a:solidFill>
+              <a:srgbClr val="3465a4"/>
+            </a:solidFill>
+          </a:ln>
+        </p:spPr>
+        <p:style>
+          <a:lnRef idx="0"/>
+          <a:fillRef idx="0"/>
+          <a:effectRef idx="0"/>
+          <a:fontRef idx="minor"/>
+        </p:style>
+        <p:txBody>
+          <a:bodyPr wrap="none" lIns="90000" rIns="90000" tIns="45000" bIns="45000" anchor="ctr">
+            <a:noAutofit/>
+          </a:bodyPr>
+          <a:p>
+            <a:pPr algn="ctr"/>
+            <a:r>
+              <a:rPr b="1" lang="en-US" sz="1000" spc="-1" strike="noStrike">
+                <a:latin typeface="Arial"/>
+              </a:rPr>
+              <a:t>CNN Layer 2</a:t>
+            </a:r>
+            <a:endParaRPr b="0" lang="en-US" sz="1000" spc="-1" strike="noStrike">
+              <a:latin typeface="Arial"/>
+            </a:endParaRPr>
+          </a:p>
+          <a:p>
+            <a:pPr algn="ctr"/>
+            <a:r>
+              <a:rPr b="0" lang="en-US" sz="1000" spc="-1" strike="noStrike">
+                <a:latin typeface="Arial"/>
+              </a:rPr>
+              <a:t>(Activation,BatchNormalization, </a:t>
+            </a:r>
+            <a:endParaRPr b="0" lang="en-US" sz="1000" spc="-1" strike="noStrike">
+              <a:latin typeface="Arial"/>
+            </a:endParaRPr>
+          </a:p>
+          <a:p>
+            <a:pPr algn="ctr"/>
+            <a:r>
+              <a:rPr b="0" lang="en-US" sz="1000" spc="-1" strike="noStrike">
+                <a:latin typeface="Arial"/>
+              </a:rPr>
+              <a:t>MaxPooling2D, Dropout, Conv2d)</a:t>
+            </a:r>
+            <a:endParaRPr b="0" lang="en-US" sz="1000" spc="-1" strike="noStrike">
+              <a:latin typeface="Arial"/>
+            </a:endParaRPr>
+          </a:p>
+        </p:txBody>
+      </p:sp>
+      <p:sp>
+        <p:nvSpPr>
+          <p:cNvPr id="107" name="CustomShape 5"/>
+          <p:cNvSpPr/>
+          <p:nvPr/>
+        </p:nvSpPr>
+        <p:spPr>
+          <a:xfrm>
+            <a:off x="3291840" y="3291840"/>
+            <a:ext cx="2286000" cy="503640"/>
+          </a:xfrm>
+          <a:prstGeom prst="rect">
+            <a:avLst/>
+          </a:prstGeom>
+          <a:solidFill>
+            <a:srgbClr val="ffffff"/>
+          </a:solidFill>
+          <a:ln>
+            <a:solidFill>
+              <a:srgbClr val="3465a4"/>
+            </a:solidFill>
+          </a:ln>
+        </p:spPr>
+        <p:style>
+          <a:lnRef idx="0"/>
+          <a:fillRef idx="0"/>
+          <a:effectRef idx="0"/>
+          <a:fontRef idx="minor"/>
+        </p:style>
+        <p:txBody>
+          <a:bodyPr wrap="none" lIns="90000" rIns="90000" tIns="45000" bIns="45000" anchor="ctr">
+            <a:noAutofit/>
+          </a:bodyPr>
+          <a:p>
+            <a:pPr algn="ctr"/>
+            <a:r>
+              <a:rPr b="1" lang="en-US" sz="1000" spc="-1" strike="noStrike">
+                <a:latin typeface="Arial"/>
+              </a:rPr>
+              <a:t>CNN Layer 3</a:t>
+            </a:r>
+            <a:endParaRPr b="0" lang="en-US" sz="1000" spc="-1" strike="noStrike">
+              <a:latin typeface="Arial"/>
+            </a:endParaRPr>
+          </a:p>
+          <a:p>
+            <a:pPr algn="ctr"/>
+            <a:r>
+              <a:rPr b="0" lang="en-US" sz="1000" spc="-1" strike="noStrike">
+                <a:latin typeface="Arial"/>
+              </a:rPr>
+              <a:t>(Activation,BatchNormalization, </a:t>
+            </a:r>
+            <a:endParaRPr b="0" lang="en-US" sz="1000" spc="-1" strike="noStrike">
+              <a:latin typeface="Arial"/>
+            </a:endParaRPr>
+          </a:p>
+          <a:p>
+            <a:pPr algn="ctr"/>
+            <a:r>
+              <a:rPr b="0" lang="en-US" sz="1000" spc="-1" strike="noStrike">
+                <a:latin typeface="Arial"/>
+              </a:rPr>
+              <a:t>MaxPooling2D, Dropout, Conv2d)</a:t>
+            </a:r>
+            <a:endParaRPr b="0" lang="en-US" sz="1000" spc="-1" strike="noStrike">
+              <a:latin typeface="Arial"/>
+            </a:endParaRPr>
+          </a:p>
+        </p:txBody>
+      </p:sp>
+      <p:sp>
+        <p:nvSpPr>
+          <p:cNvPr id="108" name="CustomShape 6"/>
+          <p:cNvSpPr/>
+          <p:nvPr/>
+        </p:nvSpPr>
+        <p:spPr>
+          <a:xfrm>
+            <a:off x="1188720" y="3931920"/>
+            <a:ext cx="1920240" cy="1828800"/>
+          </a:xfrm>
+          <a:prstGeom prst="rect">
+            <a:avLst/>
+          </a:prstGeom>
+          <a:solidFill>
+            <a:srgbClr val="ffffff"/>
+          </a:solidFill>
+          <a:ln>
+            <a:solidFill>
+              <a:srgbClr val="3465a4"/>
+            </a:solidFill>
+          </a:ln>
+        </p:spPr>
+        <p:style>
+          <a:lnRef idx="0"/>
+          <a:fillRef idx="0"/>
+          <a:effectRef idx="0"/>
+          <a:fontRef idx="minor"/>
+        </p:style>
+        <p:txBody>
+          <a:bodyPr wrap="none" lIns="90000" rIns="90000" tIns="45000" bIns="45000" anchor="ctr">
+            <a:noAutofit/>
+          </a:bodyPr>
+          <a:p>
+            <a:pPr algn="ctr"/>
+            <a:r>
+              <a:rPr b="1" lang="en-US" sz="1000" spc="-1" strike="noStrike">
+                <a:latin typeface="Arial"/>
+              </a:rPr>
+              <a:t>Ethnicity</a:t>
+            </a:r>
+            <a:endParaRPr b="0" lang="en-US" sz="1000" spc="-1" strike="noStrike">
+              <a:latin typeface="Arial"/>
+            </a:endParaRPr>
+          </a:p>
+          <a:p>
+            <a:pPr algn="ctr"/>
+            <a:endParaRPr b="0" lang="en-US" sz="1000" spc="-1" strike="noStrike">
+              <a:latin typeface="Arial"/>
+            </a:endParaRPr>
+          </a:p>
+          <a:p>
+            <a:pPr algn="ctr"/>
+            <a:r>
+              <a:rPr b="0" lang="en-US" sz="1000" spc="-1" strike="noStrike">
+                <a:latin typeface="Arial"/>
+              </a:rPr>
+              <a:t>Flatten</a:t>
+            </a:r>
+            <a:endParaRPr b="0" lang="en-US" sz="1000" spc="-1" strike="noStrike">
+              <a:latin typeface="Arial"/>
+            </a:endParaRPr>
+          </a:p>
+          <a:p>
+            <a:pPr algn="ctr"/>
+            <a:r>
+              <a:rPr b="0" lang="en-US" sz="1000" spc="-1" strike="noStrike">
+                <a:latin typeface="Arial"/>
+              </a:rPr>
+              <a:t>Dense</a:t>
+            </a:r>
+            <a:endParaRPr b="0" lang="en-US" sz="1000" spc="-1" strike="noStrike">
+              <a:latin typeface="Arial"/>
+            </a:endParaRPr>
+          </a:p>
+          <a:p>
+            <a:pPr algn="ctr"/>
+            <a:r>
+              <a:rPr b="0" lang="en-US" sz="1000" spc="-1" strike="noStrike">
+                <a:latin typeface="Arial"/>
+              </a:rPr>
+              <a:t> </a:t>
+            </a:r>
+            <a:r>
+              <a:rPr b="0" lang="en-US" sz="1000" spc="-1" strike="noStrike">
+                <a:latin typeface="Arial"/>
+              </a:rPr>
+              <a:t>Activation</a:t>
+            </a:r>
+            <a:endParaRPr b="0" lang="en-US" sz="1000" spc="-1" strike="noStrike">
+              <a:latin typeface="Arial"/>
+            </a:endParaRPr>
+          </a:p>
+          <a:p>
+            <a:pPr algn="ctr"/>
+            <a:r>
+              <a:rPr b="0" lang="en-US" sz="1000" spc="-1" strike="noStrike">
+                <a:latin typeface="Arial"/>
+              </a:rPr>
+              <a:t>BatchNormalization</a:t>
+            </a:r>
+            <a:endParaRPr b="0" lang="en-US" sz="1000" spc="-1" strike="noStrike">
+              <a:latin typeface="Arial"/>
+            </a:endParaRPr>
+          </a:p>
+          <a:p>
+            <a:pPr algn="ctr"/>
+            <a:r>
+              <a:rPr b="0" lang="en-US" sz="1000" spc="-1" strike="noStrike">
+                <a:latin typeface="Arial"/>
+              </a:rPr>
+              <a:t>Dropout</a:t>
+            </a:r>
+            <a:endParaRPr b="0" lang="en-US" sz="1000" spc="-1" strike="noStrike">
+              <a:latin typeface="Arial"/>
+            </a:endParaRPr>
+          </a:p>
+          <a:p>
+            <a:pPr algn="ctr"/>
+            <a:r>
+              <a:rPr b="0" lang="en-US" sz="1000" spc="-1" strike="noStrike">
+                <a:latin typeface="Arial"/>
+              </a:rPr>
+              <a:t>Dense</a:t>
+            </a:r>
+            <a:endParaRPr b="0" lang="en-US" sz="1000" spc="-1" strike="noStrike">
+              <a:latin typeface="Arial"/>
+            </a:endParaRPr>
+          </a:p>
+          <a:p>
+            <a:pPr algn="ctr"/>
+            <a:r>
+              <a:rPr b="0" lang="en-US" sz="1000" spc="-1" strike="noStrike">
+                <a:latin typeface="Arial"/>
+              </a:rPr>
+              <a:t> </a:t>
+            </a:r>
+            <a:r>
+              <a:rPr b="0" lang="en-US" sz="1000" spc="-1" strike="noStrike">
+                <a:latin typeface="Arial"/>
+              </a:rPr>
+              <a:t>Activation(softmax)</a:t>
+            </a:r>
+            <a:endParaRPr b="0" lang="en-US" sz="1000" spc="-1" strike="noStrike">
+              <a:latin typeface="Arial"/>
+            </a:endParaRPr>
+          </a:p>
+        </p:txBody>
+      </p:sp>
+      <p:sp>
+        <p:nvSpPr>
+          <p:cNvPr id="109" name="CustomShape 7"/>
+          <p:cNvSpPr/>
+          <p:nvPr/>
+        </p:nvSpPr>
+        <p:spPr>
+          <a:xfrm>
+            <a:off x="3474720" y="3931920"/>
+            <a:ext cx="1920240" cy="1828800"/>
+          </a:xfrm>
+          <a:prstGeom prst="rect">
+            <a:avLst/>
+          </a:prstGeom>
+          <a:solidFill>
+            <a:srgbClr val="ffffff"/>
+          </a:solidFill>
+          <a:ln>
+            <a:solidFill>
+              <a:srgbClr val="3465a4"/>
+            </a:solidFill>
+          </a:ln>
+        </p:spPr>
+        <p:style>
+          <a:lnRef idx="0"/>
+          <a:fillRef idx="0"/>
+          <a:effectRef idx="0"/>
+          <a:fontRef idx="minor"/>
+        </p:style>
+        <p:txBody>
+          <a:bodyPr wrap="none" lIns="90000" rIns="90000" tIns="45000" bIns="45000" anchor="ctr">
+            <a:noAutofit/>
+          </a:bodyPr>
+          <a:p>
+            <a:pPr algn="ctr"/>
+            <a:r>
+              <a:rPr b="1" lang="en-US" sz="1000" spc="-1" strike="noStrike">
+                <a:latin typeface="Arial"/>
+              </a:rPr>
+              <a:t>Gender</a:t>
+            </a:r>
+            <a:endParaRPr b="0" lang="en-US" sz="1000" spc="-1" strike="noStrike">
+              <a:latin typeface="Arial"/>
+            </a:endParaRPr>
+          </a:p>
+          <a:p>
+            <a:pPr algn="ctr"/>
+            <a:endParaRPr b="0" lang="en-US" sz="1000" spc="-1" strike="noStrike">
+              <a:latin typeface="Arial"/>
+            </a:endParaRPr>
+          </a:p>
+          <a:p>
+            <a:pPr algn="ctr"/>
+            <a:r>
+              <a:rPr b="0" lang="en-US" sz="1000" spc="-1" strike="noStrike">
+                <a:latin typeface="Arial"/>
+              </a:rPr>
+              <a:t>Flatten</a:t>
+            </a:r>
+            <a:endParaRPr b="0" lang="en-US" sz="1000" spc="-1" strike="noStrike">
+              <a:latin typeface="Arial"/>
+            </a:endParaRPr>
+          </a:p>
+          <a:p>
+            <a:pPr algn="ctr"/>
+            <a:r>
+              <a:rPr b="0" lang="en-US" sz="1000" spc="-1" strike="noStrike">
+                <a:latin typeface="Arial"/>
+              </a:rPr>
+              <a:t>Dense</a:t>
+            </a:r>
+            <a:endParaRPr b="0" lang="en-US" sz="1000" spc="-1" strike="noStrike">
+              <a:latin typeface="Arial"/>
+            </a:endParaRPr>
+          </a:p>
+          <a:p>
+            <a:pPr algn="ctr"/>
+            <a:r>
+              <a:rPr b="0" lang="en-US" sz="1000" spc="-1" strike="noStrike">
+                <a:latin typeface="Arial"/>
+              </a:rPr>
+              <a:t> </a:t>
+            </a:r>
+            <a:r>
+              <a:rPr b="0" lang="en-US" sz="1000" spc="-1" strike="noStrike">
+                <a:latin typeface="Arial"/>
+              </a:rPr>
+              <a:t>Activation</a:t>
+            </a:r>
+            <a:endParaRPr b="0" lang="en-US" sz="1000" spc="-1" strike="noStrike">
+              <a:latin typeface="Arial"/>
+            </a:endParaRPr>
+          </a:p>
+          <a:p>
+            <a:pPr algn="ctr"/>
+            <a:r>
+              <a:rPr b="0" lang="en-US" sz="1000" spc="-1" strike="noStrike">
+                <a:latin typeface="Arial"/>
+              </a:rPr>
+              <a:t>BatchNormalization</a:t>
+            </a:r>
+            <a:endParaRPr b="0" lang="en-US" sz="1000" spc="-1" strike="noStrike">
+              <a:latin typeface="Arial"/>
+            </a:endParaRPr>
+          </a:p>
+          <a:p>
+            <a:pPr algn="ctr"/>
+            <a:r>
+              <a:rPr b="0" lang="en-US" sz="1000" spc="-1" strike="noStrike">
+                <a:latin typeface="Arial"/>
+              </a:rPr>
+              <a:t>Dropout</a:t>
+            </a:r>
+            <a:endParaRPr b="0" lang="en-US" sz="1000" spc="-1" strike="noStrike">
+              <a:latin typeface="Arial"/>
+            </a:endParaRPr>
+          </a:p>
+          <a:p>
+            <a:pPr algn="ctr"/>
+            <a:r>
+              <a:rPr b="0" lang="en-US" sz="1000" spc="-1" strike="noStrike">
+                <a:latin typeface="Arial"/>
+              </a:rPr>
+              <a:t>Dense</a:t>
+            </a:r>
+            <a:endParaRPr b="0" lang="en-US" sz="1000" spc="-1" strike="noStrike">
+              <a:latin typeface="Arial"/>
+            </a:endParaRPr>
+          </a:p>
+          <a:p>
+            <a:pPr algn="ctr"/>
+            <a:r>
+              <a:rPr b="0" lang="en-US" sz="1000" spc="-1" strike="noStrike">
+                <a:latin typeface="Arial"/>
+              </a:rPr>
+              <a:t> </a:t>
+            </a:r>
+            <a:r>
+              <a:rPr b="0" lang="en-US" sz="1000" spc="-1" strike="noStrike">
+                <a:latin typeface="Arial"/>
+              </a:rPr>
+              <a:t>Activation(sigmoid)</a:t>
+            </a:r>
+            <a:endParaRPr b="0" lang="en-US" sz="1000" spc="-1" strike="noStrike">
+              <a:latin typeface="Arial"/>
+            </a:endParaRPr>
+          </a:p>
+        </p:txBody>
+      </p:sp>
+      <p:sp>
+        <p:nvSpPr>
+          <p:cNvPr id="110" name="CustomShape 8"/>
+          <p:cNvSpPr/>
+          <p:nvPr/>
+        </p:nvSpPr>
+        <p:spPr>
+          <a:xfrm>
+            <a:off x="5760720" y="3931920"/>
+            <a:ext cx="1920240" cy="1828800"/>
+          </a:xfrm>
+          <a:prstGeom prst="rect">
+            <a:avLst/>
+          </a:prstGeom>
+          <a:solidFill>
+            <a:srgbClr val="ffffff"/>
+          </a:solidFill>
+          <a:ln>
+            <a:solidFill>
+              <a:srgbClr val="3465a4"/>
+            </a:solidFill>
+          </a:ln>
+        </p:spPr>
+        <p:style>
+          <a:lnRef idx="0"/>
+          <a:fillRef idx="0"/>
+          <a:effectRef idx="0"/>
+          <a:fontRef idx="minor"/>
+        </p:style>
+        <p:txBody>
+          <a:bodyPr wrap="none" lIns="90000" rIns="90000" tIns="45000" bIns="45000" anchor="ctr">
+            <a:noAutofit/>
+          </a:bodyPr>
+          <a:p>
+            <a:pPr algn="ctr"/>
+            <a:r>
+              <a:rPr b="1" lang="en-US" sz="1000" spc="-1" strike="noStrike">
+                <a:latin typeface="Arial"/>
+              </a:rPr>
+              <a:t>Age</a:t>
+            </a:r>
+            <a:endParaRPr b="0" lang="en-US" sz="1000" spc="-1" strike="noStrike">
+              <a:latin typeface="Arial"/>
+            </a:endParaRPr>
+          </a:p>
+          <a:p>
+            <a:pPr algn="ctr"/>
+            <a:endParaRPr b="0" lang="en-US" sz="1000" spc="-1" strike="noStrike">
+              <a:latin typeface="Arial"/>
+            </a:endParaRPr>
+          </a:p>
+          <a:p>
+            <a:pPr algn="ctr"/>
+            <a:r>
+              <a:rPr b="0" lang="en-US" sz="1000" spc="-1" strike="noStrike">
+                <a:latin typeface="Arial"/>
+              </a:rPr>
+              <a:t>Flatten</a:t>
+            </a:r>
+            <a:endParaRPr b="0" lang="en-US" sz="1000" spc="-1" strike="noStrike">
+              <a:latin typeface="Arial"/>
+            </a:endParaRPr>
+          </a:p>
+          <a:p>
+            <a:pPr algn="ctr"/>
+            <a:r>
+              <a:rPr b="0" lang="en-US" sz="1000" spc="-1" strike="noStrike">
+                <a:latin typeface="Arial"/>
+              </a:rPr>
+              <a:t>Dense</a:t>
+            </a:r>
+            <a:endParaRPr b="0" lang="en-US" sz="1000" spc="-1" strike="noStrike">
+              <a:latin typeface="Arial"/>
+            </a:endParaRPr>
+          </a:p>
+          <a:p>
+            <a:pPr algn="ctr"/>
+            <a:r>
+              <a:rPr b="0" lang="en-US" sz="1000" spc="-1" strike="noStrike">
+                <a:latin typeface="Arial"/>
+              </a:rPr>
+              <a:t> </a:t>
+            </a:r>
+            <a:r>
+              <a:rPr b="0" lang="en-US" sz="1000" spc="-1" strike="noStrike">
+                <a:latin typeface="Arial"/>
+              </a:rPr>
+              <a:t>Activation</a:t>
+            </a:r>
+            <a:endParaRPr b="0" lang="en-US" sz="1000" spc="-1" strike="noStrike">
+              <a:latin typeface="Arial"/>
+            </a:endParaRPr>
+          </a:p>
+          <a:p>
+            <a:pPr algn="ctr"/>
+            <a:r>
+              <a:rPr b="0" lang="en-US" sz="1000" spc="-1" strike="noStrike">
+                <a:latin typeface="Arial"/>
+              </a:rPr>
+              <a:t>BatchNormalization</a:t>
+            </a:r>
+            <a:endParaRPr b="0" lang="en-US" sz="1000" spc="-1" strike="noStrike">
+              <a:latin typeface="Arial"/>
+            </a:endParaRPr>
+          </a:p>
+          <a:p>
+            <a:pPr algn="ctr"/>
+            <a:r>
+              <a:rPr b="0" lang="en-US" sz="1000" spc="-1" strike="noStrike">
+                <a:latin typeface="Arial"/>
+              </a:rPr>
+              <a:t>Dropout</a:t>
+            </a:r>
+            <a:endParaRPr b="0" lang="en-US" sz="1000" spc="-1" strike="noStrike">
+              <a:latin typeface="Arial"/>
+            </a:endParaRPr>
+          </a:p>
+          <a:p>
+            <a:pPr algn="ctr"/>
+            <a:r>
+              <a:rPr b="0" lang="en-US" sz="1000" spc="-1" strike="noStrike">
+                <a:latin typeface="Arial"/>
+              </a:rPr>
+              <a:t>Dense</a:t>
+            </a:r>
+            <a:endParaRPr b="0" lang="en-US" sz="1000" spc="-1" strike="noStrike">
+              <a:latin typeface="Arial"/>
+            </a:endParaRPr>
+          </a:p>
+          <a:p>
+            <a:pPr algn="ctr"/>
+            <a:r>
+              <a:rPr b="0" lang="en-US" sz="1000" spc="-1" strike="noStrike">
+                <a:latin typeface="Arial"/>
+              </a:rPr>
+              <a:t> </a:t>
+            </a:r>
+            <a:r>
+              <a:rPr b="0" lang="en-US" sz="1000" spc="-1" strike="noStrike">
+                <a:latin typeface="Arial"/>
+              </a:rPr>
+              <a:t>Activation(linear)</a:t>
+            </a:r>
+            <a:endParaRPr b="0" lang="en-US" sz="1000" spc="-1" strike="noStrike">
               <a:latin typeface="Arial"/>
             </a:endParaRPr>
           </a:p>
